--- a/课程PPT/01.JavaScript发展历程及语言特点.pptx
+++ b/课程PPT/01.JavaScript发展历程及语言特点.pptx
@@ -11,24 +11,26 @@
     <p:sldId id="773" r:id="rId3"/>
     <p:sldId id="888" r:id="rId4"/>
     <p:sldId id="860" r:id="rId5"/>
-    <p:sldId id="926" r:id="rId7"/>
-    <p:sldId id="1001" r:id="rId8"/>
-    <p:sldId id="1002" r:id="rId9"/>
-    <p:sldId id="905" r:id="rId10"/>
-    <p:sldId id="1004" r:id="rId11"/>
-    <p:sldId id="1018" r:id="rId12"/>
-    <p:sldId id="858" r:id="rId13"/>
-    <p:sldId id="850" r:id="rId14"/>
-    <p:sldId id="976" r:id="rId15"/>
-    <p:sldId id="851" r:id="rId16"/>
-    <p:sldId id="909" r:id="rId17"/>
-    <p:sldId id="852" r:id="rId18"/>
-    <p:sldId id="913" r:id="rId19"/>
-    <p:sldId id="1006" r:id="rId20"/>
-    <p:sldId id="1005" r:id="rId21"/>
-    <p:sldId id="994" r:id="rId22"/>
-    <p:sldId id="794" r:id="rId23"/>
-    <p:sldId id="995" r:id="rId24"/>
+    <p:sldId id="1031" r:id="rId7"/>
+    <p:sldId id="926" r:id="rId8"/>
+    <p:sldId id="1001" r:id="rId9"/>
+    <p:sldId id="1002" r:id="rId10"/>
+    <p:sldId id="1032" r:id="rId11"/>
+    <p:sldId id="1033" r:id="rId12"/>
+    <p:sldId id="905" r:id="rId13"/>
+    <p:sldId id="1034" r:id="rId14"/>
+    <p:sldId id="1004" r:id="rId15"/>
+    <p:sldId id="1018" r:id="rId16"/>
+    <p:sldId id="858" r:id="rId17"/>
+    <p:sldId id="850" r:id="rId18"/>
+    <p:sldId id="976" r:id="rId19"/>
+    <p:sldId id="851" r:id="rId20"/>
+    <p:sldId id="909" r:id="rId21"/>
+    <p:sldId id="852" r:id="rId22"/>
+    <p:sldId id="913" r:id="rId23"/>
+    <p:sldId id="994" r:id="rId24"/>
+    <p:sldId id="794" r:id="rId25"/>
+    <p:sldId id="995" r:id="rId26"/>
   </p:sldIdLst>
   <p:sldSz cx="12192000" cy="6858000"/>
   <p:notesSz cx="6797675" cy="9928225"/>
@@ -892,75 +894,23 @@
           <a:p>
             <a:r>
               <a:rPr lang="zh-CN" altLang="en-US"/>
-              <a:t>前端</a:t>
-            </a:r>
-            <a:r>
-              <a:rPr lang="en-US" altLang="zh-CN"/>
-              <a:t>JS</a:t>
-            </a:r>
+              <a:t>在1995年时，由Netscape公司的Brendan Eich，在网景导航者浏览器上首次设计实现而成。因为Netscape与Sun合作，Netscape管理层希望它外观看起来像Java，因此取名为JavaScript。但实际上它的语法风格与Self及Scheme较为接近。</a:t>
+            </a:r>
+            <a:endParaRPr lang="zh-CN" altLang="en-US"/>
+          </a:p>
+          <a:p>
             <a:r>
               <a:rPr lang="zh-CN" altLang="en-US"/>
-              <a:t>（</a:t>
-            </a:r>
-            <a:r>
-              <a:rPr lang="en-US" altLang="zh-CN"/>
-              <a:t>ECMAScript</a:t>
-            </a:r>
+              <a:t>为了取得技术优势，微软推出了JScript，CEnvi推出ScriptEase，与JavaScript同样可在浏览器上运行。为了统一规格，因为JavaScript兼容于ECMA标准，因此也称为ECMAScript。</a:t>
+            </a:r>
+            <a:endParaRPr lang="zh-CN" altLang="en-US"/>
+          </a:p>
+          <a:p>
             <a:r>
               <a:rPr lang="zh-CN" altLang="en-US"/>
-              <a:t>、</a:t>
-            </a:r>
-            <a:r>
-              <a:rPr lang="en-US" altLang="zh-CN"/>
-              <a:t>BOM</a:t>
-            </a:r>
-            <a:r>
-              <a:rPr lang="zh-CN" altLang="en-US"/>
-              <a:t>、</a:t>
-            </a:r>
-            <a:r>
-              <a:rPr lang="en-US" altLang="zh-CN"/>
-              <a:t>DOM</a:t>
-            </a:r>
-            <a:r>
-              <a:rPr lang="zh-CN" altLang="en-US"/>
-              <a:t>），</a:t>
-            </a:r>
-            <a:r>
-              <a:rPr lang="en-US" altLang="zh-CN"/>
-              <a:t>Node</a:t>
-            </a:r>
-            <a:r>
-              <a:rPr lang="zh-CN" altLang="en-US"/>
-              <a:t>（</a:t>
-            </a:r>
-            <a:r>
-              <a:rPr lang="en-US" altLang="zh-CN">
-                <a:sym typeface="+mn-ea"/>
-              </a:rPr>
-              <a:t>ECMAScript</a:t>
-            </a:r>
-            <a:r>
-              <a:rPr lang="zh-CN" altLang="en-US">
-                <a:sym typeface="+mn-ea"/>
-              </a:rPr>
-              <a:t>、</a:t>
-            </a:r>
-            <a:r>
-              <a:rPr lang="en-US" altLang="zh-CN">
-                <a:sym typeface="+mn-ea"/>
-              </a:rPr>
-              <a:t>DOM</a:t>
-            </a:r>
-            <a:r>
-              <a:rPr lang="zh-CN" altLang="en-US">
-                <a:sym typeface="+mn-ea"/>
-              </a:rPr>
-              <a:t>）</a:t>
-            </a:r>
-            <a:endParaRPr lang="zh-CN" altLang="en-US">
-              <a:sym typeface="+mn-ea"/>
-            </a:endParaRPr>
+              <a:t>发展初期，JavaScript的标准并未确定，同期有Netscape的JavaScript，微软的JScript和CEnvi的ScriptEase三足鼎立。1997年，在ECMA（欧洲计算机制造商协会）的协调下，由Netscape、Sun、微软、Borland组成的工作组确定统一标准：ECMA-262。</a:t>
+            </a:r>
+            <a:endParaRPr lang="zh-CN" altLang="en-US"/>
           </a:p>
         </p:txBody>
       </p:sp>
@@ -973,6 +923,120 @@
 </file>
 
 <file path=ppt/notesSlides/notesSlide3.xml><?xml version="1.0" encoding="utf-8"?>
+<p:notes xmlns:a="http://schemas.openxmlformats.org/drawingml/2006/main" xmlns:r="http://schemas.openxmlformats.org/officeDocument/2006/relationships" xmlns:p="http://schemas.openxmlformats.org/presentationml/2006/main">
+  <p:cSld>
+    <p:spTree>
+      <p:nvGrpSpPr>
+        <p:cNvPr id="1" name=""/>
+        <p:cNvGrpSpPr/>
+        <p:nvPr/>
+      </p:nvGrpSpPr>
+      <p:grpSpPr/>
+      <p:sp>
+        <p:nvSpPr>
+          <p:cNvPr id="2" name="幻灯片图像占位符 1"/>
+          <p:cNvSpPr/>
+          <p:nvPr>
+            <p:ph type="sldImg" idx="2"/>
+          </p:nvPr>
+        </p:nvSpPr>
+        <p:spPr/>
+      </p:sp>
+      <p:sp>
+        <p:nvSpPr>
+          <p:cNvPr id="3" name="文本占位符 2"/>
+          <p:cNvSpPr/>
+          <p:nvPr>
+            <p:ph type="body" idx="3"/>
+          </p:nvPr>
+        </p:nvSpPr>
+        <p:spPr/>
+        <p:txBody>
+          <a:bodyPr/>
+          <a:p>
+            <a:r>
+              <a:rPr lang="zh-CN" altLang="en-US"/>
+              <a:t>前端</a:t>
+            </a:r>
+            <a:r>
+              <a:rPr lang="en-US" altLang="zh-CN"/>
+              <a:t>JS</a:t>
+            </a:r>
+            <a:r>
+              <a:rPr lang="zh-CN" altLang="en-US"/>
+              <a:t>（</a:t>
+            </a:r>
+            <a:r>
+              <a:rPr lang="en-US" altLang="zh-CN"/>
+              <a:t>ECMAScript</a:t>
+            </a:r>
+            <a:r>
+              <a:rPr lang="zh-CN" altLang="en-US"/>
+              <a:t>、</a:t>
+            </a:r>
+            <a:r>
+              <a:rPr lang="en-US" altLang="zh-CN"/>
+              <a:t>BOM</a:t>
+            </a:r>
+            <a:r>
+              <a:rPr lang="zh-CN" altLang="en-US"/>
+              <a:t>、</a:t>
+            </a:r>
+            <a:r>
+              <a:rPr lang="en-US" altLang="zh-CN"/>
+              <a:t>DOM</a:t>
+            </a:r>
+            <a:r>
+              <a:rPr lang="zh-CN" altLang="en-US"/>
+              <a:t>），</a:t>
+            </a:r>
+            <a:r>
+              <a:rPr lang="en-US" altLang="zh-CN"/>
+              <a:t>Node</a:t>
+            </a:r>
+            <a:r>
+              <a:rPr lang="zh-CN" altLang="en-US"/>
+              <a:t>（</a:t>
+            </a:r>
+            <a:r>
+              <a:rPr lang="en-US" altLang="zh-CN">
+                <a:sym typeface="+mn-ea"/>
+              </a:rPr>
+              <a:t>ECMAScript</a:t>
+            </a:r>
+            <a:r>
+              <a:rPr lang="zh-CN" altLang="en-US">
+                <a:sym typeface="+mn-ea"/>
+              </a:rPr>
+              <a:t>、</a:t>
+            </a:r>
+            <a:r>
+              <a:rPr lang="en-US" altLang="zh-CN">
+                <a:sym typeface="+mn-ea"/>
+              </a:rPr>
+              <a:t>DOM</a:t>
+            </a:r>
+            <a:r>
+              <a:rPr lang="zh-CN" altLang="en-US">
+                <a:sym typeface="+mn-ea"/>
+              </a:rPr>
+              <a:t>）</a:t>
+            </a:r>
+            <a:endParaRPr lang="zh-CN" altLang="en-US">
+              <a:sym typeface="+mn-ea"/>
+            </a:endParaRPr>
+          </a:p>
+        </p:txBody>
+      </p:sp>
+    </p:spTree>
+  </p:cSld>
+  <p:clrMapOvr>
+    <a:masterClrMapping/>
+  </p:clrMapOvr>
+</p:notes>
+</file>
+
+<file path=ppt/notesSlides/notesSlide4.xml><?xml version="1.0" encoding="utf-8"?>
 <p:notes xmlns:a="http://schemas.openxmlformats.org/drawingml/2006/main" xmlns:r="http://schemas.openxmlformats.org/officeDocument/2006/relationships" xmlns:p="http://schemas.openxmlformats.org/presentationml/2006/main">
   <p:cSld>
     <p:spTree>
@@ -1050,68 +1114,6 @@
 </p:notes>
 </file>
 
-<file path=ppt/notesSlides/notesSlide4.xml><?xml version="1.0" encoding="utf-8"?>
-<p:notes xmlns:a="http://schemas.openxmlformats.org/drawingml/2006/main" xmlns:r="http://schemas.openxmlformats.org/officeDocument/2006/relationships" xmlns:p="http://schemas.openxmlformats.org/presentationml/2006/main">
-  <p:cSld>
-    <p:spTree>
-      <p:nvGrpSpPr>
-        <p:cNvPr id="1" name=""/>
-        <p:cNvGrpSpPr/>
-        <p:nvPr/>
-      </p:nvGrpSpPr>
-      <p:grpSpPr/>
-      <p:sp>
-        <p:nvSpPr>
-          <p:cNvPr id="2" name="幻灯片图像占位符 1"/>
-          <p:cNvSpPr/>
-          <p:nvPr>
-            <p:ph type="sldImg" idx="2"/>
-          </p:nvPr>
-        </p:nvSpPr>
-        <p:spPr/>
-      </p:sp>
-      <p:sp>
-        <p:nvSpPr>
-          <p:cNvPr id="3" name="文本占位符 2"/>
-          <p:cNvSpPr/>
-          <p:nvPr>
-            <p:ph type="body" idx="3"/>
-          </p:nvPr>
-        </p:nvSpPr>
-        <p:spPr/>
-        <p:txBody>
-          <a:bodyPr/>
-          <a:p>
-            <a:r>
-              <a:rPr lang="zh-CN" altLang="en-US"/>
-              <a:t>在1995年时，由Netscape公司的Brendan Eich，在网景导航者浏览器上首次设计实现而成。因为Netscape与Sun合作，Netscape管理层希望它外观看起来像Java，因此取名为JavaScript。但实际上它的语法风格与Self及Scheme较为接近。</a:t>
-            </a:r>
-            <a:endParaRPr lang="zh-CN" altLang="en-US"/>
-          </a:p>
-          <a:p>
-            <a:r>
-              <a:rPr lang="zh-CN" altLang="en-US"/>
-              <a:t>为了取得技术优势，微软推出了JScript，CEnvi推出ScriptEase，与JavaScript同样可在浏览器上运行。为了统一规格，因为JavaScript兼容于ECMA标准，因此也称为ECMAScript。</a:t>
-            </a:r>
-            <a:endParaRPr lang="zh-CN" altLang="en-US"/>
-          </a:p>
-          <a:p>
-            <a:r>
-              <a:rPr lang="zh-CN" altLang="en-US"/>
-              <a:t>发展初期，JavaScript的标准并未确定，同期有Netscape的JavaScript，微软的JScript和CEnvi的ScriptEase三足鼎立。1997年，在ECMA（欧洲计算机制造商协会）的协调下，由Netscape、Sun、微软、Borland组成的工作组确定统一标准：ECMA-262。</a:t>
-            </a:r>
-            <a:endParaRPr lang="zh-CN" altLang="en-US"/>
-          </a:p>
-        </p:txBody>
-      </p:sp>
-    </p:spTree>
-  </p:cSld>
-  <p:clrMapOvr>
-    <a:masterClrMapping/>
-  </p:clrMapOvr>
-</p:notes>
-</file>
-
 <file path=ppt/notesSlides/notesSlide5.xml><?xml version="1.0" encoding="utf-8"?>
 <p:notes xmlns:a="http://schemas.openxmlformats.org/drawingml/2006/main" xmlns:r="http://schemas.openxmlformats.org/officeDocument/2006/relationships" xmlns:p="http://schemas.openxmlformats.org/presentationml/2006/main">
   <p:cSld>
@@ -1146,7 +1148,21 @@
           <a:p>
             <a:r>
               <a:rPr lang="zh-CN" altLang="en-US"/>
-              <a:t> “编译”和“解释”的确都有“翻译”的意思，它们的区别则在于翻译的时机安排不大一样。打个比方：假如你打算阅读一本外文书，而你不知道 这门外语，那么你可以找一名翻译，给他足够的时间让他从头到尾把整本书翻译好，然后把书的母语版交给你阅读；或者，你也立刻让这名翻译辅助你阅读，让他一 句一句给你翻译，如果你想往回看某个章节，他也得重新给你翻译。</a:t>
+              <a:t>在1995年时，由Netscape公司的Brendan Eich，在网景导航者浏览器上首次设计实现而成。因为Netscape与Sun合作，Netscape管理层希望它外观看起来像Java，因此取名为JavaScript。但实际上它的语法风格与Self及Scheme较为接近。</a:t>
+            </a:r>
+            <a:endParaRPr lang="zh-CN" altLang="en-US"/>
+          </a:p>
+          <a:p>
+            <a:r>
+              <a:rPr lang="zh-CN" altLang="en-US"/>
+              <a:t>为了取得技术优势，微软推出了JScript，CEnvi推出ScriptEase，与JavaScript同样可在浏览器上运行。为了统一规格，因为JavaScript兼容于ECMA标准，因此也称为ECMAScript。</a:t>
+            </a:r>
+            <a:endParaRPr lang="zh-CN" altLang="en-US"/>
+          </a:p>
+          <a:p>
+            <a:r>
+              <a:rPr lang="zh-CN" altLang="en-US"/>
+              <a:t>发展初期，JavaScript的标准并未确定，同期有Netscape的JavaScript，微软的JScript和CEnvi的ScriptEase三足鼎立。1997年，在ECMA（欧洲计算机制造商协会）的协调下，由Netscape、Sun、微软、Borland组成的工作组确定统一标准：ECMA-262。</a:t>
             </a:r>
             <a:endParaRPr lang="zh-CN" altLang="en-US"/>
           </a:p>
@@ -1194,15 +1210,7 @@
           <a:p>
             <a:r>
               <a:rPr lang="zh-CN" altLang="en-US"/>
-              <a:t>模块化设计，</a:t>
-            </a:r>
-            <a:r>
-              <a:rPr lang="en-US" altLang="zh-CN"/>
-              <a:t>script</a:t>
-            </a:r>
-            <a:r>
-              <a:rPr lang="zh-CN" altLang="en-US"/>
-              <a:t>标签</a:t>
+              <a:t> “编译”和“解释”的确都有“翻译”的意思，它们的区别则在于翻译的时机安排不大一样。打个比方：假如你打算阅读一本外文书，而你不知道 这门外语，那么你可以找一名翻译，给他足够的时间让他从头到尾把整本书翻译好，然后把书的母语版交给你阅读；或者，你也立刻让这名翻译辅助你阅读，让他一 句一句给你翻译，如果你想往回看某个章节，他也得重新给你翻译。</a:t>
             </a:r>
             <a:endParaRPr lang="zh-CN" altLang="en-US"/>
           </a:p>
@@ -1217,6 +1225,62 @@
 </file>
 
 <file path=ppt/notesSlides/notesSlide7.xml><?xml version="1.0" encoding="utf-8"?>
+<p:notes xmlns:a="http://schemas.openxmlformats.org/drawingml/2006/main" xmlns:r="http://schemas.openxmlformats.org/officeDocument/2006/relationships" xmlns:p="http://schemas.openxmlformats.org/presentationml/2006/main">
+  <p:cSld>
+    <p:spTree>
+      <p:nvGrpSpPr>
+        <p:cNvPr id="1" name=""/>
+        <p:cNvGrpSpPr/>
+        <p:nvPr/>
+      </p:nvGrpSpPr>
+      <p:grpSpPr/>
+      <p:sp>
+        <p:nvSpPr>
+          <p:cNvPr id="2" name="幻灯片图像占位符 1"/>
+          <p:cNvSpPr/>
+          <p:nvPr>
+            <p:ph type="sldImg" idx="2"/>
+          </p:nvPr>
+        </p:nvSpPr>
+        <p:spPr/>
+      </p:sp>
+      <p:sp>
+        <p:nvSpPr>
+          <p:cNvPr id="3" name="文本占位符 2"/>
+          <p:cNvSpPr/>
+          <p:nvPr>
+            <p:ph type="body" idx="3"/>
+          </p:nvPr>
+        </p:nvSpPr>
+        <p:spPr/>
+        <p:txBody>
+          <a:bodyPr/>
+          <a:p>
+            <a:r>
+              <a:rPr lang="zh-CN" altLang="en-US"/>
+              <a:t>模块化设计，</a:t>
+            </a:r>
+            <a:r>
+              <a:rPr lang="en-US" altLang="zh-CN"/>
+              <a:t>script</a:t>
+            </a:r>
+            <a:r>
+              <a:rPr lang="zh-CN" altLang="en-US"/>
+              <a:t>标签</a:t>
+            </a:r>
+            <a:endParaRPr lang="zh-CN" altLang="en-US"/>
+          </a:p>
+        </p:txBody>
+      </p:sp>
+    </p:spTree>
+  </p:cSld>
+  <p:clrMapOvr>
+    <a:masterClrMapping/>
+  </p:clrMapOvr>
+</p:notes>
+</file>
+
+<file path=ppt/notesSlides/notesSlide8.xml><?xml version="1.0" encoding="utf-8"?>
 <p:notes xmlns:a="http://schemas.openxmlformats.org/drawingml/2006/main" xmlns:r="http://schemas.openxmlformats.org/officeDocument/2006/relationships" xmlns:p="http://schemas.openxmlformats.org/presentationml/2006/main">
   <p:cSld>
     <p:spTree>
@@ -1294,7 +1358,7 @@
 </p:notes>
 </file>
 
-<file path=ppt/notesSlides/notesSlide8.xml><?xml version="1.0" encoding="utf-8"?>
+<file path=ppt/notesSlides/notesSlide9.xml><?xml version="1.0" encoding="utf-8"?>
 <p:notes xmlns:a="http://schemas.openxmlformats.org/drawingml/2006/main" xmlns:r="http://schemas.openxmlformats.org/officeDocument/2006/relationships" xmlns:p="http://schemas.openxmlformats.org/presentationml/2006/main">
   <p:cSld>
     <p:spTree>
@@ -2855,6 +2919,1223 @@
           <a:chExt cx="0" cy="0"/>
         </a:xfrm>
       </p:grpSpPr>
+      <p:sp>
+        <p:nvSpPr>
+          <p:cNvPr id="4" name="内容占位符 3"/>
+          <p:cNvSpPr>
+            <a:spLocks noGrp="1"/>
+          </p:cNvSpPr>
+          <p:nvPr>
+            <p:ph sz="quarter" idx="11"/>
+          </p:nvPr>
+        </p:nvSpPr>
+        <p:spPr/>
+        <p:txBody>
+          <a:bodyPr/>
+          <a:lstStyle/>
+          <a:p>
+            <a:r>
+              <a:rPr lang="zh-CN" altLang="en-US" dirty="0"/>
+              <a:t>课程考核及课程资料</a:t>
+            </a:r>
+            <a:endParaRPr lang="zh-CN" altLang="en-US" dirty="0"/>
+          </a:p>
+          <a:p>
+            <a:endParaRPr lang="zh-CN" altLang="en-US" dirty="0"/>
+          </a:p>
+        </p:txBody>
+      </p:sp>
+      <p:sp>
+        <p:nvSpPr>
+          <p:cNvPr id="5" name="内容占位符 4"/>
+          <p:cNvSpPr/>
+          <p:nvPr>
+            <p:ph sz="quarter" idx="10"/>
+          </p:nvPr>
+        </p:nvSpPr>
+        <p:spPr>
+          <a:xfrm>
+            <a:off x="1143000" y="783590"/>
+            <a:ext cx="9715500" cy="5402580"/>
+          </a:xfrm>
+        </p:spPr>
+        <p:txBody>
+          <a:bodyPr/>
+          <a:p>
+            <a:r>
+              <a:rPr lang="zh-CN" altLang="en-US" sz="3200">
+                <a:solidFill>
+                  <a:schemeClr val="accent3"/>
+                </a:solidFill>
+              </a:rPr>
+              <a:t>平时成绩</a:t>
+            </a:r>
+            <a:r>
+              <a:rPr lang="zh-CN" altLang="en-US" sz="3200">
+                <a:solidFill>
+                  <a:schemeClr val="tx1"/>
+                </a:solidFill>
+              </a:rPr>
+              <a:t>（考勤、平时表现）</a:t>
+            </a:r>
+            <a:endParaRPr lang="zh-CN" altLang="en-US" sz="3200">
+              <a:solidFill>
+                <a:schemeClr val="tx1"/>
+              </a:solidFill>
+            </a:endParaRPr>
+          </a:p>
+          <a:p>
+            <a:r>
+              <a:rPr lang="zh-CN" altLang="en-US" sz="3200">
+                <a:solidFill>
+                  <a:schemeClr val="accent3"/>
+                </a:solidFill>
+              </a:rPr>
+              <a:t>平时作业</a:t>
+            </a:r>
+            <a:r>
+              <a:rPr lang="zh-CN" altLang="en-US" sz="3200">
+                <a:solidFill>
+                  <a:schemeClr val="tx1"/>
+                </a:solidFill>
+              </a:rPr>
+              <a:t>（在线学习任务、雪梨任务、</a:t>
+            </a:r>
+            <a:r>
+              <a:rPr lang="zh-CN" altLang="en-US" sz="3200">
+                <a:solidFill>
+                  <a:schemeClr val="tx1"/>
+                </a:solidFill>
+                <a:sym typeface="+mn-ea"/>
+              </a:rPr>
+              <a:t>视频学习</a:t>
+            </a:r>
+            <a:r>
+              <a:rPr lang="zh-CN" altLang="en-US" sz="3200">
+                <a:solidFill>
+                  <a:schemeClr val="tx1"/>
+                </a:solidFill>
+              </a:rPr>
+              <a:t>）</a:t>
+            </a:r>
+            <a:endParaRPr lang="zh-CN" altLang="en-US" sz="3200">
+              <a:solidFill>
+                <a:schemeClr val="tx1"/>
+              </a:solidFill>
+            </a:endParaRPr>
+          </a:p>
+          <a:p>
+            <a:r>
+              <a:rPr lang="zh-CN" altLang="en-US" sz="3200">
+                <a:solidFill>
+                  <a:schemeClr val="accent3"/>
+                </a:solidFill>
+              </a:rPr>
+              <a:t>期中、期末考试</a:t>
+            </a:r>
+            <a:endParaRPr lang="zh-CN" altLang="en-US" sz="2200">
+              <a:solidFill>
+                <a:schemeClr val="accent3"/>
+              </a:solidFill>
+            </a:endParaRPr>
+          </a:p>
+        </p:txBody>
+      </p:sp>
+    </p:spTree>
+  </p:cSld>
+  <p:clrMapOvr>
+    <a:masterClrMapping/>
+  </p:clrMapOvr>
+  <p:timing>
+    <p:tnLst>
+      <p:par>
+        <p:cTn id="1" dur="indefinite" restart="never" nodeType="tmRoot"/>
+      </p:par>
+    </p:tnLst>
+  </p:timing>
+</p:sld>
+</file>
+
+<file path=ppt/slides/slide11.xml><?xml version="1.0" encoding="utf-8"?>
+<p:sld xmlns:a="http://schemas.openxmlformats.org/drawingml/2006/main" xmlns:r="http://schemas.openxmlformats.org/officeDocument/2006/relationships" xmlns:p="http://schemas.openxmlformats.org/presentationml/2006/main">
+  <p:cSld>
+    <p:spTree>
+      <p:nvGrpSpPr>
+        <p:cNvPr id="1" name=""/>
+        <p:cNvGrpSpPr/>
+        <p:nvPr/>
+      </p:nvGrpSpPr>
+      <p:grpSpPr>
+        <a:xfrm>
+          <a:off x="0" y="0"/>
+          <a:ext cx="0" cy="0"/>
+          <a:chOff x="0" y="0"/>
+          <a:chExt cx="0" cy="0"/>
+        </a:xfrm>
+      </p:grpSpPr>
+      <p:sp>
+        <p:nvSpPr>
+          <p:cNvPr id="4" name="内容占位符 3"/>
+          <p:cNvSpPr>
+            <a:spLocks noGrp="1"/>
+          </p:cNvSpPr>
+          <p:nvPr>
+            <p:ph sz="quarter" idx="11"/>
+          </p:nvPr>
+        </p:nvSpPr>
+        <p:spPr/>
+        <p:txBody>
+          <a:bodyPr/>
+          <a:lstStyle/>
+          <a:p>
+            <a:r>
+              <a:rPr lang="zh-CN" altLang="en-US" dirty="0"/>
+              <a:t>课程资料</a:t>
+            </a:r>
+            <a:endParaRPr lang="zh-CN" altLang="en-US" dirty="0"/>
+          </a:p>
+          <a:p>
+            <a:endParaRPr lang="zh-CN" altLang="en-US" dirty="0"/>
+          </a:p>
+        </p:txBody>
+      </p:sp>
+      <p:sp>
+        <p:nvSpPr>
+          <p:cNvPr id="5" name="内容占位符 4"/>
+          <p:cNvSpPr/>
+          <p:nvPr>
+            <p:ph sz="quarter" idx="10"/>
+          </p:nvPr>
+        </p:nvSpPr>
+        <p:spPr>
+          <a:xfrm>
+            <a:off x="1143000" y="783590"/>
+            <a:ext cx="9715500" cy="5402580"/>
+          </a:xfrm>
+        </p:spPr>
+        <p:txBody>
+          <a:bodyPr/>
+          <a:p>
+            <a:r>
+              <a:rPr lang="zh-CN" altLang="en-US" sz="3200">
+                <a:solidFill>
+                  <a:schemeClr val="tx1"/>
+                </a:solidFill>
+              </a:rPr>
+              <a:t>首先要有</a:t>
+            </a:r>
+            <a:r>
+              <a:rPr lang="en-US" altLang="zh-CN" sz="3200">
+                <a:solidFill>
+                  <a:schemeClr val="tx1"/>
+                </a:solidFill>
+              </a:rPr>
+              <a:t>github</a:t>
+            </a:r>
+            <a:r>
+              <a:rPr lang="zh-CN" altLang="en-US" sz="3200">
+                <a:solidFill>
+                  <a:schemeClr val="tx1"/>
+                </a:solidFill>
+              </a:rPr>
+              <a:t>账号，</a:t>
+            </a:r>
+            <a:r>
+              <a:rPr lang="zh-CN" altLang="en-US" sz="3200">
+                <a:solidFill>
+                  <a:schemeClr val="tx1"/>
+                </a:solidFill>
+              </a:rPr>
+              <a:t>掌握</a:t>
+            </a:r>
+            <a:r>
+              <a:rPr lang="en-US" altLang="zh-CN" sz="3200">
+                <a:solidFill>
+                  <a:schemeClr val="tx1"/>
+                </a:solidFill>
+              </a:rPr>
+              <a:t>git</a:t>
+            </a:r>
+            <a:r>
+              <a:rPr lang="zh-CN" altLang="en-US" sz="3200">
+                <a:solidFill>
+                  <a:schemeClr val="tx1"/>
+                </a:solidFill>
+              </a:rPr>
+              <a:t>的使用</a:t>
+            </a:r>
+            <a:endParaRPr lang="en-US" altLang="zh-CN" sz="3200">
+              <a:solidFill>
+                <a:schemeClr val="tx1"/>
+              </a:solidFill>
+            </a:endParaRPr>
+          </a:p>
+          <a:p>
+            <a:r>
+              <a:rPr lang="zh-CN" altLang="en-US" sz="3200">
+                <a:solidFill>
+                  <a:schemeClr val="tx1"/>
+                </a:solidFill>
+              </a:rPr>
+              <a:t>课程资料</a:t>
+            </a:r>
+            <a:br>
+              <a:rPr lang="zh-CN" altLang="en-US" sz="3200">
+                <a:solidFill>
+                  <a:schemeClr val="tx1"/>
+                </a:solidFill>
+              </a:rPr>
+            </a:br>
+            <a:r>
+              <a:rPr lang="zh-CN" altLang="en-US" sz="2200">
+                <a:solidFill>
+                  <a:srgbClr val="FF0000"/>
+                </a:solidFill>
+              </a:rPr>
+              <a:t>https://github.com/edu2act/2017-2018_1st_JavaScript-Advanced</a:t>
+            </a:r>
+            <a:endParaRPr lang="zh-CN" altLang="en-US" sz="2200">
+              <a:solidFill>
+                <a:srgbClr val="FF0000"/>
+              </a:solidFill>
+            </a:endParaRPr>
+          </a:p>
+          <a:p>
+            <a:r>
+              <a:rPr lang="zh-CN" altLang="en-US" sz="3200">
+                <a:solidFill>
+                  <a:schemeClr val="tx1"/>
+                </a:solidFill>
+              </a:rPr>
+              <a:t>在线任务网站</a:t>
+            </a:r>
+            <a:br>
+              <a:rPr lang="zh-CN" altLang="en-US" sz="3200">
+                <a:solidFill>
+                  <a:schemeClr val="tx1"/>
+                </a:solidFill>
+              </a:rPr>
+            </a:br>
+            <a:r>
+              <a:rPr lang="zh-CN" altLang="en-US" sz="2200">
+                <a:solidFill>
+                  <a:schemeClr val="accent3"/>
+                </a:solidFill>
+              </a:rPr>
+              <a:t>https://www.freecodecamp.cn</a:t>
+            </a:r>
+            <a:br>
+              <a:rPr lang="zh-CN" altLang="en-US" sz="2200">
+                <a:solidFill>
+                  <a:schemeClr val="accent3"/>
+                </a:solidFill>
+              </a:rPr>
+            </a:br>
+            <a:r>
+              <a:rPr lang="en-US" altLang="zh-CN" sz="2200">
+                <a:solidFill>
+                  <a:schemeClr val="accent3"/>
+                </a:solidFill>
+              </a:rPr>
+              <a:t>http://www.codefordream.com</a:t>
+            </a:r>
+            <a:endParaRPr lang="en-US" altLang="zh-CN" sz="2200">
+              <a:solidFill>
+                <a:schemeClr val="accent3"/>
+              </a:solidFill>
+            </a:endParaRPr>
+          </a:p>
+        </p:txBody>
+      </p:sp>
+    </p:spTree>
+  </p:cSld>
+  <p:clrMapOvr>
+    <a:masterClrMapping/>
+  </p:clrMapOvr>
+  <p:timing>
+    <p:tnLst>
+      <p:par>
+        <p:cTn id="1" dur="indefinite" restart="never" nodeType="tmRoot"/>
+      </p:par>
+    </p:tnLst>
+  </p:timing>
+</p:sld>
+</file>
+
+<file path=ppt/slides/slide12.xml><?xml version="1.0" encoding="utf-8"?>
+<p:sld xmlns:a="http://schemas.openxmlformats.org/drawingml/2006/main" xmlns:r="http://schemas.openxmlformats.org/officeDocument/2006/relationships" xmlns:p="http://schemas.openxmlformats.org/presentationml/2006/main">
+  <p:cSld>
+    <p:spTree>
+      <p:nvGrpSpPr>
+        <p:cNvPr id="1" name=""/>
+        <p:cNvGrpSpPr/>
+        <p:nvPr/>
+      </p:nvGrpSpPr>
+      <p:grpSpPr>
+        <a:xfrm>
+          <a:off x="0" y="0"/>
+          <a:ext cx="0" cy="0"/>
+          <a:chOff x="0" y="0"/>
+          <a:chExt cx="0" cy="0"/>
+        </a:xfrm>
+      </p:grpSpPr>
+      <p:sp>
+        <p:nvSpPr>
+          <p:cNvPr id="3" name="内容占位符 2"/>
+          <p:cNvSpPr>
+            <a:spLocks noGrp="1"/>
+          </p:cNvSpPr>
+          <p:nvPr>
+            <p:ph sz="quarter" idx="10"/>
+          </p:nvPr>
+        </p:nvSpPr>
+        <p:spPr>
+          <a:xfrm>
+            <a:off x="1143000" y="980440"/>
+            <a:ext cx="10067290" cy="4907915"/>
+          </a:xfrm>
+        </p:spPr>
+        <p:txBody>
+          <a:bodyPr/>
+          <a:lstStyle/>
+          <a:p>
+            <a:pPr>
+              <a:lnSpc>
+                <a:spcPct val="140000"/>
+              </a:lnSpc>
+            </a:pPr>
+            <a:r>
+              <a:rPr kumimoji="0" lang="zh-CN" altLang="en-US" dirty="0" smtClean="0">
+                <a:solidFill>
+                  <a:schemeClr val="tx1"/>
+                </a:solidFill>
+              </a:rPr>
+              <a:t>背景、语法</a:t>
+            </a:r>
+            <a:endParaRPr kumimoji="0" lang="zh-CN" altLang="en-US" dirty="0" smtClean="0">
+              <a:solidFill>
+                <a:schemeClr val="tx1"/>
+              </a:solidFill>
+            </a:endParaRPr>
+          </a:p>
+          <a:p>
+            <a:pPr>
+              <a:lnSpc>
+                <a:spcPct val="140000"/>
+              </a:lnSpc>
+            </a:pPr>
+            <a:r>
+              <a:rPr kumimoji="0" lang="zh-CN" altLang="en-US" dirty="0" smtClean="0">
+                <a:solidFill>
+                  <a:schemeClr val="tx1"/>
+                </a:solidFill>
+              </a:rPr>
+              <a:t>变量和赋值</a:t>
+            </a:r>
+            <a:endParaRPr kumimoji="0" lang="zh-CN" altLang="en-US" dirty="0" smtClean="0">
+              <a:solidFill>
+                <a:schemeClr val="tx1"/>
+              </a:solidFill>
+            </a:endParaRPr>
+          </a:p>
+          <a:p>
+            <a:pPr>
+              <a:lnSpc>
+                <a:spcPct val="140000"/>
+              </a:lnSpc>
+            </a:pPr>
+            <a:r>
+              <a:rPr kumimoji="0" lang="zh-CN" altLang="en-US" dirty="0" smtClean="0">
+                <a:solidFill>
+                  <a:schemeClr val="tx1"/>
+                </a:solidFill>
+              </a:rPr>
+              <a:t>值、布尔值、数字、运算符、字符串、语句</a:t>
+            </a:r>
+            <a:endParaRPr kumimoji="0" lang="zh-CN" altLang="en-US" dirty="0" smtClean="0">
+              <a:solidFill>
+                <a:schemeClr val="tx1"/>
+              </a:solidFill>
+            </a:endParaRPr>
+          </a:p>
+          <a:p>
+            <a:pPr>
+              <a:lnSpc>
+                <a:spcPct val="140000"/>
+              </a:lnSpc>
+            </a:pPr>
+            <a:r>
+              <a:rPr kumimoji="0" lang="zh-CN" altLang="en-US" dirty="0" smtClean="0">
+                <a:solidFill>
+                  <a:schemeClr val="tx1"/>
+                </a:solidFill>
+              </a:rPr>
+              <a:t>函数、异常捕获、严格模式</a:t>
+            </a:r>
+            <a:endParaRPr kumimoji="0" lang="zh-CN" altLang="en-US" dirty="0" smtClean="0">
+              <a:solidFill>
+                <a:schemeClr val="tx1"/>
+              </a:solidFill>
+            </a:endParaRPr>
+          </a:p>
+          <a:p>
+            <a:pPr>
+              <a:lnSpc>
+                <a:spcPct val="140000"/>
+              </a:lnSpc>
+            </a:pPr>
+            <a:r>
+              <a:rPr kumimoji="0" lang="zh-CN" altLang="en-US" dirty="0" smtClean="0">
+                <a:solidFill>
+                  <a:schemeClr val="tx1"/>
+                </a:solidFill>
+              </a:rPr>
+              <a:t>作用域和闭包</a:t>
+            </a:r>
+            <a:endParaRPr kumimoji="0" lang="zh-CN" altLang="en-US" dirty="0" smtClean="0">
+              <a:solidFill>
+                <a:schemeClr val="tx1"/>
+              </a:solidFill>
+            </a:endParaRPr>
+          </a:p>
+          <a:p>
+            <a:pPr>
+              <a:lnSpc>
+                <a:spcPct val="140000"/>
+              </a:lnSpc>
+            </a:pPr>
+            <a:r>
+              <a:rPr kumimoji="0" lang="zh-CN" altLang="en-US" dirty="0" smtClean="0">
+                <a:solidFill>
+                  <a:schemeClr val="tx1"/>
+                </a:solidFill>
+              </a:rPr>
+              <a:t>对象、构造函数</a:t>
+            </a:r>
+            <a:endParaRPr kumimoji="0" lang="zh-CN" altLang="en-US" dirty="0" smtClean="0">
+              <a:solidFill>
+                <a:schemeClr val="tx1"/>
+              </a:solidFill>
+            </a:endParaRPr>
+          </a:p>
+          <a:p>
+            <a:pPr>
+              <a:lnSpc>
+                <a:spcPct val="140000"/>
+              </a:lnSpc>
+            </a:pPr>
+            <a:r>
+              <a:rPr kumimoji="0" lang="zh-CN" altLang="en-US" dirty="0" smtClean="0">
+                <a:solidFill>
+                  <a:schemeClr val="tx1"/>
+                </a:solidFill>
+              </a:rPr>
+              <a:t>数组、正则表达式、</a:t>
+            </a:r>
+            <a:r>
+              <a:rPr kumimoji="0" lang="en-US" altLang="zh-CN" dirty="0" smtClean="0">
+                <a:solidFill>
+                  <a:schemeClr val="tx1"/>
+                </a:solidFill>
+              </a:rPr>
+              <a:t>Math</a:t>
+            </a:r>
+            <a:endParaRPr kumimoji="0" lang="en-US" altLang="zh-CN" dirty="0" smtClean="0">
+              <a:solidFill>
+                <a:schemeClr val="tx1"/>
+              </a:solidFill>
+            </a:endParaRPr>
+          </a:p>
+          <a:p>
+            <a:endParaRPr lang="zh-CN" altLang="en-US" dirty="0"/>
+          </a:p>
+        </p:txBody>
+      </p:sp>
+      <p:sp>
+        <p:nvSpPr>
+          <p:cNvPr id="4" name="内容占位符 3"/>
+          <p:cNvSpPr>
+            <a:spLocks noGrp="1"/>
+          </p:cNvSpPr>
+          <p:nvPr>
+            <p:ph sz="quarter" idx="11"/>
+          </p:nvPr>
+        </p:nvSpPr>
+        <p:spPr>
+          <a:xfrm>
+            <a:off x="981710" y="236855"/>
+            <a:ext cx="10228580" cy="490220"/>
+          </a:xfrm>
+        </p:spPr>
+        <p:txBody>
+          <a:bodyPr/>
+          <a:lstStyle/>
+          <a:p>
+            <a:r>
+              <a:rPr lang="zh-CN" altLang="en-US" dirty="0"/>
+              <a:t>基础</a:t>
+            </a:r>
+            <a:r>
+              <a:rPr lang="en-US" altLang="zh-CN" dirty="0"/>
+              <a:t>JavaScript</a:t>
+            </a:r>
+            <a:r>
+              <a:rPr lang="zh-CN" altLang="en-US" dirty="0"/>
+              <a:t>回顾（参见《</a:t>
+            </a:r>
+            <a:r>
+              <a:rPr lang="zh-CN" altLang="en-US" dirty="0">
+                <a:sym typeface="+mn-ea"/>
+              </a:rPr>
+              <a:t>深入理解</a:t>
+            </a:r>
+            <a:r>
+              <a:rPr lang="en-US" altLang="zh-CN" dirty="0">
+                <a:sym typeface="+mn-ea"/>
+              </a:rPr>
+              <a:t>JS</a:t>
+            </a:r>
+            <a:r>
+              <a:rPr lang="zh-CN" altLang="en-US" dirty="0">
+                <a:sym typeface="+mn-ea"/>
+              </a:rPr>
+              <a:t>》第</a:t>
+            </a:r>
+            <a:r>
+              <a:rPr lang="en-US" altLang="zh-CN" dirty="0">
+                <a:sym typeface="+mn-ea"/>
+              </a:rPr>
+              <a:t>1</a:t>
+            </a:r>
+            <a:r>
+              <a:rPr lang="zh-CN" altLang="en-US" dirty="0">
+                <a:sym typeface="+mn-ea"/>
+              </a:rPr>
+              <a:t>章</a:t>
+            </a:r>
+            <a:r>
+              <a:rPr lang="zh-CN" altLang="en-US" dirty="0"/>
+              <a:t>）</a:t>
+            </a:r>
+            <a:endParaRPr lang="zh-CN" altLang="en-US" dirty="0"/>
+          </a:p>
+          <a:p>
+            <a:endParaRPr lang="zh-CN" altLang="en-US" dirty="0"/>
+          </a:p>
+        </p:txBody>
+      </p:sp>
+      <p:sp>
+        <p:nvSpPr>
+          <p:cNvPr id="8" name="文本框 7"/>
+          <p:cNvSpPr txBox="1"/>
+          <p:nvPr/>
+        </p:nvSpPr>
+        <p:spPr>
+          <a:xfrm>
+            <a:off x="3554095" y="1181735"/>
+            <a:ext cx="2661285" cy="429895"/>
+          </a:xfrm>
+          <a:prstGeom prst="rect">
+            <a:avLst/>
+          </a:prstGeom>
+          <a:noFill/>
+        </p:spPr>
+        <p:txBody>
+          <a:bodyPr wrap="square" rtlCol="0">
+            <a:spAutoFit/>
+          </a:bodyPr>
+          <a:p>
+            <a:pPr algn="l"/>
+            <a:r>
+              <a:rPr lang="zh-CN" altLang="en-US" sz="2200">
+                <a:solidFill>
+                  <a:srgbClr val="FF0000"/>
+                </a:solidFill>
+                <a:latin typeface="+mn-ea"/>
+                <a:ea typeface="+mn-ea"/>
+              </a:rPr>
+              <a:t>参见实例</a:t>
+            </a:r>
+            <a:r>
+              <a:rPr lang="en-US" altLang="zh-CN" sz="2200">
+                <a:solidFill>
+                  <a:srgbClr val="FF0000"/>
+                </a:solidFill>
+                <a:latin typeface="+mn-ea"/>
+                <a:ea typeface="+mn-ea"/>
+              </a:rPr>
+              <a:t>demo02</a:t>
+            </a:r>
+            <a:endParaRPr lang="en-US" altLang="zh-CN" sz="2200">
+              <a:solidFill>
+                <a:srgbClr val="FF0000"/>
+              </a:solidFill>
+              <a:latin typeface="+mn-ea"/>
+              <a:ea typeface="+mn-ea"/>
+            </a:endParaRPr>
+          </a:p>
+        </p:txBody>
+      </p:sp>
+      <p:sp>
+        <p:nvSpPr>
+          <p:cNvPr id="2" name="文本框 1"/>
+          <p:cNvSpPr txBox="1"/>
+          <p:nvPr/>
+        </p:nvSpPr>
+        <p:spPr>
+          <a:xfrm>
+            <a:off x="3681095" y="1811020"/>
+            <a:ext cx="2661285" cy="429895"/>
+          </a:xfrm>
+          <a:prstGeom prst="rect">
+            <a:avLst/>
+          </a:prstGeom>
+          <a:noFill/>
+        </p:spPr>
+        <p:txBody>
+          <a:bodyPr wrap="square" rtlCol="0">
+            <a:spAutoFit/>
+          </a:bodyPr>
+          <a:p>
+            <a:pPr algn="l"/>
+            <a:r>
+              <a:rPr lang="zh-CN" altLang="en-US" sz="2200">
+                <a:solidFill>
+                  <a:srgbClr val="FF0000"/>
+                </a:solidFill>
+                <a:latin typeface="+mn-ea"/>
+                <a:ea typeface="+mn-ea"/>
+              </a:rPr>
+              <a:t>参见实例</a:t>
+            </a:r>
+            <a:r>
+              <a:rPr lang="en-US" altLang="zh-CN" sz="2200">
+                <a:solidFill>
+                  <a:srgbClr val="FF0000"/>
+                </a:solidFill>
+                <a:latin typeface="+mn-ea"/>
+                <a:ea typeface="+mn-ea"/>
+              </a:rPr>
+              <a:t>demo03</a:t>
+            </a:r>
+            <a:endParaRPr lang="en-US" altLang="zh-CN" sz="2200">
+              <a:solidFill>
+                <a:srgbClr val="FF0000"/>
+              </a:solidFill>
+              <a:latin typeface="+mn-ea"/>
+              <a:ea typeface="+mn-ea"/>
+            </a:endParaRPr>
+          </a:p>
+        </p:txBody>
+      </p:sp>
+      <p:sp>
+        <p:nvSpPr>
+          <p:cNvPr id="5" name="文本框 4"/>
+          <p:cNvSpPr txBox="1"/>
+          <p:nvPr/>
+        </p:nvSpPr>
+        <p:spPr>
+          <a:xfrm>
+            <a:off x="8328660" y="2512060"/>
+            <a:ext cx="3072765" cy="429895"/>
+          </a:xfrm>
+          <a:prstGeom prst="rect">
+            <a:avLst/>
+          </a:prstGeom>
+          <a:noFill/>
+        </p:spPr>
+        <p:txBody>
+          <a:bodyPr wrap="square" rtlCol="0">
+            <a:spAutoFit/>
+          </a:bodyPr>
+          <a:p>
+            <a:pPr algn="l"/>
+            <a:r>
+              <a:rPr lang="zh-CN" altLang="en-US" sz="2200">
+                <a:solidFill>
+                  <a:srgbClr val="FF0000"/>
+                </a:solidFill>
+                <a:latin typeface="+mn-ea"/>
+                <a:ea typeface="+mn-ea"/>
+              </a:rPr>
+              <a:t>参见实例</a:t>
+            </a:r>
+            <a:r>
+              <a:rPr lang="en-US" altLang="zh-CN" sz="2200">
+                <a:solidFill>
+                  <a:srgbClr val="FF0000"/>
+                </a:solidFill>
+                <a:latin typeface="+mn-ea"/>
+                <a:ea typeface="+mn-ea"/>
+              </a:rPr>
+              <a:t>demo04-09</a:t>
+            </a:r>
+            <a:endParaRPr lang="en-US" altLang="zh-CN" sz="2200">
+              <a:solidFill>
+                <a:srgbClr val="FF0000"/>
+              </a:solidFill>
+              <a:latin typeface="+mn-ea"/>
+              <a:ea typeface="+mn-ea"/>
+            </a:endParaRPr>
+          </a:p>
+        </p:txBody>
+      </p:sp>
+      <p:sp>
+        <p:nvSpPr>
+          <p:cNvPr id="6" name="文本框 5"/>
+          <p:cNvSpPr txBox="1"/>
+          <p:nvPr/>
+        </p:nvSpPr>
+        <p:spPr>
+          <a:xfrm>
+            <a:off x="5944235" y="3213100"/>
+            <a:ext cx="2935605" cy="429895"/>
+          </a:xfrm>
+          <a:prstGeom prst="rect">
+            <a:avLst/>
+          </a:prstGeom>
+          <a:noFill/>
+        </p:spPr>
+        <p:txBody>
+          <a:bodyPr wrap="square" rtlCol="0">
+            <a:spAutoFit/>
+          </a:bodyPr>
+          <a:p>
+            <a:pPr algn="l"/>
+            <a:r>
+              <a:rPr lang="zh-CN" altLang="en-US" sz="2200">
+                <a:solidFill>
+                  <a:srgbClr val="FF0000"/>
+                </a:solidFill>
+                <a:latin typeface="+mn-ea"/>
+                <a:ea typeface="+mn-ea"/>
+              </a:rPr>
+              <a:t>参见实例</a:t>
+            </a:r>
+            <a:r>
+              <a:rPr lang="en-US" altLang="zh-CN" sz="2200">
+                <a:solidFill>
+                  <a:srgbClr val="FF0000"/>
+                </a:solidFill>
+                <a:latin typeface="+mn-ea"/>
+                <a:ea typeface="+mn-ea"/>
+              </a:rPr>
+              <a:t>demo10-12</a:t>
+            </a:r>
+            <a:endParaRPr lang="en-US" altLang="zh-CN" sz="2200">
+              <a:solidFill>
+                <a:srgbClr val="FF0000"/>
+              </a:solidFill>
+              <a:latin typeface="+mn-ea"/>
+              <a:ea typeface="+mn-ea"/>
+            </a:endParaRPr>
+          </a:p>
+        </p:txBody>
+      </p:sp>
+      <p:sp>
+        <p:nvSpPr>
+          <p:cNvPr id="7" name="文本框 6"/>
+          <p:cNvSpPr txBox="1"/>
+          <p:nvPr/>
+        </p:nvSpPr>
+        <p:spPr>
+          <a:xfrm>
+            <a:off x="3846830" y="3914140"/>
+            <a:ext cx="2935605" cy="429895"/>
+          </a:xfrm>
+          <a:prstGeom prst="rect">
+            <a:avLst/>
+          </a:prstGeom>
+          <a:noFill/>
+        </p:spPr>
+        <p:txBody>
+          <a:bodyPr wrap="square" rtlCol="0">
+            <a:spAutoFit/>
+          </a:bodyPr>
+          <a:p>
+            <a:pPr algn="l"/>
+            <a:r>
+              <a:rPr lang="zh-CN" altLang="en-US" sz="2200">
+                <a:solidFill>
+                  <a:srgbClr val="FF0000"/>
+                </a:solidFill>
+                <a:latin typeface="+mn-ea"/>
+                <a:ea typeface="+mn-ea"/>
+              </a:rPr>
+              <a:t>参见实例</a:t>
+            </a:r>
+            <a:r>
+              <a:rPr lang="en-US" altLang="zh-CN" sz="2200">
+                <a:solidFill>
+                  <a:srgbClr val="FF0000"/>
+                </a:solidFill>
+                <a:latin typeface="+mn-ea"/>
+                <a:ea typeface="+mn-ea"/>
+              </a:rPr>
+              <a:t>demo13</a:t>
+            </a:r>
+            <a:endParaRPr lang="en-US" altLang="zh-CN" sz="2200">
+              <a:solidFill>
+                <a:srgbClr val="FF0000"/>
+              </a:solidFill>
+              <a:latin typeface="+mn-ea"/>
+              <a:ea typeface="+mn-ea"/>
+            </a:endParaRPr>
+          </a:p>
+        </p:txBody>
+      </p:sp>
+      <p:sp>
+        <p:nvSpPr>
+          <p:cNvPr id="9" name="文本框 8"/>
+          <p:cNvSpPr txBox="1"/>
+          <p:nvPr/>
+        </p:nvSpPr>
+        <p:spPr>
+          <a:xfrm>
+            <a:off x="3973830" y="4615180"/>
+            <a:ext cx="2935605" cy="429895"/>
+          </a:xfrm>
+          <a:prstGeom prst="rect">
+            <a:avLst/>
+          </a:prstGeom>
+          <a:noFill/>
+        </p:spPr>
+        <p:txBody>
+          <a:bodyPr wrap="square" rtlCol="0">
+            <a:spAutoFit/>
+          </a:bodyPr>
+          <a:p>
+            <a:pPr algn="l"/>
+            <a:r>
+              <a:rPr lang="zh-CN" altLang="en-US" sz="2200">
+                <a:solidFill>
+                  <a:srgbClr val="FF0000"/>
+                </a:solidFill>
+                <a:latin typeface="+mn-ea"/>
+                <a:ea typeface="+mn-ea"/>
+              </a:rPr>
+              <a:t>参见实例</a:t>
+            </a:r>
+            <a:r>
+              <a:rPr lang="en-US" altLang="zh-CN" sz="2200">
+                <a:solidFill>
+                  <a:srgbClr val="FF0000"/>
+                </a:solidFill>
+                <a:latin typeface="+mn-ea"/>
+                <a:ea typeface="+mn-ea"/>
+              </a:rPr>
+              <a:t>demo14</a:t>
+            </a:r>
+            <a:endParaRPr lang="en-US" altLang="zh-CN" sz="2200">
+              <a:solidFill>
+                <a:srgbClr val="FF0000"/>
+              </a:solidFill>
+              <a:latin typeface="+mn-ea"/>
+              <a:ea typeface="+mn-ea"/>
+            </a:endParaRPr>
+          </a:p>
+        </p:txBody>
+      </p:sp>
+      <p:sp>
+        <p:nvSpPr>
+          <p:cNvPr id="10" name="文本框 9"/>
+          <p:cNvSpPr txBox="1"/>
+          <p:nvPr/>
+        </p:nvSpPr>
+        <p:spPr>
+          <a:xfrm>
+            <a:off x="5679440" y="5316220"/>
+            <a:ext cx="2935605" cy="429895"/>
+          </a:xfrm>
+          <a:prstGeom prst="rect">
+            <a:avLst/>
+          </a:prstGeom>
+          <a:noFill/>
+        </p:spPr>
+        <p:txBody>
+          <a:bodyPr wrap="square" rtlCol="0">
+            <a:spAutoFit/>
+          </a:bodyPr>
+          <a:p>
+            <a:pPr algn="l"/>
+            <a:r>
+              <a:rPr lang="zh-CN" altLang="en-US" sz="2200">
+                <a:solidFill>
+                  <a:srgbClr val="FF0000"/>
+                </a:solidFill>
+                <a:latin typeface="+mn-ea"/>
+                <a:ea typeface="+mn-ea"/>
+              </a:rPr>
+              <a:t>参见实例</a:t>
+            </a:r>
+            <a:r>
+              <a:rPr lang="en-US" altLang="zh-CN" sz="2200">
+                <a:solidFill>
+                  <a:srgbClr val="FF0000"/>
+                </a:solidFill>
+                <a:latin typeface="+mn-ea"/>
+                <a:ea typeface="+mn-ea"/>
+              </a:rPr>
+              <a:t>demo15-16</a:t>
+            </a:r>
+            <a:endParaRPr lang="en-US" altLang="zh-CN" sz="2200">
+              <a:solidFill>
+                <a:srgbClr val="FF0000"/>
+              </a:solidFill>
+              <a:latin typeface="+mn-ea"/>
+              <a:ea typeface="+mn-ea"/>
+            </a:endParaRPr>
+          </a:p>
+        </p:txBody>
+      </p:sp>
+    </p:spTree>
+  </p:cSld>
+  <p:clrMapOvr>
+    <a:masterClrMapping/>
+  </p:clrMapOvr>
+  <p:timing>
+    <p:tnLst>
+      <p:par>
+        <p:cTn id="1" dur="indefinite" restart="never" nodeType="tmRoot"/>
+      </p:par>
+    </p:tnLst>
+  </p:timing>
+</p:sld>
+</file>
+
+<file path=ppt/slides/slide13.xml><?xml version="1.0" encoding="utf-8"?>
+<p:sld xmlns:a="http://schemas.openxmlformats.org/drawingml/2006/main" xmlns:r="http://schemas.openxmlformats.org/officeDocument/2006/relationships" xmlns:p="http://schemas.openxmlformats.org/presentationml/2006/main">
+  <p:cSld>
+    <p:spTree>
+      <p:nvGrpSpPr>
+        <p:cNvPr id="1" name=""/>
+        <p:cNvGrpSpPr/>
+        <p:nvPr/>
+      </p:nvGrpSpPr>
+      <p:grpSpPr>
+        <a:xfrm>
+          <a:off x="0" y="0"/>
+          <a:ext cx="0" cy="0"/>
+          <a:chOff x="0" y="0"/>
+          <a:chExt cx="0" cy="0"/>
+        </a:xfrm>
+      </p:grpSpPr>
+      <p:pic>
+        <p:nvPicPr>
+          <p:cNvPr id="11266" name="Picture 5"/>
+          <p:cNvPicPr>
+            <a:picLocks noChangeAspect="1" noChangeArrowheads="1"/>
+          </p:cNvPicPr>
+          <p:nvPr/>
+        </p:nvPicPr>
+        <p:blipFill>
+          <a:blip r:embed="rId1" cstate="print">
+            <a:extLst>
+              <a:ext uri="{28A0092B-C50C-407E-A947-70E740481C1C}">
+                <a14:useLocalDpi xmlns:a14="http://schemas.microsoft.com/office/drawing/2010/main" val="0"/>
+              </a:ext>
+            </a:extLst>
+          </a:blip>
+          <a:srcRect/>
+          <a:stretch>
+            <a:fillRect/>
+          </a:stretch>
+        </p:blipFill>
+        <p:spPr bwMode="auto">
+          <a:xfrm>
+            <a:off x="0" y="0"/>
+            <a:ext cx="12192000" cy="6858000"/>
+          </a:xfrm>
+          <a:prstGeom prst="rect">
+            <a:avLst/>
+          </a:prstGeom>
+          <a:noFill/>
+          <a:ln>
+            <a:noFill/>
+          </a:ln>
+          <a:extLst>
+            <a:ext uri="{909E8E84-426E-40DD-AFC4-6F175D3DCCD1}">
+              <a14:hiddenFill xmlns:a14="http://schemas.microsoft.com/office/drawing/2010/main">
+                <a:solidFill>
+                  <a:srgbClr val="FFFFFF"/>
+                </a:solidFill>
+              </a14:hiddenFill>
+            </a:ext>
+            <a:ext uri="{91240B29-F687-4F45-9708-019B960494DF}">
+              <a14:hiddenLine xmlns:a14="http://schemas.microsoft.com/office/drawing/2010/main" w="9525">
+                <a:solidFill>
+                  <a:srgbClr val="000000"/>
+                </a:solidFill>
+                <a:miter lim="800000"/>
+                <a:headEnd/>
+                <a:tailEnd/>
+              </a14:hiddenLine>
+            </a:ext>
+          </a:extLst>
+        </p:spPr>
+      </p:pic>
+      <p:sp>
+        <p:nvSpPr>
+          <p:cNvPr id="11267" name="Rectangle 6"/>
+          <p:cNvSpPr>
+            <a:spLocks noGrp="1" noChangeArrowheads="1"/>
+          </p:cNvSpPr>
+          <p:nvPr>
+            <p:ph type="ctrTitle" idx="4294967295"/>
+          </p:nvPr>
+        </p:nvSpPr>
+        <p:spPr bwMode="auto">
+          <a:xfrm>
+            <a:off x="2095501" y="3143251"/>
+            <a:ext cx="7362825" cy="1285875"/>
+          </a:xfrm>
+          <a:prstGeom prst="rect">
+            <a:avLst/>
+          </a:prstGeom>
+          <a:noFill/>
+          <a:extLst>
+            <a:ext uri="{909E8E84-426E-40DD-AFC4-6F175D3DCCD1}">
+              <a14:hiddenFill xmlns:a14="http://schemas.microsoft.com/office/drawing/2010/main">
+                <a:solidFill>
+                  <a:srgbClr val="FFFFFF"/>
+                </a:solidFill>
+              </a14:hiddenFill>
+            </a:ext>
+            <a:ext uri="{91240B29-F687-4F45-9708-019B960494DF}">
+              <a14:hiddenLine xmlns:a14="http://schemas.microsoft.com/office/drawing/2010/main" w="9525">
+                <a:solidFill>
+                  <a:srgbClr val="000000"/>
+                </a:solidFill>
+                <a:miter lim="800000"/>
+                <a:headEnd/>
+                <a:tailEnd/>
+              </a14:hiddenLine>
+            </a:ext>
+          </a:extLst>
+        </p:spPr>
+        <p:txBody>
+          <a:bodyPr anchor="b"/>
+          <a:lstStyle/>
+          <a:p>
+            <a:pPr algn="ctr" eaLnBrk="1" hangingPunct="1"/>
+            <a:r>
+              <a:rPr lang="en-US" altLang="zh-CN" sz="5400">
+                <a:solidFill>
+                  <a:schemeClr val="tx2"/>
+                </a:solidFill>
+              </a:rPr>
+              <a:t>Have a</a:t>
+            </a:r>
+            <a:r>
+              <a:rPr lang="en-US" altLang="zh-CN" sz="5400">
+                <a:solidFill>
+                  <a:schemeClr val="accent3"/>
+                </a:solidFill>
+              </a:rPr>
+              <a:t> Break</a:t>
+            </a:r>
+            <a:r>
+              <a:rPr lang="zh-CN" altLang="en-US" sz="5400">
+                <a:solidFill>
+                  <a:schemeClr val="tx2"/>
+                </a:solidFill>
+              </a:rPr>
+              <a:t>！</a:t>
+            </a:r>
+            <a:endParaRPr lang="zh-CN" altLang="en-US" sz="5400">
+              <a:solidFill>
+                <a:schemeClr val="tx2"/>
+              </a:solidFill>
+            </a:endParaRPr>
+          </a:p>
+        </p:txBody>
+      </p:sp>
+      <p:pic>
+        <p:nvPicPr>
+          <p:cNvPr id="11268" name="图片 3" descr="软院logo横版.png"/>
+          <p:cNvPicPr>
+            <a:picLocks noChangeAspect="1"/>
+          </p:cNvPicPr>
+          <p:nvPr/>
+        </p:nvPicPr>
+        <p:blipFill>
+          <a:blip r:embed="rId2" cstate="print">
+            <a:extLst>
+              <a:ext uri="{28A0092B-C50C-407E-A947-70E740481C1C}">
+                <a14:useLocalDpi xmlns:a14="http://schemas.microsoft.com/office/drawing/2010/main" val="0"/>
+              </a:ext>
+            </a:extLst>
+          </a:blip>
+          <a:srcRect/>
+          <a:stretch>
+            <a:fillRect/>
+          </a:stretch>
+        </p:blipFill>
+        <p:spPr bwMode="auto">
+          <a:xfrm>
+            <a:off x="2062164" y="5927725"/>
+            <a:ext cx="3381375" cy="527050"/>
+          </a:xfrm>
+          <a:prstGeom prst="rect">
+            <a:avLst/>
+          </a:prstGeom>
+          <a:noFill/>
+          <a:ln>
+            <a:noFill/>
+          </a:ln>
+          <a:extLst>
+            <a:ext uri="{909E8E84-426E-40DD-AFC4-6F175D3DCCD1}">
+              <a14:hiddenFill xmlns:a14="http://schemas.microsoft.com/office/drawing/2010/main">
+                <a:solidFill>
+                  <a:srgbClr val="FFFFFF"/>
+                </a:solidFill>
+              </a14:hiddenFill>
+            </a:ext>
+            <a:ext uri="{91240B29-F687-4F45-9708-019B960494DF}">
+              <a14:hiddenLine xmlns:a14="http://schemas.microsoft.com/office/drawing/2010/main" w="9525">
+                <a:solidFill>
+                  <a:srgbClr val="000000"/>
+                </a:solidFill>
+                <a:miter lim="800000"/>
+                <a:headEnd/>
+                <a:tailEnd/>
+              </a14:hiddenLine>
+            </a:ext>
+          </a:extLst>
+        </p:spPr>
+      </p:pic>
+    </p:spTree>
+  </p:cSld>
+  <p:clrMapOvr>
+    <a:masterClrMapping/>
+  </p:clrMapOvr>
+  <p:timing>
+    <p:tnLst>
+      <p:par>
+        <p:cTn id="1" dur="indefinite" restart="never" nodeType="tmRoot"/>
+      </p:par>
+    </p:tnLst>
+  </p:timing>
+</p:sld>
+</file>
+
+<file path=ppt/slides/slide14.xml><?xml version="1.0" encoding="utf-8"?>
+<p:sld xmlns:a="http://schemas.openxmlformats.org/drawingml/2006/main" xmlns:r="http://schemas.openxmlformats.org/officeDocument/2006/relationships" xmlns:p="http://schemas.openxmlformats.org/presentationml/2006/main">
+  <p:cSld>
+    <p:spTree>
+      <p:nvGrpSpPr>
+        <p:cNvPr id="1" name=""/>
+        <p:cNvGrpSpPr/>
+        <p:nvPr/>
+      </p:nvGrpSpPr>
+      <p:grpSpPr>
+        <a:xfrm>
+          <a:off x="0" y="0"/>
+          <a:ext cx="0" cy="0"/>
+          <a:chOff x="0" y="0"/>
+          <a:chExt cx="0" cy="0"/>
+        </a:xfrm>
+      </p:grpSpPr>
       <p:pic>
         <p:nvPicPr>
           <p:cNvPr id="24578" name="Picture 4"/>
@@ -3075,7 +4356,7 @@
 </p:sld>
 </file>
 
-<file path=ppt/slides/slide11.xml><?xml version="1.0" encoding="utf-8"?>
+<file path=ppt/slides/slide15.xml><?xml version="1.0" encoding="utf-8"?>
 <p:sld xmlns:a="http://schemas.openxmlformats.org/drawingml/2006/main" xmlns:r="http://schemas.openxmlformats.org/officeDocument/2006/relationships" xmlns:p="http://schemas.openxmlformats.org/presentationml/2006/main">
   <p:cSld>
     <p:spTree>
@@ -3656,7 +4937,7 @@
 </p:sld>
 </file>
 
-<file path=ppt/slides/slide12.xml><?xml version="1.0" encoding="utf-8"?>
+<file path=ppt/slides/slide16.xml><?xml version="1.0" encoding="utf-8"?>
 <p:sld xmlns:a="http://schemas.openxmlformats.org/drawingml/2006/main" xmlns:r="http://schemas.openxmlformats.org/officeDocument/2006/relationships" xmlns:p="http://schemas.openxmlformats.org/presentationml/2006/main">
   <p:cSld>
     <p:spTree>
@@ -4207,7 +5488,7 @@
 </p:sld>
 </file>
 
-<file path=ppt/slides/slide13.xml><?xml version="1.0" encoding="utf-8"?>
+<file path=ppt/slides/slide17.xml><?xml version="1.0" encoding="utf-8"?>
 <p:sld xmlns:a="http://schemas.openxmlformats.org/drawingml/2006/main" xmlns:r="http://schemas.openxmlformats.org/officeDocument/2006/relationships" xmlns:p="http://schemas.openxmlformats.org/presentationml/2006/main">
   <p:cSld>
     <p:spTree>
@@ -4775,7 +6056,7 @@
 </p:sld>
 </file>
 
-<file path=ppt/slides/slide14.xml><?xml version="1.0" encoding="utf-8"?>
+<file path=ppt/slides/slide18.xml><?xml version="1.0" encoding="utf-8"?>
 <p:sld xmlns:a="http://schemas.openxmlformats.org/drawingml/2006/main" xmlns:r="http://schemas.openxmlformats.org/officeDocument/2006/relationships" xmlns:p="http://schemas.openxmlformats.org/presentationml/2006/main">
   <p:cSld>
     <p:spTree>
@@ -5358,7 +6639,7 @@
 </p:sld>
 </file>
 
-<file path=ppt/slides/slide15.xml><?xml version="1.0" encoding="utf-8"?>
+<file path=ppt/slides/slide19.xml><?xml version="1.0" encoding="utf-8"?>
 <p:sld xmlns:a="http://schemas.openxmlformats.org/drawingml/2006/main" xmlns:r="http://schemas.openxmlformats.org/officeDocument/2006/relationships" xmlns:p="http://schemas.openxmlformats.org/presentationml/2006/main">
   <p:cSld>
     <p:spTree>
@@ -5929,776 +7210,6 @@
 </p:sld>
 </file>
 
-<file path=ppt/slides/slide16.xml><?xml version="1.0" encoding="utf-8"?>
-<p:sld xmlns:a="http://schemas.openxmlformats.org/drawingml/2006/main" xmlns:r="http://schemas.openxmlformats.org/officeDocument/2006/relationships" xmlns:p="http://schemas.openxmlformats.org/presentationml/2006/main">
-  <p:cSld>
-    <p:spTree>
-      <p:nvGrpSpPr>
-        <p:cNvPr id="1" name=""/>
-        <p:cNvGrpSpPr/>
-        <p:nvPr/>
-      </p:nvGrpSpPr>
-      <p:grpSpPr>
-        <a:xfrm>
-          <a:off x="0" y="0"/>
-          <a:ext cx="0" cy="0"/>
-          <a:chOff x="0" y="0"/>
-          <a:chExt cx="0" cy="0"/>
-        </a:xfrm>
-      </p:grpSpPr>
-      <p:sp>
-        <p:nvSpPr>
-          <p:cNvPr id="2" name="内容占位符 1"/>
-          <p:cNvSpPr>
-            <a:spLocks noGrp="1"/>
-          </p:cNvSpPr>
-          <p:nvPr>
-            <p:ph sz="quarter" idx="10"/>
-          </p:nvPr>
-        </p:nvSpPr>
-        <p:spPr>
-          <a:xfrm>
-            <a:off x="1142966" y="927119"/>
-            <a:ext cx="9715500" cy="4643437"/>
-          </a:xfrm>
-        </p:spPr>
-        <p:txBody>
-          <a:bodyPr/>
-          <a:lstStyle/>
-          <a:p>
-            <a:r>
-              <a:rPr kumimoji="0" lang="en-US" altLang="zh-CN" dirty="0">
-                <a:solidFill>
-                  <a:schemeClr val="tx1"/>
-                </a:solidFill>
-              </a:rPr>
-              <a:t>HTML</a:t>
-            </a:r>
-            <a:r>
-              <a:rPr kumimoji="0" lang="zh-CN" altLang="en-US" dirty="0">
-                <a:solidFill>
-                  <a:schemeClr val="tx1"/>
-                </a:solidFill>
-              </a:rPr>
-              <a:t>文件内部</a:t>
-            </a:r>
-            <a:r>
-              <a:rPr kumimoji="0" lang="en-US" altLang="zh-CN" dirty="0">
-                <a:solidFill>
-                  <a:schemeClr val="tx1"/>
-                </a:solidFill>
-              </a:rPr>
-              <a:t>JavaScript </a:t>
-            </a:r>
-            <a:r>
-              <a:rPr kumimoji="0" lang="zh-CN" altLang="en-US" dirty="0">
-                <a:solidFill>
-                  <a:schemeClr val="tx1"/>
-                </a:solidFill>
-              </a:rPr>
-              <a:t>代码</a:t>
-            </a:r>
-            <a:endParaRPr kumimoji="0" lang="zh-CN" altLang="en-US" dirty="0">
-              <a:solidFill>
-                <a:schemeClr val="tx1"/>
-              </a:solidFill>
-            </a:endParaRPr>
-          </a:p>
-          <a:p>
-            <a:r>
-              <a:rPr kumimoji="0" lang="zh-CN" altLang="en-US" dirty="0">
-                <a:solidFill>
-                  <a:schemeClr val="tx1"/>
-                </a:solidFill>
-              </a:rPr>
-              <a:t>外部</a:t>
-            </a:r>
-            <a:r>
-              <a:rPr kumimoji="0" lang="en-US" altLang="zh-CN" dirty="0">
-                <a:solidFill>
-                  <a:schemeClr val="tx1"/>
-                </a:solidFill>
-              </a:rPr>
-              <a:t>JavaScript</a:t>
-            </a:r>
-            <a:r>
-              <a:rPr kumimoji="0" lang="zh-CN" altLang="en-US" dirty="0">
-                <a:solidFill>
-                  <a:schemeClr val="tx1"/>
-                </a:solidFill>
-              </a:rPr>
-              <a:t>文件</a:t>
-            </a:r>
-            <a:endParaRPr lang="zh-CN" altLang="en-US" dirty="0"/>
-          </a:p>
-        </p:txBody>
-      </p:sp>
-      <p:sp>
-        <p:nvSpPr>
-          <p:cNvPr id="3" name="内容占位符 2"/>
-          <p:cNvSpPr>
-            <a:spLocks noGrp="1"/>
-          </p:cNvSpPr>
-          <p:nvPr>
-            <p:ph sz="quarter" idx="11"/>
-          </p:nvPr>
-        </p:nvSpPr>
-        <p:spPr/>
-        <p:txBody>
-          <a:bodyPr/>
-          <a:lstStyle/>
-          <a:p>
-            <a:r>
-              <a:rPr lang="en-US" altLang="zh-CN" dirty="0"/>
-              <a:t>JavaScript</a:t>
-            </a:r>
-            <a:r>
-              <a:rPr lang="zh-CN" altLang="en-US" dirty="0"/>
-              <a:t>用法</a:t>
-            </a:r>
-            <a:endParaRPr lang="zh-CN" altLang="en-US" dirty="0"/>
-          </a:p>
-          <a:p>
-            <a:endParaRPr lang="zh-CN" altLang="en-US" dirty="0"/>
-          </a:p>
-        </p:txBody>
-      </p:sp>
-      <p:pic>
-        <p:nvPicPr>
-          <p:cNvPr id="4" name="图片 3"/>
-          <p:cNvPicPr>
-            <a:picLocks noChangeAspect="1"/>
-          </p:cNvPicPr>
-          <p:nvPr/>
-        </p:nvPicPr>
-        <p:blipFill>
-          <a:blip r:embed="rId1"/>
-          <a:stretch>
-            <a:fillRect/>
-          </a:stretch>
-        </p:blipFill>
-        <p:spPr>
-          <a:xfrm>
-            <a:off x="1167765" y="2523490"/>
-            <a:ext cx="7477125" cy="3310890"/>
-          </a:xfrm>
-          <a:prstGeom prst="rect">
-            <a:avLst/>
-          </a:prstGeom>
-        </p:spPr>
-      </p:pic>
-      <p:sp>
-        <p:nvSpPr>
-          <p:cNvPr id="8" name="文本框 7"/>
-          <p:cNvSpPr txBox="1"/>
-          <p:nvPr/>
-        </p:nvSpPr>
-        <p:spPr>
-          <a:xfrm>
-            <a:off x="5757545" y="1821815"/>
-            <a:ext cx="3865245" cy="429895"/>
-          </a:xfrm>
-          <a:prstGeom prst="rect">
-            <a:avLst/>
-          </a:prstGeom>
-          <a:noFill/>
-        </p:spPr>
-        <p:txBody>
-          <a:bodyPr wrap="square" rtlCol="0">
-            <a:spAutoFit/>
-          </a:bodyPr>
-          <a:p>
-            <a:pPr algn="l"/>
-            <a:r>
-              <a:rPr lang="zh-CN" altLang="en-US" sz="2200">
-                <a:solidFill>
-                  <a:srgbClr val="FF0000"/>
-                </a:solidFill>
-                <a:latin typeface="+mn-ea"/>
-                <a:ea typeface="+mn-ea"/>
-              </a:rPr>
-              <a:t>参见实例</a:t>
-            </a:r>
-            <a:r>
-              <a:rPr lang="en-US" altLang="zh-CN" sz="2200">
-                <a:solidFill>
-                  <a:srgbClr val="FF0000"/>
-                </a:solidFill>
-                <a:latin typeface="+mn-ea"/>
-                <a:ea typeface="+mn-ea"/>
-              </a:rPr>
-              <a:t>demo02</a:t>
-            </a:r>
-            <a:r>
-              <a:rPr lang="zh-CN" altLang="en-US" sz="2200">
-                <a:solidFill>
-                  <a:srgbClr val="FF0000"/>
-                </a:solidFill>
-                <a:latin typeface="+mn-ea"/>
-                <a:ea typeface="+mn-ea"/>
-              </a:rPr>
-              <a:t>、</a:t>
-            </a:r>
-            <a:r>
-              <a:rPr lang="en-US" altLang="zh-CN" sz="2200">
-                <a:solidFill>
-                  <a:srgbClr val="FF0000"/>
-                </a:solidFill>
-                <a:latin typeface="+mn-ea"/>
-                <a:ea typeface="+mn-ea"/>
-              </a:rPr>
-              <a:t>demo03</a:t>
-            </a:r>
-            <a:endParaRPr lang="en-US" altLang="zh-CN" sz="2200">
-              <a:solidFill>
-                <a:srgbClr val="FF0000"/>
-              </a:solidFill>
-              <a:latin typeface="+mn-ea"/>
-              <a:ea typeface="+mn-ea"/>
-            </a:endParaRPr>
-          </a:p>
-        </p:txBody>
-      </p:sp>
-    </p:spTree>
-  </p:cSld>
-  <p:clrMapOvr>
-    <a:masterClrMapping/>
-  </p:clrMapOvr>
-  <p:timing>
-    <p:tnLst>
-      <p:par>
-        <p:cTn id="1" dur="indefinite" restart="never" nodeType="tmRoot"/>
-      </p:par>
-    </p:tnLst>
-  </p:timing>
-</p:sld>
-</file>
-
-<file path=ppt/slides/slide17.xml><?xml version="1.0" encoding="utf-8"?>
-<p:sld xmlns:a="http://schemas.openxmlformats.org/drawingml/2006/main" xmlns:r="http://schemas.openxmlformats.org/officeDocument/2006/relationships" xmlns:p="http://schemas.openxmlformats.org/presentationml/2006/main">
-  <p:cSld>
-    <p:spTree>
-      <p:nvGrpSpPr>
-        <p:cNvPr id="1" name=""/>
-        <p:cNvGrpSpPr/>
-        <p:nvPr/>
-      </p:nvGrpSpPr>
-      <p:grpSpPr>
-        <a:xfrm>
-          <a:off x="0" y="0"/>
-          <a:ext cx="0" cy="0"/>
-          <a:chOff x="0" y="0"/>
-          <a:chExt cx="0" cy="0"/>
-        </a:xfrm>
-      </p:grpSpPr>
-      <p:sp>
-        <p:nvSpPr>
-          <p:cNvPr id="2" name="内容占位符 1"/>
-          <p:cNvSpPr>
-            <a:spLocks noGrp="1"/>
-          </p:cNvSpPr>
-          <p:nvPr>
-            <p:ph sz="quarter" idx="10"/>
-          </p:nvPr>
-        </p:nvSpPr>
-        <p:spPr>
-          <a:xfrm>
-            <a:off x="1142966" y="927119"/>
-            <a:ext cx="9715500" cy="4643437"/>
-          </a:xfrm>
-        </p:spPr>
-        <p:txBody>
-          <a:bodyPr/>
-          <a:lstStyle/>
-          <a:p>
-            <a:r>
-              <a:rPr lang="en-US" altLang="zh-CN" dirty="0">
-                <a:solidFill>
-                  <a:schemeClr val="tx1"/>
-                </a:solidFill>
-              </a:rPr>
-              <a:t>Chrome</a:t>
-            </a:r>
-            <a:r>
-              <a:rPr lang="zh-CN" altLang="en-US" dirty="0">
-                <a:solidFill>
-                  <a:schemeClr val="tx1"/>
-                </a:solidFill>
-              </a:rPr>
-              <a:t>控制台调试（</a:t>
-            </a:r>
-            <a:r>
-              <a:rPr lang="en-US" altLang="zh-CN" dirty="0">
-                <a:solidFill>
-                  <a:schemeClr val="tx1"/>
-                </a:solidFill>
-              </a:rPr>
-              <a:t>ctrl+L</a:t>
-            </a:r>
-            <a:r>
-              <a:rPr lang="zh-CN" altLang="en-US" dirty="0">
-                <a:solidFill>
-                  <a:schemeClr val="tx1"/>
-                </a:solidFill>
-              </a:rPr>
-              <a:t>、</a:t>
-            </a:r>
-            <a:r>
-              <a:rPr lang="en-US" altLang="zh-CN" dirty="0">
-                <a:solidFill>
-                  <a:schemeClr val="tx1"/>
-                </a:solidFill>
-              </a:rPr>
-              <a:t>ctrl+R</a:t>
-            </a:r>
-            <a:r>
-              <a:rPr lang="zh-CN" altLang="en-US" dirty="0">
-                <a:solidFill>
-                  <a:schemeClr val="tx1"/>
-                </a:solidFill>
-              </a:rPr>
-              <a:t>、</a:t>
-            </a:r>
-            <a:r>
-              <a:rPr lang="en-US" altLang="zh-CN" dirty="0">
-                <a:solidFill>
-                  <a:schemeClr val="tx1"/>
-                </a:solidFill>
-              </a:rPr>
-              <a:t>ctrl+</a:t>
-            </a:r>
-            <a:r>
-              <a:rPr lang="zh-CN" altLang="en-US" dirty="0">
-                <a:solidFill>
-                  <a:schemeClr val="tx1"/>
-                </a:solidFill>
-              </a:rPr>
-              <a:t>鼠标滚轮）</a:t>
-            </a:r>
-            <a:endParaRPr lang="zh-CN" altLang="en-US" dirty="0">
-              <a:solidFill>
-                <a:schemeClr val="tx1"/>
-              </a:solidFill>
-              <a:sym typeface="+mn-ea"/>
-            </a:endParaRPr>
-          </a:p>
-        </p:txBody>
-      </p:sp>
-      <p:sp>
-        <p:nvSpPr>
-          <p:cNvPr id="3" name="内容占位符 2"/>
-          <p:cNvSpPr>
-            <a:spLocks noGrp="1"/>
-          </p:cNvSpPr>
-          <p:nvPr>
-            <p:ph sz="quarter" idx="11"/>
-          </p:nvPr>
-        </p:nvSpPr>
-        <p:spPr/>
-        <p:txBody>
-          <a:bodyPr/>
-          <a:lstStyle/>
-          <a:p>
-            <a:r>
-              <a:rPr lang="en-US" altLang="zh-CN" dirty="0"/>
-              <a:t>Chrome</a:t>
-            </a:r>
-            <a:r>
-              <a:rPr lang="zh-CN" altLang="en-US" dirty="0"/>
-              <a:t>调试用法一</a:t>
-            </a:r>
-            <a:endParaRPr lang="zh-CN" altLang="en-US" dirty="0"/>
-          </a:p>
-          <a:p>
-            <a:endParaRPr lang="zh-CN" altLang="en-US" dirty="0"/>
-          </a:p>
-        </p:txBody>
-      </p:sp>
-      <p:pic>
-        <p:nvPicPr>
-          <p:cNvPr id="4" name="图片 3"/>
-          <p:cNvPicPr>
-            <a:picLocks noChangeAspect="1"/>
-          </p:cNvPicPr>
-          <p:nvPr/>
-        </p:nvPicPr>
-        <p:blipFill>
-          <a:blip r:embed="rId1"/>
-          <a:stretch>
-            <a:fillRect/>
-          </a:stretch>
-        </p:blipFill>
-        <p:spPr>
-          <a:xfrm>
-            <a:off x="1282700" y="1804035"/>
-            <a:ext cx="8030845" cy="3959860"/>
-          </a:xfrm>
-          <a:prstGeom prst="rect">
-            <a:avLst/>
-          </a:prstGeom>
-        </p:spPr>
-      </p:pic>
-    </p:spTree>
-  </p:cSld>
-  <p:clrMapOvr>
-    <a:masterClrMapping/>
-  </p:clrMapOvr>
-  <p:timing>
-    <p:tnLst>
-      <p:par>
-        <p:cTn id="1" dur="indefinite" restart="never" nodeType="tmRoot"/>
-      </p:par>
-    </p:tnLst>
-  </p:timing>
-</p:sld>
-</file>
-
-<file path=ppt/slides/slide18.xml><?xml version="1.0" encoding="utf-8"?>
-<p:sld xmlns:a="http://schemas.openxmlformats.org/drawingml/2006/main" xmlns:r="http://schemas.openxmlformats.org/officeDocument/2006/relationships" xmlns:p="http://schemas.openxmlformats.org/presentationml/2006/main">
-  <p:cSld>
-    <p:spTree>
-      <p:nvGrpSpPr>
-        <p:cNvPr id="1" name=""/>
-        <p:cNvGrpSpPr/>
-        <p:nvPr/>
-      </p:nvGrpSpPr>
-      <p:grpSpPr>
-        <a:xfrm>
-          <a:off x="0" y="0"/>
-          <a:ext cx="0" cy="0"/>
-          <a:chOff x="0" y="0"/>
-          <a:chExt cx="0" cy="0"/>
-        </a:xfrm>
-      </p:grpSpPr>
-      <p:sp>
-        <p:nvSpPr>
-          <p:cNvPr id="2" name="内容占位符 1"/>
-          <p:cNvSpPr>
-            <a:spLocks noGrp="1"/>
-          </p:cNvSpPr>
-          <p:nvPr>
-            <p:ph sz="quarter" idx="10"/>
-          </p:nvPr>
-        </p:nvSpPr>
-        <p:spPr>
-          <a:xfrm>
-            <a:off x="1142966" y="927119"/>
-            <a:ext cx="9715500" cy="4643437"/>
-          </a:xfrm>
-        </p:spPr>
-        <p:txBody>
-          <a:bodyPr/>
-          <a:lstStyle/>
-          <a:p>
-            <a:r>
-              <a:rPr lang="en-US" altLang="zh-CN" dirty="0">
-                <a:solidFill>
-                  <a:schemeClr val="tx1"/>
-                </a:solidFill>
-                <a:sym typeface="+mn-ea"/>
-              </a:rPr>
-              <a:t>Sources</a:t>
-            </a:r>
-            <a:r>
-              <a:rPr lang="zh-CN" altLang="en-US" dirty="0">
-                <a:solidFill>
-                  <a:schemeClr val="tx1"/>
-                </a:solidFill>
-                <a:sym typeface="+mn-ea"/>
-              </a:rPr>
-              <a:t>调试（</a:t>
-            </a:r>
-            <a:r>
-              <a:rPr lang="en-US" altLang="zh-CN" dirty="0">
-                <a:solidFill>
-                  <a:schemeClr val="tx1"/>
-                </a:solidFill>
-                <a:sym typeface="+mn-ea"/>
-              </a:rPr>
-              <a:t>console.log/trace/error</a:t>
-            </a:r>
-            <a:r>
-              <a:rPr lang="zh-CN" altLang="en-US" dirty="0">
-                <a:solidFill>
-                  <a:schemeClr val="tx1"/>
-                </a:solidFill>
-                <a:sym typeface="+mn-ea"/>
-              </a:rPr>
-              <a:t>等、断点调试）</a:t>
-            </a:r>
-            <a:endParaRPr lang="zh-CN" altLang="en-US" dirty="0">
-              <a:solidFill>
-                <a:schemeClr val="tx1"/>
-              </a:solidFill>
-              <a:sym typeface="+mn-ea"/>
-            </a:endParaRPr>
-          </a:p>
-        </p:txBody>
-      </p:sp>
-      <p:sp>
-        <p:nvSpPr>
-          <p:cNvPr id="3" name="内容占位符 2"/>
-          <p:cNvSpPr>
-            <a:spLocks noGrp="1"/>
-          </p:cNvSpPr>
-          <p:nvPr>
-            <p:ph sz="quarter" idx="11"/>
-          </p:nvPr>
-        </p:nvSpPr>
-        <p:spPr/>
-        <p:txBody>
-          <a:bodyPr/>
-          <a:lstStyle/>
-          <a:p>
-            <a:r>
-              <a:rPr lang="en-US" altLang="zh-CN" dirty="0"/>
-              <a:t>Chrome</a:t>
-            </a:r>
-            <a:r>
-              <a:rPr lang="zh-CN" altLang="en-US" dirty="0"/>
-              <a:t>调试用法二</a:t>
-            </a:r>
-            <a:endParaRPr lang="zh-CN" altLang="en-US" dirty="0"/>
-          </a:p>
-          <a:p>
-            <a:endParaRPr lang="zh-CN" altLang="en-US" dirty="0"/>
-          </a:p>
-        </p:txBody>
-      </p:sp>
-      <p:pic>
-        <p:nvPicPr>
-          <p:cNvPr id="5" name="图片 4"/>
-          <p:cNvPicPr>
-            <a:picLocks noChangeAspect="1"/>
-          </p:cNvPicPr>
-          <p:nvPr/>
-        </p:nvPicPr>
-        <p:blipFill>
-          <a:blip r:embed="rId1"/>
-          <a:srcRect b="14718"/>
-          <a:stretch>
-            <a:fillRect/>
-          </a:stretch>
-        </p:blipFill>
-        <p:spPr>
-          <a:xfrm>
-            <a:off x="1214755" y="1724660"/>
-            <a:ext cx="9857740" cy="4127500"/>
-          </a:xfrm>
-          <a:prstGeom prst="rect">
-            <a:avLst/>
-          </a:prstGeom>
-        </p:spPr>
-      </p:pic>
-    </p:spTree>
-  </p:cSld>
-  <p:clrMapOvr>
-    <a:masterClrMapping/>
-  </p:clrMapOvr>
-  <p:timing>
-    <p:tnLst>
-      <p:par>
-        <p:cTn id="1" dur="indefinite" restart="never" nodeType="tmRoot"/>
-      </p:par>
-    </p:tnLst>
-  </p:timing>
-</p:sld>
-</file>
-
-<file path=ppt/slides/slide19.xml><?xml version="1.0" encoding="utf-8"?>
-<p:sld xmlns:a="http://schemas.openxmlformats.org/drawingml/2006/main" xmlns:r="http://schemas.openxmlformats.org/officeDocument/2006/relationships" xmlns:p="http://schemas.openxmlformats.org/presentationml/2006/main">
-  <p:cSld>
-    <p:spTree>
-      <p:nvGrpSpPr>
-        <p:cNvPr id="1" name=""/>
-        <p:cNvGrpSpPr/>
-        <p:nvPr/>
-      </p:nvGrpSpPr>
-      <p:grpSpPr>
-        <a:xfrm>
-          <a:off x="0" y="0"/>
-          <a:ext cx="0" cy="0"/>
-          <a:chOff x="0" y="0"/>
-          <a:chExt cx="0" cy="0"/>
-        </a:xfrm>
-      </p:grpSpPr>
-      <p:sp>
-        <p:nvSpPr>
-          <p:cNvPr id="3" name="内容占位符 2"/>
-          <p:cNvSpPr>
-            <a:spLocks noGrp="1"/>
-          </p:cNvSpPr>
-          <p:nvPr>
-            <p:ph sz="quarter" idx="10"/>
-          </p:nvPr>
-        </p:nvSpPr>
-        <p:spPr>
-          <a:xfrm>
-            <a:off x="1142965" y="1123944"/>
-            <a:ext cx="10067377" cy="4643437"/>
-          </a:xfrm>
-        </p:spPr>
-        <p:txBody>
-          <a:bodyPr/>
-          <a:lstStyle/>
-          <a:p>
-            <a:pPr>
-              <a:lnSpc>
-                <a:spcPct val="140000"/>
-              </a:lnSpc>
-            </a:pPr>
-            <a:r>
-              <a:rPr kumimoji="0" lang="en-US" altLang="zh-CN" dirty="0" smtClean="0">
-                <a:solidFill>
-                  <a:schemeClr val="tx1"/>
-                </a:solidFill>
-              </a:rPr>
-              <a:t>JavaScript</a:t>
-            </a:r>
-            <a:r>
-              <a:rPr kumimoji="0" lang="zh-CN" altLang="en-US" dirty="0" smtClean="0">
-                <a:solidFill>
-                  <a:schemeClr val="tx1"/>
-                </a:solidFill>
-              </a:rPr>
-              <a:t>进阶课程介绍</a:t>
-            </a:r>
-            <a:endParaRPr kumimoji="0" lang="zh-CN" altLang="en-US" dirty="0" smtClean="0">
-              <a:solidFill>
-                <a:schemeClr val="tx1"/>
-              </a:solidFill>
-            </a:endParaRPr>
-          </a:p>
-          <a:p>
-            <a:pPr>
-              <a:lnSpc>
-                <a:spcPct val="140000"/>
-              </a:lnSpc>
-            </a:pPr>
-            <a:r>
-              <a:rPr kumimoji="0" lang="en-US" altLang="zh-CN" dirty="0" smtClean="0">
-                <a:solidFill>
-                  <a:schemeClr val="tx1"/>
-                </a:solidFill>
-              </a:rPr>
-              <a:t>JS</a:t>
-            </a:r>
-            <a:r>
-              <a:rPr kumimoji="0" lang="zh-CN" altLang="en-US" dirty="0" smtClean="0">
-                <a:solidFill>
-                  <a:schemeClr val="tx1"/>
-                </a:solidFill>
-              </a:rPr>
-              <a:t>历史背景简介</a:t>
-            </a:r>
-            <a:endParaRPr kumimoji="0" lang="zh-CN" altLang="en-US" dirty="0" smtClean="0">
-              <a:solidFill>
-                <a:schemeClr val="tx1"/>
-              </a:solidFill>
-            </a:endParaRPr>
-          </a:p>
-          <a:p>
-            <a:pPr>
-              <a:lnSpc>
-                <a:spcPct val="140000"/>
-              </a:lnSpc>
-            </a:pPr>
-            <a:r>
-              <a:rPr kumimoji="0" lang="en-US" altLang="zh-CN" dirty="0" smtClean="0">
-                <a:solidFill>
-                  <a:schemeClr val="tx1"/>
-                </a:solidFill>
-              </a:rPr>
-              <a:t>JS</a:t>
-            </a:r>
-            <a:r>
-              <a:rPr kumimoji="0" lang="zh-CN" altLang="en-US" dirty="0" smtClean="0">
-                <a:solidFill>
-                  <a:schemeClr val="tx1"/>
-                </a:solidFill>
-              </a:rPr>
-              <a:t>语言特点（脚本语言、弱类型、动态类型、闭包、原型等）</a:t>
-            </a:r>
-            <a:endParaRPr kumimoji="0" lang="zh-CN" altLang="en-US" dirty="0" smtClean="0">
-              <a:solidFill>
-                <a:schemeClr val="tx1"/>
-              </a:solidFill>
-            </a:endParaRPr>
-          </a:p>
-          <a:p>
-            <a:pPr>
-              <a:lnSpc>
-                <a:spcPct val="140000"/>
-              </a:lnSpc>
-            </a:pPr>
-            <a:r>
-              <a:rPr kumimoji="0" lang="en-US" altLang="zh-CN" dirty="0" smtClean="0">
-                <a:solidFill>
-                  <a:schemeClr val="tx1"/>
-                </a:solidFill>
-              </a:rPr>
-              <a:t>JS</a:t>
-            </a:r>
-            <a:r>
-              <a:rPr kumimoji="0" lang="zh-CN" altLang="en-US" dirty="0" smtClean="0">
-                <a:solidFill>
-                  <a:schemeClr val="tx1"/>
-                </a:solidFill>
-              </a:rPr>
-              <a:t>的使用方式及调试方式</a:t>
-            </a:r>
-            <a:endParaRPr kumimoji="0" lang="zh-CN" altLang="en-US" dirty="0" smtClean="0">
-              <a:solidFill>
-                <a:schemeClr val="tx1"/>
-              </a:solidFill>
-            </a:endParaRPr>
-          </a:p>
-          <a:p>
-            <a:endParaRPr lang="zh-CN" altLang="en-US" dirty="0"/>
-          </a:p>
-        </p:txBody>
-      </p:sp>
-      <p:sp>
-        <p:nvSpPr>
-          <p:cNvPr id="4" name="内容占位符 3"/>
-          <p:cNvSpPr>
-            <a:spLocks noGrp="1"/>
-          </p:cNvSpPr>
-          <p:nvPr>
-            <p:ph sz="quarter" idx="11"/>
-          </p:nvPr>
-        </p:nvSpPr>
-        <p:spPr/>
-        <p:txBody>
-          <a:bodyPr/>
-          <a:lstStyle/>
-          <a:p>
-            <a:r>
-              <a:rPr lang="zh-CN" altLang="en-US" dirty="0"/>
-              <a:t>总结</a:t>
-            </a:r>
-            <a:endParaRPr lang="zh-CN" altLang="en-US" dirty="0"/>
-          </a:p>
-          <a:p>
-            <a:endParaRPr lang="zh-CN" altLang="en-US" dirty="0"/>
-          </a:p>
-        </p:txBody>
-      </p:sp>
-    </p:spTree>
-  </p:cSld>
-  <p:clrMapOvr>
-    <a:masterClrMapping/>
-  </p:clrMapOvr>
-  <p:timing>
-    <p:tnLst>
-      <p:par>
-        <p:cTn id="1" dur="indefinite" restart="never" nodeType="tmRoot"/>
-      </p:par>
-    </p:tnLst>
-  </p:timing>
-</p:sld>
-</file>
-
 <file path=ppt/slides/slide2.xml><?xml version="1.0" encoding="utf-8"?>
 <p:sld xmlns:a="http://schemas.openxmlformats.org/drawingml/2006/main" xmlns:r="http://schemas.openxmlformats.org/officeDocument/2006/relationships" xmlns:p="http://schemas.openxmlformats.org/presentationml/2006/main">
   <p:cSld>
@@ -6840,6 +7351,445 @@
           <a:chExt cx="0" cy="0"/>
         </a:xfrm>
       </p:grpSpPr>
+      <p:sp>
+        <p:nvSpPr>
+          <p:cNvPr id="2" name="内容占位符 1"/>
+          <p:cNvSpPr>
+            <a:spLocks noGrp="1"/>
+          </p:cNvSpPr>
+          <p:nvPr>
+            <p:ph sz="quarter" idx="10"/>
+          </p:nvPr>
+        </p:nvSpPr>
+        <p:spPr>
+          <a:xfrm>
+            <a:off x="1142966" y="927119"/>
+            <a:ext cx="9715500" cy="4643437"/>
+          </a:xfrm>
+        </p:spPr>
+        <p:txBody>
+          <a:bodyPr/>
+          <a:lstStyle/>
+          <a:p>
+            <a:r>
+              <a:rPr kumimoji="0" lang="en-US" altLang="zh-CN" dirty="0">
+                <a:solidFill>
+                  <a:schemeClr val="tx1"/>
+                </a:solidFill>
+              </a:rPr>
+              <a:t>HTML</a:t>
+            </a:r>
+            <a:r>
+              <a:rPr kumimoji="0" lang="zh-CN" altLang="en-US" dirty="0">
+                <a:solidFill>
+                  <a:schemeClr val="tx1"/>
+                </a:solidFill>
+              </a:rPr>
+              <a:t>文件内部</a:t>
+            </a:r>
+            <a:r>
+              <a:rPr kumimoji="0" lang="en-US" altLang="zh-CN" dirty="0">
+                <a:solidFill>
+                  <a:schemeClr val="tx1"/>
+                </a:solidFill>
+              </a:rPr>
+              <a:t>JavaScript </a:t>
+            </a:r>
+            <a:r>
+              <a:rPr kumimoji="0" lang="zh-CN" altLang="en-US" dirty="0">
+                <a:solidFill>
+                  <a:schemeClr val="tx1"/>
+                </a:solidFill>
+              </a:rPr>
+              <a:t>代码</a:t>
+            </a:r>
+            <a:endParaRPr kumimoji="0" lang="zh-CN" altLang="en-US" dirty="0">
+              <a:solidFill>
+                <a:schemeClr val="tx1"/>
+              </a:solidFill>
+            </a:endParaRPr>
+          </a:p>
+          <a:p>
+            <a:r>
+              <a:rPr kumimoji="0" lang="zh-CN" altLang="en-US" dirty="0">
+                <a:solidFill>
+                  <a:schemeClr val="tx1"/>
+                </a:solidFill>
+              </a:rPr>
+              <a:t>外部</a:t>
+            </a:r>
+            <a:r>
+              <a:rPr kumimoji="0" lang="en-US" altLang="zh-CN" dirty="0">
+                <a:solidFill>
+                  <a:schemeClr val="tx1"/>
+                </a:solidFill>
+              </a:rPr>
+              <a:t>JavaScript</a:t>
+            </a:r>
+            <a:r>
+              <a:rPr kumimoji="0" lang="zh-CN" altLang="en-US" dirty="0">
+                <a:solidFill>
+                  <a:schemeClr val="tx1"/>
+                </a:solidFill>
+              </a:rPr>
+              <a:t>文件</a:t>
+            </a:r>
+            <a:endParaRPr lang="zh-CN" altLang="en-US" dirty="0"/>
+          </a:p>
+        </p:txBody>
+      </p:sp>
+      <p:sp>
+        <p:nvSpPr>
+          <p:cNvPr id="3" name="内容占位符 2"/>
+          <p:cNvSpPr>
+            <a:spLocks noGrp="1"/>
+          </p:cNvSpPr>
+          <p:nvPr>
+            <p:ph sz="quarter" idx="11"/>
+          </p:nvPr>
+        </p:nvSpPr>
+        <p:spPr/>
+        <p:txBody>
+          <a:bodyPr/>
+          <a:lstStyle/>
+          <a:p>
+            <a:r>
+              <a:rPr lang="en-US" altLang="zh-CN" dirty="0"/>
+              <a:t>JavaScript</a:t>
+            </a:r>
+            <a:r>
+              <a:rPr lang="zh-CN" altLang="en-US" dirty="0"/>
+              <a:t>用法</a:t>
+            </a:r>
+            <a:endParaRPr lang="zh-CN" altLang="en-US" dirty="0"/>
+          </a:p>
+          <a:p>
+            <a:endParaRPr lang="zh-CN" altLang="en-US" dirty="0"/>
+          </a:p>
+        </p:txBody>
+      </p:sp>
+      <p:pic>
+        <p:nvPicPr>
+          <p:cNvPr id="4" name="图片 3"/>
+          <p:cNvPicPr>
+            <a:picLocks noChangeAspect="1"/>
+          </p:cNvPicPr>
+          <p:nvPr/>
+        </p:nvPicPr>
+        <p:blipFill>
+          <a:blip r:embed="rId1"/>
+          <a:stretch>
+            <a:fillRect/>
+          </a:stretch>
+        </p:blipFill>
+        <p:spPr>
+          <a:xfrm>
+            <a:off x="1167765" y="2523490"/>
+            <a:ext cx="7477125" cy="3310890"/>
+          </a:xfrm>
+          <a:prstGeom prst="rect">
+            <a:avLst/>
+          </a:prstGeom>
+        </p:spPr>
+      </p:pic>
+      <p:sp>
+        <p:nvSpPr>
+          <p:cNvPr id="8" name="文本框 7"/>
+          <p:cNvSpPr txBox="1"/>
+          <p:nvPr/>
+        </p:nvSpPr>
+        <p:spPr>
+          <a:xfrm>
+            <a:off x="5757545" y="1821815"/>
+            <a:ext cx="3865245" cy="429895"/>
+          </a:xfrm>
+          <a:prstGeom prst="rect">
+            <a:avLst/>
+          </a:prstGeom>
+          <a:noFill/>
+        </p:spPr>
+        <p:txBody>
+          <a:bodyPr wrap="square" rtlCol="0">
+            <a:spAutoFit/>
+          </a:bodyPr>
+          <a:p>
+            <a:pPr algn="l"/>
+            <a:r>
+              <a:rPr lang="zh-CN" altLang="en-US" sz="2200">
+                <a:solidFill>
+                  <a:srgbClr val="FF0000"/>
+                </a:solidFill>
+                <a:latin typeface="+mn-ea"/>
+                <a:ea typeface="+mn-ea"/>
+              </a:rPr>
+              <a:t>参见实例</a:t>
+            </a:r>
+            <a:r>
+              <a:rPr lang="en-US" altLang="zh-CN" sz="2200">
+                <a:solidFill>
+                  <a:srgbClr val="FF0000"/>
+                </a:solidFill>
+                <a:latin typeface="+mn-ea"/>
+                <a:ea typeface="+mn-ea"/>
+              </a:rPr>
+              <a:t>demo02</a:t>
+            </a:r>
+            <a:r>
+              <a:rPr lang="zh-CN" altLang="en-US" sz="2200">
+                <a:solidFill>
+                  <a:srgbClr val="FF0000"/>
+                </a:solidFill>
+                <a:latin typeface="+mn-ea"/>
+                <a:ea typeface="+mn-ea"/>
+              </a:rPr>
+              <a:t>、</a:t>
+            </a:r>
+            <a:r>
+              <a:rPr lang="en-US" altLang="zh-CN" sz="2200">
+                <a:solidFill>
+                  <a:srgbClr val="FF0000"/>
+                </a:solidFill>
+                <a:latin typeface="+mn-ea"/>
+                <a:ea typeface="+mn-ea"/>
+              </a:rPr>
+              <a:t>demo03</a:t>
+            </a:r>
+            <a:endParaRPr lang="en-US" altLang="zh-CN" sz="2200">
+              <a:solidFill>
+                <a:srgbClr val="FF0000"/>
+              </a:solidFill>
+              <a:latin typeface="+mn-ea"/>
+              <a:ea typeface="+mn-ea"/>
+            </a:endParaRPr>
+          </a:p>
+        </p:txBody>
+      </p:sp>
+    </p:spTree>
+  </p:cSld>
+  <p:clrMapOvr>
+    <a:masterClrMapping/>
+  </p:clrMapOvr>
+  <p:timing>
+    <p:tnLst>
+      <p:par>
+        <p:cTn id="1" dur="indefinite" restart="never" nodeType="tmRoot"/>
+      </p:par>
+    </p:tnLst>
+  </p:timing>
+</p:sld>
+</file>
+
+<file path=ppt/slides/slide21.xml><?xml version="1.0" encoding="utf-8"?>
+<p:sld xmlns:a="http://schemas.openxmlformats.org/drawingml/2006/main" xmlns:r="http://schemas.openxmlformats.org/officeDocument/2006/relationships" xmlns:p="http://schemas.openxmlformats.org/presentationml/2006/main">
+  <p:cSld>
+    <p:spTree>
+      <p:nvGrpSpPr>
+        <p:cNvPr id="1" name=""/>
+        <p:cNvGrpSpPr/>
+        <p:nvPr/>
+      </p:nvGrpSpPr>
+      <p:grpSpPr>
+        <a:xfrm>
+          <a:off x="0" y="0"/>
+          <a:ext cx="0" cy="0"/>
+          <a:chOff x="0" y="0"/>
+          <a:chExt cx="0" cy="0"/>
+        </a:xfrm>
+      </p:grpSpPr>
+      <p:sp>
+        <p:nvSpPr>
+          <p:cNvPr id="3" name="内容占位符 2"/>
+          <p:cNvSpPr>
+            <a:spLocks noGrp="1"/>
+          </p:cNvSpPr>
+          <p:nvPr>
+            <p:ph sz="quarter" idx="10"/>
+          </p:nvPr>
+        </p:nvSpPr>
+        <p:spPr>
+          <a:xfrm>
+            <a:off x="1142965" y="1123944"/>
+            <a:ext cx="10067377" cy="4643437"/>
+          </a:xfrm>
+        </p:spPr>
+        <p:txBody>
+          <a:bodyPr/>
+          <a:lstStyle/>
+          <a:p>
+            <a:pPr>
+              <a:lnSpc>
+                <a:spcPct val="140000"/>
+              </a:lnSpc>
+            </a:pPr>
+            <a:r>
+              <a:rPr kumimoji="0" lang="en-US" altLang="zh-CN" dirty="0" smtClean="0">
+                <a:solidFill>
+                  <a:schemeClr val="tx1"/>
+                </a:solidFill>
+              </a:rPr>
+              <a:t>JavaScript</a:t>
+            </a:r>
+            <a:r>
+              <a:rPr kumimoji="0" lang="zh-CN" altLang="en-US" dirty="0" smtClean="0">
+                <a:solidFill>
+                  <a:schemeClr val="tx1"/>
+                </a:solidFill>
+              </a:rPr>
+              <a:t>进阶课程介绍</a:t>
+            </a:r>
+            <a:endParaRPr kumimoji="0" lang="zh-CN" altLang="en-US" dirty="0" smtClean="0">
+              <a:solidFill>
+                <a:schemeClr val="tx1"/>
+              </a:solidFill>
+            </a:endParaRPr>
+          </a:p>
+          <a:p>
+            <a:pPr>
+              <a:lnSpc>
+                <a:spcPct val="140000"/>
+              </a:lnSpc>
+            </a:pPr>
+            <a:r>
+              <a:rPr kumimoji="0" lang="en-US" altLang="zh-CN" dirty="0" smtClean="0">
+                <a:solidFill>
+                  <a:schemeClr val="tx1"/>
+                </a:solidFill>
+              </a:rPr>
+              <a:t>JS</a:t>
+            </a:r>
+            <a:r>
+              <a:rPr kumimoji="0" lang="zh-CN" altLang="en-US" dirty="0" smtClean="0">
+                <a:solidFill>
+                  <a:schemeClr val="tx1"/>
+                </a:solidFill>
+              </a:rPr>
+              <a:t>历史背景简介</a:t>
+            </a:r>
+            <a:endParaRPr kumimoji="0" lang="zh-CN" altLang="en-US" dirty="0" smtClean="0">
+              <a:solidFill>
+                <a:schemeClr val="tx1"/>
+              </a:solidFill>
+            </a:endParaRPr>
+          </a:p>
+          <a:p>
+            <a:pPr>
+              <a:lnSpc>
+                <a:spcPct val="140000"/>
+              </a:lnSpc>
+            </a:pPr>
+            <a:r>
+              <a:rPr kumimoji="0" lang="en-US" altLang="zh-CN" dirty="0" smtClean="0">
+                <a:solidFill>
+                  <a:schemeClr val="tx1"/>
+                </a:solidFill>
+              </a:rPr>
+              <a:t>JS</a:t>
+            </a:r>
+            <a:r>
+              <a:rPr kumimoji="0" lang="zh-CN" altLang="en-US" dirty="0" smtClean="0">
+                <a:solidFill>
+                  <a:schemeClr val="tx1"/>
+                </a:solidFill>
+              </a:rPr>
+              <a:t>语言特点（脚本语言、弱类型、动态类型、闭包、原型等）</a:t>
+            </a:r>
+            <a:endParaRPr kumimoji="0" lang="zh-CN" altLang="en-US" dirty="0" smtClean="0">
+              <a:solidFill>
+                <a:schemeClr val="tx1"/>
+              </a:solidFill>
+            </a:endParaRPr>
+          </a:p>
+          <a:p>
+            <a:pPr>
+              <a:lnSpc>
+                <a:spcPct val="140000"/>
+              </a:lnSpc>
+            </a:pPr>
+            <a:r>
+              <a:rPr kumimoji="0" lang="en-US" altLang="zh-CN" dirty="0" smtClean="0">
+                <a:solidFill>
+                  <a:schemeClr val="tx1"/>
+                </a:solidFill>
+              </a:rPr>
+              <a:t>JS</a:t>
+            </a:r>
+            <a:r>
+              <a:rPr kumimoji="0" lang="zh-CN" altLang="en-US" dirty="0" smtClean="0">
+                <a:solidFill>
+                  <a:schemeClr val="tx1"/>
+                </a:solidFill>
+              </a:rPr>
+              <a:t>的使用方式及调试方式</a:t>
+            </a:r>
+            <a:endParaRPr kumimoji="0" lang="zh-CN" altLang="en-US" dirty="0" smtClean="0">
+              <a:solidFill>
+                <a:schemeClr val="tx1"/>
+              </a:solidFill>
+            </a:endParaRPr>
+          </a:p>
+          <a:p>
+            <a:endParaRPr lang="zh-CN" altLang="en-US" dirty="0"/>
+          </a:p>
+        </p:txBody>
+      </p:sp>
+      <p:sp>
+        <p:nvSpPr>
+          <p:cNvPr id="4" name="内容占位符 3"/>
+          <p:cNvSpPr>
+            <a:spLocks noGrp="1"/>
+          </p:cNvSpPr>
+          <p:nvPr>
+            <p:ph sz="quarter" idx="11"/>
+          </p:nvPr>
+        </p:nvSpPr>
+        <p:spPr/>
+        <p:txBody>
+          <a:bodyPr/>
+          <a:lstStyle/>
+          <a:p>
+            <a:r>
+              <a:rPr lang="zh-CN" altLang="en-US" dirty="0"/>
+              <a:t>总结</a:t>
+            </a:r>
+            <a:endParaRPr lang="zh-CN" altLang="en-US" dirty="0"/>
+          </a:p>
+          <a:p>
+            <a:endParaRPr lang="zh-CN" altLang="en-US" dirty="0"/>
+          </a:p>
+        </p:txBody>
+      </p:sp>
+    </p:spTree>
+  </p:cSld>
+  <p:clrMapOvr>
+    <a:masterClrMapping/>
+  </p:clrMapOvr>
+  <p:timing>
+    <p:tnLst>
+      <p:par>
+        <p:cTn id="1" dur="indefinite" restart="never" nodeType="tmRoot"/>
+      </p:par>
+    </p:tnLst>
+  </p:timing>
+</p:sld>
+</file>
+
+<file path=ppt/slides/slide22.xml><?xml version="1.0" encoding="utf-8"?>
+<p:sld xmlns:a="http://schemas.openxmlformats.org/drawingml/2006/main" xmlns:r="http://schemas.openxmlformats.org/officeDocument/2006/relationships" xmlns:p="http://schemas.openxmlformats.org/presentationml/2006/main">
+  <p:cSld>
+    <p:spTree>
+      <p:nvGrpSpPr>
+        <p:cNvPr id="1" name=""/>
+        <p:cNvGrpSpPr/>
+        <p:nvPr/>
+      </p:nvGrpSpPr>
+      <p:grpSpPr>
+        <a:xfrm>
+          <a:off x="0" y="0"/>
+          <a:ext cx="0" cy="0"/>
+          <a:chOff x="0" y="0"/>
+          <a:chExt cx="0" cy="0"/>
+        </a:xfrm>
+      </p:grpSpPr>
       <p:pic>
         <p:nvPicPr>
           <p:cNvPr id="49154" name="Picture 5"/>
@@ -7008,7 +7958,7 @@
 </p:sld>
 </file>
 
-<file path=ppt/slides/slide21.xml><?xml version="1.0" encoding="utf-8"?>
+<file path=ppt/slides/slide23.xml><?xml version="1.0" encoding="utf-8"?>
 <p:sld xmlns:a="http://schemas.openxmlformats.org/drawingml/2006/main" xmlns:r="http://schemas.openxmlformats.org/officeDocument/2006/relationships" xmlns:p="http://schemas.openxmlformats.org/presentationml/2006/main">
   <p:cSld>
     <p:spTree>
@@ -7456,7 +8406,15 @@
                   <a:schemeClr val="tx2"/>
                 </a:solidFill>
               </a:rPr>
-              <a:t>高级</a:t>
+              <a:t>中</a:t>
+            </a:r>
+            <a:r>
+              <a:rPr kumimoji="0" lang="zh-CN" altLang="en-US" dirty="0" smtClean="0">
+                <a:solidFill>
+                  <a:schemeClr val="tx2"/>
+                </a:solidFill>
+              </a:rPr>
+              <a:t>级</a:t>
             </a:r>
             <a:r>
               <a:rPr kumimoji="0" lang="zh-CN" altLang="en-US" dirty="0" smtClean="0">
@@ -7791,6 +8749,91 @@
                                         <p:tgtEl>
                                           <p:spTgt spid="8193">
                                             <p:txEl>
+                                              <p:pRg st="0" end="0"/>
+                                            </p:txEl>
+                                          </p:spTgt>
+                                        </p:tgtEl>
+                                        <p:attrNameLst>
+                                          <p:attrName>style.visibility</p:attrName>
+                                        </p:attrNameLst>
+                                      </p:cBhvr>
+                                      <p:to>
+                                        <p:strVal val="visible"/>
+                                      </p:to>
+                                    </p:set>
+                                    <p:anim calcmode="lin" valueType="num">
+                                      <p:cBhvr additive="base">
+                                        <p:cTn id="7" dur="500" fill="hold"/>
+                                        <p:tgtEl>
+                                          <p:spTgt spid="8193">
+                                            <p:txEl>
+                                              <p:pRg st="0" end="0"/>
+                                            </p:txEl>
+                                          </p:spTgt>
+                                        </p:tgtEl>
+                                        <p:attrNameLst>
+                                          <p:attrName>ppt_x</p:attrName>
+                                        </p:attrNameLst>
+                                      </p:cBhvr>
+                                      <p:tavLst>
+                                        <p:tav tm="0">
+                                          <p:val>
+                                            <p:strVal val="#ppt_x"/>
+                                          </p:val>
+                                        </p:tav>
+                                        <p:tav tm="100000">
+                                          <p:val>
+                                            <p:strVal val="#ppt_x"/>
+                                          </p:val>
+                                        </p:tav>
+                                      </p:tavLst>
+                                    </p:anim>
+                                    <p:anim calcmode="lin" valueType="num">
+                                      <p:cBhvr additive="base">
+                                        <p:cTn id="8" dur="500" fill="hold"/>
+                                        <p:tgtEl>
+                                          <p:spTgt spid="8193">
+                                            <p:txEl>
+                                              <p:pRg st="0" end="0"/>
+                                            </p:txEl>
+                                          </p:spTgt>
+                                        </p:tgtEl>
+                                        <p:attrNameLst>
+                                          <p:attrName>ppt_y</p:attrName>
+                                        </p:attrNameLst>
+                                      </p:cBhvr>
+                                      <p:tavLst>
+                                        <p:tav tm="0">
+                                          <p:val>
+                                            <p:strVal val="1+#ppt_h/2"/>
+                                          </p:val>
+                                        </p:tav>
+                                        <p:tav tm="100000">
+                                          <p:val>
+                                            <p:strVal val="#ppt_y"/>
+                                          </p:val>
+                                        </p:tav>
+                                      </p:tavLst>
+                                    </p:anim>
+                                  </p:childTnLst>
+                                </p:cTn>
+                              </p:par>
+                              <p:par>
+                                <p:cTn id="9" presetID="2" presetClass="entr" presetSubtype="4" fill="hold" nodeType="withEffect">
+                                  <p:stCondLst>
+                                    <p:cond delay="0"/>
+                                  </p:stCondLst>
+                                  <p:childTnLst>
+                                    <p:set>
+                                      <p:cBhvr>
+                                        <p:cTn id="10" dur="1" fill="hold">
+                                          <p:stCondLst>
+                                            <p:cond delay="0"/>
+                                          </p:stCondLst>
+                                        </p:cTn>
+                                        <p:tgtEl>
+                                          <p:spTgt spid="8193">
+                                            <p:txEl>
                                               <p:pRg st="1" end="1"/>
                                             </p:txEl>
                                           </p:spTgt>
@@ -7805,7 +8848,7 @@
                                     </p:set>
                                     <p:anim calcmode="lin" valueType="num">
                                       <p:cBhvr additive="base">
-                                        <p:cTn id="7" dur="500" fill="hold"/>
+                                        <p:cTn id="11" dur="500" fill="hold"/>
                                         <p:tgtEl>
                                           <p:spTgt spid="8193">
                                             <p:txEl>
@@ -7832,7 +8875,7 @@
                                     </p:anim>
                                     <p:anim calcmode="lin" valueType="num">
                                       <p:cBhvr additive="base">
-                                        <p:cTn id="8" dur="500" fill="hold"/>
+                                        <p:cTn id="12" dur="500" fill="hold"/>
                                         <p:tgtEl>
                                           <p:spTgt spid="8193">
                                             <p:txEl>
@@ -7860,33 +8903,15 @@
                                   </p:childTnLst>
                                 </p:cTn>
                               </p:par>
-                            </p:childTnLst>
-                          </p:cTn>
-                        </p:par>
-                      </p:childTnLst>
-                    </p:cTn>
-                  </p:par>
-                  <p:par>
-                    <p:cTn id="9" fill="hold">
-                      <p:stCondLst>
-                        <p:cond delay="indefinite"/>
-                      </p:stCondLst>
-                      <p:childTnLst>
-                        <p:par>
-                          <p:cTn id="10" fill="hold">
-                            <p:stCondLst>
-                              <p:cond delay="0"/>
-                            </p:stCondLst>
-                            <p:childTnLst>
                               <p:par>
-                                <p:cTn id="11" presetID="2" presetClass="entr" presetSubtype="4" fill="hold" nodeType="clickEffect">
+                                <p:cTn id="13" presetID="2" presetClass="entr" presetSubtype="4" fill="hold" nodeType="withEffect">
                                   <p:stCondLst>
                                     <p:cond delay="0"/>
                                   </p:stCondLst>
                                   <p:childTnLst>
                                     <p:set>
                                       <p:cBhvr>
-                                        <p:cTn id="12" dur="1" fill="hold">
+                                        <p:cTn id="14" dur="1" fill="hold">
                                           <p:stCondLst>
                                             <p:cond delay="0"/>
                                           </p:stCondLst>
@@ -7908,7 +8933,7 @@
                                     </p:set>
                                     <p:anim calcmode="lin" valueType="num">
                                       <p:cBhvr additive="base">
-                                        <p:cTn id="13" dur="500" fill="hold"/>
+                                        <p:cTn id="15" dur="500" fill="hold"/>
                                         <p:tgtEl>
                                           <p:spTgt spid="8193">
                                             <p:txEl>
@@ -7935,7 +8960,7 @@
                                     </p:anim>
                                     <p:anim calcmode="lin" valueType="num">
                                       <p:cBhvr additive="base">
-                                        <p:cTn id="14" dur="500" fill="hold"/>
+                                        <p:cTn id="16" dur="500" fill="hold"/>
                                         <p:tgtEl>
                                           <p:spTgt spid="8193">
                                             <p:txEl>
@@ -7963,26 +8988,8 @@
                                   </p:childTnLst>
                                 </p:cTn>
                               </p:par>
-                            </p:childTnLst>
-                          </p:cTn>
-                        </p:par>
-                      </p:childTnLst>
-                    </p:cTn>
-                  </p:par>
-                  <p:par>
-                    <p:cTn id="15" fill="hold">
-                      <p:stCondLst>
-                        <p:cond delay="indefinite"/>
-                      </p:stCondLst>
-                      <p:childTnLst>
-                        <p:par>
-                          <p:cTn id="16" fill="hold">
-                            <p:stCondLst>
-                              <p:cond delay="0"/>
-                            </p:stCondLst>
-                            <p:childTnLst>
                               <p:par>
-                                <p:cTn id="17" presetID="2" presetClass="entr" presetSubtype="4" fill="hold" nodeType="clickEffect">
+                                <p:cTn id="17" presetID="2" presetClass="entr" presetSubtype="4" fill="hold" nodeType="withEffect">
                                   <p:stCondLst>
                                     <p:cond delay="0"/>
                                   </p:stCondLst>
@@ -8258,7 +9265,7 @@
       </p:par>
     </p:tnLst>
     <p:bldLst>
-      <p:bldP spid="4" grpId="0" bldLvl="0" animBg="1"/>
+      <p:bldP spid="4" grpId="0" animBg="1"/>
       <p:bldP spid="5" grpId="0"/>
     </p:bldLst>
   </p:timing>
@@ -8266,6 +9273,454 @@
 </file>
 
 <file path=ppt/slides/slide4.xml><?xml version="1.0" encoding="utf-8"?>
+<p:sld xmlns:a="http://schemas.openxmlformats.org/drawingml/2006/main" xmlns:r="http://schemas.openxmlformats.org/officeDocument/2006/relationships" xmlns:p="http://schemas.openxmlformats.org/presentationml/2006/main">
+  <p:cSld>
+    <p:spTree>
+      <p:nvGrpSpPr>
+        <p:cNvPr id="1" name=""/>
+        <p:cNvGrpSpPr/>
+        <p:nvPr/>
+      </p:nvGrpSpPr>
+      <p:grpSpPr>
+        <a:xfrm>
+          <a:off x="0" y="0"/>
+          <a:ext cx="0" cy="0"/>
+          <a:chOff x="0" y="0"/>
+          <a:chExt cx="0" cy="0"/>
+        </a:xfrm>
+      </p:grpSpPr>
+      <p:sp>
+        <p:nvSpPr>
+          <p:cNvPr id="2" name="内容占位符 1"/>
+          <p:cNvSpPr>
+            <a:spLocks noGrp="1"/>
+          </p:cNvSpPr>
+          <p:nvPr>
+            <p:ph sz="quarter" idx="10"/>
+          </p:nvPr>
+        </p:nvSpPr>
+        <p:spPr>
+          <a:xfrm>
+            <a:off x="855980" y="855345"/>
+            <a:ext cx="10841990" cy="5238115"/>
+          </a:xfrm>
+        </p:spPr>
+        <p:txBody>
+          <a:bodyPr/>
+          <a:lstStyle/>
+          <a:p>
+            <a:r>
+              <a:rPr kumimoji="0" lang="en-US" altLang="zh-CN" sz="3200" dirty="0">
+                <a:solidFill>
+                  <a:schemeClr val="tx1"/>
+                </a:solidFill>
+                <a:sym typeface="+mn-ea"/>
+              </a:rPr>
+              <a:t>ECMAScript</a:t>
+            </a:r>
+            <a:r>
+              <a:rPr kumimoji="0" lang="zh-CN" altLang="en-US" sz="3200" dirty="0">
+                <a:solidFill>
+                  <a:schemeClr val="tx1"/>
+                </a:solidFill>
+                <a:sym typeface="+mn-ea"/>
+              </a:rPr>
+              <a:t>（</a:t>
+            </a:r>
+            <a:r>
+              <a:rPr kumimoji="0" lang="en-US" altLang="zh-CN" sz="3200" dirty="0">
+                <a:solidFill>
+                  <a:schemeClr val="tx1"/>
+                </a:solidFill>
+                <a:sym typeface="+mn-ea"/>
+              </a:rPr>
+              <a:t>ES</a:t>
+            </a:r>
+            <a:r>
+              <a:rPr kumimoji="0" lang="zh-CN" altLang="en-US" sz="3200" dirty="0">
+                <a:solidFill>
+                  <a:schemeClr val="tx1"/>
+                </a:solidFill>
+                <a:sym typeface="+mn-ea"/>
+              </a:rPr>
+              <a:t>）是</a:t>
+            </a:r>
+            <a:r>
+              <a:rPr kumimoji="0" lang="en-US" altLang="zh-CN" sz="3200" dirty="0">
+                <a:solidFill>
+                  <a:schemeClr val="tx1"/>
+                </a:solidFill>
+                <a:sym typeface="+mn-ea"/>
+              </a:rPr>
+              <a:t>JavaScript</a:t>
+            </a:r>
+            <a:r>
+              <a:rPr kumimoji="0" lang="zh-CN" altLang="en-US" sz="3200" dirty="0">
+                <a:solidFill>
+                  <a:schemeClr val="tx1"/>
+                </a:solidFill>
+                <a:sym typeface="+mn-ea"/>
+              </a:rPr>
+              <a:t>的语法标准</a:t>
+            </a:r>
+            <a:br>
+              <a:rPr kumimoji="0" lang="zh-CN" altLang="en-US" dirty="0">
+                <a:solidFill>
+                  <a:schemeClr val="tx1"/>
+                </a:solidFill>
+              </a:rPr>
+            </a:br>
+            <a:endParaRPr kumimoji="0" lang="zh-CN" altLang="en-US" dirty="0">
+              <a:solidFill>
+                <a:schemeClr val="tx1"/>
+              </a:solidFill>
+            </a:endParaRPr>
+          </a:p>
+          <a:p>
+            <a:endParaRPr kumimoji="0" lang="zh-CN" altLang="en-US" sz="1800" dirty="0">
+              <a:solidFill>
+                <a:schemeClr val="tx1"/>
+              </a:solidFill>
+            </a:endParaRPr>
+          </a:p>
+          <a:p>
+            <a:endParaRPr kumimoji="0" lang="zh-CN" altLang="en-US" sz="1800" dirty="0">
+              <a:solidFill>
+                <a:schemeClr val="tx1"/>
+              </a:solidFill>
+            </a:endParaRPr>
+          </a:p>
+          <a:p>
+            <a:endParaRPr kumimoji="0" lang="zh-CN" altLang="en-US" sz="1800" dirty="0">
+              <a:solidFill>
+                <a:schemeClr val="tx1"/>
+              </a:solidFill>
+            </a:endParaRPr>
+          </a:p>
+          <a:p>
+            <a:endParaRPr kumimoji="0" lang="zh-CN" altLang="en-US" sz="1800" dirty="0">
+              <a:solidFill>
+                <a:schemeClr val="tx1"/>
+              </a:solidFill>
+            </a:endParaRPr>
+          </a:p>
+          <a:p>
+            <a:r>
+              <a:rPr kumimoji="0" lang="en-US" altLang="zh-CN" sz="3200" dirty="0">
+                <a:solidFill>
+                  <a:schemeClr val="tx1"/>
+                </a:solidFill>
+                <a:sym typeface="+mn-ea"/>
+              </a:rPr>
+              <a:t>ECMAScript</a:t>
+            </a:r>
+            <a:r>
+              <a:rPr kumimoji="0" lang="zh-CN" altLang="en-US" sz="3200" dirty="0">
+                <a:solidFill>
+                  <a:schemeClr val="tx1"/>
+                </a:solidFill>
+                <a:sym typeface="+mn-ea"/>
+              </a:rPr>
+              <a:t>的版本</a:t>
+            </a:r>
+            <a:r>
+              <a:rPr kumimoji="0" lang="zh-CN" altLang="en-US" sz="3200" dirty="0">
+                <a:solidFill>
+                  <a:schemeClr val="tx1"/>
+                </a:solidFill>
+              </a:rPr>
+              <a:t>（</a:t>
+            </a:r>
+            <a:r>
+              <a:rPr kumimoji="0" lang="en-US" altLang="zh-CN" sz="3200" dirty="0">
+                <a:solidFill>
+                  <a:schemeClr val="accent3"/>
+                </a:solidFill>
+              </a:rPr>
+              <a:t>ES5</a:t>
+            </a:r>
+            <a:r>
+              <a:rPr kumimoji="0" lang="zh-CN" altLang="en-US" sz="3200" dirty="0">
+                <a:solidFill>
+                  <a:schemeClr val="accent3"/>
+                </a:solidFill>
+              </a:rPr>
+              <a:t>、</a:t>
+            </a:r>
+            <a:r>
+              <a:rPr kumimoji="0" lang="en-US" altLang="zh-CN" sz="3200" dirty="0">
+                <a:solidFill>
+                  <a:schemeClr val="accent3"/>
+                </a:solidFill>
+              </a:rPr>
+              <a:t>ES6</a:t>
+            </a:r>
+            <a:r>
+              <a:rPr kumimoji="0" lang="zh-CN" altLang="en-US" sz="3200" dirty="0">
+                <a:solidFill>
+                  <a:schemeClr val="tx1"/>
+                </a:solidFill>
+              </a:rPr>
+              <a:t>）</a:t>
+            </a:r>
+            <a:br>
+              <a:rPr kumimoji="0" lang="zh-CN" altLang="en-US" dirty="0">
+                <a:solidFill>
+                  <a:schemeClr val="tx1"/>
+                </a:solidFill>
+              </a:rPr>
+            </a:br>
+            <a:r>
+              <a:rPr kumimoji="0" lang="en-US" altLang="zh-CN" sz="2000" dirty="0">
+                <a:solidFill>
+                  <a:schemeClr val="tx1"/>
+                </a:solidFill>
+              </a:rPr>
+              <a:t>- ES5</a:t>
+            </a:r>
+            <a:r>
+              <a:rPr kumimoji="0" lang="zh-CN" altLang="en-US" sz="2000" dirty="0">
+                <a:solidFill>
+                  <a:schemeClr val="tx1"/>
+                </a:solidFill>
+              </a:rPr>
+              <a:t>（</a:t>
+            </a:r>
+            <a:r>
+              <a:rPr kumimoji="0" lang="en-US" altLang="zh-CN" sz="2000" dirty="0">
+                <a:solidFill>
+                  <a:schemeClr val="tx1"/>
+                </a:solidFill>
+              </a:rPr>
+              <a:t>2009年12月发布</a:t>
+            </a:r>
+            <a:r>
+              <a:rPr kumimoji="0" lang="zh-CN" altLang="en-US" sz="2000" dirty="0">
+                <a:solidFill>
+                  <a:schemeClr val="tx1"/>
+                </a:solidFill>
+              </a:rPr>
+              <a:t>）当前网络上绝大部分用的是</a:t>
+            </a:r>
+            <a:r>
+              <a:rPr kumimoji="0" lang="en-US" altLang="zh-CN" sz="2000" dirty="0">
+                <a:solidFill>
+                  <a:schemeClr val="tx1"/>
+                </a:solidFill>
+              </a:rPr>
+              <a:t>ES5</a:t>
+            </a:r>
+            <a:br>
+              <a:rPr kumimoji="0" lang="zh-CN" altLang="en-US" sz="2000" dirty="0">
+                <a:solidFill>
+                  <a:schemeClr val="tx1"/>
+                </a:solidFill>
+              </a:rPr>
+            </a:br>
+            <a:r>
+              <a:rPr kumimoji="0" lang="en-US" altLang="zh-CN" sz="2000" dirty="0">
+                <a:solidFill>
+                  <a:schemeClr val="tx1"/>
+                </a:solidFill>
+              </a:rPr>
+              <a:t>- </a:t>
+            </a:r>
+            <a:r>
+              <a:rPr kumimoji="0" lang="en-US" altLang="zh-CN" sz="2000" dirty="0">
+                <a:solidFill>
+                  <a:schemeClr val="tx1"/>
+                </a:solidFill>
+                <a:sym typeface="+mn-ea"/>
+              </a:rPr>
+              <a:t>ES6</a:t>
+            </a:r>
+            <a:r>
+              <a:rPr kumimoji="0" lang="zh-CN" altLang="en-US" sz="2000" dirty="0">
+                <a:solidFill>
+                  <a:schemeClr val="tx1"/>
+                </a:solidFill>
+                <a:sym typeface="+mn-ea"/>
+              </a:rPr>
+              <a:t>（</a:t>
+            </a:r>
+            <a:r>
+              <a:rPr kumimoji="0" sz="2000" dirty="0">
+                <a:solidFill>
+                  <a:schemeClr val="tx1"/>
+                </a:solidFill>
+                <a:sym typeface="+mn-ea"/>
+              </a:rPr>
+              <a:t>2015年</a:t>
+            </a:r>
+            <a:r>
+              <a:rPr kumimoji="0" lang="en-US" sz="2000" dirty="0">
+                <a:solidFill>
+                  <a:schemeClr val="tx1"/>
+                </a:solidFill>
+                <a:sym typeface="+mn-ea"/>
+              </a:rPr>
+              <a:t>0</a:t>
+            </a:r>
+            <a:r>
+              <a:rPr kumimoji="0" sz="2000" dirty="0">
+                <a:solidFill>
+                  <a:schemeClr val="tx1"/>
+                </a:solidFill>
+                <a:sym typeface="+mn-ea"/>
+              </a:rPr>
+              <a:t>6</a:t>
+            </a:r>
+            <a:r>
+              <a:rPr kumimoji="0" lang="zh-CN" sz="2000" dirty="0">
+                <a:solidFill>
+                  <a:schemeClr val="tx1"/>
+                </a:solidFill>
+                <a:sym typeface="+mn-ea"/>
+              </a:rPr>
+              <a:t>月</a:t>
+            </a:r>
+            <a:r>
+              <a:rPr kumimoji="0" sz="2000" dirty="0">
+                <a:solidFill>
+                  <a:schemeClr val="tx1"/>
+                </a:solidFill>
+                <a:sym typeface="+mn-ea"/>
+              </a:rPr>
+              <a:t>发布</a:t>
+            </a:r>
+            <a:r>
+              <a:rPr kumimoji="0" lang="zh-CN" altLang="en-US" sz="2000" dirty="0">
+                <a:solidFill>
+                  <a:schemeClr val="tx1"/>
+                </a:solidFill>
+                <a:sym typeface="+mn-ea"/>
+              </a:rPr>
+              <a:t>）增加了许多新特性，并解决了很多</a:t>
+            </a:r>
+            <a:r>
+              <a:rPr kumimoji="0" lang="en-US" altLang="zh-CN" sz="2000" dirty="0">
+                <a:solidFill>
+                  <a:schemeClr val="tx1"/>
+                </a:solidFill>
+                <a:sym typeface="+mn-ea"/>
+              </a:rPr>
+              <a:t>ES5</a:t>
+            </a:r>
+            <a:r>
+              <a:rPr kumimoji="0" lang="zh-CN" altLang="en-US" sz="2000" dirty="0">
+                <a:solidFill>
+                  <a:schemeClr val="tx1"/>
+                </a:solidFill>
+                <a:sym typeface="+mn-ea"/>
+              </a:rPr>
+              <a:t>中的缺陷，会逐渐流行开来</a:t>
+            </a:r>
+            <a:endParaRPr kumimoji="0" lang="en-US" altLang="zh-CN" sz="2000" dirty="0">
+              <a:solidFill>
+                <a:schemeClr val="tx1"/>
+              </a:solidFill>
+            </a:endParaRPr>
+          </a:p>
+        </p:txBody>
+      </p:sp>
+      <p:sp>
+        <p:nvSpPr>
+          <p:cNvPr id="3" name="内容占位符 2"/>
+          <p:cNvSpPr>
+            <a:spLocks noGrp="1"/>
+          </p:cNvSpPr>
+          <p:nvPr>
+            <p:ph sz="quarter" idx="11"/>
+          </p:nvPr>
+        </p:nvSpPr>
+        <p:spPr>
+          <a:xfrm>
+            <a:off x="981710" y="236855"/>
+            <a:ext cx="8922385" cy="490220"/>
+          </a:xfrm>
+        </p:spPr>
+        <p:txBody>
+          <a:bodyPr/>
+          <a:lstStyle/>
+          <a:p>
+            <a:r>
+              <a:rPr lang="zh-CN" altLang="en-US" dirty="0"/>
+              <a:t>背景</a:t>
+            </a:r>
+            <a:r>
+              <a:rPr lang="zh-CN" dirty="0">
+                <a:sym typeface="+mn-ea"/>
+              </a:rPr>
+              <a:t>知识</a:t>
+            </a:r>
+            <a:r>
+              <a:rPr lang="zh-CN" altLang="en-US" dirty="0"/>
+              <a:t>（</a:t>
+            </a:r>
+            <a:r>
+              <a:rPr lang="en-US" altLang="zh-CN" dirty="0"/>
+              <a:t>ES5</a:t>
+            </a:r>
+            <a:r>
+              <a:rPr lang="zh-CN" altLang="en-US" dirty="0"/>
+              <a:t>、</a:t>
+            </a:r>
+            <a:r>
+              <a:rPr lang="en-US" altLang="zh-CN" dirty="0"/>
+              <a:t>ES6</a:t>
+            </a:r>
+            <a:r>
+              <a:rPr lang="zh-CN" altLang="en-US" dirty="0"/>
+              <a:t>）</a:t>
+            </a:r>
+            <a:endParaRPr lang="zh-CN" altLang="en-US" dirty="0"/>
+          </a:p>
+          <a:p>
+            <a:endParaRPr lang="zh-CN" altLang="en-US" dirty="0"/>
+          </a:p>
+        </p:txBody>
+      </p:sp>
+      <p:pic>
+        <p:nvPicPr>
+          <p:cNvPr id="4" name="图片 3" descr="C:\Users\qile\Desktop\abc.pngabc"/>
+          <p:cNvPicPr>
+            <a:picLocks noChangeAspect="1"/>
+          </p:cNvPicPr>
+          <p:nvPr/>
+        </p:nvPicPr>
+        <p:blipFill>
+          <a:blip r:embed="rId1"/>
+          <a:srcRect/>
+          <a:stretch>
+            <a:fillRect/>
+          </a:stretch>
+        </p:blipFill>
+        <p:spPr>
+          <a:xfrm>
+            <a:off x="1358265" y="1815148"/>
+            <a:ext cx="5763260" cy="2450465"/>
+          </a:xfrm>
+          <a:prstGeom prst="rect">
+            <a:avLst/>
+          </a:prstGeom>
+        </p:spPr>
+      </p:pic>
+    </p:spTree>
+  </p:cSld>
+  <p:clrMapOvr>
+    <a:masterClrMapping/>
+  </p:clrMapOvr>
+  <p:timing>
+    <p:tnLst>
+      <p:par>
+        <p:cTn id="1" dur="indefinite" restart="never" nodeType="tmRoot"/>
+      </p:par>
+    </p:tnLst>
+  </p:timing>
+</p:sld>
+</file>
+
+<file path=ppt/slides/slide5.xml><?xml version="1.0" encoding="utf-8"?>
 <p:sld xmlns:a="http://schemas.openxmlformats.org/drawingml/2006/main" xmlns:r="http://schemas.openxmlformats.org/officeDocument/2006/relationships" xmlns:p="http://schemas.openxmlformats.org/presentationml/2006/main">
   <p:cSld>
     <p:spTree>
@@ -8341,7 +9796,7 @@
             <a:r>
               <a:rPr lang="en-US" altLang="zh-CN" sz="3200">
                 <a:solidFill>
-                  <a:schemeClr val="tx1"/>
+                  <a:srgbClr val="FF0000"/>
                 </a:solidFill>
               </a:rPr>
               <a:t>ES5</a:t>
@@ -8464,7 +9919,34 @@
                 </a:solidFill>
                 <a:sym typeface="+mn-ea"/>
               </a:rPr>
+              <a:t>JavaScript</a:t>
+            </a:r>
+            <a:r>
+              <a:rPr lang="zh-CN" altLang="en-US" sz="3200">
+                <a:solidFill>
+                  <a:schemeClr val="tx1"/>
+                </a:solidFill>
+                <a:sym typeface="+mn-ea"/>
+              </a:rPr>
+              <a:t>（</a:t>
+            </a:r>
+            <a:r>
+              <a:rPr lang="en-US" altLang="zh-CN" sz="3200">
+                <a:solidFill>
+                  <a:srgbClr val="FF0000"/>
+                </a:solidFill>
+                <a:sym typeface="+mn-ea"/>
+              </a:rPr>
               <a:t>ES6</a:t>
+            </a:r>
+            <a:r>
+              <a:rPr lang="zh-CN" altLang="en-US" sz="3200">
+                <a:solidFill>
+                  <a:schemeClr val="tx1"/>
+                </a:solidFill>
+                <a:sym typeface="+mn-ea"/>
+              </a:rPr>
+              <a:t>）</a:t>
             </a:r>
             <a:r>
               <a:rPr lang="zh-CN" altLang="en-US" sz="3200">
@@ -8691,7 +10173,7 @@
 </p:sld>
 </file>
 
-<file path=ppt/slides/slide5.xml><?xml version="1.0" encoding="utf-8"?>
+<file path=ppt/slides/slide6.xml><?xml version="1.0" encoding="utf-8"?>
 <p:sld xmlns:a="http://schemas.openxmlformats.org/drawingml/2006/main" xmlns:r="http://schemas.openxmlformats.org/officeDocument/2006/relationships" xmlns:p="http://schemas.openxmlformats.org/presentationml/2006/main">
   <p:cSld>
     <p:spTree>
@@ -8917,7 +10399,7 @@
 </p:sld>
 </file>
 
-<file path=ppt/slides/slide6.xml><?xml version="1.0" encoding="utf-8"?>
+<file path=ppt/slides/slide7.xml><?xml version="1.0" encoding="utf-8"?>
 <p:sld xmlns:a="http://schemas.openxmlformats.org/drawingml/2006/main" xmlns:r="http://schemas.openxmlformats.org/officeDocument/2006/relationships" xmlns:p="http://schemas.openxmlformats.org/presentationml/2006/main">
   <p:cSld>
     <p:spTree>
@@ -9329,164 +10811,6 @@
 </p:sld>
 </file>
 
-<file path=ppt/slides/slide7.xml><?xml version="1.0" encoding="utf-8"?>
-<p:sld xmlns:a="http://schemas.openxmlformats.org/drawingml/2006/main" xmlns:r="http://schemas.openxmlformats.org/officeDocument/2006/relationships" xmlns:p="http://schemas.openxmlformats.org/presentationml/2006/main">
-  <p:cSld>
-    <p:spTree>
-      <p:nvGrpSpPr>
-        <p:cNvPr id="1" name=""/>
-        <p:cNvGrpSpPr/>
-        <p:nvPr/>
-      </p:nvGrpSpPr>
-      <p:grpSpPr>
-        <a:xfrm>
-          <a:off x="0" y="0"/>
-          <a:ext cx="0" cy="0"/>
-          <a:chOff x="0" y="0"/>
-          <a:chExt cx="0" cy="0"/>
-        </a:xfrm>
-      </p:grpSpPr>
-      <p:sp>
-        <p:nvSpPr>
-          <p:cNvPr id="4" name="内容占位符 3"/>
-          <p:cNvSpPr>
-            <a:spLocks noGrp="1"/>
-          </p:cNvSpPr>
-          <p:nvPr>
-            <p:ph sz="quarter" idx="11"/>
-          </p:nvPr>
-        </p:nvSpPr>
-        <p:spPr/>
-        <p:txBody>
-          <a:bodyPr/>
-          <a:lstStyle/>
-          <a:p>
-            <a:r>
-              <a:rPr lang="zh-CN" altLang="en-US" dirty="0"/>
-              <a:t>课程考核及课程资料</a:t>
-            </a:r>
-            <a:endParaRPr lang="zh-CN" altLang="en-US" dirty="0"/>
-          </a:p>
-          <a:p>
-            <a:endParaRPr lang="zh-CN" altLang="en-US" dirty="0"/>
-          </a:p>
-        </p:txBody>
-      </p:sp>
-      <p:sp>
-        <p:nvSpPr>
-          <p:cNvPr id="5" name="内容占位符 4"/>
-          <p:cNvSpPr/>
-          <p:nvPr>
-            <p:ph sz="quarter" idx="10"/>
-          </p:nvPr>
-        </p:nvSpPr>
-        <p:spPr>
-          <a:xfrm>
-            <a:off x="1143000" y="1070610"/>
-            <a:ext cx="9715500" cy="4945380"/>
-          </a:xfrm>
-        </p:spPr>
-        <p:txBody>
-          <a:bodyPr/>
-          <a:p>
-            <a:r>
-              <a:rPr lang="zh-CN" altLang="en-US" sz="3200">
-                <a:solidFill>
-                  <a:schemeClr val="tx1"/>
-                </a:solidFill>
-              </a:rPr>
-              <a:t>平时成绩（考勤、平时表现）</a:t>
-            </a:r>
-            <a:endParaRPr lang="zh-CN" altLang="en-US" sz="3200">
-              <a:solidFill>
-                <a:schemeClr val="tx1"/>
-              </a:solidFill>
-            </a:endParaRPr>
-          </a:p>
-          <a:p>
-            <a:r>
-              <a:rPr lang="zh-CN" altLang="en-US" sz="3200">
-                <a:solidFill>
-                  <a:schemeClr val="tx1"/>
-                </a:solidFill>
-              </a:rPr>
-              <a:t>平时作业（视频学习、雪梨任务）</a:t>
-            </a:r>
-            <a:endParaRPr lang="zh-CN" altLang="en-US" sz="3200">
-              <a:solidFill>
-                <a:schemeClr val="tx1"/>
-              </a:solidFill>
-            </a:endParaRPr>
-          </a:p>
-          <a:p>
-            <a:r>
-              <a:rPr lang="zh-CN" altLang="en-US" sz="3200">
-                <a:solidFill>
-                  <a:schemeClr val="tx1"/>
-                </a:solidFill>
-              </a:rPr>
-              <a:t>期中、期末考试</a:t>
-            </a:r>
-            <a:endParaRPr lang="zh-CN" altLang="en-US" sz="3200">
-              <a:solidFill>
-                <a:schemeClr val="tx1"/>
-              </a:solidFill>
-            </a:endParaRPr>
-          </a:p>
-          <a:p>
-            <a:endParaRPr lang="zh-CN" altLang="en-US" sz="3200">
-              <a:solidFill>
-                <a:schemeClr val="tx1"/>
-              </a:solidFill>
-            </a:endParaRPr>
-          </a:p>
-          <a:p>
-            <a:r>
-              <a:rPr lang="zh-CN" altLang="en-US" sz="3200">
-                <a:solidFill>
-                  <a:schemeClr val="tx1"/>
-                </a:solidFill>
-              </a:rPr>
-              <a:t>课程资料</a:t>
-            </a:r>
-            <a:br>
-              <a:rPr lang="zh-CN" altLang="en-US" sz="3200">
-                <a:solidFill>
-                  <a:schemeClr val="tx1"/>
-                </a:solidFill>
-              </a:rPr>
-            </a:br>
-            <a:r>
-              <a:rPr lang="zh-CN" altLang="en-US" sz="2200">
-                <a:solidFill>
-                  <a:srgbClr val="FF0000"/>
-                </a:solidFill>
-              </a:rPr>
-              <a:t>https://github.com/edu2act/2017-2018_1st_JavaScript-Advanced</a:t>
-            </a:r>
-            <a:endParaRPr lang="zh-CN" altLang="en-US" sz="2200">
-              <a:solidFill>
-                <a:srgbClr val="FF0000"/>
-              </a:solidFill>
-            </a:endParaRPr>
-          </a:p>
-        </p:txBody>
-      </p:sp>
-    </p:spTree>
-  </p:cSld>
-  <p:clrMapOvr>
-    <a:masterClrMapping/>
-  </p:clrMapOvr>
-  <p:timing>
-    <p:tnLst>
-      <p:par>
-        <p:cTn id="1" dur="indefinite" restart="never" nodeType="tmRoot"/>
-      </p:par>
-    </p:tnLst>
-  </p:timing>
-</p:sld>
-</file>
-
 <file path=ppt/slides/slide8.xml><?xml version="1.0" encoding="utf-8"?>
 <p:sld xmlns:a="http://schemas.openxmlformats.org/drawingml/2006/main" xmlns:r="http://schemas.openxmlformats.org/officeDocument/2006/relationships" xmlns:p="http://schemas.openxmlformats.org/presentationml/2006/main">
   <p:cSld>
@@ -9506,7 +10830,7 @@
       </p:grpSpPr>
       <p:sp>
         <p:nvSpPr>
-          <p:cNvPr id="3" name="内容占位符 2"/>
+          <p:cNvPr id="2" name="内容占位符 1"/>
           <p:cNvSpPr>
             <a:spLocks noGrp="1"/>
           </p:cNvSpPr>
@@ -9516,169 +10840,90 @@
         </p:nvSpPr>
         <p:spPr>
           <a:xfrm>
-            <a:off x="1143000" y="980440"/>
-            <a:ext cx="10067290" cy="4907915"/>
+            <a:off x="1142966" y="927119"/>
+            <a:ext cx="9715500" cy="4643437"/>
           </a:xfrm>
         </p:spPr>
         <p:txBody>
           <a:bodyPr/>
           <a:lstStyle/>
           <a:p>
-            <a:pPr>
-              <a:lnSpc>
-                <a:spcPct val="140000"/>
-              </a:lnSpc>
-            </a:pPr>
-            <a:r>
-              <a:rPr kumimoji="0" lang="zh-CN" altLang="en-US" dirty="0" smtClean="0">
-                <a:solidFill>
-                  <a:schemeClr val="tx1"/>
-                </a:solidFill>
-              </a:rPr>
-              <a:t>背景、语法</a:t>
-            </a:r>
-            <a:endParaRPr kumimoji="0" lang="zh-CN" altLang="en-US" dirty="0" smtClean="0">
+            <a:r>
+              <a:rPr lang="en-US" altLang="zh-CN" dirty="0">
+                <a:solidFill>
+                  <a:schemeClr val="tx1"/>
+                </a:solidFill>
+              </a:rPr>
+              <a:t>Chrome</a:t>
+            </a:r>
+            <a:r>
+              <a:rPr lang="zh-CN" altLang="en-US" dirty="0">
+                <a:solidFill>
+                  <a:schemeClr val="tx1"/>
+                </a:solidFill>
+              </a:rPr>
+              <a:t>控制台调试（</a:t>
+            </a:r>
+            <a:r>
+              <a:rPr lang="en-US" altLang="zh-CN" dirty="0">
+                <a:solidFill>
+                  <a:schemeClr val="tx1"/>
+                </a:solidFill>
+              </a:rPr>
+              <a:t>ctrl+L</a:t>
+            </a:r>
+            <a:r>
+              <a:rPr lang="zh-CN" altLang="en-US" dirty="0">
+                <a:solidFill>
+                  <a:schemeClr val="tx1"/>
+                </a:solidFill>
+              </a:rPr>
+              <a:t>、</a:t>
+            </a:r>
+            <a:r>
+              <a:rPr lang="en-US" altLang="zh-CN" dirty="0">
+                <a:solidFill>
+                  <a:schemeClr val="tx1"/>
+                </a:solidFill>
+              </a:rPr>
+              <a:t>ctrl+R</a:t>
+            </a:r>
+            <a:r>
+              <a:rPr lang="zh-CN" altLang="en-US" dirty="0">
+                <a:solidFill>
+                  <a:schemeClr val="tx1"/>
+                </a:solidFill>
+              </a:rPr>
+              <a:t>、</a:t>
+            </a:r>
+            <a:r>
+              <a:rPr lang="en-US" altLang="zh-CN" dirty="0">
+                <a:solidFill>
+                  <a:schemeClr val="tx1"/>
+                </a:solidFill>
+              </a:rPr>
+              <a:t>ctrl+</a:t>
+            </a:r>
+            <a:r>
+              <a:rPr lang="zh-CN" altLang="en-US" dirty="0">
+                <a:solidFill>
+                  <a:schemeClr val="tx1"/>
+                </a:solidFill>
+              </a:rPr>
+              <a:t>鼠标滚轮）</a:t>
+            </a:r>
+            <a:endParaRPr lang="zh-CN" altLang="en-US" dirty="0">
               <a:solidFill>
                 <a:schemeClr val="tx1"/>
               </a:solidFill>
+              <a:sym typeface="+mn-ea"/>
             </a:endParaRPr>
-          </a:p>
-          <a:p>
-            <a:pPr>
-              <a:lnSpc>
-                <a:spcPct val="140000"/>
-              </a:lnSpc>
-            </a:pPr>
-            <a:r>
-              <a:rPr kumimoji="0" lang="zh-CN" altLang="en-US" dirty="0" smtClean="0">
-                <a:solidFill>
-                  <a:schemeClr val="tx1"/>
-                </a:solidFill>
-              </a:rPr>
-              <a:t>变量和赋值</a:t>
-            </a:r>
-            <a:endParaRPr kumimoji="0" lang="zh-CN" altLang="en-US" dirty="0" smtClean="0">
-              <a:solidFill>
-                <a:schemeClr val="tx1"/>
-              </a:solidFill>
-            </a:endParaRPr>
-          </a:p>
-          <a:p>
-            <a:pPr>
-              <a:lnSpc>
-                <a:spcPct val="140000"/>
-              </a:lnSpc>
-            </a:pPr>
-            <a:r>
-              <a:rPr kumimoji="0" lang="zh-CN" altLang="en-US" dirty="0" smtClean="0">
-                <a:solidFill>
-                  <a:schemeClr val="tx1"/>
-                </a:solidFill>
-              </a:rPr>
-              <a:t>值、布尔值、数字、运算符、字符串、语句</a:t>
-            </a:r>
-            <a:endParaRPr kumimoji="0" lang="zh-CN" altLang="en-US" dirty="0" smtClean="0">
-              <a:solidFill>
-                <a:schemeClr val="tx1"/>
-              </a:solidFill>
-            </a:endParaRPr>
-          </a:p>
-          <a:p>
-            <a:pPr>
-              <a:lnSpc>
-                <a:spcPct val="140000"/>
-              </a:lnSpc>
-            </a:pPr>
-            <a:r>
-              <a:rPr kumimoji="0" lang="zh-CN" altLang="en-US" dirty="0" smtClean="0">
-                <a:solidFill>
-                  <a:schemeClr val="tx1"/>
-                </a:solidFill>
-              </a:rPr>
-              <a:t>函数、异常捕获、严格模式</a:t>
-            </a:r>
-            <a:endParaRPr kumimoji="0" lang="zh-CN" altLang="en-US" dirty="0" smtClean="0">
-              <a:solidFill>
-                <a:schemeClr val="tx1"/>
-              </a:solidFill>
-            </a:endParaRPr>
-          </a:p>
-          <a:p>
-            <a:pPr>
-              <a:lnSpc>
-                <a:spcPct val="140000"/>
-              </a:lnSpc>
-            </a:pPr>
-            <a:r>
-              <a:rPr kumimoji="0" lang="zh-CN" altLang="en-US" dirty="0" smtClean="0">
-                <a:solidFill>
-                  <a:schemeClr val="tx1"/>
-                </a:solidFill>
-              </a:rPr>
-              <a:t>作用域和闭包</a:t>
-            </a:r>
-            <a:endParaRPr kumimoji="0" lang="zh-CN" altLang="en-US" dirty="0" smtClean="0">
-              <a:solidFill>
-                <a:schemeClr val="tx1"/>
-              </a:solidFill>
-            </a:endParaRPr>
-          </a:p>
-          <a:p>
-            <a:pPr>
-              <a:lnSpc>
-                <a:spcPct val="140000"/>
-              </a:lnSpc>
-            </a:pPr>
-            <a:r>
-              <a:rPr kumimoji="0" lang="zh-CN" altLang="en-US" dirty="0" smtClean="0">
-                <a:solidFill>
-                  <a:schemeClr val="tx1"/>
-                </a:solidFill>
-              </a:rPr>
-              <a:t>对象、构造函数</a:t>
-            </a:r>
-            <a:endParaRPr kumimoji="0" lang="zh-CN" altLang="en-US" dirty="0" smtClean="0">
-              <a:solidFill>
-                <a:schemeClr val="tx1"/>
-              </a:solidFill>
-            </a:endParaRPr>
-          </a:p>
-          <a:p>
-            <a:pPr>
-              <a:lnSpc>
-                <a:spcPct val="140000"/>
-              </a:lnSpc>
-            </a:pPr>
-            <a:r>
-              <a:rPr kumimoji="0" lang="zh-CN" altLang="en-US" dirty="0" smtClean="0">
-                <a:solidFill>
-                  <a:schemeClr val="tx1"/>
-                </a:solidFill>
-              </a:rPr>
-              <a:t>数组、正则表达式、</a:t>
-            </a:r>
-            <a:r>
-              <a:rPr kumimoji="0" lang="en-US" altLang="zh-CN" dirty="0" smtClean="0">
-                <a:solidFill>
-                  <a:schemeClr val="tx1"/>
-                </a:solidFill>
-              </a:rPr>
-              <a:t>Math</a:t>
-            </a:r>
-            <a:endParaRPr kumimoji="0" lang="en-US" altLang="zh-CN" dirty="0" smtClean="0">
-              <a:solidFill>
-                <a:schemeClr val="tx1"/>
-              </a:solidFill>
-            </a:endParaRPr>
-          </a:p>
-          <a:p>
-            <a:endParaRPr lang="zh-CN" altLang="en-US" dirty="0"/>
           </a:p>
         </p:txBody>
       </p:sp>
       <p:sp>
         <p:nvSpPr>
-          <p:cNvPr id="4" name="内容占位符 3"/>
+          <p:cNvPr id="3" name="内容占位符 2"/>
           <p:cNvSpPr>
             <a:spLocks noGrp="1"/>
           </p:cNvSpPr>
@@ -9686,61 +10931,18 @@
             <p:ph sz="quarter" idx="11"/>
           </p:nvPr>
         </p:nvSpPr>
-        <p:spPr>
-          <a:xfrm>
-            <a:off x="981710" y="236855"/>
-            <a:ext cx="10228580" cy="490220"/>
-          </a:xfrm>
-        </p:spPr>
+        <p:spPr/>
         <p:txBody>
           <a:bodyPr/>
           <a:lstStyle/>
           <a:p>
             <a:r>
+              <a:rPr lang="en-US" altLang="zh-CN" dirty="0"/>
+              <a:t>Chrome</a:t>
+            </a:r>
+            <a:r>
               <a:rPr lang="zh-CN" altLang="en-US" dirty="0"/>
-              <a:t>基础</a:t>
-            </a:r>
-            <a:r>
-              <a:rPr lang="en-US" altLang="zh-CN" dirty="0"/>
-              <a:t>JavaScript</a:t>
-            </a:r>
-            <a:r>
-              <a:rPr lang="zh-CN" altLang="en-US" dirty="0"/>
-              <a:t>回顾（参见《</a:t>
-            </a:r>
-            <a:r>
-              <a:rPr lang="zh-CN" altLang="en-US" dirty="0">
-                <a:sym typeface="+mn-ea"/>
-              </a:rPr>
-              <a:t>深入理解</a:t>
-            </a:r>
-            <a:r>
-              <a:rPr lang="en-US" altLang="zh-CN" dirty="0">
-                <a:sym typeface="+mn-ea"/>
-              </a:rPr>
-              <a:t>JS</a:t>
-            </a:r>
-            <a:r>
-              <a:rPr lang="zh-CN" altLang="en-US" dirty="0">
-                <a:sym typeface="+mn-ea"/>
-              </a:rPr>
-              <a:t>》第</a:t>
-            </a:r>
-            <a:r>
-              <a:rPr lang="en-US" altLang="zh-CN" dirty="0">
-                <a:sym typeface="+mn-ea"/>
-              </a:rPr>
-              <a:t>1</a:t>
-            </a:r>
-            <a:r>
-              <a:rPr lang="zh-CN" altLang="en-US" dirty="0">
-                <a:sym typeface="+mn-ea"/>
-              </a:rPr>
-              <a:t>章</a:t>
-            </a:r>
-            <a:r>
-              <a:rPr lang="zh-CN" altLang="en-US" dirty="0"/>
-              <a:t>）</a:t>
+              <a:t>调试用法一</a:t>
             </a:r>
             <a:endParaRPr lang="zh-CN" altLang="en-US" dirty="0"/>
           </a:p>
@@ -9749,68 +10951,30 @@
           </a:p>
         </p:txBody>
       </p:sp>
-      <p:sp>
-        <p:nvSpPr>
-          <p:cNvPr id="8" name="文本框 7"/>
-          <p:cNvSpPr txBox="1"/>
+      <p:pic>
+        <p:nvPicPr>
+          <p:cNvPr id="4" name="图片 3"/>
+          <p:cNvPicPr>
+            <a:picLocks noChangeAspect="1"/>
+          </p:cNvPicPr>
           <p:nvPr/>
-        </p:nvSpPr>
+        </p:nvPicPr>
+        <p:blipFill>
+          <a:blip r:embed="rId1"/>
+          <a:stretch>
+            <a:fillRect/>
+          </a:stretch>
+        </p:blipFill>
         <p:spPr>
           <a:xfrm>
-            <a:off x="6031865" y="1136015"/>
-            <a:ext cx="3865245" cy="429895"/>
+            <a:off x="1282700" y="1804035"/>
+            <a:ext cx="8030845" cy="3959860"/>
           </a:xfrm>
           <a:prstGeom prst="rect">
             <a:avLst/>
           </a:prstGeom>
-          <a:noFill/>
         </p:spPr>
-        <p:txBody>
-          <a:bodyPr wrap="square" rtlCol="0">
-            <a:spAutoFit/>
-          </a:bodyPr>
-          <a:p>
-            <a:pPr algn="l"/>
-            <a:r>
-              <a:rPr lang="zh-CN" altLang="en-US" sz="2200">
-                <a:solidFill>
-                  <a:srgbClr val="FF0000"/>
-                </a:solidFill>
-                <a:latin typeface="+mn-ea"/>
-                <a:ea typeface="+mn-ea"/>
-              </a:rPr>
-              <a:t>参见实例</a:t>
-            </a:r>
-            <a:r>
-              <a:rPr lang="en-US" altLang="zh-CN" sz="2200">
-                <a:solidFill>
-                  <a:srgbClr val="FF0000"/>
-                </a:solidFill>
-                <a:latin typeface="+mn-ea"/>
-                <a:ea typeface="+mn-ea"/>
-              </a:rPr>
-              <a:t>demo0</a:t>
-            </a:r>
-            <a:r>
-              <a:rPr lang="en-US" sz="2200">
-                <a:solidFill>
-                  <a:srgbClr val="FF0000"/>
-                </a:solidFill>
-                <a:latin typeface="+mn-ea"/>
-                <a:ea typeface="+mn-ea"/>
-              </a:rPr>
-              <a:t>1</a:t>
-            </a:r>
-            <a:endParaRPr lang="en-US" sz="2200">
-              <a:solidFill>
-                <a:srgbClr val="FF0000"/>
-              </a:solidFill>
-              <a:latin typeface="+mn-ea"/>
-              <a:ea typeface="+mn-ea"/>
-            </a:endParaRPr>
-          </a:p>
-        </p:txBody>
-      </p:sp>
+      </p:pic>
     </p:spTree>
   </p:cSld>
   <p:clrMapOvr>
@@ -9843,188 +11007,124 @@
           <a:chExt cx="0" cy="0"/>
         </a:xfrm>
       </p:grpSpPr>
-      <p:pic>
-        <p:nvPicPr>
-          <p:cNvPr id="11266" name="Picture 5"/>
-          <p:cNvPicPr>
-            <a:picLocks noChangeAspect="1" noChangeArrowheads="1"/>
-          </p:cNvPicPr>
-          <p:nvPr/>
-        </p:nvPicPr>
-        <p:blipFill>
-          <a:blip r:embed="rId1" cstate="print">
-            <a:extLst>
-              <a:ext uri="{28A0092B-C50C-407E-A947-70E740481C1C}">
-                <a14:useLocalDpi xmlns:a14="http://schemas.microsoft.com/office/drawing/2010/main" val="0"/>
-              </a:ext>
-            </a:extLst>
-          </a:blip>
-          <a:srcRect/>
-          <a:stretch>
-            <a:fillRect/>
-          </a:stretch>
-        </p:blipFill>
-        <p:spPr bwMode="auto">
-          <a:xfrm>
-            <a:off x="0" y="0"/>
-            <a:ext cx="12192000" cy="6858000"/>
-          </a:xfrm>
-          <a:prstGeom prst="rect">
-            <a:avLst/>
-          </a:prstGeom>
-          <a:noFill/>
-          <a:ln>
-            <a:noFill/>
-          </a:ln>
-          <a:extLst>
-            <a:ext uri="{909E8E84-426E-40DD-AFC4-6F175D3DCCD1}">
-              <a14:hiddenFill xmlns:a14="http://schemas.microsoft.com/office/drawing/2010/main">
-                <a:solidFill>
-                  <a:srgbClr val="FFFFFF"/>
-                </a:solidFill>
-              </a14:hiddenFill>
-            </a:ext>
-            <a:ext uri="{91240B29-F687-4F45-9708-019B960494DF}">
-              <a14:hiddenLine xmlns:a14="http://schemas.microsoft.com/office/drawing/2010/main" w="9525">
-                <a:solidFill>
-                  <a:srgbClr val="000000"/>
-                </a:solidFill>
-                <a:miter lim="800000"/>
-                <a:headEnd/>
-                <a:tailEnd/>
-              </a14:hiddenLine>
-            </a:ext>
-          </a:extLst>
-        </p:spPr>
-      </p:pic>
       <p:sp>
         <p:nvSpPr>
-          <p:cNvPr id="11267" name="Rectangle 6"/>
+          <p:cNvPr id="2" name="内容占位符 1"/>
           <p:cNvSpPr>
-            <a:spLocks noGrp="1" noChangeArrowheads="1"/>
+            <a:spLocks noGrp="1"/>
           </p:cNvSpPr>
           <p:nvPr>
-            <p:ph type="ctrTitle" idx="4294967295"/>
+            <p:ph sz="quarter" idx="10"/>
           </p:nvPr>
         </p:nvSpPr>
-        <p:spPr bwMode="auto">
+        <p:spPr>
           <a:xfrm>
-            <a:off x="2095501" y="3143251"/>
-            <a:ext cx="7362825" cy="1285875"/>
+            <a:off x="1142966" y="927119"/>
+            <a:ext cx="9715500" cy="4643437"/>
           </a:xfrm>
-          <a:prstGeom prst="rect">
-            <a:avLst/>
-          </a:prstGeom>
-          <a:noFill/>
-          <a:extLst>
-            <a:ext uri="{909E8E84-426E-40DD-AFC4-6F175D3DCCD1}">
-              <a14:hiddenFill xmlns:a14="http://schemas.microsoft.com/office/drawing/2010/main">
-                <a:solidFill>
-                  <a:srgbClr val="FFFFFF"/>
-                </a:solidFill>
-              </a14:hiddenFill>
-            </a:ext>
-            <a:ext uri="{91240B29-F687-4F45-9708-019B960494DF}">
-              <a14:hiddenLine xmlns:a14="http://schemas.microsoft.com/office/drawing/2010/main" w="9525">
-                <a:solidFill>
-                  <a:srgbClr val="000000"/>
-                </a:solidFill>
-                <a:miter lim="800000"/>
-                <a:headEnd/>
-                <a:tailEnd/>
-              </a14:hiddenLine>
-            </a:ext>
-          </a:extLst>
         </p:spPr>
         <p:txBody>
-          <a:bodyPr anchor="b"/>
+          <a:bodyPr/>
           <a:lstStyle/>
           <a:p>
-            <a:pPr algn="ctr" eaLnBrk="1" hangingPunct="1"/>
-            <a:r>
-              <a:rPr lang="en-US" altLang="zh-CN" sz="5400">
-                <a:solidFill>
-                  <a:schemeClr val="tx2"/>
-                </a:solidFill>
-              </a:rPr>
-              <a:t>Have a</a:t>
-            </a:r>
-            <a:r>
-              <a:rPr lang="en-US" altLang="zh-CN" sz="5400">
-                <a:solidFill>
-                  <a:schemeClr val="accent3"/>
-                </a:solidFill>
-              </a:rPr>
-              <a:t> Break</a:t>
-            </a:r>
-            <a:r>
-              <a:rPr lang="zh-CN" altLang="en-US" sz="5400">
-                <a:solidFill>
-                  <a:schemeClr val="tx2"/>
-                </a:solidFill>
-              </a:rPr>
-              <a:t>！</a:t>
-            </a:r>
-            <a:endParaRPr lang="zh-CN" altLang="en-US" sz="5400">
+            <a:r>
+              <a:rPr lang="en-US" altLang="zh-CN" dirty="0">
+                <a:solidFill>
+                  <a:schemeClr val="tx1"/>
+                </a:solidFill>
+                <a:sym typeface="+mn-ea"/>
+              </a:rPr>
+              <a:t>Sources</a:t>
+            </a:r>
+            <a:r>
+              <a:rPr lang="zh-CN" altLang="en-US" dirty="0">
+                <a:solidFill>
+                  <a:schemeClr val="tx1"/>
+                </a:solidFill>
+                <a:sym typeface="+mn-ea"/>
+              </a:rPr>
+              <a:t>调试（</a:t>
+            </a:r>
+            <a:r>
+              <a:rPr lang="en-US" altLang="zh-CN" dirty="0">
+                <a:solidFill>
+                  <a:schemeClr val="tx1"/>
+                </a:solidFill>
+                <a:sym typeface="+mn-ea"/>
+              </a:rPr>
+              <a:t>console.log/trace/error</a:t>
+            </a:r>
+            <a:r>
+              <a:rPr lang="zh-CN" altLang="en-US" dirty="0">
+                <a:solidFill>
+                  <a:schemeClr val="tx1"/>
+                </a:solidFill>
+                <a:sym typeface="+mn-ea"/>
+              </a:rPr>
+              <a:t>等、断点调试）</a:t>
+            </a:r>
+            <a:endParaRPr lang="zh-CN" altLang="en-US" dirty="0">
               <a:solidFill>
-                <a:schemeClr val="tx2"/>
+                <a:schemeClr val="tx1"/>
               </a:solidFill>
+              <a:sym typeface="+mn-ea"/>
             </a:endParaRPr>
+          </a:p>
+        </p:txBody>
+      </p:sp>
+      <p:sp>
+        <p:nvSpPr>
+          <p:cNvPr id="3" name="内容占位符 2"/>
+          <p:cNvSpPr>
+            <a:spLocks noGrp="1"/>
+          </p:cNvSpPr>
+          <p:nvPr>
+            <p:ph sz="quarter" idx="11"/>
+          </p:nvPr>
+        </p:nvSpPr>
+        <p:spPr/>
+        <p:txBody>
+          <a:bodyPr/>
+          <a:lstStyle/>
+          <a:p>
+            <a:r>
+              <a:rPr lang="en-US" altLang="zh-CN" dirty="0"/>
+              <a:t>Chrome</a:t>
+            </a:r>
+            <a:r>
+              <a:rPr lang="zh-CN" altLang="en-US" dirty="0"/>
+              <a:t>调试用法二</a:t>
+            </a:r>
+            <a:endParaRPr lang="zh-CN" altLang="en-US" dirty="0"/>
+          </a:p>
+          <a:p>
+            <a:endParaRPr lang="zh-CN" altLang="en-US" dirty="0"/>
           </a:p>
         </p:txBody>
       </p:sp>
       <p:pic>
         <p:nvPicPr>
-          <p:cNvPr id="11268" name="图片 3" descr="软院logo横版.png"/>
+          <p:cNvPr id="5" name="图片 4"/>
           <p:cNvPicPr>
             <a:picLocks noChangeAspect="1"/>
           </p:cNvPicPr>
           <p:nvPr/>
         </p:nvPicPr>
         <p:blipFill>
-          <a:blip r:embed="rId2" cstate="print">
-            <a:extLst>
-              <a:ext uri="{28A0092B-C50C-407E-A947-70E740481C1C}">
-                <a14:useLocalDpi xmlns:a14="http://schemas.microsoft.com/office/drawing/2010/main" val="0"/>
-              </a:ext>
-            </a:extLst>
-          </a:blip>
-          <a:srcRect/>
+          <a:blip r:embed="rId1"/>
+          <a:srcRect b="14718"/>
           <a:stretch>
             <a:fillRect/>
           </a:stretch>
         </p:blipFill>
-        <p:spPr bwMode="auto">
+        <p:spPr>
           <a:xfrm>
-            <a:off x="2062164" y="5927725"/>
-            <a:ext cx="3381375" cy="527050"/>
+            <a:off x="1214755" y="1724660"/>
+            <a:ext cx="9857740" cy="4127500"/>
           </a:xfrm>
           <a:prstGeom prst="rect">
             <a:avLst/>
           </a:prstGeom>
-          <a:noFill/>
-          <a:ln>
-            <a:noFill/>
-          </a:ln>
-          <a:extLst>
-            <a:ext uri="{909E8E84-426E-40DD-AFC4-6F175D3DCCD1}">
-              <a14:hiddenFill xmlns:a14="http://schemas.microsoft.com/office/drawing/2010/main">
-                <a:solidFill>
-                  <a:srgbClr val="FFFFFF"/>
-                </a:solidFill>
-              </a14:hiddenFill>
-            </a:ext>
-            <a:ext uri="{91240B29-F687-4F45-9708-019B960494DF}">
-              <a14:hiddenLine xmlns:a14="http://schemas.microsoft.com/office/drawing/2010/main" w="9525">
-                <a:solidFill>
-                  <a:srgbClr val="000000"/>
-                </a:solidFill>
-                <a:miter lim="800000"/>
-                <a:headEnd/>
-                <a:tailEnd/>
-              </a14:hiddenLine>
-            </a:ext>
-          </a:extLst>
         </p:spPr>
       </p:pic>
     </p:spTree>

--- a/课程PPT/01.JavaScript发展历程及语言特点.pptx
+++ b/课程PPT/01.JavaScript发展历程及语言特点.pptx
@@ -17,8 +17,8 @@
     <p:sldId id="1002" r:id="rId10"/>
     <p:sldId id="1032" r:id="rId11"/>
     <p:sldId id="1033" r:id="rId12"/>
-    <p:sldId id="905" r:id="rId13"/>
-    <p:sldId id="1034" r:id="rId14"/>
+    <p:sldId id="1034" r:id="rId13"/>
+    <p:sldId id="905" r:id="rId14"/>
     <p:sldId id="1004" r:id="rId15"/>
     <p:sldId id="1018" r:id="rId16"/>
     <p:sldId id="858" r:id="rId17"/>
@@ -2799,7 +2799,7 @@
         </p:nvSpPr>
         <p:spPr>
           <a:xfrm>
-            <a:off x="3654424" y="2495548"/>
+            <a:off x="3654424" y="3141343"/>
             <a:ext cx="4897438" cy="933452"/>
           </a:xfrm>
         </p:spPr>
@@ -2936,7 +2936,7 @@
           <a:p>
             <a:r>
               <a:rPr lang="zh-CN" altLang="en-US" dirty="0"/>
-              <a:t>课程考核及课程资料</a:t>
+              <a:t>课程资料</a:t>
             </a:r>
             <a:endParaRPr lang="zh-CN" altLang="en-US" dirty="0"/>
           </a:p>
@@ -2956,7 +2956,7 @@
         <p:spPr>
           <a:xfrm>
             <a:off x="1143000" y="783590"/>
-            <a:ext cx="9715500" cy="5402580"/>
+            <a:ext cx="10766425" cy="5402580"/>
           </a:xfrm>
         </p:spPr>
         <p:txBody>
@@ -2965,10 +2965,18 @@
             <a:r>
               <a:rPr lang="zh-CN" altLang="en-US" sz="3200">
                 <a:solidFill>
-                  <a:schemeClr val="accent3"/>
-                </a:solidFill>
-              </a:rPr>
-              <a:t>平时成绩</a:t>
+                  <a:schemeClr val="tx1"/>
+                </a:solidFill>
+              </a:rPr>
+              <a:t>首先要有</a:t>
+            </a:r>
+            <a:r>
+              <a:rPr lang="en-US" altLang="zh-CN" sz="3200">
+                <a:solidFill>
+                  <a:schemeClr val="tx1"/>
+                </a:solidFill>
+              </a:rPr>
+              <a:t>github</a:t>
             </a:r>
             <a:r>
               <a:rPr lang="zh-CN" altLang="en-US" sz="3200">
@@ -2976,9 +2984,25 @@
                   <a:schemeClr val="tx1"/>
                 </a:solidFill>
               </a:rPr>
-              <a:t>（考勤、平时表现）</a:t>
-            </a:r>
-            <a:endParaRPr lang="zh-CN" altLang="en-US" sz="3200">
+              <a:t>账号，掌握</a:t>
+            </a:r>
+            <a:r>
+              <a:rPr lang="en-US" altLang="zh-CN" sz="3200">
+                <a:solidFill>
+                  <a:schemeClr val="tx1"/>
+                </a:solidFill>
+              </a:rPr>
+              <a:t>git</a:t>
+            </a:r>
+            <a:r>
+              <a:rPr lang="zh-CN" altLang="en-US" sz="3200">
+                <a:solidFill>
+                  <a:schemeClr val="tx1"/>
+                </a:solidFill>
+              </a:rPr>
+              <a:t>的使用</a:t>
+            </a:r>
+            <a:endParaRPr lang="en-US" altLang="zh-CN" sz="3200">
               <a:solidFill>
                 <a:schemeClr val="tx1"/>
               </a:solidFill>
@@ -2988,39 +3012,29 @@
             <a:r>
               <a:rPr lang="zh-CN" altLang="en-US" sz="3200">
                 <a:solidFill>
-                  <a:schemeClr val="accent3"/>
-                </a:solidFill>
-              </a:rPr>
-              <a:t>平时作业</a:t>
-            </a:r>
-            <a:r>
+                  <a:schemeClr val="tx1"/>
+                </a:solidFill>
+              </a:rPr>
+              <a:t>课程资料</a:t>
+            </a:r>
+            <a:br>
               <a:rPr lang="zh-CN" altLang="en-US" sz="3200">
                 <a:solidFill>
                   <a:schemeClr val="tx1"/>
                 </a:solidFill>
               </a:rPr>
-              <a:t>（在线学习任务、雪梨任务、</a:t>
-            </a:r>
-            <a:r>
-              <a:rPr lang="zh-CN" altLang="en-US" sz="3200">
-                <a:solidFill>
-                  <a:schemeClr val="tx1"/>
-                </a:solidFill>
-                <a:sym typeface="+mn-ea"/>
-              </a:rPr>
-              <a:t>视频学习</a:t>
-            </a:r>
-            <a:r>
-              <a:rPr lang="zh-CN" altLang="en-US" sz="3200">
-                <a:solidFill>
-                  <a:schemeClr val="tx1"/>
-                </a:solidFill>
-              </a:rPr>
-              <a:t>）</a:t>
-            </a:r>
-            <a:endParaRPr lang="zh-CN" altLang="en-US" sz="3200">
+            </a:br>
+            <a:r>
+              <a:rPr lang="zh-CN" altLang="en-US" sz="2200">
+                <a:solidFill>
+                  <a:srgbClr val="FF0000"/>
+                </a:solidFill>
+              </a:rPr>
+              <a:t>https://github.com/edu2act/2017-2018_1st_JavaScript-Advanced</a:t>
+            </a:r>
+            <a:endParaRPr lang="zh-CN" altLang="en-US" sz="2200">
               <a:solidFill>
-                <a:schemeClr val="tx1"/>
+                <a:srgbClr val="FF0000"/>
               </a:solidFill>
             </a:endParaRPr>
           </a:p>
@@ -3028,12 +3042,72 @@
             <a:r>
               <a:rPr lang="zh-CN" altLang="en-US" sz="3200">
                 <a:solidFill>
+                  <a:schemeClr val="tx1"/>
+                </a:solidFill>
+              </a:rPr>
+              <a:t>在线任务网站</a:t>
+            </a:r>
+            <a:br>
+              <a:rPr lang="zh-CN" altLang="en-US" sz="3200">
+                <a:solidFill>
+                  <a:schemeClr val="tx1"/>
+                </a:solidFill>
+              </a:rPr>
+            </a:br>
+            <a:r>
+              <a:rPr lang="zh-CN" altLang="en-US" sz="2200">
+                <a:solidFill>
                   <a:schemeClr val="accent3"/>
                 </a:solidFill>
               </a:rPr>
-              <a:t>期中、期末考试</a:t>
-            </a:r>
-            <a:endParaRPr lang="zh-CN" altLang="en-US" sz="2200">
+              <a:t>https://www.freecodecamp.cn</a:t>
+            </a:r>
+            <a:br>
+              <a:rPr lang="zh-CN" altLang="en-US" sz="2200">
+                <a:solidFill>
+                  <a:schemeClr val="accent3"/>
+                </a:solidFill>
+              </a:rPr>
+            </a:br>
+            <a:r>
+              <a:rPr lang="en-US" altLang="zh-CN" sz="2200">
+                <a:solidFill>
+                  <a:schemeClr val="accent3"/>
+                </a:solidFill>
+              </a:rPr>
+              <a:t>http://www.codefordream.com</a:t>
+            </a:r>
+            <a:endParaRPr lang="en-US" altLang="zh-CN" sz="2200">
+              <a:solidFill>
+                <a:schemeClr val="accent3"/>
+              </a:solidFill>
+            </a:endParaRPr>
+          </a:p>
+          <a:p>
+            <a:r>
+              <a:rPr lang="zh-CN" altLang="en-US" sz="3200">
+                <a:solidFill>
+                  <a:schemeClr val="tx1"/>
+                </a:solidFill>
+              </a:rPr>
+              <a:t>雪梨教育</a:t>
+            </a:r>
+            <a:br>
+              <a:rPr lang="zh-CN" altLang="en-US" sz="3200">
+                <a:solidFill>
+                  <a:schemeClr val="tx1"/>
+                </a:solidFill>
+              </a:rPr>
+            </a:br>
+            <a:r>
+              <a:rPr lang="en-US" altLang="zh-CN" sz="2200">
+                <a:solidFill>
+                  <a:schemeClr val="accent3"/>
+                </a:solidFill>
+              </a:rPr>
+              <a:t>http://www.edu2act.cn/team/JavaScript-jin-jie-2015-ji-H5-fang-xiang/home/</a:t>
+            </a:r>
+            <a:endParaRPr lang="en-US" altLang="zh-CN" sz="2200">
               <a:solidFill>
                 <a:schemeClr val="accent3"/>
               </a:solidFill>
@@ -3090,7 +3164,7 @@
           <a:p>
             <a:r>
               <a:rPr lang="zh-CN" altLang="en-US" dirty="0"/>
-              <a:t>课程资料</a:t>
+              <a:t>课程考核及课程资料</a:t>
             </a:r>
             <a:endParaRPr lang="zh-CN" altLang="en-US" dirty="0"/>
           </a:p>
@@ -3119,18 +3193,10 @@
             <a:r>
               <a:rPr lang="zh-CN" altLang="en-US" sz="3200">
                 <a:solidFill>
-                  <a:schemeClr val="tx1"/>
-                </a:solidFill>
-              </a:rPr>
-              <a:t>首先要有</a:t>
-            </a:r>
-            <a:r>
-              <a:rPr lang="en-US" altLang="zh-CN" sz="3200">
-                <a:solidFill>
-                  <a:schemeClr val="tx1"/>
-                </a:solidFill>
-              </a:rPr>
-              <a:t>github</a:t>
+                  <a:srgbClr val="FF0000"/>
+                </a:solidFill>
+              </a:rPr>
+              <a:t>平时成绩</a:t>
             </a:r>
             <a:r>
               <a:rPr lang="zh-CN" altLang="en-US" sz="3200">
@@ -3138,33 +3204,9 @@
                   <a:schemeClr val="tx1"/>
                 </a:solidFill>
               </a:rPr>
-              <a:t>账号，</a:t>
-            </a:r>
-            <a:r>
-              <a:rPr lang="zh-CN" altLang="en-US" sz="3200">
-                <a:solidFill>
-                  <a:schemeClr val="tx1"/>
-                </a:solidFill>
-              </a:rPr>
-              <a:t>掌握</a:t>
-            </a:r>
-            <a:r>
-              <a:rPr lang="en-US" altLang="zh-CN" sz="3200">
-                <a:solidFill>
-                  <a:schemeClr val="tx1"/>
-                </a:solidFill>
-              </a:rPr>
-              <a:t>git</a:t>
-            </a:r>
-            <a:r>
-              <a:rPr lang="zh-CN" altLang="en-US" sz="3200">
-                <a:solidFill>
-                  <a:schemeClr val="tx1"/>
-                </a:solidFill>
-              </a:rPr>
-              <a:t>的使用</a:t>
-            </a:r>
-            <a:endParaRPr lang="en-US" altLang="zh-CN" sz="3200">
+              <a:t>（考勤、平时表现）</a:t>
+            </a:r>
+            <a:endParaRPr lang="zh-CN" altLang="en-US" sz="3200">
               <a:solidFill>
                 <a:schemeClr val="tx1"/>
               </a:solidFill>
@@ -3174,74 +3216,54 @@
             <a:r>
               <a:rPr lang="zh-CN" altLang="en-US" sz="3200">
                 <a:solidFill>
-                  <a:schemeClr val="tx1"/>
-                </a:solidFill>
-              </a:rPr>
-              <a:t>课程资料</a:t>
-            </a:r>
-            <a:br>
+                  <a:srgbClr val="FF0000"/>
+                </a:solidFill>
+              </a:rPr>
+              <a:t>平时作业</a:t>
+            </a:r>
+            <a:r>
               <a:rPr lang="zh-CN" altLang="en-US" sz="3200">
                 <a:solidFill>
                   <a:schemeClr val="tx1"/>
                 </a:solidFill>
               </a:rPr>
-            </a:br>
-            <a:r>
-              <a:rPr lang="zh-CN" altLang="en-US" sz="2200">
+              <a:t>（在线学习任务、雪梨任务、</a:t>
+            </a:r>
+            <a:r>
+              <a:rPr lang="zh-CN" altLang="en-US" sz="3200">
+                <a:solidFill>
+                  <a:schemeClr val="tx1"/>
+                </a:solidFill>
+                <a:sym typeface="+mn-ea"/>
+              </a:rPr>
+              <a:t>视频学习</a:t>
+            </a:r>
+            <a:r>
+              <a:rPr lang="zh-CN" altLang="en-US" sz="3200">
+                <a:solidFill>
+                  <a:schemeClr val="tx1"/>
+                </a:solidFill>
+              </a:rPr>
+              <a:t>）</a:t>
+            </a:r>
+            <a:endParaRPr lang="zh-CN" altLang="en-US" sz="3200">
+              <a:solidFill>
+                <a:schemeClr val="tx1"/>
+              </a:solidFill>
+            </a:endParaRPr>
+          </a:p>
+          <a:p>
+            <a:r>
+              <a:rPr lang="zh-CN" altLang="en-US" sz="3200">
                 <a:solidFill>
                   <a:srgbClr val="FF0000"/>
                 </a:solidFill>
               </a:rPr>
-              <a:t>https://github.com/edu2act/2017-2018_1st_JavaScript-Advanced</a:t>
-            </a:r>
-            <a:endParaRPr lang="zh-CN" altLang="en-US" sz="2200">
+              <a:t>期中、期末考试</a:t>
+            </a:r>
+            <a:endParaRPr lang="zh-CN" altLang="en-US" sz="3200">
               <a:solidFill>
                 <a:srgbClr val="FF0000"/>
-              </a:solidFill>
-            </a:endParaRPr>
-          </a:p>
-          <a:p>
-            <a:r>
-              <a:rPr lang="zh-CN" altLang="en-US" sz="3200">
-                <a:solidFill>
-                  <a:schemeClr val="tx1"/>
-                </a:solidFill>
-              </a:rPr>
-              <a:t>在线任务网站</a:t>
-            </a:r>
-            <a:br>
-              <a:rPr lang="zh-CN" altLang="en-US" sz="3200">
-                <a:solidFill>
-                  <a:schemeClr val="tx1"/>
-                </a:solidFill>
-              </a:rPr>
-            </a:br>
-            <a:r>
-              <a:rPr lang="zh-CN" altLang="en-US" sz="2200">
-                <a:solidFill>
-                  <a:schemeClr val="accent3"/>
-                </a:solidFill>
-              </a:rPr>
-              <a:t>https://www.freecodecamp.cn</a:t>
-            </a:r>
-            <a:br>
-              <a:rPr lang="zh-CN" altLang="en-US" sz="2200">
-                <a:solidFill>
-                  <a:schemeClr val="accent3"/>
-                </a:solidFill>
-              </a:rPr>
-            </a:br>
-            <a:r>
-              <a:rPr lang="en-US" altLang="zh-CN" sz="2200">
-                <a:solidFill>
-                  <a:schemeClr val="accent3"/>
-                </a:solidFill>
-              </a:rPr>
-              <a:t>http://www.codefordream.com</a:t>
-            </a:r>
-            <a:endParaRPr lang="en-US" altLang="zh-CN" sz="2200">
-              <a:solidFill>
-                <a:schemeClr val="accent3"/>
               </a:solidFill>
             </a:endParaRPr>
           </a:p>
@@ -3720,7 +3742,7 @@
                 <a:latin typeface="+mn-ea"/>
                 <a:ea typeface="+mn-ea"/>
               </a:rPr>
-              <a:t>demo10-12</a:t>
+              <a:t>demo10</a:t>
             </a:r>
             <a:endParaRPr lang="en-US" altLang="zh-CN" sz="2200">
               <a:solidFill>
@@ -3772,7 +3794,7 @@
                 <a:latin typeface="+mn-ea"/>
                 <a:ea typeface="+mn-ea"/>
               </a:rPr>
-              <a:t>demo13</a:t>
+              <a:t>demo11</a:t>
             </a:r>
             <a:endParaRPr lang="en-US" altLang="zh-CN" sz="2200">
               <a:solidFill>
@@ -3824,7 +3846,7 @@
                 <a:latin typeface="+mn-ea"/>
                 <a:ea typeface="+mn-ea"/>
               </a:rPr>
-              <a:t>demo14</a:t>
+              <a:t>demo12</a:t>
             </a:r>
             <a:endParaRPr lang="en-US" altLang="zh-CN" sz="2200">
               <a:solidFill>
@@ -3876,7 +3898,7 @@
                 <a:latin typeface="+mn-ea"/>
                 <a:ea typeface="+mn-ea"/>
               </a:rPr>
-              <a:t>demo15-16</a:t>
+              <a:t>demo13</a:t>
             </a:r>
             <a:endParaRPr lang="en-US" altLang="zh-CN" sz="2200">
               <a:solidFill>
@@ -5372,7 +5394,7 @@
                   <a:schemeClr val="tx1"/>
                 </a:solidFill>
               </a:rPr>
-              <a:t>的未来（</a:t>
+              <a:t>的现在与未来（</a:t>
             </a:r>
             <a:r>
               <a:rPr kumimoji="0" lang="en-US" altLang="zh-CN" dirty="0">
@@ -6086,7 +6108,7 @@
         <p:spPr>
           <a:xfrm>
             <a:off x="1143000" y="855345"/>
-            <a:ext cx="9776460" cy="4918710"/>
+            <a:ext cx="10614660" cy="4918710"/>
           </a:xfrm>
         </p:spPr>
         <p:txBody>
@@ -6153,7 +6175,7 @@
                   <a:schemeClr val="tx1"/>
                 </a:solidFill>
               </a:rPr>
-              <a:t>）中解释执行（非编译语言，不是在执行前提前编译可执行文件）</a:t>
+              <a:t>）中解释执行（非编译语言，不是在执行前提前编译可执行文件或字节码）</a:t>
             </a:r>
             <a:br>
               <a:rPr kumimoji="0" lang="zh-CN" altLang="en-US" sz="1800" dirty="0">
@@ -6274,7 +6296,7 @@
               <a:t>是一种弱类型、动态类型语言</a:t>
             </a:r>
             <a:br>
-              <a:rPr kumimoji="0" lang="zh-CN" altLang="en-US" dirty="0">
+              <a:rPr kumimoji="0" lang="en-US" altLang="zh-CN" sz="1800" dirty="0">
                 <a:solidFill>
                   <a:schemeClr val="tx1"/>
                 </a:solidFill>
@@ -6294,62 +6316,64 @@
                   <a:schemeClr val="tx1"/>
                 </a:solidFill>
               </a:rPr>
+              <a:t>写程序时</a:t>
+            </a:r>
+            <a:r>
+              <a:rPr kumimoji="0" lang="en-US" altLang="zh-CN" sz="1800" dirty="0">
+                <a:solidFill>
+                  <a:schemeClr val="tx1"/>
+                </a:solidFill>
+              </a:rPr>
+              <a:t>不用给变量指定</a:t>
+            </a:r>
+            <a:r>
+              <a:rPr kumimoji="0" lang="zh-CN" altLang="en-US" sz="1800" dirty="0">
+                <a:solidFill>
+                  <a:schemeClr val="tx1"/>
+                </a:solidFill>
+              </a:rPr>
+              <a:t>特定的</a:t>
+            </a:r>
+            <a:r>
+              <a:rPr kumimoji="0" lang="en-US" altLang="zh-CN" sz="1800" dirty="0">
+                <a:solidFill>
+                  <a:schemeClr val="tx1"/>
+                </a:solidFill>
+              </a:rPr>
+              <a:t>数据类型</a:t>
+            </a:r>
+            <a:r>
+              <a:rPr kumimoji="0" lang="zh-CN" altLang="en-US" sz="1800" dirty="0">
+                <a:solidFill>
+                  <a:schemeClr val="tx1"/>
+                </a:solidFill>
+              </a:rPr>
+              <a:t>（动态类型）</a:t>
+            </a:r>
+            <a:br>
+              <a:rPr kumimoji="0" lang="zh-CN" altLang="en-US" sz="1800" dirty="0">
+                <a:solidFill>
+                  <a:schemeClr val="tx1"/>
+                </a:solidFill>
+              </a:rPr>
+            </a:br>
+            <a:r>
+              <a:rPr kumimoji="0" lang="en-US" altLang="zh-CN" sz="1800" dirty="0">
+                <a:solidFill>
+                  <a:schemeClr val="tx1"/>
+                </a:solidFill>
+                <a:sym typeface="+mn-ea"/>
+              </a:rPr>
+              <a:t>- </a:t>
+            </a:r>
+            <a:r>
+              <a:rPr kumimoji="0" lang="zh-CN" altLang="en-US" sz="1800" dirty="0">
+                <a:solidFill>
+                  <a:schemeClr val="tx1"/>
+                </a:solidFill>
+                <a:sym typeface="+mn-ea"/>
+              </a:rPr>
               <a:t>可以动态的更改变量的类型（弱类型）</a:t>
-            </a:r>
-            <a:br>
-              <a:rPr kumimoji="0" lang="en-US" altLang="zh-CN" sz="1800" dirty="0">
-                <a:solidFill>
-                  <a:schemeClr val="tx1"/>
-                </a:solidFill>
-              </a:rPr>
-            </a:br>
-            <a:r>
-              <a:rPr kumimoji="0" lang="en-US" altLang="zh-CN" sz="1800" dirty="0">
-                <a:solidFill>
-                  <a:schemeClr val="tx1"/>
-                </a:solidFill>
-              </a:rPr>
-              <a:t>- </a:t>
-            </a:r>
-            <a:r>
-              <a:rPr kumimoji="0" lang="zh-CN" altLang="en-US" sz="1800" dirty="0">
-                <a:solidFill>
-                  <a:schemeClr val="tx1"/>
-                </a:solidFill>
-              </a:rPr>
-              <a:t>写程序时</a:t>
-            </a:r>
-            <a:r>
-              <a:rPr kumimoji="0" lang="en-US" altLang="zh-CN" sz="1800" dirty="0">
-                <a:solidFill>
-                  <a:schemeClr val="tx1"/>
-                </a:solidFill>
-              </a:rPr>
-              <a:t>不用给变量指定</a:t>
-            </a:r>
-            <a:r>
-              <a:rPr kumimoji="0" lang="zh-CN" altLang="en-US" sz="1800" dirty="0">
-                <a:solidFill>
-                  <a:schemeClr val="tx1"/>
-                </a:solidFill>
-              </a:rPr>
-              <a:t>特定的</a:t>
-            </a:r>
-            <a:r>
-              <a:rPr kumimoji="0" lang="en-US" altLang="zh-CN" sz="1800" dirty="0">
-                <a:solidFill>
-                  <a:schemeClr val="tx1"/>
-                </a:solidFill>
-              </a:rPr>
-              <a:t>数据类型</a:t>
-            </a:r>
-            <a:r>
-              <a:rPr kumimoji="0" lang="zh-CN" altLang="en-US" sz="1800" dirty="0">
-                <a:solidFill>
-                  <a:schemeClr val="tx1"/>
-                </a:solidFill>
-              </a:rPr>
-              <a:t>（动态类型）</a:t>
             </a:r>
             <a:endParaRPr kumimoji="0" lang="zh-CN" altLang="en-US" sz="1800" dirty="0">
               <a:solidFill>
@@ -7293,7 +7317,7 @@
         </p:nvSpPr>
         <p:spPr>
           <a:xfrm>
-            <a:off x="4755356" y="2475307"/>
+            <a:off x="4755356" y="3121102"/>
             <a:ext cx="2681287" cy="936428"/>
           </a:xfrm>
         </p:spPr>
@@ -7532,7 +7556,7 @@
                 <a:latin typeface="+mn-ea"/>
                 <a:ea typeface="+mn-ea"/>
               </a:rPr>
-              <a:t>demo02</a:t>
+              <a:t>demo14</a:t>
             </a:r>
             <a:r>
               <a:rPr lang="zh-CN" altLang="en-US" sz="2200">
@@ -7552,7 +7576,7 @@
                 <a:latin typeface="+mn-ea"/>
                 <a:ea typeface="+mn-ea"/>
               </a:rPr>
-              <a:t>demo03</a:t>
+              <a:t>demo15</a:t>
             </a:r>
             <a:endParaRPr lang="en-US" altLang="zh-CN" sz="2200">
               <a:solidFill>
@@ -8406,15 +8430,7 @@
                   <a:schemeClr val="tx2"/>
                 </a:solidFill>
               </a:rPr>
-              <a:t>中</a:t>
-            </a:r>
-            <a:r>
-              <a:rPr kumimoji="0" lang="zh-CN" altLang="en-US" dirty="0" smtClean="0">
-                <a:solidFill>
-                  <a:schemeClr val="tx2"/>
-                </a:solidFill>
-              </a:rPr>
-              <a:t>级</a:t>
+              <a:t>中级</a:t>
             </a:r>
             <a:r>
               <a:rPr kumimoji="0" lang="zh-CN" altLang="en-US" dirty="0" smtClean="0">
@@ -9946,16 +9962,7 @@
                 </a:solidFill>
                 <a:sym typeface="+mn-ea"/>
               </a:rPr>
-              <a:t>）</a:t>
-            </a:r>
-            <a:r>
-              <a:rPr lang="zh-CN" altLang="en-US" sz="3200">
-                <a:solidFill>
-                  <a:schemeClr val="tx1"/>
-                </a:solidFill>
-                <a:sym typeface="+mn-ea"/>
-              </a:rPr>
-              <a:t>（</a:t>
+              <a:t>）（</a:t>
             </a:r>
             <a:r>
               <a:rPr lang="en-US" altLang="zh-CN" sz="3200">

--- a/课程PPT/01.JavaScript发展历程及语言特点.pptx
+++ b/课程PPT/01.JavaScript发展历程及语言特点.pptx
@@ -3184,7 +3184,7 @@
         <p:spPr>
           <a:xfrm>
             <a:off x="1143000" y="783590"/>
-            <a:ext cx="9715500" cy="5402580"/>
+            <a:ext cx="9715500" cy="5144135"/>
           </a:xfrm>
         </p:spPr>
         <p:txBody>
@@ -3196,7 +3196,7 @@
                   <a:srgbClr val="FF0000"/>
                 </a:solidFill>
               </a:rPr>
-              <a:t>平时成绩</a:t>
+              <a:t>平时表现</a:t>
             </a:r>
             <a:r>
               <a:rPr lang="zh-CN" altLang="en-US" sz="3200">
@@ -3204,7 +3204,7 @@
                   <a:schemeClr val="tx1"/>
                 </a:solidFill>
               </a:rPr>
-              <a:t>（考勤、平时表现）</a:t>
+              <a:t>（考勤、学习状态等）</a:t>
             </a:r>
             <a:endParaRPr lang="zh-CN" altLang="en-US" sz="3200">
               <a:solidFill>
@@ -3219,6 +3219,21 @@
                   <a:srgbClr val="FF0000"/>
                 </a:solidFill>
               </a:rPr>
+              <a:t>定期小测</a:t>
+            </a:r>
+            <a:endParaRPr lang="zh-CN" altLang="en-US" sz="3200">
+              <a:solidFill>
+                <a:srgbClr val="FF0000"/>
+              </a:solidFill>
+            </a:endParaRPr>
+          </a:p>
+          <a:p>
+            <a:r>
+              <a:rPr lang="zh-CN" altLang="en-US" sz="3200">
+                <a:solidFill>
+                  <a:srgbClr val="FF0000"/>
+                </a:solidFill>
+              </a:rPr>
               <a:t>平时作业</a:t>
             </a:r>
             <a:r>
@@ -3227,7 +3242,7 @@
                   <a:schemeClr val="tx1"/>
                 </a:solidFill>
               </a:rPr>
-              <a:t>（在线学习任务、雪梨任务、</a:t>
+              <a:t>（雪梨任务、</a:t>
             </a:r>
             <a:r>
               <a:rPr lang="zh-CN" altLang="en-US" sz="3200">
@@ -3259,7 +3274,7 @@
                   <a:srgbClr val="FF0000"/>
                 </a:solidFill>
               </a:rPr>
-              <a:t>期中、期末考试</a:t>
+              <a:t>期末考试</a:t>
             </a:r>
             <a:endParaRPr lang="zh-CN" altLang="en-US" sz="3200">
               <a:solidFill>
@@ -7892,22 +7907,38 @@
             <a:r>
               <a:rPr kumimoji="0" lang="en-US" altLang="zh-CN" sz="5400">
                 <a:solidFill>
+                  <a:schemeClr val="accent3"/>
+                </a:solidFill>
+              </a:rPr>
+              <a:t>Thank</a:t>
+            </a:r>
+            <a:r>
+              <a:rPr kumimoji="0" lang="en-US" altLang="zh-CN" sz="5400">
+                <a:solidFill>
                   <a:srgbClr val="C00000"/>
                 </a:solidFill>
               </a:rPr>
-              <a:t>Thank You</a:t>
+              <a:t> </a:t>
+            </a:r>
+            <a:r>
+              <a:rPr lang="en-US" altLang="zh-CN" sz="5400">
+                <a:solidFill>
+                  <a:schemeClr val="tx2"/>
+                </a:solidFill>
+              </a:rPr>
+              <a:t>You</a:t>
             </a:r>
             <a:r>
               <a:rPr kumimoji="0" lang="zh-CN" altLang="en-US" sz="5400">
                 <a:solidFill>
-                  <a:srgbClr val="C00000"/>
+                  <a:schemeClr val="accent3"/>
                 </a:solidFill>
               </a:rPr>
               <a:t>！</a:t>
             </a:r>
             <a:endParaRPr kumimoji="0" lang="zh-CN" altLang="en-US" sz="5400">
               <a:solidFill>
-                <a:srgbClr val="C00000"/>
+                <a:schemeClr val="accent3"/>
               </a:solidFill>
             </a:endParaRPr>
           </a:p>
@@ -8270,7 +8301,7 @@
         </p:nvSpPr>
         <p:spPr bwMode="auto">
           <a:xfrm>
-            <a:off x="2381250" y="1142365"/>
+            <a:off x="2883535" y="855345"/>
             <a:ext cx="7647940" cy="4643755"/>
           </a:xfrm>
           <a:noFill/>
@@ -8298,46 +8329,6 @@
           <a:bodyPr vert="horz" wrap="square" lIns="91440" tIns="45720" rIns="91440" bIns="45720" numCol="1" anchor="t" anchorCtr="0" compatLnSpc="1"/>
           <a:lstStyle/>
           <a:p>
-            <a:r>
-              <a:rPr kumimoji="0" lang="en-US" altLang="zh-CN" dirty="0" smtClean="0">
-                <a:solidFill>
-                  <a:schemeClr val="tx1"/>
-                </a:solidFill>
-              </a:rPr>
-              <a:t>Web</a:t>
-            </a:r>
-            <a:r>
-              <a:rPr kumimoji="0" lang="zh-CN" altLang="en-US" dirty="0" smtClean="0">
-                <a:solidFill>
-                  <a:schemeClr val="tx1"/>
-                </a:solidFill>
-              </a:rPr>
-              <a:t>开发（一）：</a:t>
-            </a:r>
-            <a:r>
-              <a:rPr kumimoji="0" lang="en-US" altLang="zh-CN" dirty="0" smtClean="0">
-                <a:solidFill>
-                  <a:schemeClr val="tx1"/>
-                </a:solidFill>
-              </a:rPr>
-              <a:t>HTML</a:t>
-            </a:r>
-            <a:r>
-              <a:rPr kumimoji="0" lang="zh-CN" altLang="en-US" dirty="0" smtClean="0">
-                <a:solidFill>
-                  <a:schemeClr val="tx1"/>
-                </a:solidFill>
-              </a:rPr>
-              <a:t>、</a:t>
-            </a:r>
-            <a:r>
-              <a:rPr kumimoji="0" lang="en-US" altLang="zh-CN" dirty="0" smtClean="0">
-                <a:solidFill>
-                  <a:schemeClr val="tx1"/>
-                </a:solidFill>
-              </a:rPr>
-              <a:t>CSS</a:t>
-            </a:r>
             <a:endParaRPr kumimoji="0" lang="en-US" altLang="zh-CN" dirty="0" smtClean="0">
               <a:solidFill>
                 <a:schemeClr val="tx1"/>
@@ -8345,108 +8336,48 @@
             </a:endParaRPr>
           </a:p>
           <a:p>
+            <a:pPr marL="0" indent="0">
+              <a:buNone/>
+            </a:pPr>
+            <a:r>
+              <a:rPr kumimoji="0" lang="en-US" altLang="zh-CN" dirty="0" smtClean="0">
+                <a:solidFill>
+                  <a:schemeClr val="tx1"/>
+                </a:solidFill>
+              </a:rPr>
+              <a:t>Web</a:t>
+            </a:r>
             <a:r>
               <a:rPr kumimoji="0" lang="zh-CN" altLang="en-US" dirty="0" smtClean="0">
                 <a:solidFill>
                   <a:schemeClr val="tx1"/>
                 </a:solidFill>
               </a:rPr>
-              <a:t>Web开发（二）：</a:t>
+              <a:t>开发（一）：</a:t>
+            </a:r>
+            <a:r>
+              <a:rPr kumimoji="0" lang="en-US" altLang="zh-CN" dirty="0" smtClean="0">
+                <a:solidFill>
+                  <a:schemeClr val="tx1"/>
+                </a:solidFill>
+              </a:rPr>
+              <a:t>HTML</a:t>
             </a:r>
             <a:r>
               <a:rPr kumimoji="0" lang="zh-CN" altLang="en-US" dirty="0" smtClean="0">
                 <a:solidFill>
-                  <a:schemeClr val="tx2"/>
-                </a:solidFill>
-              </a:rPr>
-              <a:t>J</a:t>
+                  <a:schemeClr val="tx1"/>
+                </a:solidFill>
+              </a:rPr>
+              <a:t>、</a:t>
             </a:r>
             <a:r>
               <a:rPr kumimoji="0" lang="en-US" altLang="zh-CN" dirty="0" smtClean="0">
                 <a:solidFill>
-                  <a:schemeClr val="tx2"/>
-                </a:solidFill>
-              </a:rPr>
-              <a:t>S</a:t>
-            </a:r>
-            <a:r>
-              <a:rPr kumimoji="0" lang="zh-CN" altLang="en-US" dirty="0" smtClean="0">
-                <a:solidFill>
-                  <a:schemeClr val="tx2"/>
-                </a:solidFill>
-              </a:rPr>
-              <a:t>基础</a:t>
-            </a:r>
-            <a:r>
-              <a:rPr kumimoji="0" lang="zh-CN" altLang="en-US" dirty="0" smtClean="0">
-                <a:solidFill>
-                  <a:schemeClr val="tx1"/>
-                </a:solidFill>
-              </a:rPr>
-              <a:t>、jQuery</a:t>
-            </a:r>
-            <a:endParaRPr kumimoji="0" lang="zh-CN" altLang="en-US" dirty="0" smtClean="0">
-              <a:solidFill>
-                <a:schemeClr val="tx1"/>
-              </a:solidFill>
-            </a:endParaRPr>
-          </a:p>
-          <a:p>
-            <a:r>
-              <a:rPr kumimoji="0" lang="zh-CN" altLang="en-US" dirty="0" smtClean="0">
-                <a:solidFill>
-                  <a:schemeClr val="tx1"/>
-                </a:solidFill>
-              </a:rPr>
-              <a:t>方向基础课：</a:t>
-            </a:r>
-            <a:r>
-              <a:rPr kumimoji="0" lang="en-US" altLang="zh-CN" dirty="0" smtClean="0">
-                <a:solidFill>
-                  <a:schemeClr val="tx1"/>
-                </a:solidFill>
-              </a:rPr>
-              <a:t>HTML5</a:t>
-            </a:r>
-            <a:r>
-              <a:rPr kumimoji="0" lang="zh-CN" altLang="en-US" dirty="0" smtClean="0">
-                <a:solidFill>
-                  <a:schemeClr val="tx1"/>
-                </a:solidFill>
-              </a:rPr>
-              <a:t>、</a:t>
-            </a:r>
-            <a:r>
-              <a:rPr kumimoji="0" lang="en-US" altLang="zh-CN" dirty="0" smtClean="0">
-                <a:solidFill>
-                  <a:schemeClr val="tx2"/>
-                </a:solidFill>
-              </a:rPr>
-              <a:t>JS</a:t>
-            </a:r>
-            <a:r>
-              <a:rPr kumimoji="0" lang="zh-CN" altLang="en-US" dirty="0" smtClean="0">
-                <a:solidFill>
-                  <a:schemeClr val="tx2"/>
-                </a:solidFill>
-              </a:rPr>
-              <a:t>中级</a:t>
-            </a:r>
-            <a:r>
-              <a:rPr kumimoji="0" lang="zh-CN" altLang="en-US" dirty="0" smtClean="0">
-                <a:solidFill>
-                  <a:schemeClr val="tx1"/>
-                </a:solidFill>
-              </a:rPr>
-              <a:t>、</a:t>
-            </a:r>
-            <a:r>
-              <a:rPr kumimoji="0" lang="en-US" altLang="zh-CN" dirty="0" smtClean="0">
-                <a:solidFill>
-                  <a:schemeClr val="tx1"/>
-                </a:solidFill>
-              </a:rPr>
-              <a:t>CSS3</a:t>
+                  <a:schemeClr val="tx1"/>
+                </a:solidFill>
+              </a:rPr>
+              <a:t>CSS</a:t>
             </a:r>
             <a:endParaRPr kumimoji="0" lang="en-US" altLang="zh-CN" dirty="0" smtClean="0">
               <a:solidFill>
@@ -8455,6 +8386,59 @@
             </a:endParaRPr>
           </a:p>
           <a:p>
+            <a:pPr marL="0" indent="0">
+              <a:buNone/>
+            </a:pPr>
+            <a:r>
+              <a:rPr kumimoji="0" lang="zh-CN" altLang="en-US" dirty="0" smtClean="0">
+                <a:solidFill>
+                  <a:schemeClr val="tx1"/>
+                </a:solidFill>
+              </a:rPr>
+              <a:t>Web开发（二）：</a:t>
+            </a:r>
+            <a:r>
+              <a:rPr kumimoji="0" lang="zh-CN" altLang="en-US" dirty="0" smtClean="0">
+                <a:solidFill>
+                  <a:schemeClr val="tx2"/>
+                </a:solidFill>
+              </a:rPr>
+              <a:t>J</a:t>
+            </a:r>
+            <a:r>
+              <a:rPr kumimoji="0" lang="en-US" altLang="zh-CN" dirty="0" smtClean="0">
+                <a:solidFill>
+                  <a:schemeClr val="tx2"/>
+                </a:solidFill>
+              </a:rPr>
+              <a:t>S</a:t>
+            </a:r>
+            <a:r>
+              <a:rPr kumimoji="0" lang="zh-CN" altLang="en-US" dirty="0" smtClean="0">
+                <a:solidFill>
+                  <a:schemeClr val="tx2"/>
+                </a:solidFill>
+              </a:rPr>
+              <a:t>基础</a:t>
+            </a:r>
+            <a:r>
+              <a:rPr kumimoji="0" lang="zh-CN" altLang="en-US" dirty="0" smtClean="0">
+                <a:solidFill>
+                  <a:schemeClr val="tx1"/>
+                </a:solidFill>
+              </a:rPr>
+              <a:t>、jQuery</a:t>
+            </a:r>
+            <a:endParaRPr kumimoji="0" lang="en-US" altLang="zh-CN" dirty="0" smtClean="0">
+              <a:solidFill>
+                <a:schemeClr val="tx1"/>
+              </a:solidFill>
+            </a:endParaRPr>
+          </a:p>
+          <a:p>
+            <a:pPr marL="0" indent="0">
+              <a:buNone/>
+            </a:pPr>
             <a:r>
               <a:rPr kumimoji="0" lang="en-US" altLang="zh-CN" dirty="0" smtClean="0">
                 <a:solidFill>
@@ -8487,7 +8471,7 @@
         </p:nvSpPr>
         <p:spPr bwMode="auto">
           <a:xfrm rot="5400000">
-            <a:off x="5309871" y="1438276"/>
+            <a:off x="5453381" y="1151256"/>
             <a:ext cx="714375" cy="6286500"/>
           </a:xfrm>
           <a:prstGeom prst="rightBrace">
@@ -8535,8 +8519,8 @@
         </p:nvSpPr>
         <p:spPr bwMode="auto">
           <a:xfrm>
-            <a:off x="3413443" y="5147310"/>
-            <a:ext cx="4690745" cy="613410"/>
+            <a:off x="1619568" y="4932045"/>
+            <a:ext cx="8362950" cy="583565"/>
           </a:xfrm>
           <a:prstGeom prst="rect">
             <a:avLst/>
@@ -8691,7 +8675,39 @@
                   <a:srgbClr val="FF0000"/>
                 </a:solidFill>
               </a:rPr>
-              <a:t>前端及混合开发基础</a:t>
+              <a:t>前端、</a:t>
+            </a:r>
+            <a:r>
+              <a:rPr lang="en-US" altLang="zh-CN" b="1" dirty="0">
+                <a:solidFill>
+                  <a:srgbClr val="FF0000"/>
+                </a:solidFill>
+              </a:rPr>
+              <a:t>Web</a:t>
+            </a:r>
+            <a:r>
+              <a:rPr lang="zh-CN" altLang="en-US" b="1" dirty="0">
+                <a:solidFill>
+                  <a:srgbClr val="FF0000"/>
+                </a:solidFill>
+              </a:rPr>
+              <a:t>全栈开发、混合</a:t>
+            </a:r>
+            <a:r>
+              <a:rPr lang="en-US" altLang="zh-CN" b="1" dirty="0">
+                <a:solidFill>
+                  <a:srgbClr val="FF0000"/>
+                </a:solidFill>
+              </a:rPr>
+              <a:t>App</a:t>
+            </a:r>
+            <a:r>
+              <a:rPr lang="zh-CN" altLang="en-US" b="1" dirty="0">
+                <a:solidFill>
+                  <a:srgbClr val="FF0000"/>
+                </a:solidFill>
+              </a:rPr>
+              <a:t>开发基础</a:t>
             </a:r>
             <a:endParaRPr lang="zh-CN" altLang="en-US" b="1" dirty="0">
               <a:solidFill>
@@ -8711,7 +8727,12 @@
             <p:ph sz="quarter" idx="11"/>
           </p:nvPr>
         </p:nvSpPr>
-        <p:spPr/>
+        <p:spPr>
+          <a:xfrm>
+            <a:off x="981657" y="236943"/>
+            <a:ext cx="8191557" cy="490476"/>
+          </a:xfrm>
+        </p:spPr>
         <p:txBody>
           <a:bodyPr/>
           <a:lstStyle/>
@@ -8765,7 +8786,7 @@
                                         <p:tgtEl>
                                           <p:spTgt spid="8193">
                                             <p:txEl>
-                                              <p:pRg st="0" end="0"/>
+                                              <p:pRg st="1" end="1"/>
                                             </p:txEl>
                                           </p:spTgt>
                                         </p:tgtEl>
@@ -8783,7 +8804,7 @@
                                         <p:tgtEl>
                                           <p:spTgt spid="8193">
                                             <p:txEl>
-                                              <p:pRg st="0" end="0"/>
+                                              <p:pRg st="1" end="1"/>
                                             </p:txEl>
                                           </p:spTgt>
                                         </p:tgtEl>
@@ -8810,7 +8831,7 @@
                                         <p:tgtEl>
                                           <p:spTgt spid="8193">
                                             <p:txEl>
-                                              <p:pRg st="0" end="0"/>
+                                              <p:pRg st="1" end="1"/>
                                             </p:txEl>
                                           </p:spTgt>
                                         </p:tgtEl>
@@ -8850,7 +8871,7 @@
                                         <p:tgtEl>
                                           <p:spTgt spid="8193">
                                             <p:txEl>
-                                              <p:pRg st="1" end="1"/>
+                                              <p:pRg st="2" end="2"/>
                                             </p:txEl>
                                           </p:spTgt>
                                         </p:tgtEl>
@@ -8868,7 +8889,7 @@
                                         <p:tgtEl>
                                           <p:spTgt spid="8193">
                                             <p:txEl>
-                                              <p:pRg st="1" end="1"/>
+                                              <p:pRg st="2" end="2"/>
                                             </p:txEl>
                                           </p:spTgt>
                                         </p:tgtEl>
@@ -8895,7 +8916,7 @@
                                         <p:tgtEl>
                                           <p:spTgt spid="8193">
                                             <p:txEl>
-                                              <p:pRg st="1" end="1"/>
+                                              <p:pRg st="2" end="2"/>
                                             </p:txEl>
                                           </p:spTgt>
                                         </p:tgtEl>
@@ -8935,7 +8956,7 @@
                                         <p:tgtEl>
                                           <p:spTgt spid="8193">
                                             <p:txEl>
-                                              <p:pRg st="2" end="2"/>
+                                              <p:pRg st="3" end="3"/>
                                             </p:txEl>
                                           </p:spTgt>
                                         </p:tgtEl>
@@ -8950,91 +8971,6 @@
                                     <p:anim calcmode="lin" valueType="num">
                                       <p:cBhvr additive="base">
                                         <p:cTn id="15" dur="500" fill="hold"/>
-                                        <p:tgtEl>
-                                          <p:spTgt spid="8193">
-                                            <p:txEl>
-                                              <p:pRg st="2" end="2"/>
-                                            </p:txEl>
-                                          </p:spTgt>
-                                        </p:tgtEl>
-                                        <p:attrNameLst>
-                                          <p:attrName>ppt_x</p:attrName>
-                                        </p:attrNameLst>
-                                      </p:cBhvr>
-                                      <p:tavLst>
-                                        <p:tav tm="0">
-                                          <p:val>
-                                            <p:strVal val="#ppt_x"/>
-                                          </p:val>
-                                        </p:tav>
-                                        <p:tav tm="100000">
-                                          <p:val>
-                                            <p:strVal val="#ppt_x"/>
-                                          </p:val>
-                                        </p:tav>
-                                      </p:tavLst>
-                                    </p:anim>
-                                    <p:anim calcmode="lin" valueType="num">
-                                      <p:cBhvr additive="base">
-                                        <p:cTn id="16" dur="500" fill="hold"/>
-                                        <p:tgtEl>
-                                          <p:spTgt spid="8193">
-                                            <p:txEl>
-                                              <p:pRg st="2" end="2"/>
-                                            </p:txEl>
-                                          </p:spTgt>
-                                        </p:tgtEl>
-                                        <p:attrNameLst>
-                                          <p:attrName>ppt_y</p:attrName>
-                                        </p:attrNameLst>
-                                      </p:cBhvr>
-                                      <p:tavLst>
-                                        <p:tav tm="0">
-                                          <p:val>
-                                            <p:strVal val="1+#ppt_h/2"/>
-                                          </p:val>
-                                        </p:tav>
-                                        <p:tav tm="100000">
-                                          <p:val>
-                                            <p:strVal val="#ppt_y"/>
-                                          </p:val>
-                                        </p:tav>
-                                      </p:tavLst>
-                                    </p:anim>
-                                  </p:childTnLst>
-                                </p:cTn>
-                              </p:par>
-                              <p:par>
-                                <p:cTn id="17" presetID="2" presetClass="entr" presetSubtype="4" fill="hold" nodeType="withEffect">
-                                  <p:stCondLst>
-                                    <p:cond delay="0"/>
-                                  </p:stCondLst>
-                                  <p:childTnLst>
-                                    <p:set>
-                                      <p:cBhvr>
-                                        <p:cTn id="18" dur="1" fill="hold">
-                                          <p:stCondLst>
-                                            <p:cond delay="0"/>
-                                          </p:stCondLst>
-                                        </p:cTn>
-                                        <p:tgtEl>
-                                          <p:spTgt spid="8193">
-                                            <p:txEl>
-                                              <p:pRg st="3" end="3"/>
-                                            </p:txEl>
-                                          </p:spTgt>
-                                        </p:tgtEl>
-                                        <p:attrNameLst>
-                                          <p:attrName>style.visibility</p:attrName>
-                                        </p:attrNameLst>
-                                      </p:cBhvr>
-                                      <p:to>
-                                        <p:strVal val="visible"/>
-                                      </p:to>
-                                    </p:set>
-                                    <p:anim calcmode="lin" valueType="num">
-                                      <p:cBhvr additive="base">
-                                        <p:cTn id="19" dur="500" fill="hold"/>
                                         <p:tgtEl>
                                           <p:spTgt spid="8193">
                                             <p:txEl>
@@ -9061,7 +8997,7 @@
                                     </p:anim>
                                     <p:anim calcmode="lin" valueType="num">
                                       <p:cBhvr additive="base">
-                                        <p:cTn id="20" dur="500" fill="hold"/>
+                                        <p:cTn id="16" dur="500" fill="hold"/>
                                         <p:tgtEl>
                                           <p:spTgt spid="8193">
                                             <p:txEl>
@@ -9096,26 +9032,26 @@
                     </p:cTn>
                   </p:par>
                   <p:par>
-                    <p:cTn id="21" fill="hold">
+                    <p:cTn id="17" fill="hold">
                       <p:stCondLst>
                         <p:cond delay="indefinite"/>
                       </p:stCondLst>
                       <p:childTnLst>
                         <p:par>
-                          <p:cTn id="22" fill="hold">
+                          <p:cTn id="18" fill="hold">
                             <p:stCondLst>
                               <p:cond delay="0"/>
                             </p:stCondLst>
                             <p:childTnLst>
                               <p:par>
-                                <p:cTn id="23" presetID="2" presetClass="entr" presetSubtype="4" fill="hold" grpId="0" nodeType="clickEffect">
+                                <p:cTn id="19" presetID="2" presetClass="entr" presetSubtype="4" fill="hold" grpId="0" nodeType="clickEffect">
                                   <p:stCondLst>
                                     <p:cond delay="0"/>
                                   </p:stCondLst>
                                   <p:childTnLst>
                                     <p:set>
                                       <p:cBhvr>
-                                        <p:cTn id="24" dur="1" fill="hold">
+                                        <p:cTn id="20" dur="1" fill="hold">
                                           <p:stCondLst>
                                             <p:cond delay="0"/>
                                           </p:stCondLst>
@@ -9133,7 +9069,7 @@
                                     </p:set>
                                     <p:anim calcmode="lin" valueType="num">
                                       <p:cBhvr additive="base">
-                                        <p:cTn id="25" dur="500" fill="hold"/>
+                                        <p:cTn id="21" dur="500" fill="hold"/>
                                         <p:tgtEl>
                                           <p:spTgt spid="4"/>
                                         </p:tgtEl>
@@ -9156,7 +9092,7 @@
                                     </p:anim>
                                     <p:anim calcmode="lin" valueType="num">
                                       <p:cBhvr additive="base">
-                                        <p:cTn id="26" dur="500" fill="hold"/>
+                                        <p:cTn id="22" dur="500" fill="hold"/>
                                         <p:tgtEl>
                                           <p:spTgt spid="4"/>
                                         </p:tgtEl>
@@ -9181,14 +9117,14 @@
                                 </p:cTn>
                               </p:par>
                               <p:par>
-                                <p:cTn id="27" presetID="2" presetClass="entr" presetSubtype="4" fill="hold" grpId="0" nodeType="withEffect">
+                                <p:cTn id="23" presetID="2" presetClass="entr" presetSubtype="4" fill="hold" grpId="0" nodeType="withEffect">
                                   <p:stCondLst>
                                     <p:cond delay="0"/>
                                   </p:stCondLst>
                                   <p:childTnLst>
                                     <p:set>
                                       <p:cBhvr>
-                                        <p:cTn id="28" dur="1" fill="hold">
+                                        <p:cTn id="24" dur="1" fill="hold">
                                           <p:stCondLst>
                                             <p:cond delay="0"/>
                                           </p:stCondLst>
@@ -9206,7 +9142,7 @@
                                     </p:set>
                                     <p:anim calcmode="lin" valueType="num">
                                       <p:cBhvr additive="base">
-                                        <p:cTn id="29" dur="500" fill="hold"/>
+                                        <p:cTn id="25" dur="500" fill="hold"/>
                                         <p:tgtEl>
                                           <p:spTgt spid="5"/>
                                         </p:tgtEl>
@@ -9229,7 +9165,7 @@
                                     </p:anim>
                                     <p:anim calcmode="lin" valueType="num">
                                       <p:cBhvr additive="base">
-                                        <p:cTn id="30" dur="500" fill="hold"/>
+                                        <p:cTn id="26" dur="500" fill="hold"/>
                                         <p:tgtEl>
                                           <p:spTgt spid="5"/>
                                         </p:tgtEl>
@@ -9281,7 +9217,7 @@
       </p:par>
     </p:tnLst>
     <p:bldLst>
-      <p:bldP spid="4" grpId="0" animBg="1"/>
+      <p:bldP spid="4" grpId="0" bldLvl="0" animBg="1"/>
       <p:bldP spid="5" grpId="0"/>
     </p:bldLst>
   </p:timing>
@@ -9878,7 +9814,7 @@
                   <a:schemeClr val="tx1"/>
                 </a:solidFill>
               </a:rPr>
-              <a:t>、正则表达式等补充部分</a:t>
+              <a:t>、正则表达式</a:t>
             </a:r>
             <a:br>
               <a:rPr lang="zh-CN" altLang="en-US" sz="2000">
@@ -9904,127 +9840,40 @@
               <a:t>作用域及执行上下文、</a:t>
             </a:r>
             <a:r>
+              <a:rPr lang="zh-CN" altLang="en-US" sz="2000">
+                <a:solidFill>
+                  <a:schemeClr val="tx1"/>
+                </a:solidFill>
+                <a:sym typeface="+mn-ea"/>
+              </a:rPr>
+              <a:t>深入理解</a:t>
+            </a:r>
+            <a:r>
               <a:rPr lang="en-US" altLang="zh-CN" sz="2000">
                 <a:solidFill>
                   <a:schemeClr val="tx1"/>
                 </a:solidFill>
                 <a:sym typeface="+mn-ea"/>
               </a:rPr>
+              <a:t>JS</a:t>
+            </a:r>
+            <a:r>
+              <a:rPr lang="zh-CN" altLang="en-US" sz="2000">
+                <a:solidFill>
+                  <a:schemeClr val="tx1"/>
+                </a:solidFill>
+                <a:sym typeface="+mn-ea"/>
+              </a:rPr>
+              <a:t>中的</a:t>
+            </a:r>
+            <a:r>
+              <a:rPr lang="en-US" altLang="zh-CN" sz="2000">
+                <a:solidFill>
+                  <a:schemeClr val="tx1"/>
+                </a:solidFill>
+                <a:sym typeface="+mn-ea"/>
+              </a:rPr>
               <a:t>this</a:t>
-            </a:r>
-            <a:r>
-              <a:rPr lang="zh-CN" altLang="en-US" sz="2000">
-                <a:solidFill>
-                  <a:schemeClr val="tx1"/>
-                </a:solidFill>
-                <a:sym typeface="+mn-ea"/>
-              </a:rPr>
-              <a:t>深入理解等</a:t>
-            </a:r>
-            <a:endParaRPr lang="zh-CN" altLang="en-US" sz="2000">
-              <a:solidFill>
-                <a:schemeClr val="tx1"/>
-              </a:solidFill>
-            </a:endParaRPr>
-          </a:p>
-          <a:p>
-            <a:r>
-              <a:rPr lang="en-US" altLang="zh-CN" sz="3200">
-                <a:solidFill>
-                  <a:schemeClr val="tx1"/>
-                </a:solidFill>
-                <a:sym typeface="+mn-ea"/>
-              </a:rPr>
-              <a:t>JavaScript</a:t>
-            </a:r>
-            <a:r>
-              <a:rPr lang="zh-CN" altLang="en-US" sz="3200">
-                <a:solidFill>
-                  <a:schemeClr val="tx1"/>
-                </a:solidFill>
-                <a:sym typeface="+mn-ea"/>
-              </a:rPr>
-              <a:t>（</a:t>
-            </a:r>
-            <a:r>
-              <a:rPr lang="en-US" altLang="zh-CN" sz="3200">
-                <a:solidFill>
-                  <a:srgbClr val="FF0000"/>
-                </a:solidFill>
-                <a:sym typeface="+mn-ea"/>
-              </a:rPr>
-              <a:t>ES6</a:t>
-            </a:r>
-            <a:r>
-              <a:rPr lang="zh-CN" altLang="en-US" sz="3200">
-                <a:solidFill>
-                  <a:schemeClr val="tx1"/>
-                </a:solidFill>
-                <a:sym typeface="+mn-ea"/>
-              </a:rPr>
-              <a:t>）（</a:t>
-            </a:r>
-            <a:r>
-              <a:rPr lang="en-US" altLang="zh-CN" sz="3200">
-                <a:solidFill>
-                  <a:schemeClr val="tx1"/>
-                </a:solidFill>
-                <a:sym typeface="+mn-ea"/>
-              </a:rPr>
-              <a:t>18%</a:t>
-            </a:r>
-            <a:r>
-              <a:rPr lang="zh-CN" altLang="en-US" sz="3200">
-                <a:solidFill>
-                  <a:schemeClr val="tx1"/>
-                </a:solidFill>
-                <a:sym typeface="+mn-ea"/>
-              </a:rPr>
-              <a:t>）</a:t>
-            </a:r>
-            <a:br>
-              <a:rPr lang="en-US" altLang="zh-CN" sz="3200">
-                <a:solidFill>
-                  <a:schemeClr val="tx1"/>
-                </a:solidFill>
-                <a:sym typeface="+mn-ea"/>
-              </a:rPr>
-            </a:br>
-            <a:r>
-              <a:rPr lang="en-US" altLang="zh-CN" sz="2000">
-                <a:solidFill>
-                  <a:schemeClr val="tx1"/>
-                </a:solidFill>
-                <a:sym typeface="+mn-ea"/>
-              </a:rPr>
-              <a:t>- let</a:t>
-            </a:r>
-            <a:r>
-              <a:rPr lang="zh-CN" altLang="en-US" sz="2000">
-                <a:solidFill>
-                  <a:schemeClr val="tx1"/>
-                </a:solidFill>
-                <a:sym typeface="+mn-ea"/>
-              </a:rPr>
-              <a:t>、</a:t>
-            </a:r>
-            <a:r>
-              <a:rPr lang="en-US" altLang="zh-CN" sz="2000">
-                <a:solidFill>
-                  <a:schemeClr val="tx1"/>
-                </a:solidFill>
-                <a:sym typeface="+mn-ea"/>
-              </a:rPr>
-              <a:t>count</a:t>
-            </a:r>
-            <a:r>
-              <a:rPr lang="zh-CN" altLang="en-US" sz="2000">
-                <a:solidFill>
-                  <a:schemeClr val="tx1"/>
-                </a:solidFill>
-                <a:sym typeface="+mn-ea"/>
-              </a:rPr>
-              <a:t>、解构赋值</a:t>
             </a:r>
             <a:br>
               <a:rPr lang="zh-CN" altLang="en-US" sz="2000">
@@ -10050,16 +9899,7 @@
                 </a:solidFill>
                 <a:sym typeface="+mn-ea"/>
               </a:rPr>
-              <a:t>函数扩展、</a:t>
-            </a:r>
-            <a:r>
-              <a:rPr lang="en-US" altLang="zh-CN" sz="2000">
-                <a:solidFill>
-                  <a:schemeClr val="tx1"/>
-                </a:solidFill>
-                <a:sym typeface="+mn-ea"/>
-              </a:rPr>
-              <a:t>map</a:t>
+              <a:t>对象原型、原型继承</a:t>
             </a:r>
             <a:br>
               <a:rPr lang="zh-CN" altLang="en-US" sz="2000">
@@ -10076,7 +9916,7 @@
                 </a:solidFill>
                 <a:sym typeface="+mn-ea"/>
               </a:rPr>
-              <a:t>- Class</a:t>
+              <a:t>- JS</a:t>
             </a:r>
             <a:r>
               <a:rPr lang="zh-CN" altLang="en-US" sz="2000">
@@ -10085,6 +9925,24 @@
                 </a:solidFill>
                 <a:sym typeface="+mn-ea"/>
               </a:rPr>
+              <a:t>标准内置对象（</a:t>
+            </a:r>
+            <a:r>
+              <a:rPr lang="en-US" altLang="zh-CN" sz="2000">
+                <a:solidFill>
+                  <a:schemeClr val="tx1"/>
+                </a:solidFill>
+                <a:sym typeface="+mn-ea"/>
+              </a:rPr>
+              <a:t>JSON</a:t>
+            </a:r>
+            <a:r>
+              <a:rPr lang="zh-CN" altLang="en-US" sz="2000">
+                <a:solidFill>
+                  <a:schemeClr val="tx1"/>
+                </a:solidFill>
+                <a:sym typeface="+mn-ea"/>
+              </a:rPr>
               <a:t>、</a:t>
             </a:r>
             <a:r>
@@ -10094,7 +9952,7 @@
                 </a:solidFill>
                 <a:sym typeface="+mn-ea"/>
               </a:rPr>
-              <a:t>Generator</a:t>
+              <a:t>Math</a:t>
             </a:r>
             <a:r>
               <a:rPr lang="zh-CN" altLang="en-US" sz="2000">
@@ -10103,18 +9961,9 @@
                 </a:solidFill>
                 <a:sym typeface="+mn-ea"/>
               </a:rPr>
-              <a:t>、</a:t>
-            </a:r>
-            <a:r>
-              <a:rPr lang="en-US" altLang="zh-CN" sz="2000">
-                <a:solidFill>
-                  <a:schemeClr val="tx1"/>
-                </a:solidFill>
-                <a:sym typeface="+mn-ea"/>
-              </a:rPr>
-              <a:t>Promise</a:t>
-            </a:r>
-            <a:endParaRPr lang="en-US" altLang="zh-CN" sz="2000">
+              <a:t>等）</a:t>
+            </a:r>
+            <a:endParaRPr lang="zh-CN" altLang="en-US" sz="2000">
               <a:solidFill>
                 <a:schemeClr val="tx1"/>
               </a:solidFill>
@@ -10123,36 +9972,190 @@
           </a:p>
           <a:p>
             <a:r>
-              <a:rPr lang="en-US" sz="3200">
-                <a:solidFill>
-                  <a:schemeClr val="tx1"/>
-                </a:solidFill>
-              </a:rPr>
-              <a:t>TypeScript</a:t>
+              <a:rPr lang="en-US" altLang="zh-CN" sz="3200">
+                <a:solidFill>
+                  <a:schemeClr val="tx1"/>
+                </a:solidFill>
+                <a:sym typeface="+mn-ea"/>
+              </a:rPr>
+              <a:t>JavaScript</a:t>
             </a:r>
             <a:r>
               <a:rPr lang="zh-CN" altLang="en-US" sz="3200">
                 <a:solidFill>
                   <a:schemeClr val="tx1"/>
                 </a:solidFill>
+                <a:sym typeface="+mn-ea"/>
               </a:rPr>
               <a:t>（</a:t>
             </a:r>
             <a:r>
               <a:rPr lang="en-US" altLang="zh-CN" sz="3200">
                 <a:solidFill>
-                  <a:schemeClr val="tx1"/>
-                </a:solidFill>
-              </a:rPr>
-              <a:t>7%</a:t>
+                  <a:srgbClr val="FF0000"/>
+                </a:solidFill>
+                <a:sym typeface="+mn-ea"/>
+              </a:rPr>
+              <a:t>ES6</a:t>
             </a:r>
             <a:r>
               <a:rPr lang="zh-CN" altLang="en-US" sz="3200">
                 <a:solidFill>
                   <a:schemeClr val="tx1"/>
                 </a:solidFill>
+                <a:sym typeface="+mn-ea"/>
+              </a:rPr>
+              <a:t>）（</a:t>
+            </a:r>
+            <a:r>
+              <a:rPr lang="en-US" altLang="zh-CN" sz="3200">
+                <a:solidFill>
+                  <a:schemeClr val="tx1"/>
+                </a:solidFill>
+                <a:sym typeface="+mn-ea"/>
+              </a:rPr>
+              <a:t>25%</a:t>
+            </a:r>
+            <a:r>
+              <a:rPr lang="zh-CN" altLang="en-US" sz="3200">
+                <a:solidFill>
+                  <a:schemeClr val="tx1"/>
+                </a:solidFill>
+                <a:sym typeface="+mn-ea"/>
               </a:rPr>
               <a:t>）</a:t>
+            </a:r>
+            <a:br>
+              <a:rPr lang="en-US" altLang="zh-CN" sz="3200">
+                <a:solidFill>
+                  <a:schemeClr val="tx1"/>
+                </a:solidFill>
+                <a:sym typeface="+mn-ea"/>
+              </a:rPr>
+            </a:br>
+            <a:r>
+              <a:rPr lang="en-US" altLang="zh-CN" sz="2000">
+                <a:solidFill>
+                  <a:schemeClr val="tx1"/>
+                </a:solidFill>
+                <a:sym typeface="+mn-ea"/>
+              </a:rPr>
+              <a:t>- let</a:t>
+            </a:r>
+            <a:r>
+              <a:rPr lang="zh-CN" altLang="en-US" sz="2000">
+                <a:solidFill>
+                  <a:schemeClr val="tx1"/>
+                </a:solidFill>
+                <a:sym typeface="+mn-ea"/>
+              </a:rPr>
+              <a:t>、</a:t>
+            </a:r>
+            <a:r>
+              <a:rPr lang="en-US" altLang="zh-CN" sz="2000">
+                <a:solidFill>
+                  <a:schemeClr val="tx1"/>
+                </a:solidFill>
+                <a:sym typeface="+mn-ea"/>
+              </a:rPr>
+              <a:t>count</a:t>
+            </a:r>
+            <a:r>
+              <a:rPr lang="zh-CN" altLang="en-US" sz="2000">
+                <a:solidFill>
+                  <a:schemeClr val="tx1"/>
+                </a:solidFill>
+                <a:sym typeface="+mn-ea"/>
+              </a:rPr>
+              <a:t>、解构赋值</a:t>
+            </a:r>
+            <a:br>
+              <a:rPr lang="zh-CN" altLang="en-US" sz="2000">
+                <a:solidFill>
+                  <a:schemeClr val="tx1"/>
+                </a:solidFill>
+                <a:sym typeface="+mn-ea"/>
+              </a:rPr>
+            </a:br>
+            <a:r>
+              <a:rPr lang="en-US" altLang="zh-CN" sz="2000">
+                <a:solidFill>
+                  <a:schemeClr val="tx1"/>
+                </a:solidFill>
+                <a:sym typeface="+mn-ea"/>
+              </a:rPr>
+              <a:t>- </a:t>
+            </a:r>
+            <a:r>
+              <a:rPr lang="zh-CN" altLang="en-US" sz="2000">
+                <a:solidFill>
+                  <a:schemeClr val="tx1"/>
+                </a:solidFill>
+                <a:sym typeface="+mn-ea"/>
+              </a:rPr>
+              <a:t>函数扩展、</a:t>
+            </a:r>
+            <a:r>
+              <a:rPr lang="en-US" altLang="zh-CN" sz="2000">
+                <a:solidFill>
+                  <a:schemeClr val="tx1"/>
+                </a:solidFill>
+                <a:sym typeface="+mn-ea"/>
+              </a:rPr>
+              <a:t>map</a:t>
+            </a:r>
+            <a:br>
+              <a:rPr lang="zh-CN" altLang="en-US" sz="2000">
+                <a:solidFill>
+                  <a:schemeClr val="tx1"/>
+                </a:solidFill>
+                <a:sym typeface="+mn-ea"/>
+              </a:rPr>
+            </a:br>
+            <a:r>
+              <a:rPr lang="en-US" altLang="zh-CN" sz="2000">
+                <a:solidFill>
+                  <a:schemeClr val="tx1"/>
+                </a:solidFill>
+                <a:sym typeface="+mn-ea"/>
+              </a:rPr>
+              <a:t>- Class</a:t>
+            </a:r>
+            <a:r>
+              <a:rPr lang="zh-CN" altLang="en-US" sz="2000">
+                <a:solidFill>
+                  <a:schemeClr val="tx1"/>
+                </a:solidFill>
+                <a:sym typeface="+mn-ea"/>
+              </a:rPr>
+              <a:t>、</a:t>
+            </a:r>
+            <a:r>
+              <a:rPr lang="en-US" altLang="zh-CN" sz="2000">
+                <a:solidFill>
+                  <a:schemeClr val="tx1"/>
+                </a:solidFill>
+                <a:sym typeface="+mn-ea"/>
+              </a:rPr>
+              <a:t>Generator</a:t>
+            </a:r>
+            <a:r>
+              <a:rPr lang="zh-CN" altLang="en-US" sz="2000">
+                <a:solidFill>
+                  <a:schemeClr val="tx1"/>
+                </a:solidFill>
+                <a:sym typeface="+mn-ea"/>
+              </a:rPr>
+              <a:t>、</a:t>
+            </a:r>
+            <a:r>
+              <a:rPr lang="en-US" altLang="zh-CN" sz="2000">
+                <a:solidFill>
+                  <a:schemeClr val="tx1"/>
+                </a:solidFill>
+                <a:sym typeface="+mn-ea"/>
+              </a:rPr>
+              <a:t>Promise</a:t>
             </a:r>
             <a:endParaRPr lang="zh-CN" altLang="en-US" sz="3200">
               <a:solidFill>
@@ -10688,14 +10691,14 @@
             <a:r>
               <a:rPr lang="en-US" altLang="zh-CN" dirty="0">
                 <a:solidFill>
-                  <a:srgbClr val="FF0000"/>
+                  <a:schemeClr val="tx1"/>
                 </a:solidFill>
               </a:rPr>
               <a:t>WebStorm</a:t>
             </a:r>
             <a:endParaRPr lang="en-US" altLang="zh-CN" dirty="0">
               <a:solidFill>
-                <a:srgbClr val="FF0000"/>
+                <a:schemeClr val="tx1"/>
               </a:solidFill>
             </a:endParaRPr>
           </a:p>

--- a/课程PPT/01.JavaScript发展历程及语言特点.pptx
+++ b/课程PPT/01.JavaScript发展历程及语言特点.pptx
@@ -20,17 +20,16 @@
     <p:sldId id="1034" r:id="rId13"/>
     <p:sldId id="905" r:id="rId14"/>
     <p:sldId id="1004" r:id="rId15"/>
-    <p:sldId id="1018" r:id="rId16"/>
-    <p:sldId id="858" r:id="rId17"/>
-    <p:sldId id="850" r:id="rId18"/>
-    <p:sldId id="976" r:id="rId19"/>
-    <p:sldId id="851" r:id="rId20"/>
-    <p:sldId id="909" r:id="rId21"/>
-    <p:sldId id="852" r:id="rId22"/>
-    <p:sldId id="913" r:id="rId23"/>
-    <p:sldId id="994" r:id="rId24"/>
-    <p:sldId id="794" r:id="rId25"/>
-    <p:sldId id="995" r:id="rId26"/>
+    <p:sldId id="858" r:id="rId16"/>
+    <p:sldId id="850" r:id="rId17"/>
+    <p:sldId id="976" r:id="rId18"/>
+    <p:sldId id="851" r:id="rId19"/>
+    <p:sldId id="909" r:id="rId20"/>
+    <p:sldId id="852" r:id="rId21"/>
+    <p:sldId id="913" r:id="rId22"/>
+    <p:sldId id="994" r:id="rId23"/>
+    <p:sldId id="794" r:id="rId24"/>
+    <p:sldId id="995" r:id="rId25"/>
   </p:sldIdLst>
   <p:sldSz cx="12192000" cy="6858000"/>
   <p:notesSz cx="6797675" cy="9928225"/>
@@ -2968,7 +2967,7 @@
                   <a:schemeClr val="tx1"/>
                 </a:solidFill>
               </a:rPr>
-              <a:t>首先要有</a:t>
+              <a:t>有</a:t>
             </a:r>
             <a:r>
               <a:rPr lang="en-US" altLang="zh-CN" sz="3200">
@@ -2984,12 +2983,20 @@
                   <a:schemeClr val="tx1"/>
                 </a:solidFill>
               </a:rPr>
-              <a:t>账号，掌握</a:t>
+              <a:t>账号，</a:t>
+            </a:r>
+            <a:r>
+              <a:rPr lang="zh-CN" altLang="en-US" sz="3200">
+                <a:solidFill>
+                  <a:schemeClr val="accent3"/>
+                </a:solidFill>
+              </a:rPr>
+              <a:t>掌握</a:t>
             </a:r>
             <a:r>
               <a:rPr lang="en-US" altLang="zh-CN" sz="3200">
                 <a:solidFill>
-                  <a:schemeClr val="tx1"/>
+                  <a:schemeClr val="accent3"/>
                 </a:solidFill>
               </a:rPr>
               <a:t>git</a:t>
@@ -2997,14 +3004,14 @@
             <a:r>
               <a:rPr lang="zh-CN" altLang="en-US" sz="3200">
                 <a:solidFill>
-                  <a:schemeClr val="tx1"/>
-                </a:solidFill>
-              </a:rPr>
-              <a:t>的使用</a:t>
-            </a:r>
-            <a:endParaRPr lang="en-US" altLang="zh-CN" sz="3200">
+                  <a:schemeClr val="accent3"/>
+                </a:solidFill>
+              </a:rPr>
+              <a:t>的使用，创建自己学习仓库</a:t>
+            </a:r>
+            <a:endParaRPr lang="zh-CN" altLang="en-US" sz="3200">
               <a:solidFill>
-                <a:schemeClr val="tx1"/>
+                <a:schemeClr val="accent3"/>
               </a:solidFill>
             </a:endParaRPr>
           </a:p>
@@ -3030,7 +3037,7 @@
                   <a:srgbClr val="FF0000"/>
                 </a:solidFill>
               </a:rPr>
-              <a:t>https://github.com/edu2act/2017-2018_1st_JavaScript-Advanced</a:t>
+              <a:t>https://github.com/edu2act/course-javascript-advanced</a:t>
             </a:r>
             <a:endParaRPr lang="zh-CN" altLang="en-US" sz="2200">
               <a:solidFill>
@@ -3057,7 +3064,7 @@
             <a:r>
               <a:rPr lang="zh-CN" altLang="en-US" sz="2200">
                 <a:solidFill>
-                  <a:schemeClr val="accent3"/>
+                  <a:schemeClr val="tx1"/>
                 </a:solidFill>
               </a:rPr>
               <a:t>https://www.freecodecamp.cn</a:t>
@@ -3065,21 +3072,21 @@
             <a:br>
               <a:rPr lang="zh-CN" altLang="en-US" sz="2200">
                 <a:solidFill>
-                  <a:schemeClr val="accent3"/>
+                  <a:schemeClr val="tx1"/>
                 </a:solidFill>
               </a:rPr>
             </a:br>
             <a:r>
               <a:rPr lang="en-US" altLang="zh-CN" sz="2200">
                 <a:solidFill>
-                  <a:schemeClr val="accent3"/>
+                  <a:schemeClr val="tx1"/>
                 </a:solidFill>
               </a:rPr>
               <a:t>http://www.codefordream.com</a:t>
             </a:r>
             <a:endParaRPr lang="en-US" altLang="zh-CN" sz="2200">
               <a:solidFill>
-                <a:schemeClr val="accent3"/>
+                <a:schemeClr val="tx1"/>
               </a:solidFill>
             </a:endParaRPr>
           </a:p>
@@ -3102,14 +3109,14 @@
             <a:r>
               <a:rPr lang="en-US" altLang="zh-CN" sz="2200">
                 <a:solidFill>
-                  <a:schemeClr val="accent3"/>
-                </a:solidFill>
-              </a:rPr>
-              <a:t>http://www.edu2act.cn/team/JavaScript-jin-jie-2015-ji-H5-fang-xiang/home/</a:t>
+                  <a:schemeClr val="tx1"/>
+                </a:solidFill>
+              </a:rPr>
+              <a:t>http://www.edu2act.cn</a:t>
             </a:r>
             <a:endParaRPr lang="en-US" altLang="zh-CN" sz="2200">
               <a:solidFill>
-                <a:schemeClr val="accent3"/>
+                <a:schemeClr val="tx1"/>
               </a:solidFill>
             </a:endParaRPr>
           </a:p>
@@ -3204,7 +3211,7 @@
                   <a:schemeClr val="tx1"/>
                 </a:solidFill>
               </a:rPr>
-              <a:t>（考勤、学习状态等）</a:t>
+              <a:t>（考勤、学习状态、学习代码仓库）</a:t>
             </a:r>
             <a:endParaRPr lang="zh-CN" altLang="en-US" sz="3200">
               <a:solidFill>
@@ -3959,222 +3966,6 @@
       </p:grpSpPr>
       <p:pic>
         <p:nvPicPr>
-          <p:cNvPr id="11266" name="Picture 5"/>
-          <p:cNvPicPr>
-            <a:picLocks noChangeAspect="1" noChangeArrowheads="1"/>
-          </p:cNvPicPr>
-          <p:nvPr/>
-        </p:nvPicPr>
-        <p:blipFill>
-          <a:blip r:embed="rId1" cstate="print">
-            <a:extLst>
-              <a:ext uri="{28A0092B-C50C-407E-A947-70E740481C1C}">
-                <a14:useLocalDpi xmlns:a14="http://schemas.microsoft.com/office/drawing/2010/main" val="0"/>
-              </a:ext>
-            </a:extLst>
-          </a:blip>
-          <a:srcRect/>
-          <a:stretch>
-            <a:fillRect/>
-          </a:stretch>
-        </p:blipFill>
-        <p:spPr bwMode="auto">
-          <a:xfrm>
-            <a:off x="0" y="0"/>
-            <a:ext cx="12192000" cy="6858000"/>
-          </a:xfrm>
-          <a:prstGeom prst="rect">
-            <a:avLst/>
-          </a:prstGeom>
-          <a:noFill/>
-          <a:ln>
-            <a:noFill/>
-          </a:ln>
-          <a:extLst>
-            <a:ext uri="{909E8E84-426E-40DD-AFC4-6F175D3DCCD1}">
-              <a14:hiddenFill xmlns:a14="http://schemas.microsoft.com/office/drawing/2010/main">
-                <a:solidFill>
-                  <a:srgbClr val="FFFFFF"/>
-                </a:solidFill>
-              </a14:hiddenFill>
-            </a:ext>
-            <a:ext uri="{91240B29-F687-4F45-9708-019B960494DF}">
-              <a14:hiddenLine xmlns:a14="http://schemas.microsoft.com/office/drawing/2010/main" w="9525">
-                <a:solidFill>
-                  <a:srgbClr val="000000"/>
-                </a:solidFill>
-                <a:miter lim="800000"/>
-                <a:headEnd/>
-                <a:tailEnd/>
-              </a14:hiddenLine>
-            </a:ext>
-          </a:extLst>
-        </p:spPr>
-      </p:pic>
-      <p:sp>
-        <p:nvSpPr>
-          <p:cNvPr id="11267" name="Rectangle 6"/>
-          <p:cNvSpPr>
-            <a:spLocks noGrp="1" noChangeArrowheads="1"/>
-          </p:cNvSpPr>
-          <p:nvPr>
-            <p:ph type="ctrTitle" idx="4294967295"/>
-          </p:nvPr>
-        </p:nvSpPr>
-        <p:spPr bwMode="auto">
-          <a:xfrm>
-            <a:off x="2095501" y="3143251"/>
-            <a:ext cx="7362825" cy="1285875"/>
-          </a:xfrm>
-          <a:prstGeom prst="rect">
-            <a:avLst/>
-          </a:prstGeom>
-          <a:noFill/>
-          <a:extLst>
-            <a:ext uri="{909E8E84-426E-40DD-AFC4-6F175D3DCCD1}">
-              <a14:hiddenFill xmlns:a14="http://schemas.microsoft.com/office/drawing/2010/main">
-                <a:solidFill>
-                  <a:srgbClr val="FFFFFF"/>
-                </a:solidFill>
-              </a14:hiddenFill>
-            </a:ext>
-            <a:ext uri="{91240B29-F687-4F45-9708-019B960494DF}">
-              <a14:hiddenLine xmlns:a14="http://schemas.microsoft.com/office/drawing/2010/main" w="9525">
-                <a:solidFill>
-                  <a:srgbClr val="000000"/>
-                </a:solidFill>
-                <a:miter lim="800000"/>
-                <a:headEnd/>
-                <a:tailEnd/>
-              </a14:hiddenLine>
-            </a:ext>
-          </a:extLst>
-        </p:spPr>
-        <p:txBody>
-          <a:bodyPr anchor="b"/>
-          <a:lstStyle/>
-          <a:p>
-            <a:pPr algn="ctr" eaLnBrk="1" hangingPunct="1"/>
-            <a:r>
-              <a:rPr lang="en-US" altLang="zh-CN" sz="5400">
-                <a:solidFill>
-                  <a:schemeClr val="tx2"/>
-                </a:solidFill>
-              </a:rPr>
-              <a:t>Have a</a:t>
-            </a:r>
-            <a:r>
-              <a:rPr lang="en-US" altLang="zh-CN" sz="5400">
-                <a:solidFill>
-                  <a:schemeClr val="accent3"/>
-                </a:solidFill>
-              </a:rPr>
-              <a:t> Break</a:t>
-            </a:r>
-            <a:r>
-              <a:rPr lang="zh-CN" altLang="en-US" sz="5400">
-                <a:solidFill>
-                  <a:schemeClr val="tx2"/>
-                </a:solidFill>
-              </a:rPr>
-              <a:t>！</a:t>
-            </a:r>
-            <a:endParaRPr lang="zh-CN" altLang="en-US" sz="5400">
-              <a:solidFill>
-                <a:schemeClr val="tx2"/>
-              </a:solidFill>
-            </a:endParaRPr>
-          </a:p>
-        </p:txBody>
-      </p:sp>
-      <p:pic>
-        <p:nvPicPr>
-          <p:cNvPr id="11268" name="图片 3" descr="软院logo横版.png"/>
-          <p:cNvPicPr>
-            <a:picLocks noChangeAspect="1"/>
-          </p:cNvPicPr>
-          <p:nvPr/>
-        </p:nvPicPr>
-        <p:blipFill>
-          <a:blip r:embed="rId2" cstate="print">
-            <a:extLst>
-              <a:ext uri="{28A0092B-C50C-407E-A947-70E740481C1C}">
-                <a14:useLocalDpi xmlns:a14="http://schemas.microsoft.com/office/drawing/2010/main" val="0"/>
-              </a:ext>
-            </a:extLst>
-          </a:blip>
-          <a:srcRect/>
-          <a:stretch>
-            <a:fillRect/>
-          </a:stretch>
-        </p:blipFill>
-        <p:spPr bwMode="auto">
-          <a:xfrm>
-            <a:off x="2062164" y="5927725"/>
-            <a:ext cx="3381375" cy="527050"/>
-          </a:xfrm>
-          <a:prstGeom prst="rect">
-            <a:avLst/>
-          </a:prstGeom>
-          <a:noFill/>
-          <a:ln>
-            <a:noFill/>
-          </a:ln>
-          <a:extLst>
-            <a:ext uri="{909E8E84-426E-40DD-AFC4-6F175D3DCCD1}">
-              <a14:hiddenFill xmlns:a14="http://schemas.microsoft.com/office/drawing/2010/main">
-                <a:solidFill>
-                  <a:srgbClr val="FFFFFF"/>
-                </a:solidFill>
-              </a14:hiddenFill>
-            </a:ext>
-            <a:ext uri="{91240B29-F687-4F45-9708-019B960494DF}">
-              <a14:hiddenLine xmlns:a14="http://schemas.microsoft.com/office/drawing/2010/main" w="9525">
-                <a:solidFill>
-                  <a:srgbClr val="000000"/>
-                </a:solidFill>
-                <a:miter lim="800000"/>
-                <a:headEnd/>
-                <a:tailEnd/>
-              </a14:hiddenLine>
-            </a:ext>
-          </a:extLst>
-        </p:spPr>
-      </p:pic>
-    </p:spTree>
-  </p:cSld>
-  <p:clrMapOvr>
-    <a:masterClrMapping/>
-  </p:clrMapOvr>
-  <p:timing>
-    <p:tnLst>
-      <p:par>
-        <p:cTn id="1" dur="indefinite" restart="never" nodeType="tmRoot"/>
-      </p:par>
-    </p:tnLst>
-  </p:timing>
-</p:sld>
-</file>
-
-<file path=ppt/slides/slide14.xml><?xml version="1.0" encoding="utf-8"?>
-<p:sld xmlns:a="http://schemas.openxmlformats.org/drawingml/2006/main" xmlns:r="http://schemas.openxmlformats.org/officeDocument/2006/relationships" xmlns:p="http://schemas.openxmlformats.org/presentationml/2006/main">
-  <p:cSld>
-    <p:spTree>
-      <p:nvGrpSpPr>
-        <p:cNvPr id="1" name=""/>
-        <p:cNvGrpSpPr/>
-        <p:nvPr/>
-      </p:nvGrpSpPr>
-      <p:grpSpPr>
-        <a:xfrm>
-          <a:off x="0" y="0"/>
-          <a:ext cx="0" cy="0"/>
-          <a:chOff x="0" y="0"/>
-          <a:chExt cx="0" cy="0"/>
-        </a:xfrm>
-      </p:grpSpPr>
-      <p:pic>
-        <p:nvPicPr>
           <p:cNvPr id="24578" name="Picture 4"/>
           <p:cNvPicPr>
             <a:picLocks noChangeAspect="1" noChangeArrowheads="1"/>
@@ -4393,7 +4184,7 @@
 </p:sld>
 </file>
 
-<file path=ppt/slides/slide15.xml><?xml version="1.0" encoding="utf-8"?>
+<file path=ppt/slides/slide14.xml><?xml version="1.0" encoding="utf-8"?>
 <p:sld xmlns:a="http://schemas.openxmlformats.org/drawingml/2006/main" xmlns:r="http://schemas.openxmlformats.org/officeDocument/2006/relationships" xmlns:p="http://schemas.openxmlformats.org/presentationml/2006/main">
   <p:cSld>
     <p:spTree>
@@ -4974,7 +4765,7 @@
 </p:sld>
 </file>
 
-<file path=ppt/slides/slide16.xml><?xml version="1.0" encoding="utf-8"?>
+<file path=ppt/slides/slide15.xml><?xml version="1.0" encoding="utf-8"?>
 <p:sld xmlns:a="http://schemas.openxmlformats.org/drawingml/2006/main" xmlns:r="http://schemas.openxmlformats.org/officeDocument/2006/relationships" xmlns:p="http://schemas.openxmlformats.org/presentationml/2006/main">
   <p:cSld>
     <p:spTree>
@@ -5525,7 +5316,7 @@
 </p:sld>
 </file>
 
-<file path=ppt/slides/slide17.xml><?xml version="1.0" encoding="utf-8"?>
+<file path=ppt/slides/slide16.xml><?xml version="1.0" encoding="utf-8"?>
 <p:sld xmlns:a="http://schemas.openxmlformats.org/drawingml/2006/main" xmlns:r="http://schemas.openxmlformats.org/officeDocument/2006/relationships" xmlns:p="http://schemas.openxmlformats.org/presentationml/2006/main">
   <p:cSld>
     <p:spTree>
@@ -6093,7 +5884,7 @@
 </p:sld>
 </file>
 
-<file path=ppt/slides/slide18.xml><?xml version="1.0" encoding="utf-8"?>
+<file path=ppt/slides/slide17.xml><?xml version="1.0" encoding="utf-8"?>
 <p:sld xmlns:a="http://schemas.openxmlformats.org/drawingml/2006/main" xmlns:r="http://schemas.openxmlformats.org/officeDocument/2006/relationships" xmlns:p="http://schemas.openxmlformats.org/presentationml/2006/main">
   <p:cSld>
     <p:spTree>
@@ -6678,7 +6469,7 @@
 </p:sld>
 </file>
 
-<file path=ppt/slides/slide19.xml><?xml version="1.0" encoding="utf-8"?>
+<file path=ppt/slides/slide18.xml><?xml version="1.0" encoding="utf-8"?>
 <p:sld xmlns:a="http://schemas.openxmlformats.org/drawingml/2006/main" xmlns:r="http://schemas.openxmlformats.org/officeDocument/2006/relationships" xmlns:p="http://schemas.openxmlformats.org/presentationml/2006/main">
   <p:cSld>
     <p:spTree>
@@ -7249,6 +7040,251 @@
 </p:sld>
 </file>
 
+<file path=ppt/slides/slide19.xml><?xml version="1.0" encoding="utf-8"?>
+<p:sld xmlns:a="http://schemas.openxmlformats.org/drawingml/2006/main" xmlns:r="http://schemas.openxmlformats.org/officeDocument/2006/relationships" xmlns:p="http://schemas.openxmlformats.org/presentationml/2006/main">
+  <p:cSld>
+    <p:spTree>
+      <p:nvGrpSpPr>
+        <p:cNvPr id="1" name=""/>
+        <p:cNvGrpSpPr/>
+        <p:nvPr/>
+      </p:nvGrpSpPr>
+      <p:grpSpPr>
+        <a:xfrm>
+          <a:off x="0" y="0"/>
+          <a:ext cx="0" cy="0"/>
+          <a:chOff x="0" y="0"/>
+          <a:chExt cx="0" cy="0"/>
+        </a:xfrm>
+      </p:grpSpPr>
+      <p:sp>
+        <p:nvSpPr>
+          <p:cNvPr id="2" name="内容占位符 1"/>
+          <p:cNvSpPr>
+            <a:spLocks noGrp="1"/>
+          </p:cNvSpPr>
+          <p:nvPr>
+            <p:ph sz="quarter" idx="10"/>
+          </p:nvPr>
+        </p:nvSpPr>
+        <p:spPr>
+          <a:xfrm>
+            <a:off x="1142966" y="927119"/>
+            <a:ext cx="9715500" cy="4643437"/>
+          </a:xfrm>
+        </p:spPr>
+        <p:txBody>
+          <a:bodyPr/>
+          <a:lstStyle/>
+          <a:p>
+            <a:r>
+              <a:rPr kumimoji="0" lang="en-US" altLang="zh-CN" dirty="0">
+                <a:solidFill>
+                  <a:schemeClr val="tx1"/>
+                </a:solidFill>
+              </a:rPr>
+              <a:t>HTML</a:t>
+            </a:r>
+            <a:r>
+              <a:rPr kumimoji="0" lang="zh-CN" altLang="en-US" dirty="0">
+                <a:solidFill>
+                  <a:schemeClr val="tx1"/>
+                </a:solidFill>
+              </a:rPr>
+              <a:t>文件内部</a:t>
+            </a:r>
+            <a:r>
+              <a:rPr kumimoji="0" lang="en-US" altLang="zh-CN" dirty="0">
+                <a:solidFill>
+                  <a:schemeClr val="tx1"/>
+                </a:solidFill>
+              </a:rPr>
+              <a:t>JavaScript </a:t>
+            </a:r>
+            <a:r>
+              <a:rPr kumimoji="0" lang="zh-CN" altLang="en-US" dirty="0">
+                <a:solidFill>
+                  <a:schemeClr val="tx1"/>
+                </a:solidFill>
+              </a:rPr>
+              <a:t>代码</a:t>
+            </a:r>
+            <a:endParaRPr kumimoji="0" lang="zh-CN" altLang="en-US" dirty="0">
+              <a:solidFill>
+                <a:schemeClr val="tx1"/>
+              </a:solidFill>
+            </a:endParaRPr>
+          </a:p>
+          <a:p>
+            <a:r>
+              <a:rPr kumimoji="0" lang="zh-CN" altLang="en-US" dirty="0">
+                <a:solidFill>
+                  <a:schemeClr val="tx1"/>
+                </a:solidFill>
+              </a:rPr>
+              <a:t>外部</a:t>
+            </a:r>
+            <a:r>
+              <a:rPr kumimoji="0" lang="en-US" altLang="zh-CN" dirty="0">
+                <a:solidFill>
+                  <a:schemeClr val="tx1"/>
+                </a:solidFill>
+              </a:rPr>
+              <a:t>JavaScript</a:t>
+            </a:r>
+            <a:r>
+              <a:rPr kumimoji="0" lang="zh-CN" altLang="en-US" dirty="0">
+                <a:solidFill>
+                  <a:schemeClr val="tx1"/>
+                </a:solidFill>
+              </a:rPr>
+              <a:t>文件</a:t>
+            </a:r>
+            <a:endParaRPr lang="zh-CN" altLang="en-US" dirty="0"/>
+          </a:p>
+        </p:txBody>
+      </p:sp>
+      <p:sp>
+        <p:nvSpPr>
+          <p:cNvPr id="3" name="内容占位符 2"/>
+          <p:cNvSpPr>
+            <a:spLocks noGrp="1"/>
+          </p:cNvSpPr>
+          <p:nvPr>
+            <p:ph sz="quarter" idx="11"/>
+          </p:nvPr>
+        </p:nvSpPr>
+        <p:spPr/>
+        <p:txBody>
+          <a:bodyPr/>
+          <a:lstStyle/>
+          <a:p>
+            <a:r>
+              <a:rPr lang="en-US" altLang="zh-CN" dirty="0"/>
+              <a:t>JavaScript</a:t>
+            </a:r>
+            <a:r>
+              <a:rPr lang="zh-CN" altLang="en-US" dirty="0"/>
+              <a:t>用法</a:t>
+            </a:r>
+            <a:endParaRPr lang="zh-CN" altLang="en-US" dirty="0"/>
+          </a:p>
+          <a:p>
+            <a:endParaRPr lang="zh-CN" altLang="en-US" dirty="0"/>
+          </a:p>
+        </p:txBody>
+      </p:sp>
+      <p:pic>
+        <p:nvPicPr>
+          <p:cNvPr id="4" name="图片 3"/>
+          <p:cNvPicPr>
+            <a:picLocks noChangeAspect="1"/>
+          </p:cNvPicPr>
+          <p:nvPr/>
+        </p:nvPicPr>
+        <p:blipFill>
+          <a:blip r:embed="rId1"/>
+          <a:stretch>
+            <a:fillRect/>
+          </a:stretch>
+        </p:blipFill>
+        <p:spPr>
+          <a:xfrm>
+            <a:off x="1167765" y="2523490"/>
+            <a:ext cx="7477125" cy="3310890"/>
+          </a:xfrm>
+          <a:prstGeom prst="rect">
+            <a:avLst/>
+          </a:prstGeom>
+        </p:spPr>
+      </p:pic>
+      <p:sp>
+        <p:nvSpPr>
+          <p:cNvPr id="8" name="文本框 7"/>
+          <p:cNvSpPr txBox="1"/>
+          <p:nvPr/>
+        </p:nvSpPr>
+        <p:spPr>
+          <a:xfrm>
+            <a:off x="5757545" y="1821815"/>
+            <a:ext cx="3865245" cy="429895"/>
+          </a:xfrm>
+          <a:prstGeom prst="rect">
+            <a:avLst/>
+          </a:prstGeom>
+          <a:noFill/>
+        </p:spPr>
+        <p:txBody>
+          <a:bodyPr wrap="square" rtlCol="0">
+            <a:spAutoFit/>
+          </a:bodyPr>
+          <a:p>
+            <a:pPr algn="l"/>
+            <a:r>
+              <a:rPr lang="zh-CN" altLang="en-US" sz="2200">
+                <a:solidFill>
+                  <a:srgbClr val="FF0000"/>
+                </a:solidFill>
+                <a:latin typeface="+mn-ea"/>
+                <a:ea typeface="+mn-ea"/>
+              </a:rPr>
+              <a:t>参见实例</a:t>
+            </a:r>
+            <a:r>
+              <a:rPr lang="en-US" altLang="zh-CN" sz="2200">
+                <a:solidFill>
+                  <a:srgbClr val="FF0000"/>
+                </a:solidFill>
+                <a:latin typeface="+mn-ea"/>
+                <a:ea typeface="+mn-ea"/>
+              </a:rPr>
+              <a:t>demo14</a:t>
+            </a:r>
+            <a:r>
+              <a:rPr lang="zh-CN" altLang="en-US" sz="2200">
+                <a:solidFill>
+                  <a:srgbClr val="FF0000"/>
+                </a:solidFill>
+                <a:latin typeface="+mn-ea"/>
+                <a:ea typeface="+mn-ea"/>
+              </a:rPr>
+              <a:t>、</a:t>
+            </a:r>
+            <a:r>
+              <a:rPr lang="en-US" altLang="zh-CN" sz="2200">
+                <a:solidFill>
+                  <a:srgbClr val="FF0000"/>
+                </a:solidFill>
+                <a:latin typeface="+mn-ea"/>
+                <a:ea typeface="+mn-ea"/>
+              </a:rPr>
+              <a:t>demo15</a:t>
+            </a:r>
+            <a:endParaRPr lang="en-US" altLang="zh-CN" sz="2200">
+              <a:solidFill>
+                <a:srgbClr val="FF0000"/>
+              </a:solidFill>
+              <a:latin typeface="+mn-ea"/>
+              <a:ea typeface="+mn-ea"/>
+            </a:endParaRPr>
+          </a:p>
+        </p:txBody>
+      </p:sp>
+    </p:spTree>
+  </p:cSld>
+  <p:clrMapOvr>
+    <a:masterClrMapping/>
+  </p:clrMapOvr>
+  <p:timing>
+    <p:tnLst>
+      <p:par>
+        <p:cTn id="1" dur="indefinite" restart="never" nodeType="tmRoot"/>
+      </p:par>
+    </p:tnLst>
+  </p:timing>
+</p:sld>
+</file>
+
 <file path=ppt/slides/slide2.xml><?xml version="1.0" encoding="utf-8"?>
 <p:sld xmlns:a="http://schemas.openxmlformats.org/drawingml/2006/main" xmlns:r="http://schemas.openxmlformats.org/officeDocument/2006/relationships" xmlns:p="http://schemas.openxmlformats.org/presentationml/2006/main">
   <p:cSld>
@@ -7392,7 +7428,7 @@
       </p:grpSpPr>
       <p:sp>
         <p:nvSpPr>
-          <p:cNvPr id="2" name="内容占位符 1"/>
+          <p:cNvPr id="3" name="内容占位符 2"/>
           <p:cNvSpPr>
             <a:spLocks noGrp="1"/>
           </p:cNvSpPr>
@@ -7402,84 +7438,133 @@
         </p:nvSpPr>
         <p:spPr>
           <a:xfrm>
-            <a:off x="1142966" y="927119"/>
-            <a:ext cx="9715500" cy="4643437"/>
+            <a:off x="1142965" y="1123944"/>
+            <a:ext cx="10067377" cy="4643437"/>
           </a:xfrm>
         </p:spPr>
         <p:txBody>
           <a:bodyPr/>
           <a:lstStyle/>
           <a:p>
-            <a:r>
-              <a:rPr kumimoji="0" lang="en-US" altLang="zh-CN" dirty="0">
-                <a:solidFill>
-                  <a:schemeClr val="tx1"/>
-                </a:solidFill>
-              </a:rPr>
-              <a:t>HTML</a:t>
-            </a:r>
-            <a:r>
-              <a:rPr kumimoji="0" lang="zh-CN" altLang="en-US" dirty="0">
-                <a:solidFill>
-                  <a:schemeClr val="tx1"/>
-                </a:solidFill>
-              </a:rPr>
-              <a:t>文件内部</a:t>
-            </a:r>
-            <a:r>
-              <a:rPr kumimoji="0" lang="en-US" altLang="zh-CN" dirty="0">
-                <a:solidFill>
-                  <a:schemeClr val="tx1"/>
-                </a:solidFill>
-              </a:rPr>
-              <a:t>JavaScript </a:t>
-            </a:r>
-            <a:r>
-              <a:rPr kumimoji="0" lang="zh-CN" altLang="en-US" dirty="0">
-                <a:solidFill>
-                  <a:schemeClr val="tx1"/>
-                </a:solidFill>
-              </a:rPr>
-              <a:t>代码</a:t>
-            </a:r>
-            <a:endParaRPr kumimoji="0" lang="zh-CN" altLang="en-US" dirty="0">
+            <a:pPr>
+              <a:lnSpc>
+                <a:spcPct val="140000"/>
+              </a:lnSpc>
+            </a:pPr>
+            <a:r>
+              <a:rPr kumimoji="0" lang="en-US" altLang="zh-CN" dirty="0" smtClean="0">
+                <a:solidFill>
+                  <a:schemeClr val="tx1"/>
+                </a:solidFill>
+              </a:rPr>
+              <a:t>JavaScript</a:t>
+            </a:r>
+            <a:r>
+              <a:rPr kumimoji="0" lang="zh-CN" altLang="en-US" dirty="0" smtClean="0">
+                <a:solidFill>
+                  <a:schemeClr val="tx1"/>
+                </a:solidFill>
+              </a:rPr>
+              <a:t>进阶课程介绍</a:t>
+            </a:r>
+            <a:endParaRPr kumimoji="0" lang="zh-CN" altLang="en-US" dirty="0" smtClean="0">
               <a:solidFill>
                 <a:schemeClr val="tx1"/>
               </a:solidFill>
             </a:endParaRPr>
           </a:p>
           <a:p>
-            <a:r>
-              <a:rPr kumimoji="0" lang="zh-CN" altLang="en-US" dirty="0">
-                <a:solidFill>
-                  <a:schemeClr val="tx1"/>
-                </a:solidFill>
-              </a:rPr>
-              <a:t>外部</a:t>
-            </a:r>
-            <a:r>
-              <a:rPr kumimoji="0" lang="en-US" altLang="zh-CN" dirty="0">
-                <a:solidFill>
-                  <a:schemeClr val="tx1"/>
-                </a:solidFill>
-              </a:rPr>
-              <a:t>JavaScript</a:t>
-            </a:r>
-            <a:r>
-              <a:rPr kumimoji="0" lang="zh-CN" altLang="en-US" dirty="0">
-                <a:solidFill>
-                  <a:schemeClr val="tx1"/>
-                </a:solidFill>
-              </a:rPr>
-              <a:t>文件</a:t>
-            </a:r>
+            <a:pPr>
+              <a:lnSpc>
+                <a:spcPct val="140000"/>
+              </a:lnSpc>
+            </a:pPr>
+            <a:r>
+              <a:rPr kumimoji="0" lang="en-US" altLang="zh-CN" dirty="0" smtClean="0">
+                <a:solidFill>
+                  <a:schemeClr val="tx1"/>
+                </a:solidFill>
+              </a:rPr>
+              <a:t>JS</a:t>
+            </a:r>
+            <a:r>
+              <a:rPr kumimoji="0" lang="zh-CN" altLang="en-US" dirty="0" smtClean="0">
+                <a:solidFill>
+                  <a:schemeClr val="tx1"/>
+                </a:solidFill>
+              </a:rPr>
+              <a:t>历史背景简介</a:t>
+            </a:r>
+            <a:endParaRPr kumimoji="0" lang="zh-CN" altLang="en-US" dirty="0" smtClean="0">
+              <a:solidFill>
+                <a:schemeClr val="tx1"/>
+              </a:solidFill>
+            </a:endParaRPr>
+          </a:p>
+          <a:p>
+            <a:pPr>
+              <a:lnSpc>
+                <a:spcPct val="140000"/>
+              </a:lnSpc>
+            </a:pPr>
+            <a:r>
+              <a:rPr kumimoji="0" lang="en-US" altLang="zh-CN" dirty="0" smtClean="0">
+                <a:solidFill>
+                  <a:schemeClr val="tx1"/>
+                </a:solidFill>
+              </a:rPr>
+              <a:t>JS</a:t>
+            </a:r>
+            <a:r>
+              <a:rPr kumimoji="0" lang="zh-CN" altLang="en-US" dirty="0" smtClean="0">
+                <a:solidFill>
+                  <a:schemeClr val="tx1"/>
+                </a:solidFill>
+              </a:rPr>
+              <a:t>语言特点（脚本语言、弱类型、动态类型、闭包、原型等）</a:t>
+            </a:r>
+            <a:endParaRPr kumimoji="0" lang="zh-CN" altLang="en-US" dirty="0" smtClean="0">
+              <a:solidFill>
+                <a:schemeClr val="tx1"/>
+              </a:solidFill>
+            </a:endParaRPr>
+          </a:p>
+          <a:p>
+            <a:pPr>
+              <a:lnSpc>
+                <a:spcPct val="140000"/>
+              </a:lnSpc>
+            </a:pPr>
+            <a:r>
+              <a:rPr kumimoji="0" lang="en-US" altLang="zh-CN" dirty="0" smtClean="0">
+                <a:solidFill>
+                  <a:schemeClr val="tx1"/>
+                </a:solidFill>
+              </a:rPr>
+              <a:t>JS</a:t>
+            </a:r>
+            <a:r>
+              <a:rPr kumimoji="0" lang="zh-CN" altLang="en-US" dirty="0" smtClean="0">
+                <a:solidFill>
+                  <a:schemeClr val="tx1"/>
+                </a:solidFill>
+              </a:rPr>
+              <a:t>的使用方式及调试方式</a:t>
+            </a:r>
+            <a:endParaRPr kumimoji="0" lang="zh-CN" altLang="en-US" dirty="0" smtClean="0">
+              <a:solidFill>
+                <a:schemeClr val="tx1"/>
+              </a:solidFill>
+            </a:endParaRPr>
+          </a:p>
+          <a:p>
             <a:endParaRPr lang="zh-CN" altLang="en-US" dirty="0"/>
           </a:p>
         </p:txBody>
       </p:sp>
       <p:sp>
         <p:nvSpPr>
-          <p:cNvPr id="3" name="内容占位符 2"/>
+          <p:cNvPr id="4" name="内容占位符 3"/>
           <p:cNvSpPr>
             <a:spLocks noGrp="1"/>
           </p:cNvSpPr>
@@ -7493,113 +7578,13 @@
           <a:lstStyle/>
           <a:p>
             <a:r>
-              <a:rPr lang="en-US" altLang="zh-CN" dirty="0"/>
-              <a:t>JavaScript</a:t>
-            </a:r>
-            <a:r>
               <a:rPr lang="zh-CN" altLang="en-US" dirty="0"/>
-              <a:t>用法</a:t>
+              <a:t>总结</a:t>
             </a:r>
             <a:endParaRPr lang="zh-CN" altLang="en-US" dirty="0"/>
           </a:p>
           <a:p>
             <a:endParaRPr lang="zh-CN" altLang="en-US" dirty="0"/>
-          </a:p>
-        </p:txBody>
-      </p:sp>
-      <p:pic>
-        <p:nvPicPr>
-          <p:cNvPr id="4" name="图片 3"/>
-          <p:cNvPicPr>
-            <a:picLocks noChangeAspect="1"/>
-          </p:cNvPicPr>
-          <p:nvPr/>
-        </p:nvPicPr>
-        <p:blipFill>
-          <a:blip r:embed="rId1"/>
-          <a:stretch>
-            <a:fillRect/>
-          </a:stretch>
-        </p:blipFill>
-        <p:spPr>
-          <a:xfrm>
-            <a:off x="1167765" y="2523490"/>
-            <a:ext cx="7477125" cy="3310890"/>
-          </a:xfrm>
-          <a:prstGeom prst="rect">
-            <a:avLst/>
-          </a:prstGeom>
-        </p:spPr>
-      </p:pic>
-      <p:sp>
-        <p:nvSpPr>
-          <p:cNvPr id="8" name="文本框 7"/>
-          <p:cNvSpPr txBox="1"/>
-          <p:nvPr/>
-        </p:nvSpPr>
-        <p:spPr>
-          <a:xfrm>
-            <a:off x="5757545" y="1821815"/>
-            <a:ext cx="3865245" cy="429895"/>
-          </a:xfrm>
-          <a:prstGeom prst="rect">
-            <a:avLst/>
-          </a:prstGeom>
-          <a:noFill/>
-        </p:spPr>
-        <p:txBody>
-          <a:bodyPr wrap="square" rtlCol="0">
-            <a:spAutoFit/>
-          </a:bodyPr>
-          <a:p>
-            <a:pPr algn="l"/>
-            <a:r>
-              <a:rPr lang="zh-CN" altLang="en-US" sz="2200">
-                <a:solidFill>
-                  <a:srgbClr val="FF0000"/>
-                </a:solidFill>
-                <a:latin typeface="+mn-ea"/>
-                <a:ea typeface="+mn-ea"/>
-              </a:rPr>
-              <a:t>参见实例</a:t>
-            </a:r>
-            <a:r>
-              <a:rPr lang="en-US" altLang="zh-CN" sz="2200">
-                <a:solidFill>
-                  <a:srgbClr val="FF0000"/>
-                </a:solidFill>
-                <a:latin typeface="+mn-ea"/>
-                <a:ea typeface="+mn-ea"/>
-              </a:rPr>
-              <a:t>demo14</a:t>
-            </a:r>
-            <a:r>
-              <a:rPr lang="zh-CN" altLang="en-US" sz="2200">
-                <a:solidFill>
-                  <a:srgbClr val="FF0000"/>
-                </a:solidFill>
-                <a:latin typeface="+mn-ea"/>
-                <a:ea typeface="+mn-ea"/>
-              </a:rPr>
-              <a:t>、</a:t>
-            </a:r>
-            <a:r>
-              <a:rPr lang="en-US" altLang="zh-CN" sz="2200">
-                <a:solidFill>
-                  <a:srgbClr val="FF0000"/>
-                </a:solidFill>
-                <a:latin typeface="+mn-ea"/>
-                <a:ea typeface="+mn-ea"/>
-              </a:rPr>
-              <a:t>demo15</a:t>
-            </a:r>
-            <a:endParaRPr lang="en-US" altLang="zh-CN" sz="2200">
-              <a:solidFill>
-                <a:srgbClr val="FF0000"/>
-              </a:solidFill>
-              <a:latin typeface="+mn-ea"/>
-              <a:ea typeface="+mn-ea"/>
-            </a:endParaRPr>
           </a:p>
         </p:txBody>
       </p:sp>
@@ -7619,200 +7604,6 @@
 </file>
 
 <file path=ppt/slides/slide21.xml><?xml version="1.0" encoding="utf-8"?>
-<p:sld xmlns:a="http://schemas.openxmlformats.org/drawingml/2006/main" xmlns:r="http://schemas.openxmlformats.org/officeDocument/2006/relationships" xmlns:p="http://schemas.openxmlformats.org/presentationml/2006/main">
-  <p:cSld>
-    <p:spTree>
-      <p:nvGrpSpPr>
-        <p:cNvPr id="1" name=""/>
-        <p:cNvGrpSpPr/>
-        <p:nvPr/>
-      </p:nvGrpSpPr>
-      <p:grpSpPr>
-        <a:xfrm>
-          <a:off x="0" y="0"/>
-          <a:ext cx="0" cy="0"/>
-          <a:chOff x="0" y="0"/>
-          <a:chExt cx="0" cy="0"/>
-        </a:xfrm>
-      </p:grpSpPr>
-      <p:sp>
-        <p:nvSpPr>
-          <p:cNvPr id="3" name="内容占位符 2"/>
-          <p:cNvSpPr>
-            <a:spLocks noGrp="1"/>
-          </p:cNvSpPr>
-          <p:nvPr>
-            <p:ph sz="quarter" idx="10"/>
-          </p:nvPr>
-        </p:nvSpPr>
-        <p:spPr>
-          <a:xfrm>
-            <a:off x="1142965" y="1123944"/>
-            <a:ext cx="10067377" cy="4643437"/>
-          </a:xfrm>
-        </p:spPr>
-        <p:txBody>
-          <a:bodyPr/>
-          <a:lstStyle/>
-          <a:p>
-            <a:pPr>
-              <a:lnSpc>
-                <a:spcPct val="140000"/>
-              </a:lnSpc>
-            </a:pPr>
-            <a:r>
-              <a:rPr kumimoji="0" lang="en-US" altLang="zh-CN" dirty="0" smtClean="0">
-                <a:solidFill>
-                  <a:schemeClr val="tx1"/>
-                </a:solidFill>
-              </a:rPr>
-              <a:t>JavaScript</a:t>
-            </a:r>
-            <a:r>
-              <a:rPr kumimoji="0" lang="zh-CN" altLang="en-US" dirty="0" smtClean="0">
-                <a:solidFill>
-                  <a:schemeClr val="tx1"/>
-                </a:solidFill>
-              </a:rPr>
-              <a:t>进阶课程介绍</a:t>
-            </a:r>
-            <a:endParaRPr kumimoji="0" lang="zh-CN" altLang="en-US" dirty="0" smtClean="0">
-              <a:solidFill>
-                <a:schemeClr val="tx1"/>
-              </a:solidFill>
-            </a:endParaRPr>
-          </a:p>
-          <a:p>
-            <a:pPr>
-              <a:lnSpc>
-                <a:spcPct val="140000"/>
-              </a:lnSpc>
-            </a:pPr>
-            <a:r>
-              <a:rPr kumimoji="0" lang="en-US" altLang="zh-CN" dirty="0" smtClean="0">
-                <a:solidFill>
-                  <a:schemeClr val="tx1"/>
-                </a:solidFill>
-              </a:rPr>
-              <a:t>JS</a:t>
-            </a:r>
-            <a:r>
-              <a:rPr kumimoji="0" lang="zh-CN" altLang="en-US" dirty="0" smtClean="0">
-                <a:solidFill>
-                  <a:schemeClr val="tx1"/>
-                </a:solidFill>
-              </a:rPr>
-              <a:t>历史背景简介</a:t>
-            </a:r>
-            <a:endParaRPr kumimoji="0" lang="zh-CN" altLang="en-US" dirty="0" smtClean="0">
-              <a:solidFill>
-                <a:schemeClr val="tx1"/>
-              </a:solidFill>
-            </a:endParaRPr>
-          </a:p>
-          <a:p>
-            <a:pPr>
-              <a:lnSpc>
-                <a:spcPct val="140000"/>
-              </a:lnSpc>
-            </a:pPr>
-            <a:r>
-              <a:rPr kumimoji="0" lang="en-US" altLang="zh-CN" dirty="0" smtClean="0">
-                <a:solidFill>
-                  <a:schemeClr val="tx1"/>
-                </a:solidFill>
-              </a:rPr>
-              <a:t>JS</a:t>
-            </a:r>
-            <a:r>
-              <a:rPr kumimoji="0" lang="zh-CN" altLang="en-US" dirty="0" smtClean="0">
-                <a:solidFill>
-                  <a:schemeClr val="tx1"/>
-                </a:solidFill>
-              </a:rPr>
-              <a:t>语言特点（脚本语言、弱类型、动态类型、闭包、原型等）</a:t>
-            </a:r>
-            <a:endParaRPr kumimoji="0" lang="zh-CN" altLang="en-US" dirty="0" smtClean="0">
-              <a:solidFill>
-                <a:schemeClr val="tx1"/>
-              </a:solidFill>
-            </a:endParaRPr>
-          </a:p>
-          <a:p>
-            <a:pPr>
-              <a:lnSpc>
-                <a:spcPct val="140000"/>
-              </a:lnSpc>
-            </a:pPr>
-            <a:r>
-              <a:rPr kumimoji="0" lang="en-US" altLang="zh-CN" dirty="0" smtClean="0">
-                <a:solidFill>
-                  <a:schemeClr val="tx1"/>
-                </a:solidFill>
-              </a:rPr>
-              <a:t>JS</a:t>
-            </a:r>
-            <a:r>
-              <a:rPr kumimoji="0" lang="zh-CN" altLang="en-US" dirty="0" smtClean="0">
-                <a:solidFill>
-                  <a:schemeClr val="tx1"/>
-                </a:solidFill>
-              </a:rPr>
-              <a:t>的使用方式及调试方式</a:t>
-            </a:r>
-            <a:endParaRPr kumimoji="0" lang="zh-CN" altLang="en-US" dirty="0" smtClean="0">
-              <a:solidFill>
-                <a:schemeClr val="tx1"/>
-              </a:solidFill>
-            </a:endParaRPr>
-          </a:p>
-          <a:p>
-            <a:endParaRPr lang="zh-CN" altLang="en-US" dirty="0"/>
-          </a:p>
-        </p:txBody>
-      </p:sp>
-      <p:sp>
-        <p:nvSpPr>
-          <p:cNvPr id="4" name="内容占位符 3"/>
-          <p:cNvSpPr>
-            <a:spLocks noGrp="1"/>
-          </p:cNvSpPr>
-          <p:nvPr>
-            <p:ph sz="quarter" idx="11"/>
-          </p:nvPr>
-        </p:nvSpPr>
-        <p:spPr/>
-        <p:txBody>
-          <a:bodyPr/>
-          <a:lstStyle/>
-          <a:p>
-            <a:r>
-              <a:rPr lang="zh-CN" altLang="en-US" dirty="0"/>
-              <a:t>总结</a:t>
-            </a:r>
-            <a:endParaRPr lang="zh-CN" altLang="en-US" dirty="0"/>
-          </a:p>
-          <a:p>
-            <a:endParaRPr lang="zh-CN" altLang="en-US" dirty="0"/>
-          </a:p>
-        </p:txBody>
-      </p:sp>
-    </p:spTree>
-  </p:cSld>
-  <p:clrMapOvr>
-    <a:masterClrMapping/>
-  </p:clrMapOvr>
-  <p:timing>
-    <p:tnLst>
-      <p:par>
-        <p:cTn id="1" dur="indefinite" restart="never" nodeType="tmRoot"/>
-      </p:par>
-    </p:tnLst>
-  </p:timing>
-</p:sld>
-</file>
-
-<file path=ppt/slides/slide22.xml><?xml version="1.0" encoding="utf-8"?>
 <p:sld xmlns:a="http://schemas.openxmlformats.org/drawingml/2006/main" xmlns:r="http://schemas.openxmlformats.org/officeDocument/2006/relationships" xmlns:p="http://schemas.openxmlformats.org/presentationml/2006/main">
   <p:cSld>
     <p:spTree>
@@ -8013,7 +7804,7 @@
 </p:sld>
 </file>
 
-<file path=ppt/slides/slide23.xml><?xml version="1.0" encoding="utf-8"?>
+<file path=ppt/slides/slide22.xml><?xml version="1.0" encoding="utf-8"?>
 <p:sld xmlns:a="http://schemas.openxmlformats.org/drawingml/2006/main" xmlns:r="http://schemas.openxmlformats.org/officeDocument/2006/relationships" xmlns:p="http://schemas.openxmlformats.org/presentationml/2006/main">
   <p:cSld>
     <p:spTree>
@@ -8056,75 +7847,19 @@
               </a:lnSpc>
             </a:pPr>
             <a:r>
-              <a:rPr kumimoji="0" lang="zh-CN" dirty="0" smtClean="0">
-                <a:solidFill>
-                  <a:srgbClr val="FF0000"/>
-                </a:solidFill>
-              </a:rPr>
-              <a:t>复习《</a:t>
-            </a:r>
-            <a:r>
-              <a:rPr lang="zh-CN" altLang="en-US" dirty="0" smtClean="0">
-                <a:solidFill>
-                  <a:srgbClr val="FF0000"/>
-                </a:solidFill>
-                <a:sym typeface="+mn-ea"/>
-              </a:rPr>
-              <a:t>深入理解</a:t>
-            </a:r>
-            <a:r>
-              <a:rPr lang="en-US" altLang="zh-CN" dirty="0" smtClean="0">
-                <a:solidFill>
-                  <a:srgbClr val="FF0000"/>
-                </a:solidFill>
-                <a:sym typeface="+mn-ea"/>
-              </a:rPr>
-              <a:t>JavaScript</a:t>
-            </a:r>
-            <a:r>
-              <a:rPr kumimoji="0" lang="zh-CN" dirty="0" smtClean="0">
-                <a:solidFill>
-                  <a:srgbClr val="FF0000"/>
-                </a:solidFill>
-              </a:rPr>
-              <a:t>》（</a:t>
-            </a:r>
-            <a:r>
-              <a:rPr kumimoji="0" lang="en-US" altLang="zh-CN" dirty="0" smtClean="0">
-                <a:solidFill>
-                  <a:srgbClr val="FF0000"/>
-                </a:solidFill>
-              </a:rPr>
-              <a:t>1</a:t>
-            </a:r>
-            <a:r>
               <a:rPr kumimoji="0" lang="zh-CN" altLang="en-US" dirty="0" smtClean="0">
                 <a:solidFill>
-                  <a:srgbClr val="FF0000"/>
-                </a:solidFill>
-              </a:rPr>
-              <a:t>章</a:t>
-            </a:r>
-            <a:r>
-              <a:rPr kumimoji="0" lang="en-US" altLang="zh-CN" dirty="0" smtClean="0">
-                <a:solidFill>
-                  <a:srgbClr val="FF0000"/>
-                </a:solidFill>
-              </a:rPr>
-              <a:t>~6</a:t>
-            </a:r>
-            <a:r>
-              <a:rPr kumimoji="0" lang="zh-CN" altLang="en-US" dirty="0" smtClean="0">
-                <a:solidFill>
-                  <a:srgbClr val="FF0000"/>
-                </a:solidFill>
-              </a:rPr>
-              <a:t>章）</a:t>
+                  <a:schemeClr val="accent3"/>
+                </a:solidFill>
+                <a:sym typeface="+mn-ea"/>
+              </a:rPr>
+              <a:t>加入雪梨同步课</a:t>
             </a:r>
             <a:endParaRPr kumimoji="0" lang="zh-CN" altLang="en-US" dirty="0" smtClean="0">
               <a:solidFill>
-                <a:srgbClr val="FF0000"/>
+                <a:schemeClr val="accent3"/>
               </a:solidFill>
+              <a:sym typeface="+mn-ea"/>
             </a:endParaRPr>
           </a:p>
           <a:p>
@@ -8134,83 +7869,49 @@
               </a:lnSpc>
             </a:pPr>
             <a:r>
+              <a:rPr lang="zh-CN" altLang="en-US" dirty="0" smtClean="0">
+                <a:solidFill>
+                  <a:srgbClr val="FF0000"/>
+                </a:solidFill>
+                <a:sym typeface="+mn-ea"/>
+              </a:rPr>
+              <a:t>回顾</a:t>
+            </a:r>
+            <a:r>
+              <a:rPr lang="en-US" dirty="0" smtClean="0">
+                <a:solidFill>
+                  <a:srgbClr val="FF0000"/>
+                </a:solidFill>
+                <a:sym typeface="+mn-ea"/>
+              </a:rPr>
+              <a:t>Web2</a:t>
+            </a:r>
+            <a:r>
+              <a:rPr kumimoji="0" lang="zh-CN" dirty="0" smtClean="0">
+                <a:solidFill>
+                  <a:srgbClr val="FF0000"/>
+                </a:solidFill>
+                <a:sym typeface="+mn-ea"/>
+              </a:rPr>
+              <a:t>所学的</a:t>
+            </a:r>
+            <a:r>
+              <a:rPr kumimoji="0" lang="en-US" altLang="zh-CN" dirty="0" smtClean="0">
+                <a:solidFill>
+                  <a:srgbClr val="FF0000"/>
+                </a:solidFill>
+                <a:sym typeface="+mn-ea"/>
+              </a:rPr>
+              <a:t>JS</a:t>
+            </a:r>
+            <a:r>
               <a:rPr kumimoji="0" lang="zh-CN" altLang="en-US" dirty="0" smtClean="0">
                 <a:solidFill>
                   <a:srgbClr val="FF0000"/>
                 </a:solidFill>
-              </a:rPr>
-              <a:t>完成</a:t>
-            </a:r>
-            <a:r>
-              <a:rPr kumimoji="0" lang="en-US" altLang="zh-CN" dirty="0" smtClean="0">
-                <a:solidFill>
-                  <a:srgbClr val="FF0000"/>
-                </a:solidFill>
-              </a:rPr>
-              <a:t>codefordream</a:t>
-            </a:r>
-            <a:r>
-              <a:rPr kumimoji="0" lang="zh-CN" altLang="en-US" dirty="0" smtClean="0">
-                <a:solidFill>
-                  <a:srgbClr val="FF0000"/>
-                </a:solidFill>
-              </a:rPr>
-              <a:t>在线学习网站（</a:t>
-            </a:r>
-            <a:r>
-              <a:rPr kumimoji="0" lang="en-US" altLang="zh-CN" dirty="0" smtClean="0">
-                <a:solidFill>
-                  <a:srgbClr val="FF0000"/>
-                </a:solidFill>
-              </a:rPr>
-              <a:t>JS</a:t>
-            </a:r>
-            <a:r>
-              <a:rPr kumimoji="0" lang="zh-CN" altLang="en-US" dirty="0" smtClean="0">
-                <a:solidFill>
-                  <a:srgbClr val="FF0000"/>
-                </a:solidFill>
-              </a:rPr>
-              <a:t>基础任务）</a:t>
-            </a:r>
-            <a:endParaRPr kumimoji="0" lang="zh-CN" altLang="en-US" sz="3200" dirty="0" smtClean="0">
-              <a:solidFill>
-                <a:srgbClr val="FF0000"/>
-              </a:solidFill>
-            </a:endParaRPr>
-          </a:p>
-          <a:p>
-            <a:pPr>
-              <a:lnSpc>
-                <a:spcPct val="140000"/>
-              </a:lnSpc>
-            </a:pPr>
-            <a:r>
-              <a:rPr kumimoji="0" lang="zh-CN" dirty="0" smtClean="0">
-                <a:solidFill>
-                  <a:srgbClr val="FF0000"/>
-                </a:solidFill>
-                <a:sym typeface="+mn-ea"/>
-              </a:rPr>
-              <a:t>预习</a:t>
-            </a:r>
-            <a:r>
-              <a:rPr kumimoji="0" lang="en-US" altLang="zh-CN" dirty="0" smtClean="0">
-                <a:solidFill>
-                  <a:srgbClr val="FF0000"/>
-                </a:solidFill>
-                <a:sym typeface="+mn-ea"/>
-              </a:rPr>
-              <a:t>JavaScript</a:t>
-            </a:r>
-            <a:r>
-              <a:rPr kumimoji="0" lang="zh-CN" altLang="en-US" dirty="0" smtClean="0">
-                <a:solidFill>
-                  <a:srgbClr val="FF0000"/>
-                </a:solidFill>
-                <a:sym typeface="+mn-ea"/>
-              </a:rPr>
-              <a:t>数据类型</a:t>
+                <a:sym typeface="+mn-ea"/>
+              </a:rPr>
+              <a:t>知识点</a:t>
             </a:r>
             <a:br>
               <a:rPr kumimoji="0" lang="en-US" altLang="zh-CN" dirty="0" smtClean="0">
@@ -8737,6 +8438,14 @@
           <a:bodyPr/>
           <a:lstStyle/>
           <a:p>
+            <a:r>
+              <a:rPr lang="en-US" altLang="zh-CN" dirty="0" smtClean="0"/>
+              <a:t>H5</a:t>
+            </a:r>
+            <a:r>
+              <a:rPr lang="zh-CN" altLang="en-US" dirty="0" smtClean="0"/>
+              <a:t>方向</a:t>
+            </a:r>
             <a:r>
               <a:rPr lang="zh-CN" altLang="en-US" dirty="0" smtClean="0"/>
               <a:t>课程体系介绍</a:t>
@@ -9452,7 +9161,7 @@
                   <a:schemeClr val="tx1"/>
                 </a:solidFill>
               </a:rPr>
-              <a:t>）当前网络上绝大部分用的是</a:t>
+              <a:t>）当前网络上大部分用的是</a:t>
             </a:r>
             <a:r>
               <a:rPr kumimoji="0" lang="en-US" altLang="zh-CN" sz="2000" dirty="0">
@@ -9565,7 +9274,7 @@
                 </a:solidFill>
                 <a:sym typeface="+mn-ea"/>
               </a:rPr>
-              <a:t>中的缺陷，会逐渐流行开来</a:t>
+              <a:t>中的缺陷，逐渐流行开来</a:t>
             </a:r>
             <a:endParaRPr kumimoji="0" lang="en-US" altLang="zh-CN" sz="2000" dirty="0">
               <a:solidFill>
@@ -9798,7 +9507,7 @@
                   <a:schemeClr val="tx1"/>
                 </a:solidFill>
               </a:rPr>
-              <a:t>预解析、</a:t>
+              <a:t>预解析、立即执行表达式（</a:t>
             </a:r>
             <a:r>
               <a:rPr lang="en-US" altLang="zh-CN" sz="2000">
@@ -9814,7 +9523,7 @@
                   <a:schemeClr val="tx1"/>
                 </a:solidFill>
               </a:rPr>
-              <a:t>、正则表达式</a:t>
+              <a:t>）、正则表达式</a:t>
             </a:r>
             <a:br>
               <a:rPr lang="zh-CN" altLang="en-US" sz="2000">
@@ -9899,7 +9608,7 @@
                 </a:solidFill>
                 <a:sym typeface="+mn-ea"/>
               </a:rPr>
-              <a:t>对象原型、原型继承</a:t>
+              <a:t>对象属性特性、对象原型、原型继承</a:t>
             </a:r>
             <a:br>
               <a:rPr lang="zh-CN" altLang="en-US" sz="2000">
@@ -9926,6 +9635,42 @@
                 <a:sym typeface="+mn-ea"/>
               </a:rPr>
               <a:t>标准内置对象（</a:t>
+            </a:r>
+            <a:r>
+              <a:rPr lang="en-US" altLang="zh-CN" sz="2000">
+                <a:solidFill>
+                  <a:schemeClr val="tx1"/>
+                </a:solidFill>
+                <a:sym typeface="+mn-ea"/>
+              </a:rPr>
+              <a:t>Array</a:t>
+            </a:r>
+            <a:r>
+              <a:rPr lang="zh-CN" altLang="en-US" sz="2000">
+                <a:solidFill>
+                  <a:schemeClr val="tx1"/>
+                </a:solidFill>
+                <a:sym typeface="+mn-ea"/>
+              </a:rPr>
+              <a:t>、</a:t>
+            </a:r>
+            <a:r>
+              <a:rPr lang="en-US" altLang="zh-CN" sz="2000">
+                <a:solidFill>
+                  <a:schemeClr val="tx1"/>
+                </a:solidFill>
+                <a:sym typeface="+mn-ea"/>
+              </a:rPr>
+              <a:t>RegExp</a:t>
+            </a:r>
+            <a:r>
+              <a:rPr lang="zh-CN" altLang="en-US" sz="2000">
+                <a:solidFill>
+                  <a:schemeClr val="tx1"/>
+                </a:solidFill>
+                <a:sym typeface="+mn-ea"/>
+              </a:rPr>
+              <a:t>、</a:t>
             </a:r>
             <a:r>
               <a:rPr lang="en-US" altLang="zh-CN" sz="2000">
@@ -10102,7 +9847,43 @@
                 </a:solidFill>
                 <a:sym typeface="+mn-ea"/>
               </a:rPr>
-              <a:t>map</a:t>
+              <a:t>Symbol</a:t>
+            </a:r>
+            <a:r>
+              <a:rPr lang="zh-CN" altLang="en-US" sz="2000">
+                <a:solidFill>
+                  <a:schemeClr val="tx1"/>
+                </a:solidFill>
+                <a:sym typeface="+mn-ea"/>
+              </a:rPr>
+              <a:t>、</a:t>
+            </a:r>
+            <a:r>
+              <a:rPr lang="en-US" altLang="zh-CN" sz="2000">
+                <a:solidFill>
+                  <a:schemeClr val="tx1"/>
+                </a:solidFill>
+                <a:sym typeface="+mn-ea"/>
+              </a:rPr>
+              <a:t>Map</a:t>
+            </a:r>
+            <a:r>
+              <a:rPr lang="zh-CN" altLang="en-US" sz="2000">
+                <a:solidFill>
+                  <a:schemeClr val="tx1"/>
+                </a:solidFill>
+                <a:sym typeface="+mn-ea"/>
+              </a:rPr>
+              <a:t>、</a:t>
+            </a:r>
+            <a:r>
+              <a:rPr lang="en-US" altLang="zh-CN" sz="2000">
+                <a:solidFill>
+                  <a:schemeClr val="tx1"/>
+                </a:solidFill>
+                <a:sym typeface="+mn-ea"/>
+              </a:rPr>
+              <a:t>Set</a:t>
             </a:r>
             <a:br>
               <a:rPr lang="zh-CN" altLang="en-US" sz="2000">
@@ -10523,6 +10304,7 @@
                 <a:schemeClr val="tx1"/>
               </a:solidFill>
               <a:sym typeface="+mn-ea"/>
+              <a:hlinkClick r:id="rId1"/>
             </a:endParaRPr>
           </a:p>
           <a:p>
@@ -10534,7 +10316,7 @@
             <a:r>
               <a:rPr lang="en-US" altLang="zh-CN" dirty="0" smtClean="0">
                 <a:solidFill>
-                  <a:schemeClr val="accent3"/>
+                  <a:schemeClr val="tx1"/>
                 </a:solidFill>
                 <a:sym typeface="+mn-ea"/>
               </a:rPr>
@@ -10543,7 +10325,7 @@
             <a:r>
               <a:rPr lang="zh-CN" altLang="en-US" dirty="0" smtClean="0">
                 <a:solidFill>
-                  <a:schemeClr val="accent3"/>
+                  <a:schemeClr val="tx1"/>
                 </a:solidFill>
                 <a:sym typeface="+mn-ea"/>
               </a:rPr>
@@ -10552,7 +10334,7 @@
             <a:r>
               <a:rPr lang="en-US" altLang="zh-CN" dirty="0" smtClean="0">
                 <a:solidFill>
-                  <a:schemeClr val="accent3"/>
+                  <a:schemeClr val="tx1"/>
                 </a:solidFill>
                 <a:sym typeface="+mn-ea"/>
               </a:rPr>
@@ -10560,7 +10342,7 @@
             </a:r>
             <a:endParaRPr lang="en-US" altLang="zh-CN" dirty="0" smtClean="0">
               <a:solidFill>
-                <a:schemeClr val="accent3"/>
+                <a:schemeClr val="tx1"/>
               </a:solidFill>
               <a:sym typeface="+mn-ea"/>
             </a:endParaRPr>
@@ -10618,7 +10400,7 @@
             <a:r>
               <a:rPr lang="zh-CN" altLang="zh-CN" dirty="0" smtClean="0">
                 <a:solidFill>
-                  <a:schemeClr val="accent3"/>
+                  <a:schemeClr val="tx1"/>
                 </a:solidFill>
                 <a:sym typeface="+mn-ea"/>
               </a:rPr>
@@ -10627,7 +10409,7 @@
             <a:r>
               <a:rPr lang="zh-CN" altLang="en-US" dirty="0" smtClean="0">
                 <a:solidFill>
-                  <a:schemeClr val="accent3"/>
+                  <a:schemeClr val="tx1"/>
                 </a:solidFill>
                 <a:sym typeface="+mn-ea"/>
               </a:rPr>
@@ -10636,7 +10418,7 @@
             <a:r>
               <a:rPr lang="en-US" altLang="zh-CN" dirty="0">
                 <a:solidFill>
-                  <a:schemeClr val="accent3"/>
+                  <a:schemeClr val="tx1"/>
                 </a:solidFill>
                 <a:sym typeface="+mn-ea"/>
               </a:rPr>
@@ -10645,7 +10427,7 @@
             <a:r>
               <a:rPr lang="zh-CN" altLang="en-US" dirty="0" smtClean="0">
                 <a:solidFill>
-                  <a:schemeClr val="accent3"/>
+                  <a:schemeClr val="tx1"/>
                 </a:solidFill>
                 <a:sym typeface="+mn-ea"/>
               </a:rPr>
@@ -10653,7 +10435,7 @@
             </a:r>
             <a:endParaRPr lang="zh-CN" altLang="en-US" dirty="0" smtClean="0">
               <a:solidFill>
-                <a:schemeClr val="accent3"/>
+                <a:schemeClr val="tx1"/>
               </a:solidFill>
               <a:sym typeface="+mn-ea"/>
             </a:endParaRPr>
@@ -10670,20 +10452,12 @@
                   <a:schemeClr val="tx1"/>
                 </a:solidFill>
               </a:rPr>
-              <a:t> </a:t>
-            </a:r>
-            <a:r>
-              <a:rPr lang="en-US" altLang="zh-CN" dirty="0">
-                <a:solidFill>
-                  <a:srgbClr val="FF0000"/>
-                </a:solidFill>
-              </a:rPr>
-              <a:t> Chrome</a:t>
+              <a:t>  Chrome</a:t>
             </a:r>
             <a:r>
               <a:rPr lang="zh-CN" altLang="en-US" dirty="0">
                 <a:solidFill>
-                  <a:srgbClr val="FF0000"/>
+                  <a:schemeClr val="tx1"/>
                 </a:solidFill>
               </a:rPr>
               <a:t>、</a:t>

--- a/课程PPT/01.JavaScript发展历程及语言特点.pptx
+++ b/课程PPT/01.JavaScript发展历程及语言特点.pptx
@@ -19,14 +19,14 @@
     <p:sldId id="1033" r:id="rId12"/>
     <p:sldId id="1034" r:id="rId13"/>
     <p:sldId id="905" r:id="rId14"/>
-    <p:sldId id="1004" r:id="rId15"/>
-    <p:sldId id="858" r:id="rId16"/>
-    <p:sldId id="850" r:id="rId17"/>
-    <p:sldId id="976" r:id="rId18"/>
-    <p:sldId id="851" r:id="rId19"/>
-    <p:sldId id="909" r:id="rId20"/>
-    <p:sldId id="852" r:id="rId21"/>
-    <p:sldId id="913" r:id="rId22"/>
+    <p:sldId id="858" r:id="rId15"/>
+    <p:sldId id="850" r:id="rId16"/>
+    <p:sldId id="976" r:id="rId17"/>
+    <p:sldId id="851" r:id="rId18"/>
+    <p:sldId id="909" r:id="rId19"/>
+    <p:sldId id="852" r:id="rId20"/>
+    <p:sldId id="913" r:id="rId21"/>
+    <p:sldId id="1004" r:id="rId22"/>
     <p:sldId id="994" r:id="rId23"/>
     <p:sldId id="794" r:id="rId24"/>
     <p:sldId id="995" r:id="rId25"/>
@@ -1044,64 +1044,48 @@
         <p:cNvGrpSpPr/>
         <p:nvPr/>
       </p:nvGrpSpPr>
-      <p:grpSpPr>
-        <a:xfrm>
-          <a:off x="0" y="0"/>
-          <a:ext cx="0" cy="0"/>
-          <a:chOff x="0" y="0"/>
-          <a:chExt cx="0" cy="0"/>
-        </a:xfrm>
-      </p:grpSpPr>
+      <p:grpSpPr/>
       <p:sp>
         <p:nvSpPr>
           <p:cNvPr id="2" name="幻灯片图像占位符 1"/>
-          <p:cNvSpPr>
-            <a:spLocks noGrp="1" noRot="1" noChangeAspect="1"/>
-          </p:cNvSpPr>
+          <p:cNvSpPr/>
           <p:nvPr>
-            <p:ph type="sldImg"/>
+            <p:ph type="sldImg" idx="2"/>
           </p:nvPr>
         </p:nvSpPr>
         <p:spPr/>
       </p:sp>
       <p:sp>
         <p:nvSpPr>
-          <p:cNvPr id="3" name="备注占位符 2"/>
-          <p:cNvSpPr>
-            <a:spLocks noGrp="1"/>
-          </p:cNvSpPr>
+          <p:cNvPr id="3" name="文本占位符 2"/>
+          <p:cNvSpPr/>
           <p:nvPr>
-            <p:ph type="body" idx="1"/>
+            <p:ph type="body" idx="3"/>
           </p:nvPr>
         </p:nvSpPr>
         <p:spPr/>
         <p:txBody>
           <a:bodyPr/>
-          <a:lstStyle/>
-          <a:p>
-            <a:endParaRPr lang="zh-CN" altLang="en-US" dirty="0"/>
-          </a:p>
-        </p:txBody>
-      </p:sp>
-      <p:sp>
-        <p:nvSpPr>
-          <p:cNvPr id="4" name="灯片编号占位符 3"/>
-          <p:cNvSpPr>
-            <a:spLocks noGrp="1"/>
-          </p:cNvSpPr>
-          <p:nvPr>
-            <p:ph type="sldNum" sz="quarter" idx="10"/>
-          </p:nvPr>
-        </p:nvSpPr>
-        <p:spPr/>
-        <p:txBody>
-          <a:bodyPr/>
-          <a:lstStyle/>
-          <a:p>
-            <a:fld id="{213957D2-47E7-42AA-84AB-2E7BBFAF7754}" type="slidenum">
-              <a:rPr lang="en-US" altLang="zh-CN" smtClean="0"/>
-            </a:fld>
-            <a:endParaRPr lang="zh-CN" altLang="zh-CN"/>
+          <a:p>
+            <a:r>
+              <a:rPr lang="zh-CN" altLang="en-US"/>
+              <a:t>在1995年时，由Netscape公司的Brendan Eich，在网景导航者浏览器上首次设计实现而成。因为Netscape与Sun合作，Netscape管理层希望它外观看起来像Java，因此取名为JavaScript。但实际上它的语法风格与Self及Scheme较为接近。</a:t>
+            </a:r>
+            <a:endParaRPr lang="zh-CN" altLang="en-US"/>
+          </a:p>
+          <a:p>
+            <a:r>
+              <a:rPr lang="zh-CN" altLang="en-US"/>
+              <a:t>为了取得技术优势，微软推出了JScript，CEnvi推出ScriptEase，与JavaScript同样可在浏览器上运行。为了统一规格，因为JavaScript兼容于ECMA标准，因此也称为ECMAScript。</a:t>
+            </a:r>
+            <a:endParaRPr lang="zh-CN" altLang="en-US"/>
+          </a:p>
+          <a:p>
+            <a:r>
+              <a:rPr lang="zh-CN" altLang="en-US"/>
+              <a:t>发展初期，JavaScript的标准并未确定，同期有Netscape的JavaScript，微软的JScript和CEnvi的ScriptEase三足鼎立。1997年，在ECMA（欧洲计算机制造商协会）的协调下，由Netscape、Sun、微软、Borland组成的工作组确定统一标准：ECMA-262。</a:t>
+            </a:r>
+            <a:endParaRPr lang="zh-CN" altLang="en-US"/>
           </a:p>
         </p:txBody>
       </p:sp>
@@ -1147,21 +1131,7 @@
           <a:p>
             <a:r>
               <a:rPr lang="zh-CN" altLang="en-US"/>
-              <a:t>在1995年时，由Netscape公司的Brendan Eich，在网景导航者浏览器上首次设计实现而成。因为Netscape与Sun合作，Netscape管理层希望它外观看起来像Java，因此取名为JavaScript。但实际上它的语法风格与Self及Scheme较为接近。</a:t>
-            </a:r>
-            <a:endParaRPr lang="zh-CN" altLang="en-US"/>
-          </a:p>
-          <a:p>
-            <a:r>
-              <a:rPr lang="zh-CN" altLang="en-US"/>
-              <a:t>为了取得技术优势，微软推出了JScript，CEnvi推出ScriptEase，与JavaScript同样可在浏览器上运行。为了统一规格，因为JavaScript兼容于ECMA标准，因此也称为ECMAScript。</a:t>
-            </a:r>
-            <a:endParaRPr lang="zh-CN" altLang="en-US"/>
-          </a:p>
-          <a:p>
-            <a:r>
-              <a:rPr lang="zh-CN" altLang="en-US"/>
-              <a:t>发展初期，JavaScript的标准并未确定，同期有Netscape的JavaScript，微软的JScript和CEnvi的ScriptEase三足鼎立。1997年，在ECMA（欧洲计算机制造商协会）的协调下，由Netscape、Sun、微软、Borland组成的工作组确定统一标准：ECMA-262。</a:t>
+              <a:t> “编译”和“解释”的确都有“翻译”的意思，它们的区别则在于翻译的时机安排不大一样。打个比方：假如你打算阅读一本外文书，而你不知道 这门外语，那么你可以找一名翻译，给他足够的时间让他从头到尾把整本书翻译好，然后把书的母语版交给你阅读；或者，你也立刻让这名翻译辅助你阅读，让他一 句一句给你翻译，如果你想往回看某个章节，他也得重新给你翻译。</a:t>
             </a:r>
             <a:endParaRPr lang="zh-CN" altLang="en-US"/>
           </a:p>
@@ -1209,7 +1179,15 @@
           <a:p>
             <a:r>
               <a:rPr lang="zh-CN" altLang="en-US"/>
-              <a:t> “编译”和“解释”的确都有“翻译”的意思，它们的区别则在于翻译的时机安排不大一样。打个比方：假如你打算阅读一本外文书，而你不知道 这门外语，那么你可以找一名翻译，给他足够的时间让他从头到尾把整本书翻译好，然后把书的母语版交给你阅读；或者，你也立刻让这名翻译辅助你阅读，让他一 句一句给你翻译，如果你想往回看某个章节，他也得重新给你翻译。</a:t>
+              <a:t>模块化设计，</a:t>
+            </a:r>
+            <a:r>
+              <a:rPr lang="en-US" altLang="zh-CN"/>
+              <a:t>script</a:t>
+            </a:r>
+            <a:r>
+              <a:rPr lang="zh-CN" altLang="en-US"/>
+              <a:t>标签</a:t>
             </a:r>
             <a:endParaRPr lang="zh-CN" altLang="en-US"/>
           </a:p>
@@ -1232,42 +1210,64 @@
         <p:cNvGrpSpPr/>
         <p:nvPr/>
       </p:nvGrpSpPr>
-      <p:grpSpPr/>
+      <p:grpSpPr>
+        <a:xfrm>
+          <a:off x="0" y="0"/>
+          <a:ext cx="0" cy="0"/>
+          <a:chOff x="0" y="0"/>
+          <a:chExt cx="0" cy="0"/>
+        </a:xfrm>
+      </p:grpSpPr>
       <p:sp>
         <p:nvSpPr>
           <p:cNvPr id="2" name="幻灯片图像占位符 1"/>
-          <p:cNvSpPr/>
+          <p:cNvSpPr>
+            <a:spLocks noGrp="1" noRot="1" noChangeAspect="1"/>
+          </p:cNvSpPr>
           <p:nvPr>
-            <p:ph type="sldImg" idx="2"/>
+            <p:ph type="sldImg"/>
           </p:nvPr>
         </p:nvSpPr>
         <p:spPr/>
       </p:sp>
       <p:sp>
         <p:nvSpPr>
-          <p:cNvPr id="3" name="文本占位符 2"/>
-          <p:cNvSpPr/>
+          <p:cNvPr id="3" name="备注占位符 2"/>
+          <p:cNvSpPr>
+            <a:spLocks noGrp="1"/>
+          </p:cNvSpPr>
           <p:nvPr>
-            <p:ph type="body" idx="3"/>
+            <p:ph type="body" idx="1"/>
           </p:nvPr>
         </p:nvSpPr>
         <p:spPr/>
         <p:txBody>
           <a:bodyPr/>
-          <a:p>
-            <a:r>
-              <a:rPr lang="zh-CN" altLang="en-US"/>
-              <a:t>模块化设计，</a:t>
-            </a:r>
-            <a:r>
-              <a:rPr lang="en-US" altLang="zh-CN"/>
-              <a:t>script</a:t>
-            </a:r>
-            <a:r>
-              <a:rPr lang="zh-CN" altLang="en-US"/>
-              <a:t>标签</a:t>
-            </a:r>
-            <a:endParaRPr lang="zh-CN" altLang="en-US"/>
+          <a:lstStyle/>
+          <a:p>
+            <a:endParaRPr lang="zh-CN" altLang="en-US" dirty="0"/>
+          </a:p>
+        </p:txBody>
+      </p:sp>
+      <p:sp>
+        <p:nvSpPr>
+          <p:cNvPr id="4" name="灯片编号占位符 3"/>
+          <p:cNvSpPr>
+            <a:spLocks noGrp="1"/>
+          </p:cNvSpPr>
+          <p:nvPr>
+            <p:ph type="sldNum" sz="quarter" idx="10"/>
+          </p:nvPr>
+        </p:nvSpPr>
+        <p:spPr/>
+        <p:txBody>
+          <a:bodyPr/>
+          <a:lstStyle/>
+          <a:p>
+            <a:fld id="{213957D2-47E7-42AA-84AB-2E7BBFAF7754}" type="slidenum">
+              <a:rPr lang="en-US" altLang="zh-CN" smtClean="0"/>
+            </a:fld>
+            <a:endParaRPr lang="zh-CN" altLang="zh-CN"/>
           </a:p>
         </p:txBody>
       </p:sp>
@@ -3323,647 +3323,6 @@
           <a:chExt cx="0" cy="0"/>
         </a:xfrm>
       </p:grpSpPr>
-      <p:sp>
-        <p:nvSpPr>
-          <p:cNvPr id="3" name="内容占位符 2"/>
-          <p:cNvSpPr>
-            <a:spLocks noGrp="1"/>
-          </p:cNvSpPr>
-          <p:nvPr>
-            <p:ph sz="quarter" idx="10"/>
-          </p:nvPr>
-        </p:nvSpPr>
-        <p:spPr>
-          <a:xfrm>
-            <a:off x="1143000" y="980440"/>
-            <a:ext cx="10067290" cy="4907915"/>
-          </a:xfrm>
-        </p:spPr>
-        <p:txBody>
-          <a:bodyPr/>
-          <a:lstStyle/>
-          <a:p>
-            <a:pPr>
-              <a:lnSpc>
-                <a:spcPct val="140000"/>
-              </a:lnSpc>
-            </a:pPr>
-            <a:r>
-              <a:rPr kumimoji="0" lang="zh-CN" altLang="en-US" dirty="0" smtClean="0">
-                <a:solidFill>
-                  <a:schemeClr val="tx1"/>
-                </a:solidFill>
-              </a:rPr>
-              <a:t>背景、语法</a:t>
-            </a:r>
-            <a:endParaRPr kumimoji="0" lang="zh-CN" altLang="en-US" dirty="0" smtClean="0">
-              <a:solidFill>
-                <a:schemeClr val="tx1"/>
-              </a:solidFill>
-            </a:endParaRPr>
-          </a:p>
-          <a:p>
-            <a:pPr>
-              <a:lnSpc>
-                <a:spcPct val="140000"/>
-              </a:lnSpc>
-            </a:pPr>
-            <a:r>
-              <a:rPr kumimoji="0" lang="zh-CN" altLang="en-US" dirty="0" smtClean="0">
-                <a:solidFill>
-                  <a:schemeClr val="tx1"/>
-                </a:solidFill>
-              </a:rPr>
-              <a:t>变量和赋值</a:t>
-            </a:r>
-            <a:endParaRPr kumimoji="0" lang="zh-CN" altLang="en-US" dirty="0" smtClean="0">
-              <a:solidFill>
-                <a:schemeClr val="tx1"/>
-              </a:solidFill>
-            </a:endParaRPr>
-          </a:p>
-          <a:p>
-            <a:pPr>
-              <a:lnSpc>
-                <a:spcPct val="140000"/>
-              </a:lnSpc>
-            </a:pPr>
-            <a:r>
-              <a:rPr kumimoji="0" lang="zh-CN" altLang="en-US" dirty="0" smtClean="0">
-                <a:solidFill>
-                  <a:schemeClr val="tx1"/>
-                </a:solidFill>
-              </a:rPr>
-              <a:t>值、布尔值、数字、运算符、字符串、语句</a:t>
-            </a:r>
-            <a:endParaRPr kumimoji="0" lang="zh-CN" altLang="en-US" dirty="0" smtClean="0">
-              <a:solidFill>
-                <a:schemeClr val="tx1"/>
-              </a:solidFill>
-            </a:endParaRPr>
-          </a:p>
-          <a:p>
-            <a:pPr>
-              <a:lnSpc>
-                <a:spcPct val="140000"/>
-              </a:lnSpc>
-            </a:pPr>
-            <a:r>
-              <a:rPr kumimoji="0" lang="zh-CN" altLang="en-US" dirty="0" smtClean="0">
-                <a:solidFill>
-                  <a:schemeClr val="tx1"/>
-                </a:solidFill>
-              </a:rPr>
-              <a:t>函数、异常捕获、严格模式</a:t>
-            </a:r>
-            <a:endParaRPr kumimoji="0" lang="zh-CN" altLang="en-US" dirty="0" smtClean="0">
-              <a:solidFill>
-                <a:schemeClr val="tx1"/>
-              </a:solidFill>
-            </a:endParaRPr>
-          </a:p>
-          <a:p>
-            <a:pPr>
-              <a:lnSpc>
-                <a:spcPct val="140000"/>
-              </a:lnSpc>
-            </a:pPr>
-            <a:r>
-              <a:rPr kumimoji="0" lang="zh-CN" altLang="en-US" dirty="0" smtClean="0">
-                <a:solidFill>
-                  <a:schemeClr val="tx1"/>
-                </a:solidFill>
-              </a:rPr>
-              <a:t>作用域和闭包</a:t>
-            </a:r>
-            <a:endParaRPr kumimoji="0" lang="zh-CN" altLang="en-US" dirty="0" smtClean="0">
-              <a:solidFill>
-                <a:schemeClr val="tx1"/>
-              </a:solidFill>
-            </a:endParaRPr>
-          </a:p>
-          <a:p>
-            <a:pPr>
-              <a:lnSpc>
-                <a:spcPct val="140000"/>
-              </a:lnSpc>
-            </a:pPr>
-            <a:r>
-              <a:rPr kumimoji="0" lang="zh-CN" altLang="en-US" dirty="0" smtClean="0">
-                <a:solidFill>
-                  <a:schemeClr val="tx1"/>
-                </a:solidFill>
-              </a:rPr>
-              <a:t>对象、构造函数</a:t>
-            </a:r>
-            <a:endParaRPr kumimoji="0" lang="zh-CN" altLang="en-US" dirty="0" smtClean="0">
-              <a:solidFill>
-                <a:schemeClr val="tx1"/>
-              </a:solidFill>
-            </a:endParaRPr>
-          </a:p>
-          <a:p>
-            <a:pPr>
-              <a:lnSpc>
-                <a:spcPct val="140000"/>
-              </a:lnSpc>
-            </a:pPr>
-            <a:r>
-              <a:rPr kumimoji="0" lang="zh-CN" altLang="en-US" dirty="0" smtClean="0">
-                <a:solidFill>
-                  <a:schemeClr val="tx1"/>
-                </a:solidFill>
-              </a:rPr>
-              <a:t>数组、正则表达式、</a:t>
-            </a:r>
-            <a:r>
-              <a:rPr kumimoji="0" lang="en-US" altLang="zh-CN" dirty="0" smtClean="0">
-                <a:solidFill>
-                  <a:schemeClr val="tx1"/>
-                </a:solidFill>
-              </a:rPr>
-              <a:t>Math</a:t>
-            </a:r>
-            <a:endParaRPr kumimoji="0" lang="en-US" altLang="zh-CN" dirty="0" smtClean="0">
-              <a:solidFill>
-                <a:schemeClr val="tx1"/>
-              </a:solidFill>
-            </a:endParaRPr>
-          </a:p>
-          <a:p>
-            <a:endParaRPr lang="zh-CN" altLang="en-US" dirty="0"/>
-          </a:p>
-        </p:txBody>
-      </p:sp>
-      <p:sp>
-        <p:nvSpPr>
-          <p:cNvPr id="4" name="内容占位符 3"/>
-          <p:cNvSpPr>
-            <a:spLocks noGrp="1"/>
-          </p:cNvSpPr>
-          <p:nvPr>
-            <p:ph sz="quarter" idx="11"/>
-          </p:nvPr>
-        </p:nvSpPr>
-        <p:spPr>
-          <a:xfrm>
-            <a:off x="981710" y="236855"/>
-            <a:ext cx="10228580" cy="490220"/>
-          </a:xfrm>
-        </p:spPr>
-        <p:txBody>
-          <a:bodyPr/>
-          <a:lstStyle/>
-          <a:p>
-            <a:r>
-              <a:rPr lang="zh-CN" altLang="en-US" dirty="0"/>
-              <a:t>基础</a:t>
-            </a:r>
-            <a:r>
-              <a:rPr lang="en-US" altLang="zh-CN" dirty="0"/>
-              <a:t>JavaScript</a:t>
-            </a:r>
-            <a:r>
-              <a:rPr lang="zh-CN" altLang="en-US" dirty="0"/>
-              <a:t>回顾（参见《</a:t>
-            </a:r>
-            <a:r>
-              <a:rPr lang="zh-CN" altLang="en-US" dirty="0">
-                <a:sym typeface="+mn-ea"/>
-              </a:rPr>
-              <a:t>深入理解</a:t>
-            </a:r>
-            <a:r>
-              <a:rPr lang="en-US" altLang="zh-CN" dirty="0">
-                <a:sym typeface="+mn-ea"/>
-              </a:rPr>
-              <a:t>JS</a:t>
-            </a:r>
-            <a:r>
-              <a:rPr lang="zh-CN" altLang="en-US" dirty="0">
-                <a:sym typeface="+mn-ea"/>
-              </a:rPr>
-              <a:t>》第</a:t>
-            </a:r>
-            <a:r>
-              <a:rPr lang="en-US" altLang="zh-CN" dirty="0">
-                <a:sym typeface="+mn-ea"/>
-              </a:rPr>
-              <a:t>1</a:t>
-            </a:r>
-            <a:r>
-              <a:rPr lang="zh-CN" altLang="en-US" dirty="0">
-                <a:sym typeface="+mn-ea"/>
-              </a:rPr>
-              <a:t>章</a:t>
-            </a:r>
-            <a:r>
-              <a:rPr lang="zh-CN" altLang="en-US" dirty="0"/>
-              <a:t>）</a:t>
-            </a:r>
-            <a:endParaRPr lang="zh-CN" altLang="en-US" dirty="0"/>
-          </a:p>
-          <a:p>
-            <a:endParaRPr lang="zh-CN" altLang="en-US" dirty="0"/>
-          </a:p>
-        </p:txBody>
-      </p:sp>
-      <p:sp>
-        <p:nvSpPr>
-          <p:cNvPr id="8" name="文本框 7"/>
-          <p:cNvSpPr txBox="1"/>
-          <p:nvPr/>
-        </p:nvSpPr>
-        <p:spPr>
-          <a:xfrm>
-            <a:off x="3554095" y="1181735"/>
-            <a:ext cx="2661285" cy="429895"/>
-          </a:xfrm>
-          <a:prstGeom prst="rect">
-            <a:avLst/>
-          </a:prstGeom>
-          <a:noFill/>
-        </p:spPr>
-        <p:txBody>
-          <a:bodyPr wrap="square" rtlCol="0">
-            <a:spAutoFit/>
-          </a:bodyPr>
-          <a:p>
-            <a:pPr algn="l"/>
-            <a:r>
-              <a:rPr lang="zh-CN" altLang="en-US" sz="2200">
-                <a:solidFill>
-                  <a:srgbClr val="FF0000"/>
-                </a:solidFill>
-                <a:latin typeface="+mn-ea"/>
-                <a:ea typeface="+mn-ea"/>
-              </a:rPr>
-              <a:t>参见实例</a:t>
-            </a:r>
-            <a:r>
-              <a:rPr lang="en-US" altLang="zh-CN" sz="2200">
-                <a:solidFill>
-                  <a:srgbClr val="FF0000"/>
-                </a:solidFill>
-                <a:latin typeface="+mn-ea"/>
-                <a:ea typeface="+mn-ea"/>
-              </a:rPr>
-              <a:t>demo02</a:t>
-            </a:r>
-            <a:endParaRPr lang="en-US" altLang="zh-CN" sz="2200">
-              <a:solidFill>
-                <a:srgbClr val="FF0000"/>
-              </a:solidFill>
-              <a:latin typeface="+mn-ea"/>
-              <a:ea typeface="+mn-ea"/>
-            </a:endParaRPr>
-          </a:p>
-        </p:txBody>
-      </p:sp>
-      <p:sp>
-        <p:nvSpPr>
-          <p:cNvPr id="2" name="文本框 1"/>
-          <p:cNvSpPr txBox="1"/>
-          <p:nvPr/>
-        </p:nvSpPr>
-        <p:spPr>
-          <a:xfrm>
-            <a:off x="3681095" y="1811020"/>
-            <a:ext cx="2661285" cy="429895"/>
-          </a:xfrm>
-          <a:prstGeom prst="rect">
-            <a:avLst/>
-          </a:prstGeom>
-          <a:noFill/>
-        </p:spPr>
-        <p:txBody>
-          <a:bodyPr wrap="square" rtlCol="0">
-            <a:spAutoFit/>
-          </a:bodyPr>
-          <a:p>
-            <a:pPr algn="l"/>
-            <a:r>
-              <a:rPr lang="zh-CN" altLang="en-US" sz="2200">
-                <a:solidFill>
-                  <a:srgbClr val="FF0000"/>
-                </a:solidFill>
-                <a:latin typeface="+mn-ea"/>
-                <a:ea typeface="+mn-ea"/>
-              </a:rPr>
-              <a:t>参见实例</a:t>
-            </a:r>
-            <a:r>
-              <a:rPr lang="en-US" altLang="zh-CN" sz="2200">
-                <a:solidFill>
-                  <a:srgbClr val="FF0000"/>
-                </a:solidFill>
-                <a:latin typeface="+mn-ea"/>
-                <a:ea typeface="+mn-ea"/>
-              </a:rPr>
-              <a:t>demo03</a:t>
-            </a:r>
-            <a:endParaRPr lang="en-US" altLang="zh-CN" sz="2200">
-              <a:solidFill>
-                <a:srgbClr val="FF0000"/>
-              </a:solidFill>
-              <a:latin typeface="+mn-ea"/>
-              <a:ea typeface="+mn-ea"/>
-            </a:endParaRPr>
-          </a:p>
-        </p:txBody>
-      </p:sp>
-      <p:sp>
-        <p:nvSpPr>
-          <p:cNvPr id="5" name="文本框 4"/>
-          <p:cNvSpPr txBox="1"/>
-          <p:nvPr/>
-        </p:nvSpPr>
-        <p:spPr>
-          <a:xfrm>
-            <a:off x="8328660" y="2512060"/>
-            <a:ext cx="3072765" cy="429895"/>
-          </a:xfrm>
-          <a:prstGeom prst="rect">
-            <a:avLst/>
-          </a:prstGeom>
-          <a:noFill/>
-        </p:spPr>
-        <p:txBody>
-          <a:bodyPr wrap="square" rtlCol="0">
-            <a:spAutoFit/>
-          </a:bodyPr>
-          <a:p>
-            <a:pPr algn="l"/>
-            <a:r>
-              <a:rPr lang="zh-CN" altLang="en-US" sz="2200">
-                <a:solidFill>
-                  <a:srgbClr val="FF0000"/>
-                </a:solidFill>
-                <a:latin typeface="+mn-ea"/>
-                <a:ea typeface="+mn-ea"/>
-              </a:rPr>
-              <a:t>参见实例</a:t>
-            </a:r>
-            <a:r>
-              <a:rPr lang="en-US" altLang="zh-CN" sz="2200">
-                <a:solidFill>
-                  <a:srgbClr val="FF0000"/>
-                </a:solidFill>
-                <a:latin typeface="+mn-ea"/>
-                <a:ea typeface="+mn-ea"/>
-              </a:rPr>
-              <a:t>demo04-09</a:t>
-            </a:r>
-            <a:endParaRPr lang="en-US" altLang="zh-CN" sz="2200">
-              <a:solidFill>
-                <a:srgbClr val="FF0000"/>
-              </a:solidFill>
-              <a:latin typeface="+mn-ea"/>
-              <a:ea typeface="+mn-ea"/>
-            </a:endParaRPr>
-          </a:p>
-        </p:txBody>
-      </p:sp>
-      <p:sp>
-        <p:nvSpPr>
-          <p:cNvPr id="6" name="文本框 5"/>
-          <p:cNvSpPr txBox="1"/>
-          <p:nvPr/>
-        </p:nvSpPr>
-        <p:spPr>
-          <a:xfrm>
-            <a:off x="5944235" y="3213100"/>
-            <a:ext cx="2935605" cy="429895"/>
-          </a:xfrm>
-          <a:prstGeom prst="rect">
-            <a:avLst/>
-          </a:prstGeom>
-          <a:noFill/>
-        </p:spPr>
-        <p:txBody>
-          <a:bodyPr wrap="square" rtlCol="0">
-            <a:spAutoFit/>
-          </a:bodyPr>
-          <a:p>
-            <a:pPr algn="l"/>
-            <a:r>
-              <a:rPr lang="zh-CN" altLang="en-US" sz="2200">
-                <a:solidFill>
-                  <a:srgbClr val="FF0000"/>
-                </a:solidFill>
-                <a:latin typeface="+mn-ea"/>
-                <a:ea typeface="+mn-ea"/>
-              </a:rPr>
-              <a:t>参见实例</a:t>
-            </a:r>
-            <a:r>
-              <a:rPr lang="en-US" altLang="zh-CN" sz="2200">
-                <a:solidFill>
-                  <a:srgbClr val="FF0000"/>
-                </a:solidFill>
-                <a:latin typeface="+mn-ea"/>
-                <a:ea typeface="+mn-ea"/>
-              </a:rPr>
-              <a:t>demo10</a:t>
-            </a:r>
-            <a:endParaRPr lang="en-US" altLang="zh-CN" sz="2200">
-              <a:solidFill>
-                <a:srgbClr val="FF0000"/>
-              </a:solidFill>
-              <a:latin typeface="+mn-ea"/>
-              <a:ea typeface="+mn-ea"/>
-            </a:endParaRPr>
-          </a:p>
-        </p:txBody>
-      </p:sp>
-      <p:sp>
-        <p:nvSpPr>
-          <p:cNvPr id="7" name="文本框 6"/>
-          <p:cNvSpPr txBox="1"/>
-          <p:nvPr/>
-        </p:nvSpPr>
-        <p:spPr>
-          <a:xfrm>
-            <a:off x="3846830" y="3914140"/>
-            <a:ext cx="2935605" cy="429895"/>
-          </a:xfrm>
-          <a:prstGeom prst="rect">
-            <a:avLst/>
-          </a:prstGeom>
-          <a:noFill/>
-        </p:spPr>
-        <p:txBody>
-          <a:bodyPr wrap="square" rtlCol="0">
-            <a:spAutoFit/>
-          </a:bodyPr>
-          <a:p>
-            <a:pPr algn="l"/>
-            <a:r>
-              <a:rPr lang="zh-CN" altLang="en-US" sz="2200">
-                <a:solidFill>
-                  <a:srgbClr val="FF0000"/>
-                </a:solidFill>
-                <a:latin typeface="+mn-ea"/>
-                <a:ea typeface="+mn-ea"/>
-              </a:rPr>
-              <a:t>参见实例</a:t>
-            </a:r>
-            <a:r>
-              <a:rPr lang="en-US" altLang="zh-CN" sz="2200">
-                <a:solidFill>
-                  <a:srgbClr val="FF0000"/>
-                </a:solidFill>
-                <a:latin typeface="+mn-ea"/>
-                <a:ea typeface="+mn-ea"/>
-              </a:rPr>
-              <a:t>demo11</a:t>
-            </a:r>
-            <a:endParaRPr lang="en-US" altLang="zh-CN" sz="2200">
-              <a:solidFill>
-                <a:srgbClr val="FF0000"/>
-              </a:solidFill>
-              <a:latin typeface="+mn-ea"/>
-              <a:ea typeface="+mn-ea"/>
-            </a:endParaRPr>
-          </a:p>
-        </p:txBody>
-      </p:sp>
-      <p:sp>
-        <p:nvSpPr>
-          <p:cNvPr id="9" name="文本框 8"/>
-          <p:cNvSpPr txBox="1"/>
-          <p:nvPr/>
-        </p:nvSpPr>
-        <p:spPr>
-          <a:xfrm>
-            <a:off x="3973830" y="4615180"/>
-            <a:ext cx="2935605" cy="429895"/>
-          </a:xfrm>
-          <a:prstGeom prst="rect">
-            <a:avLst/>
-          </a:prstGeom>
-          <a:noFill/>
-        </p:spPr>
-        <p:txBody>
-          <a:bodyPr wrap="square" rtlCol="0">
-            <a:spAutoFit/>
-          </a:bodyPr>
-          <a:p>
-            <a:pPr algn="l"/>
-            <a:r>
-              <a:rPr lang="zh-CN" altLang="en-US" sz="2200">
-                <a:solidFill>
-                  <a:srgbClr val="FF0000"/>
-                </a:solidFill>
-                <a:latin typeface="+mn-ea"/>
-                <a:ea typeface="+mn-ea"/>
-              </a:rPr>
-              <a:t>参见实例</a:t>
-            </a:r>
-            <a:r>
-              <a:rPr lang="en-US" altLang="zh-CN" sz="2200">
-                <a:solidFill>
-                  <a:srgbClr val="FF0000"/>
-                </a:solidFill>
-                <a:latin typeface="+mn-ea"/>
-                <a:ea typeface="+mn-ea"/>
-              </a:rPr>
-              <a:t>demo12</a:t>
-            </a:r>
-            <a:endParaRPr lang="en-US" altLang="zh-CN" sz="2200">
-              <a:solidFill>
-                <a:srgbClr val="FF0000"/>
-              </a:solidFill>
-              <a:latin typeface="+mn-ea"/>
-              <a:ea typeface="+mn-ea"/>
-            </a:endParaRPr>
-          </a:p>
-        </p:txBody>
-      </p:sp>
-      <p:sp>
-        <p:nvSpPr>
-          <p:cNvPr id="10" name="文本框 9"/>
-          <p:cNvSpPr txBox="1"/>
-          <p:nvPr/>
-        </p:nvSpPr>
-        <p:spPr>
-          <a:xfrm>
-            <a:off x="5679440" y="5316220"/>
-            <a:ext cx="2935605" cy="429895"/>
-          </a:xfrm>
-          <a:prstGeom prst="rect">
-            <a:avLst/>
-          </a:prstGeom>
-          <a:noFill/>
-        </p:spPr>
-        <p:txBody>
-          <a:bodyPr wrap="square" rtlCol="0">
-            <a:spAutoFit/>
-          </a:bodyPr>
-          <a:p>
-            <a:pPr algn="l"/>
-            <a:r>
-              <a:rPr lang="zh-CN" altLang="en-US" sz="2200">
-                <a:solidFill>
-                  <a:srgbClr val="FF0000"/>
-                </a:solidFill>
-                <a:latin typeface="+mn-ea"/>
-                <a:ea typeface="+mn-ea"/>
-              </a:rPr>
-              <a:t>参见实例</a:t>
-            </a:r>
-            <a:r>
-              <a:rPr lang="en-US" altLang="zh-CN" sz="2200">
-                <a:solidFill>
-                  <a:srgbClr val="FF0000"/>
-                </a:solidFill>
-                <a:latin typeface="+mn-ea"/>
-                <a:ea typeface="+mn-ea"/>
-              </a:rPr>
-              <a:t>demo13</a:t>
-            </a:r>
-            <a:endParaRPr lang="en-US" altLang="zh-CN" sz="2200">
-              <a:solidFill>
-                <a:srgbClr val="FF0000"/>
-              </a:solidFill>
-              <a:latin typeface="+mn-ea"/>
-              <a:ea typeface="+mn-ea"/>
-            </a:endParaRPr>
-          </a:p>
-        </p:txBody>
-      </p:sp>
-    </p:spTree>
-  </p:cSld>
-  <p:clrMapOvr>
-    <a:masterClrMapping/>
-  </p:clrMapOvr>
-  <p:timing>
-    <p:tnLst>
-      <p:par>
-        <p:cTn id="1" dur="indefinite" restart="never" nodeType="tmRoot"/>
-      </p:par>
-    </p:tnLst>
-  </p:timing>
-</p:sld>
-</file>
-
-<file path=ppt/slides/slide13.xml><?xml version="1.0" encoding="utf-8"?>
-<p:sld xmlns:a="http://schemas.openxmlformats.org/drawingml/2006/main" xmlns:r="http://schemas.openxmlformats.org/officeDocument/2006/relationships" xmlns:p="http://schemas.openxmlformats.org/presentationml/2006/main">
-  <p:cSld>
-    <p:spTree>
-      <p:nvGrpSpPr>
-        <p:cNvPr id="1" name=""/>
-        <p:cNvGrpSpPr/>
-        <p:nvPr/>
-      </p:nvGrpSpPr>
-      <p:grpSpPr>
-        <a:xfrm>
-          <a:off x="0" y="0"/>
-          <a:ext cx="0" cy="0"/>
-          <a:chOff x="0" y="0"/>
-          <a:chExt cx="0" cy="0"/>
-        </a:xfrm>
-      </p:grpSpPr>
       <p:pic>
         <p:nvPicPr>
           <p:cNvPr id="24578" name="Picture 4"/>
@@ -4184,7 +3543,7 @@
 </p:sld>
 </file>
 
-<file path=ppt/slides/slide14.xml><?xml version="1.0" encoding="utf-8"?>
+<file path=ppt/slides/slide13.xml><?xml version="1.0" encoding="utf-8"?>
 <p:sld xmlns:a="http://schemas.openxmlformats.org/drawingml/2006/main" xmlns:r="http://schemas.openxmlformats.org/officeDocument/2006/relationships" xmlns:p="http://schemas.openxmlformats.org/presentationml/2006/main">
   <p:cSld>
     <p:spTree>
@@ -4690,82 +4049,14 @@
   <p:timing>
     <p:tnLst>
       <p:par>
-        <p:cTn id="1" dur="indefinite" restart="never" nodeType="tmRoot">
-          <p:childTnLst>
-            <p:seq concurrent="1" nextAc="seek">
-              <p:cTn id="2" dur="indefinite" nodeType="mainSeq">
-                <p:childTnLst>
-                  <p:par>
-                    <p:cTn id="3" fill="hold">
-                      <p:stCondLst>
-                        <p:cond delay="indefinite"/>
-                      </p:stCondLst>
-                      <p:childTnLst>
-                        <p:par>
-                          <p:cTn id="4" fill="hold">
-                            <p:stCondLst>
-                              <p:cond delay="0"/>
-                            </p:stCondLst>
-                            <p:childTnLst>
-                              <p:par>
-                                <p:cTn id="5" presetID="3" presetClass="emph" presetSubtype="2" fill="hold" nodeType="clickEffect">
-                                  <p:stCondLst>
-                                    <p:cond delay="0"/>
-                                  </p:stCondLst>
-                                  <p:childTnLst>
-                                    <p:animClr clrSpc="rgb" dir="cw">
-                                      <p:cBhvr override="childStyle">
-                                        <p:cTn id="6" dur="500" fill="hold"/>
-                                        <p:tgtEl>
-                                          <p:spTgt spid="5123">
-                                            <p:txEl>
-                                              <p:pRg st="0" end="0"/>
-                                            </p:txEl>
-                                          </p:spTgt>
-                                        </p:tgtEl>
-                                        <p:attrNameLst>
-                                          <p:attrName>style.color</p:attrName>
-                                        </p:attrNameLst>
-                                      </p:cBhvr>
-                                      <p:to>
-                                        <a:srgbClr val="B20F02"/>
-                                      </p:to>
-                                    </p:animClr>
-                                  </p:childTnLst>
-                                </p:cTn>
-                              </p:par>
-                            </p:childTnLst>
-                          </p:cTn>
-                        </p:par>
-                      </p:childTnLst>
-                    </p:cTn>
-                  </p:par>
-                </p:childTnLst>
-              </p:cTn>
-              <p:prevCondLst>
-                <p:cond evt="onPrev" delay="0">
-                  <p:tgtEl>
-                    <p:sldTgt/>
-                  </p:tgtEl>
-                </p:cond>
-              </p:prevCondLst>
-              <p:nextCondLst>
-                <p:cond evt="onNext" delay="0">
-                  <p:tgtEl>
-                    <p:sldTgt/>
-                  </p:tgtEl>
-                </p:cond>
-              </p:nextCondLst>
-            </p:seq>
-          </p:childTnLst>
-        </p:cTn>
+        <p:cTn id="1" dur="indefinite" restart="never" nodeType="tmRoot"/>
       </p:par>
     </p:tnLst>
   </p:timing>
 </p:sld>
 </file>
 
-<file path=ppt/slides/slide15.xml><?xml version="1.0" encoding="utf-8"?>
+<file path=ppt/slides/slide14.xml><?xml version="1.0" encoding="utf-8"?>
 <p:sld xmlns:a="http://schemas.openxmlformats.org/drawingml/2006/main" xmlns:r="http://schemas.openxmlformats.org/officeDocument/2006/relationships" xmlns:p="http://schemas.openxmlformats.org/presentationml/2006/main">
   <p:cSld>
     <p:spTree>
@@ -5268,31 +4559,7 @@
             </a:r>
             <a:r>
               <a:rPr lang="zh-CN" altLang="en-US" dirty="0"/>
-              <a:t>发展历程（参见教程第</a:t>
-            </a:r>
-            <a:r>
-              <a:rPr lang="en-US" altLang="zh-CN" dirty="0"/>
-              <a:t>4</a:t>
-            </a:r>
-            <a:r>
-              <a:rPr lang="zh-CN" altLang="en-US" dirty="0"/>
-              <a:t>、</a:t>
-            </a:r>
-            <a:r>
-              <a:rPr lang="en-US" altLang="zh-CN" dirty="0"/>
-              <a:t>5</a:t>
-            </a:r>
-            <a:r>
-              <a:rPr lang="zh-CN" altLang="en-US" dirty="0"/>
-              <a:t>、</a:t>
-            </a:r>
-            <a:r>
-              <a:rPr lang="en-US" altLang="zh-CN" dirty="0"/>
-              <a:t>6</a:t>
-            </a:r>
-            <a:r>
-              <a:rPr lang="zh-CN" altLang="en-US" dirty="0"/>
-              <a:t>章）</a:t>
+              <a:t>发展历程</a:t>
             </a:r>
             <a:endParaRPr lang="zh-CN" altLang="en-US" dirty="0"/>
           </a:p>
@@ -5316,7 +4583,7 @@
 </p:sld>
 </file>
 
-<file path=ppt/slides/slide16.xml><?xml version="1.0" encoding="utf-8"?>
+<file path=ppt/slides/slide15.xml><?xml version="1.0" encoding="utf-8"?>
 <p:sld xmlns:a="http://schemas.openxmlformats.org/drawingml/2006/main" xmlns:r="http://schemas.openxmlformats.org/officeDocument/2006/relationships" xmlns:p="http://schemas.openxmlformats.org/presentationml/2006/main">
   <p:cSld>
     <p:spTree>
@@ -5809,82 +5076,14 @@
   <p:timing>
     <p:tnLst>
       <p:par>
-        <p:cTn id="1" dur="indefinite" restart="never" nodeType="tmRoot">
-          <p:childTnLst>
-            <p:seq concurrent="1" nextAc="seek">
-              <p:cTn id="2" dur="indefinite" nodeType="mainSeq">
-                <p:childTnLst>
-                  <p:par>
-                    <p:cTn id="3" fill="hold">
-                      <p:stCondLst>
-                        <p:cond delay="indefinite"/>
-                      </p:stCondLst>
-                      <p:childTnLst>
-                        <p:par>
-                          <p:cTn id="4" fill="hold">
-                            <p:stCondLst>
-                              <p:cond delay="0"/>
-                            </p:stCondLst>
-                            <p:childTnLst>
-                              <p:par>
-                                <p:cTn id="5" presetID="3" presetClass="emph" presetSubtype="2" fill="hold" nodeType="clickEffect">
-                                  <p:stCondLst>
-                                    <p:cond delay="0"/>
-                                  </p:stCondLst>
-                                  <p:childTnLst>
-                                    <p:animClr clrSpc="rgb" dir="cw">
-                                      <p:cBhvr override="childStyle">
-                                        <p:cTn id="6" dur="500" fill="hold"/>
-                                        <p:tgtEl>
-                                          <p:spTgt spid="5123">
-                                            <p:txEl>
-                                              <p:pRg st="1" end="1"/>
-                                            </p:txEl>
-                                          </p:spTgt>
-                                        </p:tgtEl>
-                                        <p:attrNameLst>
-                                          <p:attrName>style.color</p:attrName>
-                                        </p:attrNameLst>
-                                      </p:cBhvr>
-                                      <p:to>
-                                        <a:srgbClr val="B20F02"/>
-                                      </p:to>
-                                    </p:animClr>
-                                  </p:childTnLst>
-                                </p:cTn>
-                              </p:par>
-                            </p:childTnLst>
-                          </p:cTn>
-                        </p:par>
-                      </p:childTnLst>
-                    </p:cTn>
-                  </p:par>
-                </p:childTnLst>
-              </p:cTn>
-              <p:prevCondLst>
-                <p:cond evt="onPrev" delay="0">
-                  <p:tgtEl>
-                    <p:sldTgt/>
-                  </p:tgtEl>
-                </p:cond>
-              </p:prevCondLst>
-              <p:nextCondLst>
-                <p:cond evt="onNext" delay="0">
-                  <p:tgtEl>
-                    <p:sldTgt/>
-                  </p:tgtEl>
-                </p:cond>
-              </p:nextCondLst>
-            </p:seq>
-          </p:childTnLst>
-        </p:cTn>
+        <p:cTn id="1" dur="indefinite" restart="never" nodeType="tmRoot"/>
       </p:par>
     </p:tnLst>
   </p:timing>
 </p:sld>
 </file>
 
-<file path=ppt/slides/slide17.xml><?xml version="1.0" encoding="utf-8"?>
+<file path=ppt/slides/slide16.xml><?xml version="1.0" encoding="utf-8"?>
 <p:sld xmlns:a="http://schemas.openxmlformats.org/drawingml/2006/main" xmlns:r="http://schemas.openxmlformats.org/officeDocument/2006/relationships" xmlns:p="http://schemas.openxmlformats.org/presentationml/2006/main">
   <p:cSld>
     <p:spTree>
@@ -6469,7 +5668,7 @@
 </p:sld>
 </file>
 
-<file path=ppt/slides/slide18.xml><?xml version="1.0" encoding="utf-8"?>
+<file path=ppt/slides/slide17.xml><?xml version="1.0" encoding="utf-8"?>
 <p:sld xmlns:a="http://schemas.openxmlformats.org/drawingml/2006/main" xmlns:r="http://schemas.openxmlformats.org/officeDocument/2006/relationships" xmlns:p="http://schemas.openxmlformats.org/presentationml/2006/main">
   <p:cSld>
     <p:spTree>
@@ -6965,82 +6164,14 @@
   <p:timing>
     <p:tnLst>
       <p:par>
-        <p:cTn id="1" dur="indefinite" restart="never" nodeType="tmRoot">
-          <p:childTnLst>
-            <p:seq concurrent="1" nextAc="seek">
-              <p:cTn id="2" dur="indefinite" nodeType="mainSeq">
-                <p:childTnLst>
-                  <p:par>
-                    <p:cTn id="3" fill="hold">
-                      <p:stCondLst>
-                        <p:cond delay="indefinite"/>
-                      </p:stCondLst>
-                      <p:childTnLst>
-                        <p:par>
-                          <p:cTn id="4" fill="hold">
-                            <p:stCondLst>
-                              <p:cond delay="0"/>
-                            </p:stCondLst>
-                            <p:childTnLst>
-                              <p:par>
-                                <p:cTn id="5" presetID="3" presetClass="emph" presetSubtype="2" fill="hold" nodeType="clickEffect">
-                                  <p:stCondLst>
-                                    <p:cond delay="0"/>
-                                  </p:stCondLst>
-                                  <p:childTnLst>
-                                    <p:animClr clrSpc="rgb" dir="cw">
-                                      <p:cBhvr override="childStyle">
-                                        <p:cTn id="6" dur="500" fill="hold"/>
-                                        <p:tgtEl>
-                                          <p:spTgt spid="5123">
-                                            <p:txEl>
-                                              <p:pRg st="2" end="2"/>
-                                            </p:txEl>
-                                          </p:spTgt>
-                                        </p:tgtEl>
-                                        <p:attrNameLst>
-                                          <p:attrName>style.color</p:attrName>
-                                        </p:attrNameLst>
-                                      </p:cBhvr>
-                                      <p:to>
-                                        <a:srgbClr val="B20F02"/>
-                                      </p:to>
-                                    </p:animClr>
-                                  </p:childTnLst>
-                                </p:cTn>
-                              </p:par>
-                            </p:childTnLst>
-                          </p:cTn>
-                        </p:par>
-                      </p:childTnLst>
-                    </p:cTn>
-                  </p:par>
-                </p:childTnLst>
-              </p:cTn>
-              <p:prevCondLst>
-                <p:cond evt="onPrev" delay="0">
-                  <p:tgtEl>
-                    <p:sldTgt/>
-                  </p:tgtEl>
-                </p:cond>
-              </p:prevCondLst>
-              <p:nextCondLst>
-                <p:cond evt="onNext" delay="0">
-                  <p:tgtEl>
-                    <p:sldTgt/>
-                  </p:tgtEl>
-                </p:cond>
-              </p:nextCondLst>
-            </p:seq>
-          </p:childTnLst>
-        </p:cTn>
+        <p:cTn id="1" dur="indefinite" restart="never" nodeType="tmRoot"/>
       </p:par>
     </p:tnLst>
   </p:timing>
 </p:sld>
 </file>
 
-<file path=ppt/slides/slide19.xml><?xml version="1.0" encoding="utf-8"?>
+<file path=ppt/slides/slide18.xml><?xml version="1.0" encoding="utf-8"?>
 <p:sld xmlns:a="http://schemas.openxmlformats.org/drawingml/2006/main" xmlns:r="http://schemas.openxmlformats.org/officeDocument/2006/relationships" xmlns:p="http://schemas.openxmlformats.org/presentationml/2006/main">
   <p:cSld>
     <p:spTree>
@@ -7238,7 +6369,7 @@
                 <a:latin typeface="+mn-ea"/>
                 <a:ea typeface="+mn-ea"/>
               </a:rPr>
-              <a:t>demo14</a:t>
+              <a:t>demo02</a:t>
             </a:r>
             <a:r>
               <a:rPr lang="zh-CN" altLang="en-US" sz="2200">
@@ -7249,6 +6380,647 @@
                 <a:ea typeface="+mn-ea"/>
               </a:rPr>
               <a:t>、</a:t>
+            </a:r>
+            <a:r>
+              <a:rPr lang="en-US" altLang="zh-CN" sz="2200">
+                <a:solidFill>
+                  <a:srgbClr val="FF0000"/>
+                </a:solidFill>
+                <a:latin typeface="+mn-ea"/>
+                <a:ea typeface="+mn-ea"/>
+              </a:rPr>
+              <a:t>demo03</a:t>
+            </a:r>
+            <a:endParaRPr lang="en-US" altLang="zh-CN" sz="2200">
+              <a:solidFill>
+                <a:srgbClr val="FF0000"/>
+              </a:solidFill>
+              <a:latin typeface="+mn-ea"/>
+              <a:ea typeface="+mn-ea"/>
+            </a:endParaRPr>
+          </a:p>
+        </p:txBody>
+      </p:sp>
+    </p:spTree>
+  </p:cSld>
+  <p:clrMapOvr>
+    <a:masterClrMapping/>
+  </p:clrMapOvr>
+  <p:timing>
+    <p:tnLst>
+      <p:par>
+        <p:cTn id="1" dur="indefinite" restart="never" nodeType="tmRoot"/>
+      </p:par>
+    </p:tnLst>
+  </p:timing>
+</p:sld>
+</file>
+
+<file path=ppt/slides/slide19.xml><?xml version="1.0" encoding="utf-8"?>
+<p:sld xmlns:a="http://schemas.openxmlformats.org/drawingml/2006/main" xmlns:r="http://schemas.openxmlformats.org/officeDocument/2006/relationships" xmlns:p="http://schemas.openxmlformats.org/presentationml/2006/main">
+  <p:cSld>
+    <p:spTree>
+      <p:nvGrpSpPr>
+        <p:cNvPr id="1" name=""/>
+        <p:cNvGrpSpPr/>
+        <p:nvPr/>
+      </p:nvGrpSpPr>
+      <p:grpSpPr>
+        <a:xfrm>
+          <a:off x="0" y="0"/>
+          <a:ext cx="0" cy="0"/>
+          <a:chOff x="0" y="0"/>
+          <a:chExt cx="0" cy="0"/>
+        </a:xfrm>
+      </p:grpSpPr>
+      <p:sp>
+        <p:nvSpPr>
+          <p:cNvPr id="3" name="内容占位符 2"/>
+          <p:cNvSpPr>
+            <a:spLocks noGrp="1"/>
+          </p:cNvSpPr>
+          <p:nvPr>
+            <p:ph sz="quarter" idx="10"/>
+          </p:nvPr>
+        </p:nvSpPr>
+        <p:spPr>
+          <a:xfrm>
+            <a:off x="1143000" y="980440"/>
+            <a:ext cx="10067290" cy="4907915"/>
+          </a:xfrm>
+        </p:spPr>
+        <p:txBody>
+          <a:bodyPr/>
+          <a:lstStyle/>
+          <a:p>
+            <a:pPr>
+              <a:lnSpc>
+                <a:spcPct val="140000"/>
+              </a:lnSpc>
+            </a:pPr>
+            <a:r>
+              <a:rPr kumimoji="0" lang="zh-CN" altLang="en-US" dirty="0" smtClean="0">
+                <a:solidFill>
+                  <a:schemeClr val="tx1"/>
+                </a:solidFill>
+              </a:rPr>
+              <a:t>背景、语法</a:t>
+            </a:r>
+            <a:endParaRPr kumimoji="0" lang="zh-CN" altLang="en-US" dirty="0" smtClean="0">
+              <a:solidFill>
+                <a:schemeClr val="tx1"/>
+              </a:solidFill>
+            </a:endParaRPr>
+          </a:p>
+          <a:p>
+            <a:pPr>
+              <a:lnSpc>
+                <a:spcPct val="140000"/>
+              </a:lnSpc>
+            </a:pPr>
+            <a:r>
+              <a:rPr kumimoji="0" lang="zh-CN" altLang="en-US" dirty="0" smtClean="0">
+                <a:solidFill>
+                  <a:schemeClr val="tx1"/>
+                </a:solidFill>
+              </a:rPr>
+              <a:t>变量和赋值</a:t>
+            </a:r>
+            <a:endParaRPr kumimoji="0" lang="zh-CN" altLang="en-US" dirty="0" smtClean="0">
+              <a:solidFill>
+                <a:schemeClr val="tx1"/>
+              </a:solidFill>
+            </a:endParaRPr>
+          </a:p>
+          <a:p>
+            <a:pPr>
+              <a:lnSpc>
+                <a:spcPct val="140000"/>
+              </a:lnSpc>
+            </a:pPr>
+            <a:r>
+              <a:rPr kumimoji="0" lang="zh-CN" altLang="en-US" dirty="0" smtClean="0">
+                <a:solidFill>
+                  <a:schemeClr val="tx1"/>
+                </a:solidFill>
+              </a:rPr>
+              <a:t>值、布尔值、数字、运算符、字符串、语句</a:t>
+            </a:r>
+            <a:endParaRPr kumimoji="0" lang="zh-CN" altLang="en-US" dirty="0" smtClean="0">
+              <a:solidFill>
+                <a:schemeClr val="tx1"/>
+              </a:solidFill>
+            </a:endParaRPr>
+          </a:p>
+          <a:p>
+            <a:pPr>
+              <a:lnSpc>
+                <a:spcPct val="140000"/>
+              </a:lnSpc>
+            </a:pPr>
+            <a:r>
+              <a:rPr kumimoji="0" lang="zh-CN" altLang="en-US" dirty="0" smtClean="0">
+                <a:solidFill>
+                  <a:schemeClr val="tx1"/>
+                </a:solidFill>
+              </a:rPr>
+              <a:t>函数、异常捕获、严格模式</a:t>
+            </a:r>
+            <a:endParaRPr kumimoji="0" lang="zh-CN" altLang="en-US" dirty="0" smtClean="0">
+              <a:solidFill>
+                <a:schemeClr val="tx1"/>
+              </a:solidFill>
+            </a:endParaRPr>
+          </a:p>
+          <a:p>
+            <a:pPr>
+              <a:lnSpc>
+                <a:spcPct val="140000"/>
+              </a:lnSpc>
+            </a:pPr>
+            <a:r>
+              <a:rPr kumimoji="0" lang="zh-CN" altLang="en-US" dirty="0" smtClean="0">
+                <a:solidFill>
+                  <a:schemeClr val="tx1"/>
+                </a:solidFill>
+              </a:rPr>
+              <a:t>作用域和闭包</a:t>
+            </a:r>
+            <a:endParaRPr kumimoji="0" lang="zh-CN" altLang="en-US" dirty="0" smtClean="0">
+              <a:solidFill>
+                <a:schemeClr val="tx1"/>
+              </a:solidFill>
+            </a:endParaRPr>
+          </a:p>
+          <a:p>
+            <a:pPr>
+              <a:lnSpc>
+                <a:spcPct val="140000"/>
+              </a:lnSpc>
+            </a:pPr>
+            <a:r>
+              <a:rPr kumimoji="0" lang="zh-CN" altLang="en-US" dirty="0" smtClean="0">
+                <a:solidFill>
+                  <a:schemeClr val="tx1"/>
+                </a:solidFill>
+              </a:rPr>
+              <a:t>对象、构造函数</a:t>
+            </a:r>
+            <a:endParaRPr kumimoji="0" lang="zh-CN" altLang="en-US" dirty="0" smtClean="0">
+              <a:solidFill>
+                <a:schemeClr val="tx1"/>
+              </a:solidFill>
+            </a:endParaRPr>
+          </a:p>
+          <a:p>
+            <a:pPr>
+              <a:lnSpc>
+                <a:spcPct val="140000"/>
+              </a:lnSpc>
+            </a:pPr>
+            <a:r>
+              <a:rPr kumimoji="0" lang="zh-CN" altLang="en-US" dirty="0" smtClean="0">
+                <a:solidFill>
+                  <a:schemeClr val="tx1"/>
+                </a:solidFill>
+              </a:rPr>
+              <a:t>数组、正则表达式、</a:t>
+            </a:r>
+            <a:r>
+              <a:rPr kumimoji="0" lang="en-US" altLang="zh-CN" dirty="0" smtClean="0">
+                <a:solidFill>
+                  <a:schemeClr val="tx1"/>
+                </a:solidFill>
+              </a:rPr>
+              <a:t>Math</a:t>
+            </a:r>
+            <a:endParaRPr kumimoji="0" lang="en-US" altLang="zh-CN" dirty="0" smtClean="0">
+              <a:solidFill>
+                <a:schemeClr val="tx1"/>
+              </a:solidFill>
+            </a:endParaRPr>
+          </a:p>
+          <a:p>
+            <a:endParaRPr lang="zh-CN" altLang="en-US" dirty="0"/>
+          </a:p>
+        </p:txBody>
+      </p:sp>
+      <p:sp>
+        <p:nvSpPr>
+          <p:cNvPr id="4" name="内容占位符 3"/>
+          <p:cNvSpPr>
+            <a:spLocks noGrp="1"/>
+          </p:cNvSpPr>
+          <p:nvPr>
+            <p:ph sz="quarter" idx="11"/>
+          </p:nvPr>
+        </p:nvSpPr>
+        <p:spPr>
+          <a:xfrm>
+            <a:off x="981710" y="236855"/>
+            <a:ext cx="10228580" cy="490220"/>
+          </a:xfrm>
+        </p:spPr>
+        <p:txBody>
+          <a:bodyPr/>
+          <a:lstStyle/>
+          <a:p>
+            <a:r>
+              <a:rPr lang="zh-CN" altLang="en-US" dirty="0"/>
+              <a:t>基础</a:t>
+            </a:r>
+            <a:r>
+              <a:rPr lang="en-US" altLang="zh-CN" dirty="0"/>
+              <a:t>JavaScript</a:t>
+            </a:r>
+            <a:r>
+              <a:rPr lang="zh-CN" altLang="en-US" dirty="0"/>
+              <a:t>回顾（参见《</a:t>
+            </a:r>
+            <a:r>
+              <a:rPr lang="zh-CN" altLang="en-US" dirty="0">
+                <a:sym typeface="+mn-ea"/>
+              </a:rPr>
+              <a:t>深入理解</a:t>
+            </a:r>
+            <a:r>
+              <a:rPr lang="en-US" altLang="zh-CN" dirty="0">
+                <a:sym typeface="+mn-ea"/>
+              </a:rPr>
+              <a:t>JS</a:t>
+            </a:r>
+            <a:r>
+              <a:rPr lang="zh-CN" altLang="en-US" dirty="0">
+                <a:sym typeface="+mn-ea"/>
+              </a:rPr>
+              <a:t>》第</a:t>
+            </a:r>
+            <a:r>
+              <a:rPr lang="en-US" altLang="zh-CN" dirty="0">
+                <a:sym typeface="+mn-ea"/>
+              </a:rPr>
+              <a:t>1</a:t>
+            </a:r>
+            <a:r>
+              <a:rPr lang="zh-CN" altLang="en-US" dirty="0">
+                <a:sym typeface="+mn-ea"/>
+              </a:rPr>
+              <a:t>章</a:t>
+            </a:r>
+            <a:r>
+              <a:rPr lang="zh-CN" altLang="en-US" dirty="0"/>
+              <a:t>）</a:t>
+            </a:r>
+            <a:endParaRPr lang="zh-CN" altLang="en-US" dirty="0"/>
+          </a:p>
+          <a:p>
+            <a:endParaRPr lang="zh-CN" altLang="en-US" dirty="0"/>
+          </a:p>
+        </p:txBody>
+      </p:sp>
+      <p:sp>
+        <p:nvSpPr>
+          <p:cNvPr id="8" name="文本框 7"/>
+          <p:cNvSpPr txBox="1"/>
+          <p:nvPr/>
+        </p:nvSpPr>
+        <p:spPr>
+          <a:xfrm>
+            <a:off x="3554095" y="1181735"/>
+            <a:ext cx="2661285" cy="429895"/>
+          </a:xfrm>
+          <a:prstGeom prst="rect">
+            <a:avLst/>
+          </a:prstGeom>
+          <a:noFill/>
+        </p:spPr>
+        <p:txBody>
+          <a:bodyPr wrap="square" rtlCol="0">
+            <a:spAutoFit/>
+          </a:bodyPr>
+          <a:p>
+            <a:pPr algn="l"/>
+            <a:r>
+              <a:rPr lang="zh-CN" altLang="en-US" sz="2200">
+                <a:solidFill>
+                  <a:srgbClr val="FF0000"/>
+                </a:solidFill>
+                <a:latin typeface="+mn-ea"/>
+                <a:ea typeface="+mn-ea"/>
+              </a:rPr>
+              <a:t>参见实例</a:t>
+            </a:r>
+            <a:r>
+              <a:rPr lang="en-US" altLang="zh-CN" sz="2200">
+                <a:solidFill>
+                  <a:srgbClr val="FF0000"/>
+                </a:solidFill>
+                <a:latin typeface="+mn-ea"/>
+                <a:ea typeface="+mn-ea"/>
+              </a:rPr>
+              <a:t>demo04</a:t>
+            </a:r>
+            <a:endParaRPr lang="en-US" altLang="zh-CN" sz="2200">
+              <a:solidFill>
+                <a:srgbClr val="FF0000"/>
+              </a:solidFill>
+              <a:latin typeface="+mn-ea"/>
+              <a:ea typeface="+mn-ea"/>
+            </a:endParaRPr>
+          </a:p>
+        </p:txBody>
+      </p:sp>
+      <p:sp>
+        <p:nvSpPr>
+          <p:cNvPr id="2" name="文本框 1"/>
+          <p:cNvSpPr txBox="1"/>
+          <p:nvPr/>
+        </p:nvSpPr>
+        <p:spPr>
+          <a:xfrm>
+            <a:off x="3681095" y="1811020"/>
+            <a:ext cx="2661285" cy="429895"/>
+          </a:xfrm>
+          <a:prstGeom prst="rect">
+            <a:avLst/>
+          </a:prstGeom>
+          <a:noFill/>
+        </p:spPr>
+        <p:txBody>
+          <a:bodyPr wrap="square" rtlCol="0">
+            <a:spAutoFit/>
+          </a:bodyPr>
+          <a:p>
+            <a:pPr algn="l"/>
+            <a:r>
+              <a:rPr lang="zh-CN" altLang="en-US" sz="2200">
+                <a:solidFill>
+                  <a:srgbClr val="FF0000"/>
+                </a:solidFill>
+                <a:latin typeface="+mn-ea"/>
+                <a:ea typeface="+mn-ea"/>
+              </a:rPr>
+              <a:t>参见实例</a:t>
+            </a:r>
+            <a:r>
+              <a:rPr lang="en-US" altLang="zh-CN" sz="2200">
+                <a:solidFill>
+                  <a:srgbClr val="FF0000"/>
+                </a:solidFill>
+                <a:latin typeface="+mn-ea"/>
+                <a:ea typeface="+mn-ea"/>
+              </a:rPr>
+              <a:t>demo05</a:t>
+            </a:r>
+            <a:endParaRPr lang="en-US" altLang="zh-CN" sz="2200">
+              <a:solidFill>
+                <a:srgbClr val="FF0000"/>
+              </a:solidFill>
+              <a:latin typeface="+mn-ea"/>
+              <a:ea typeface="+mn-ea"/>
+            </a:endParaRPr>
+          </a:p>
+        </p:txBody>
+      </p:sp>
+      <p:sp>
+        <p:nvSpPr>
+          <p:cNvPr id="5" name="文本框 4"/>
+          <p:cNvSpPr txBox="1"/>
+          <p:nvPr/>
+        </p:nvSpPr>
+        <p:spPr>
+          <a:xfrm>
+            <a:off x="8328660" y="2512060"/>
+            <a:ext cx="3072765" cy="429895"/>
+          </a:xfrm>
+          <a:prstGeom prst="rect">
+            <a:avLst/>
+          </a:prstGeom>
+          <a:noFill/>
+        </p:spPr>
+        <p:txBody>
+          <a:bodyPr wrap="square" rtlCol="0">
+            <a:spAutoFit/>
+          </a:bodyPr>
+          <a:p>
+            <a:pPr algn="l"/>
+            <a:r>
+              <a:rPr lang="zh-CN" altLang="en-US" sz="2200">
+                <a:solidFill>
+                  <a:srgbClr val="FF0000"/>
+                </a:solidFill>
+                <a:latin typeface="+mn-ea"/>
+                <a:ea typeface="+mn-ea"/>
+              </a:rPr>
+              <a:t>参见实例</a:t>
+            </a:r>
+            <a:r>
+              <a:rPr lang="en-US" altLang="zh-CN" sz="2200">
+                <a:solidFill>
+                  <a:srgbClr val="FF0000"/>
+                </a:solidFill>
+                <a:latin typeface="+mn-ea"/>
+                <a:ea typeface="+mn-ea"/>
+              </a:rPr>
+              <a:t>demo06-11</a:t>
+            </a:r>
+            <a:endParaRPr lang="en-US" altLang="zh-CN" sz="2200">
+              <a:solidFill>
+                <a:srgbClr val="FF0000"/>
+              </a:solidFill>
+              <a:latin typeface="+mn-ea"/>
+              <a:ea typeface="+mn-ea"/>
+            </a:endParaRPr>
+          </a:p>
+        </p:txBody>
+      </p:sp>
+      <p:sp>
+        <p:nvSpPr>
+          <p:cNvPr id="6" name="文本框 5"/>
+          <p:cNvSpPr txBox="1"/>
+          <p:nvPr/>
+        </p:nvSpPr>
+        <p:spPr>
+          <a:xfrm>
+            <a:off x="5944235" y="3213100"/>
+            <a:ext cx="2935605" cy="429895"/>
+          </a:xfrm>
+          <a:prstGeom prst="rect">
+            <a:avLst/>
+          </a:prstGeom>
+          <a:noFill/>
+        </p:spPr>
+        <p:txBody>
+          <a:bodyPr wrap="square" rtlCol="0">
+            <a:spAutoFit/>
+          </a:bodyPr>
+          <a:p>
+            <a:pPr algn="l"/>
+            <a:r>
+              <a:rPr lang="zh-CN" altLang="en-US" sz="2200">
+                <a:solidFill>
+                  <a:srgbClr val="FF0000"/>
+                </a:solidFill>
+                <a:latin typeface="+mn-ea"/>
+                <a:ea typeface="+mn-ea"/>
+              </a:rPr>
+              <a:t>参见实例</a:t>
+            </a:r>
+            <a:r>
+              <a:rPr lang="en-US" altLang="zh-CN" sz="2200">
+                <a:solidFill>
+                  <a:srgbClr val="FF0000"/>
+                </a:solidFill>
+                <a:latin typeface="+mn-ea"/>
+                <a:ea typeface="+mn-ea"/>
+              </a:rPr>
+              <a:t>demo12</a:t>
+            </a:r>
+            <a:endParaRPr lang="en-US" altLang="zh-CN" sz="2200">
+              <a:solidFill>
+                <a:srgbClr val="FF0000"/>
+              </a:solidFill>
+              <a:latin typeface="+mn-ea"/>
+              <a:ea typeface="+mn-ea"/>
+            </a:endParaRPr>
+          </a:p>
+        </p:txBody>
+      </p:sp>
+      <p:sp>
+        <p:nvSpPr>
+          <p:cNvPr id="7" name="文本框 6"/>
+          <p:cNvSpPr txBox="1"/>
+          <p:nvPr/>
+        </p:nvSpPr>
+        <p:spPr>
+          <a:xfrm>
+            <a:off x="3846830" y="3914140"/>
+            <a:ext cx="2935605" cy="429895"/>
+          </a:xfrm>
+          <a:prstGeom prst="rect">
+            <a:avLst/>
+          </a:prstGeom>
+          <a:noFill/>
+        </p:spPr>
+        <p:txBody>
+          <a:bodyPr wrap="square" rtlCol="0">
+            <a:spAutoFit/>
+          </a:bodyPr>
+          <a:p>
+            <a:pPr algn="l"/>
+            <a:r>
+              <a:rPr lang="zh-CN" altLang="en-US" sz="2200">
+                <a:solidFill>
+                  <a:srgbClr val="FF0000"/>
+                </a:solidFill>
+                <a:latin typeface="+mn-ea"/>
+                <a:ea typeface="+mn-ea"/>
+              </a:rPr>
+              <a:t>参见实例</a:t>
+            </a:r>
+            <a:r>
+              <a:rPr lang="en-US" altLang="zh-CN" sz="2200">
+                <a:solidFill>
+                  <a:srgbClr val="FF0000"/>
+                </a:solidFill>
+                <a:latin typeface="+mn-ea"/>
+                <a:ea typeface="+mn-ea"/>
+              </a:rPr>
+              <a:t>demo13</a:t>
+            </a:r>
+            <a:endParaRPr lang="en-US" altLang="zh-CN" sz="2200">
+              <a:solidFill>
+                <a:srgbClr val="FF0000"/>
+              </a:solidFill>
+              <a:latin typeface="+mn-ea"/>
+              <a:ea typeface="+mn-ea"/>
+            </a:endParaRPr>
+          </a:p>
+        </p:txBody>
+      </p:sp>
+      <p:sp>
+        <p:nvSpPr>
+          <p:cNvPr id="9" name="文本框 8"/>
+          <p:cNvSpPr txBox="1"/>
+          <p:nvPr/>
+        </p:nvSpPr>
+        <p:spPr>
+          <a:xfrm>
+            <a:off x="3973830" y="4615180"/>
+            <a:ext cx="2935605" cy="429895"/>
+          </a:xfrm>
+          <a:prstGeom prst="rect">
+            <a:avLst/>
+          </a:prstGeom>
+          <a:noFill/>
+        </p:spPr>
+        <p:txBody>
+          <a:bodyPr wrap="square" rtlCol="0">
+            <a:spAutoFit/>
+          </a:bodyPr>
+          <a:p>
+            <a:pPr algn="l"/>
+            <a:r>
+              <a:rPr lang="zh-CN" altLang="en-US" sz="2200">
+                <a:solidFill>
+                  <a:srgbClr val="FF0000"/>
+                </a:solidFill>
+                <a:latin typeface="+mn-ea"/>
+                <a:ea typeface="+mn-ea"/>
+              </a:rPr>
+              <a:t>参见实例</a:t>
+            </a:r>
+            <a:r>
+              <a:rPr lang="en-US" altLang="zh-CN" sz="2200">
+                <a:solidFill>
+                  <a:srgbClr val="FF0000"/>
+                </a:solidFill>
+                <a:latin typeface="+mn-ea"/>
+                <a:ea typeface="+mn-ea"/>
+              </a:rPr>
+              <a:t>demo14</a:t>
+            </a:r>
+            <a:endParaRPr lang="en-US" altLang="zh-CN" sz="2200">
+              <a:solidFill>
+                <a:srgbClr val="FF0000"/>
+              </a:solidFill>
+              <a:latin typeface="+mn-ea"/>
+              <a:ea typeface="+mn-ea"/>
+            </a:endParaRPr>
+          </a:p>
+        </p:txBody>
+      </p:sp>
+      <p:sp>
+        <p:nvSpPr>
+          <p:cNvPr id="10" name="文本框 9"/>
+          <p:cNvSpPr txBox="1"/>
+          <p:nvPr/>
+        </p:nvSpPr>
+        <p:spPr>
+          <a:xfrm>
+            <a:off x="5679440" y="5316220"/>
+            <a:ext cx="2935605" cy="429895"/>
+          </a:xfrm>
+          <a:prstGeom prst="rect">
+            <a:avLst/>
+          </a:prstGeom>
+          <a:noFill/>
+        </p:spPr>
+        <p:txBody>
+          <a:bodyPr wrap="square" rtlCol="0">
+            <a:spAutoFit/>
+          </a:bodyPr>
+          <a:p>
+            <a:pPr algn="l"/>
+            <a:r>
+              <a:rPr lang="zh-CN" altLang="en-US" sz="2200">
+                <a:solidFill>
+                  <a:srgbClr val="FF0000"/>
+                </a:solidFill>
+                <a:latin typeface="+mn-ea"/>
+                <a:ea typeface="+mn-ea"/>
+              </a:rPr>
+              <a:t>参见实例</a:t>
             </a:r>
             <a:r>
               <a:rPr lang="en-US" altLang="zh-CN" sz="2200">
@@ -7558,6 +7330,34 @@
             </a:endParaRPr>
           </a:p>
           <a:p>
+            <a:pPr>
+              <a:lnSpc>
+                <a:spcPct val="140000"/>
+              </a:lnSpc>
+            </a:pPr>
+            <a:r>
+              <a:rPr kumimoji="0" lang="en-US" altLang="zh-CN" dirty="0" smtClean="0">
+                <a:solidFill>
+                  <a:schemeClr val="tx1"/>
+                </a:solidFill>
+              </a:rPr>
+              <a:t>JS</a:t>
+            </a:r>
+            <a:r>
+              <a:rPr kumimoji="0" lang="zh-CN" altLang="en-US" dirty="0" smtClean="0">
+                <a:solidFill>
+                  <a:schemeClr val="tx1"/>
+                </a:solidFill>
+              </a:rPr>
+              <a:t>基础知识点回顾</a:t>
+            </a:r>
+            <a:endParaRPr kumimoji="0" lang="zh-CN" altLang="en-US" dirty="0" smtClean="0">
+              <a:solidFill>
+                <a:schemeClr val="tx1"/>
+              </a:solidFill>
+            </a:endParaRPr>
+          </a:p>
+          <a:p>
             <a:endParaRPr lang="zh-CN" altLang="en-US" dirty="0"/>
           </a:p>
         </p:txBody>
@@ -8444,11 +8244,7 @@
             </a:r>
             <a:r>
               <a:rPr lang="zh-CN" altLang="en-US" dirty="0" smtClean="0"/>
-              <a:t>方向</a:t>
-            </a:r>
-            <a:r>
-              <a:rPr lang="zh-CN" altLang="en-US" dirty="0" smtClean="0"/>
-              <a:t>课程体系介绍</a:t>
+              <a:t>方向课程体系介绍</a:t>
             </a:r>
             <a:endParaRPr lang="zh-CN" altLang="en-US" dirty="0"/>
           </a:p>

--- a/课程PPT/01.JavaScript发展历程及语言特点.pptx
+++ b/课程PPT/01.JavaScript发展历程及语言特点.pptx
@@ -3249,24 +3249,7 @@
                   <a:schemeClr val="tx1"/>
                 </a:solidFill>
               </a:rPr>
-              <a:t>（雪梨任务、</a:t>
-            </a:r>
-            <a:r>
-              <a:rPr lang="zh-CN" altLang="en-US" sz="3200">
-                <a:solidFill>
-                  <a:schemeClr val="tx1"/>
-                </a:solidFill>
-                <a:sym typeface="+mn-ea"/>
-              </a:rPr>
-              <a:t>视频学习</a:t>
-            </a:r>
-            <a:r>
-              <a:rPr lang="zh-CN" altLang="en-US" sz="3200">
-                <a:solidFill>
-                  <a:schemeClr val="tx1"/>
-                </a:solidFill>
-              </a:rPr>
-              <a:t>）</a:t>
+              <a:t>（雪梨任务）</a:t>
             </a:r>
             <a:endParaRPr lang="zh-CN" altLang="en-US" sz="3200">
               <a:solidFill>
@@ -5548,29 +5531,7 @@
             </a:r>
             <a:r>
               <a:rPr lang="zh-CN" altLang="en-US" dirty="0"/>
-              <a:t>语言特点（</a:t>
-            </a:r>
-            <a:r>
-              <a:rPr lang="zh-CN" altLang="en-US" dirty="0">
-                <a:sym typeface="+mn-ea"/>
-              </a:rPr>
-              <a:t>参见教程第</a:t>
-            </a:r>
-            <a:r>
-              <a:rPr lang="en-US" altLang="zh-CN" dirty="0">
-                <a:sym typeface="+mn-ea"/>
-              </a:rPr>
-              <a:t>3</a:t>
-            </a:r>
-            <a:r>
-              <a:rPr lang="zh-CN" altLang="en-US" dirty="0">
-                <a:sym typeface="+mn-ea"/>
-              </a:rPr>
-              <a:t>章</a:t>
-            </a:r>
-            <a:r>
-              <a:rPr lang="zh-CN" altLang="en-US" dirty="0"/>
-              <a:t>）</a:t>
+              <a:t>语言特点</a:t>
             </a:r>
             <a:endParaRPr lang="zh-CN" altLang="en-US" dirty="0"/>
           </a:p>
@@ -7713,6 +7674,64 @@
               </a:rPr>
               <a:t>知识点</a:t>
             </a:r>
+            <a:endParaRPr kumimoji="0" lang="zh-CN" altLang="en-US" dirty="0" smtClean="0">
+              <a:solidFill>
+                <a:srgbClr val="FF0000"/>
+              </a:solidFill>
+              <a:sym typeface="+mn-ea"/>
+            </a:endParaRPr>
+          </a:p>
+          <a:p>
+            <a:pPr>
+              <a:lnSpc>
+                <a:spcPct val="140000"/>
+              </a:lnSpc>
+            </a:pPr>
+            <a:r>
+              <a:rPr kumimoji="0" lang="zh-CN" altLang="en-US" dirty="0" smtClean="0">
+                <a:solidFill>
+                  <a:srgbClr val="FF0000"/>
+                </a:solidFill>
+                <a:sym typeface="+mn-ea"/>
+              </a:rPr>
+              <a:t>在</a:t>
+            </a:r>
+            <a:r>
+              <a:rPr kumimoji="0" lang="en-US" altLang="zh-CN" dirty="0" smtClean="0">
+                <a:solidFill>
+                  <a:srgbClr val="FF0000"/>
+                </a:solidFill>
+                <a:sym typeface="+mn-ea"/>
+              </a:rPr>
+              <a:t>github</a:t>
+            </a:r>
+            <a:r>
+              <a:rPr kumimoji="0" lang="zh-CN" altLang="en-US" dirty="0" smtClean="0">
+                <a:solidFill>
+                  <a:srgbClr val="FF0000"/>
+                </a:solidFill>
+                <a:sym typeface="+mn-ea"/>
+              </a:rPr>
+              <a:t>上创建个人</a:t>
+            </a:r>
+            <a:r>
+              <a:rPr kumimoji="0" lang="en-US" altLang="zh-CN" dirty="0" smtClean="0">
+                <a:solidFill>
+                  <a:srgbClr val="FF0000"/>
+                </a:solidFill>
+                <a:sym typeface="+mn-ea"/>
+              </a:rPr>
+              <a:t>JS</a:t>
+            </a:r>
+            <a:r>
+              <a:rPr kumimoji="0" lang="zh-CN" altLang="en-US" dirty="0" smtClean="0">
+                <a:solidFill>
+                  <a:srgbClr val="FF0000"/>
+                </a:solidFill>
+                <a:sym typeface="+mn-ea"/>
+              </a:rPr>
+              <a:t>学习仓库</a:t>
+            </a:r>
             <a:br>
               <a:rPr kumimoji="0" lang="en-US" altLang="zh-CN" dirty="0" smtClean="0">
                 <a:solidFill>
@@ -8021,7 +8040,7 @@
         <p:spPr bwMode="auto">
           <a:xfrm>
             <a:off x="1619568" y="4932045"/>
-            <a:ext cx="8362950" cy="583565"/>
+            <a:ext cx="8769350" cy="583565"/>
           </a:xfrm>
           <a:prstGeom prst="rect">
             <a:avLst/>
@@ -8169,6 +8188,14 @@
                 </a:solidFill>
               </a:rPr>
               <a:t>Web</a:t>
+            </a:r>
+            <a:r>
+              <a:rPr lang="zh-CN" altLang="en-US" b="1" dirty="0">
+                <a:solidFill>
+                  <a:srgbClr val="FF0000"/>
+                </a:solidFill>
+              </a:rPr>
+              <a:t>大</a:t>
             </a:r>
             <a:r>
               <a:rPr lang="zh-CN" altLang="en-US" b="1" dirty="0">
@@ -9132,9 +9159,6 @@
             </a:r>
             <a:endParaRPr lang="zh-CN" altLang="en-US" dirty="0"/>
           </a:p>
-          <a:p>
-            <a:endParaRPr lang="zh-CN" altLang="en-US" dirty="0"/>
-          </a:p>
         </p:txBody>
       </p:sp>
       <p:pic>
@@ -9170,7 +9194,318 @@
   <p:timing>
     <p:tnLst>
       <p:par>
-        <p:cTn id="1" dur="indefinite" restart="never" nodeType="tmRoot"/>
+        <p:cTn id="1" dur="indefinite" restart="never" nodeType="tmRoot">
+          <p:childTnLst>
+            <p:seq concurrent="1" nextAc="seek">
+              <p:cTn id="2" dur="indefinite" nodeType="mainSeq">
+                <p:childTnLst>
+                  <p:par>
+                    <p:cTn id="3" fill="hold">
+                      <p:stCondLst>
+                        <p:cond delay="indefinite"/>
+                      </p:stCondLst>
+                      <p:childTnLst>
+                        <p:par>
+                          <p:cTn id="4" fill="hold">
+                            <p:stCondLst>
+                              <p:cond delay="0"/>
+                            </p:stCondLst>
+                            <p:childTnLst>
+                              <p:par>
+                                <p:cTn id="5" presetID="2" presetClass="entr" presetSubtype="4" fill="hold" nodeType="clickEffect">
+                                  <p:stCondLst>
+                                    <p:cond delay="0"/>
+                                  </p:stCondLst>
+                                  <p:childTnLst>
+                                    <p:set>
+                                      <p:cBhvr>
+                                        <p:cTn id="6" dur="1" fill="hold">
+                                          <p:stCondLst>
+                                            <p:cond delay="0"/>
+                                          </p:stCondLst>
+                                        </p:cTn>
+                                        <p:tgtEl>
+                                          <p:spTgt spid="2">
+                                            <p:txEl>
+                                              <p:pRg st="0" end="0"/>
+                                            </p:txEl>
+                                          </p:spTgt>
+                                        </p:tgtEl>
+                                        <p:attrNameLst>
+                                          <p:attrName>style.visibility</p:attrName>
+                                        </p:attrNameLst>
+                                      </p:cBhvr>
+                                      <p:to>
+                                        <p:strVal val="visible"/>
+                                      </p:to>
+                                    </p:set>
+                                    <p:anim calcmode="lin" valueType="num">
+                                      <p:cBhvr additive="base">
+                                        <p:cTn id="7" dur="500" fill="hold"/>
+                                        <p:tgtEl>
+                                          <p:spTgt spid="2">
+                                            <p:txEl>
+                                              <p:pRg st="0" end="0"/>
+                                            </p:txEl>
+                                          </p:spTgt>
+                                        </p:tgtEl>
+                                        <p:attrNameLst>
+                                          <p:attrName>ppt_x</p:attrName>
+                                        </p:attrNameLst>
+                                      </p:cBhvr>
+                                      <p:tavLst>
+                                        <p:tav tm="0">
+                                          <p:val>
+                                            <p:strVal val="#ppt_x"/>
+                                          </p:val>
+                                        </p:tav>
+                                        <p:tav tm="100000">
+                                          <p:val>
+                                            <p:strVal val="#ppt_x"/>
+                                          </p:val>
+                                        </p:tav>
+                                      </p:tavLst>
+                                    </p:anim>
+                                    <p:anim calcmode="lin" valueType="num">
+                                      <p:cBhvr additive="base">
+                                        <p:cTn id="8" dur="500" fill="hold"/>
+                                        <p:tgtEl>
+                                          <p:spTgt spid="2">
+                                            <p:txEl>
+                                              <p:pRg st="0" end="0"/>
+                                            </p:txEl>
+                                          </p:spTgt>
+                                        </p:tgtEl>
+                                        <p:attrNameLst>
+                                          <p:attrName>ppt_y</p:attrName>
+                                        </p:attrNameLst>
+                                      </p:cBhvr>
+                                      <p:tavLst>
+                                        <p:tav tm="0">
+                                          <p:val>
+                                            <p:strVal val="1+#ppt_h/2"/>
+                                          </p:val>
+                                        </p:tav>
+                                        <p:tav tm="100000">
+                                          <p:val>
+                                            <p:strVal val="#ppt_y"/>
+                                          </p:val>
+                                        </p:tav>
+                                      </p:tavLst>
+                                    </p:anim>
+                                  </p:childTnLst>
+                                </p:cTn>
+                              </p:par>
+                            </p:childTnLst>
+                          </p:cTn>
+                        </p:par>
+                        <p:par>
+                          <p:cTn id="9" fill="hold">
+                            <p:stCondLst>
+                              <p:cond delay="500"/>
+                            </p:stCondLst>
+                            <p:childTnLst>
+                              <p:par>
+                                <p:cTn id="10" presetID="2" presetClass="entr" presetSubtype="4" fill="hold" nodeType="afterEffect">
+                                  <p:stCondLst>
+                                    <p:cond delay="0"/>
+                                  </p:stCondLst>
+                                  <p:childTnLst>
+                                    <p:set>
+                                      <p:cBhvr>
+                                        <p:cTn id="11" dur="1" fill="hold">
+                                          <p:stCondLst>
+                                            <p:cond delay="0"/>
+                                          </p:stCondLst>
+                                        </p:cTn>
+                                        <p:tgtEl>
+                                          <p:spTgt spid="4"/>
+                                        </p:tgtEl>
+                                        <p:attrNameLst>
+                                          <p:attrName>style.visibility</p:attrName>
+                                        </p:attrNameLst>
+                                      </p:cBhvr>
+                                      <p:to>
+                                        <p:strVal val="visible"/>
+                                      </p:to>
+                                    </p:set>
+                                    <p:anim calcmode="lin" valueType="num">
+                                      <p:cBhvr additive="base">
+                                        <p:cTn id="12" dur="500" fill="hold"/>
+                                        <p:tgtEl>
+                                          <p:spTgt spid="4"/>
+                                        </p:tgtEl>
+                                        <p:attrNameLst>
+                                          <p:attrName>ppt_x</p:attrName>
+                                        </p:attrNameLst>
+                                      </p:cBhvr>
+                                      <p:tavLst>
+                                        <p:tav tm="0">
+                                          <p:val>
+                                            <p:strVal val="#ppt_x"/>
+                                          </p:val>
+                                        </p:tav>
+                                        <p:tav tm="100000">
+                                          <p:val>
+                                            <p:strVal val="#ppt_x"/>
+                                          </p:val>
+                                        </p:tav>
+                                      </p:tavLst>
+                                    </p:anim>
+                                    <p:anim calcmode="lin" valueType="num">
+                                      <p:cBhvr additive="base">
+                                        <p:cTn id="13" dur="500" fill="hold"/>
+                                        <p:tgtEl>
+                                          <p:spTgt spid="4"/>
+                                        </p:tgtEl>
+                                        <p:attrNameLst>
+                                          <p:attrName>ppt_y</p:attrName>
+                                        </p:attrNameLst>
+                                      </p:cBhvr>
+                                      <p:tavLst>
+                                        <p:tav tm="0">
+                                          <p:val>
+                                            <p:strVal val="1+#ppt_h/2"/>
+                                          </p:val>
+                                        </p:tav>
+                                        <p:tav tm="100000">
+                                          <p:val>
+                                            <p:strVal val="#ppt_y"/>
+                                          </p:val>
+                                        </p:tav>
+                                      </p:tavLst>
+                                    </p:anim>
+                                  </p:childTnLst>
+                                </p:cTn>
+                              </p:par>
+                            </p:childTnLst>
+                          </p:cTn>
+                        </p:par>
+                      </p:childTnLst>
+                    </p:cTn>
+                  </p:par>
+                  <p:par>
+                    <p:cTn id="14" fill="hold">
+                      <p:stCondLst>
+                        <p:cond delay="indefinite"/>
+                      </p:stCondLst>
+                      <p:childTnLst>
+                        <p:par>
+                          <p:cTn id="15" fill="hold">
+                            <p:stCondLst>
+                              <p:cond delay="0"/>
+                            </p:stCondLst>
+                            <p:childTnLst>
+                              <p:par>
+                                <p:cTn id="16" presetID="2" presetClass="entr" presetSubtype="4" fill="hold" nodeType="clickEffect">
+                                  <p:stCondLst>
+                                    <p:cond delay="0"/>
+                                  </p:stCondLst>
+                                  <p:childTnLst>
+                                    <p:set>
+                                      <p:cBhvr>
+                                        <p:cTn id="17" dur="1" fill="hold">
+                                          <p:stCondLst>
+                                            <p:cond delay="0"/>
+                                          </p:stCondLst>
+                                        </p:cTn>
+                                        <p:tgtEl>
+                                          <p:spTgt spid="2">
+                                            <p:txEl>
+                                              <p:pRg st="5" end="5"/>
+                                            </p:txEl>
+                                          </p:spTgt>
+                                        </p:tgtEl>
+                                        <p:attrNameLst>
+                                          <p:attrName>style.visibility</p:attrName>
+                                        </p:attrNameLst>
+                                      </p:cBhvr>
+                                      <p:to>
+                                        <p:strVal val="visible"/>
+                                      </p:to>
+                                    </p:set>
+                                    <p:anim calcmode="lin" valueType="num">
+                                      <p:cBhvr additive="base">
+                                        <p:cTn id="18" dur="500" fill="hold"/>
+                                        <p:tgtEl>
+                                          <p:spTgt spid="2">
+                                            <p:txEl>
+                                              <p:pRg st="5" end="5"/>
+                                            </p:txEl>
+                                          </p:spTgt>
+                                        </p:tgtEl>
+                                        <p:attrNameLst>
+                                          <p:attrName>ppt_x</p:attrName>
+                                        </p:attrNameLst>
+                                      </p:cBhvr>
+                                      <p:tavLst>
+                                        <p:tav tm="0">
+                                          <p:val>
+                                            <p:strVal val="#ppt_x"/>
+                                          </p:val>
+                                        </p:tav>
+                                        <p:tav tm="100000">
+                                          <p:val>
+                                            <p:strVal val="#ppt_x"/>
+                                          </p:val>
+                                        </p:tav>
+                                      </p:tavLst>
+                                    </p:anim>
+                                    <p:anim calcmode="lin" valueType="num">
+                                      <p:cBhvr additive="base">
+                                        <p:cTn id="19" dur="500" fill="hold"/>
+                                        <p:tgtEl>
+                                          <p:spTgt spid="2">
+                                            <p:txEl>
+                                              <p:pRg st="5" end="5"/>
+                                            </p:txEl>
+                                          </p:spTgt>
+                                        </p:tgtEl>
+                                        <p:attrNameLst>
+                                          <p:attrName>ppt_y</p:attrName>
+                                        </p:attrNameLst>
+                                      </p:cBhvr>
+                                      <p:tavLst>
+                                        <p:tav tm="0">
+                                          <p:val>
+                                            <p:strVal val="1+#ppt_h/2"/>
+                                          </p:val>
+                                        </p:tav>
+                                        <p:tav tm="100000">
+                                          <p:val>
+                                            <p:strVal val="#ppt_y"/>
+                                          </p:val>
+                                        </p:tav>
+                                      </p:tavLst>
+                                    </p:anim>
+                                  </p:childTnLst>
+                                </p:cTn>
+                              </p:par>
+                            </p:childTnLst>
+                          </p:cTn>
+                        </p:par>
+                      </p:childTnLst>
+                    </p:cTn>
+                  </p:par>
+                </p:childTnLst>
+              </p:cTn>
+              <p:prevCondLst>
+                <p:cond evt="onPrev" delay="0">
+                  <p:tgtEl>
+                    <p:sldTgt/>
+                  </p:tgtEl>
+                </p:cond>
+              </p:prevCondLst>
+              <p:nextCondLst>
+                <p:cond evt="onNext" delay="0">
+                  <p:tgtEl>
+                    <p:sldTgt/>
+                  </p:tgtEl>
+                </p:cond>
+              </p:nextCondLst>
+            </p:seq>
+          </p:childTnLst>
+        </p:cTn>
       </p:par>
     </p:tnLst>
   </p:timing>
@@ -10112,7 +10447,7 @@
             <a:r>
               <a:rPr lang="en-US" altLang="zh-CN" dirty="0" smtClean="0">
                 <a:solidFill>
-                  <a:schemeClr val="tx1"/>
+                  <a:srgbClr val="FF0000"/>
                 </a:solidFill>
                 <a:sym typeface="+mn-ea"/>
               </a:rPr>
@@ -10121,7 +10456,7 @@
             <a:r>
               <a:rPr lang="zh-CN" altLang="en-US" dirty="0" smtClean="0">
                 <a:solidFill>
-                  <a:schemeClr val="tx1"/>
+                  <a:srgbClr val="FF0000"/>
                 </a:solidFill>
                 <a:sym typeface="+mn-ea"/>
               </a:rPr>
@@ -10130,7 +10465,7 @@
             <a:r>
               <a:rPr lang="en-US" altLang="zh-CN" dirty="0" smtClean="0">
                 <a:solidFill>
-                  <a:schemeClr val="tx1"/>
+                  <a:srgbClr val="FF0000"/>
                 </a:solidFill>
                 <a:sym typeface="+mn-ea"/>
               </a:rPr>
@@ -10138,7 +10473,7 @@
             </a:r>
             <a:endParaRPr lang="en-US" altLang="zh-CN" dirty="0" smtClean="0">
               <a:solidFill>
-                <a:schemeClr val="tx1"/>
+                <a:srgbClr val="FF0000"/>
               </a:solidFill>
               <a:sym typeface="+mn-ea"/>
             </a:endParaRPr>
@@ -10196,7 +10531,7 @@
             <a:r>
               <a:rPr lang="zh-CN" altLang="zh-CN" dirty="0" smtClean="0">
                 <a:solidFill>
-                  <a:schemeClr val="tx1"/>
+                  <a:srgbClr val="FF0000"/>
                 </a:solidFill>
                 <a:sym typeface="+mn-ea"/>
               </a:rPr>
@@ -10205,7 +10540,7 @@
             <a:r>
               <a:rPr lang="zh-CN" altLang="en-US" dirty="0" smtClean="0">
                 <a:solidFill>
-                  <a:schemeClr val="tx1"/>
+                  <a:srgbClr val="FF0000"/>
                 </a:solidFill>
                 <a:sym typeface="+mn-ea"/>
               </a:rPr>
@@ -10214,20 +10549,11 @@
             <a:r>
               <a:rPr lang="en-US" altLang="zh-CN" dirty="0">
                 <a:solidFill>
-                  <a:schemeClr val="tx1"/>
+                  <a:srgbClr val="FF0000"/>
                 </a:solidFill>
                 <a:sym typeface="+mn-ea"/>
               </a:rPr>
               <a:t>》</a:t>
-            </a:r>
-            <a:r>
-              <a:rPr lang="zh-CN" altLang="en-US" dirty="0" smtClean="0">
-                <a:solidFill>
-                  <a:schemeClr val="tx1"/>
-                </a:solidFill>
-                <a:sym typeface="+mn-ea"/>
-              </a:rPr>
-              <a:t>（第二版）</a:t>
             </a:r>
             <a:endParaRPr lang="zh-CN" altLang="en-US" dirty="0" smtClean="0">
               <a:solidFill>
@@ -10248,7 +10574,15 @@
                   <a:schemeClr val="tx1"/>
                 </a:solidFill>
               </a:rPr>
-              <a:t>  Chrome</a:t>
+              <a:t>  </a:t>
+            </a:r>
+            <a:r>
+              <a:rPr lang="en-US" altLang="zh-CN" dirty="0">
+                <a:solidFill>
+                  <a:srgbClr val="FF0000"/>
+                </a:solidFill>
+              </a:rPr>
+              <a:t>Chrome</a:t>
             </a:r>
             <a:r>
               <a:rPr lang="zh-CN" altLang="en-US" dirty="0">
@@ -10264,7 +10598,7 @@
                   <a:schemeClr val="tx1"/>
                 </a:solidFill>
               </a:rPr>
-              <a:t>WebStorm</a:t>
+              <a:t>VSCode</a:t>
             </a:r>
             <a:endParaRPr lang="en-US" altLang="zh-CN" dirty="0">
               <a:solidFill>

--- a/课程PPT/01.JavaScript发展历程及语言特点.pptx
+++ b/课程PPT/01.JavaScript发展历程及语言特点.pptx
@@ -7730,7 +7730,25 @@
                 </a:solidFill>
                 <a:sym typeface="+mn-ea"/>
               </a:rPr>
-              <a:t>学习仓库</a:t>
+              <a:t>学习仓库（</a:t>
+            </a:r>
+            <a:r>
+              <a:rPr kumimoji="0" lang="en-US" altLang="zh-CN" dirty="0" smtClean="0">
+                <a:solidFill>
+                  <a:srgbClr val="FF0000"/>
+                </a:solidFill>
+                <a:sym typeface="+mn-ea"/>
+              </a:rPr>
+              <a:t>JS-advanced-lessons</a:t>
+            </a:r>
+            <a:r>
+              <a:rPr kumimoji="0" lang="zh-CN" altLang="en-US" dirty="0" smtClean="0">
+                <a:solidFill>
+                  <a:srgbClr val="FF0000"/>
+                </a:solidFill>
+                <a:sym typeface="+mn-ea"/>
+              </a:rPr>
+              <a:t>）</a:t>
             </a:r>
             <a:br>
               <a:rPr kumimoji="0" lang="en-US" altLang="zh-CN" dirty="0" smtClean="0">
@@ -8195,15 +8213,7 @@
                   <a:srgbClr val="FF0000"/>
                 </a:solidFill>
               </a:rPr>
-              <a:t>大</a:t>
-            </a:r>
-            <a:r>
-              <a:rPr lang="zh-CN" altLang="en-US" b="1" dirty="0">
-                <a:solidFill>
-                  <a:srgbClr val="FF0000"/>
-                </a:solidFill>
-              </a:rPr>
-              <a:t>前端、</a:t>
+              <a:t>大前端、</a:t>
             </a:r>
             <a:r>
               <a:rPr lang="en-US" altLang="zh-CN" b="1" dirty="0">

--- a/课程PPT/01.JavaScript发展历程及语言特点.pptx
+++ b/课程PPT/01.JavaScript发展历程及语言特点.pptx
@@ -3118,6 +3118,68 @@
               <a:solidFill>
                 <a:schemeClr val="tx1"/>
               </a:solidFill>
+            </a:endParaRPr>
+          </a:p>
+        </p:txBody>
+      </p:sp>
+      <p:sp>
+        <p:nvSpPr>
+          <p:cNvPr id="9" name="文本框 8"/>
+          <p:cNvSpPr txBox="1"/>
+          <p:nvPr/>
+        </p:nvSpPr>
+        <p:spPr>
+          <a:xfrm>
+            <a:off x="4966335" y="6032500"/>
+            <a:ext cx="6288405" cy="429895"/>
+          </a:xfrm>
+          <a:prstGeom prst="rect">
+            <a:avLst/>
+          </a:prstGeom>
+          <a:noFill/>
+        </p:spPr>
+        <p:txBody>
+          <a:bodyPr wrap="square" rtlCol="0">
+            <a:spAutoFit/>
+          </a:bodyPr>
+          <a:p>
+            <a:pPr algn="l"/>
+            <a:r>
+              <a:rPr lang="en-US" altLang="zh-CN" sz="2200">
+                <a:solidFill>
+                  <a:srgbClr val="FF0000"/>
+                </a:solidFill>
+                <a:latin typeface="+mn-ea"/>
+                <a:ea typeface="+mn-ea"/>
+              </a:rPr>
+              <a:t>git</a:t>
+            </a:r>
+            <a:r>
+              <a:rPr lang="zh-CN" altLang="en-US" sz="2200">
+                <a:solidFill>
+                  <a:srgbClr val="FF0000"/>
+                </a:solidFill>
+                <a:latin typeface="+mn-ea"/>
+                <a:ea typeface="+mn-ea"/>
+              </a:rPr>
+              <a:t>参考：</a:t>
+            </a:r>
+            <a:r>
+              <a:rPr lang="zh-CN" altLang="en-US" sz="2200">
+                <a:solidFill>
+                  <a:srgbClr val="FF0000"/>
+                </a:solidFill>
+                <a:latin typeface="+mn-ea"/>
+                <a:ea typeface="+mn-ea"/>
+              </a:rPr>
+              <a:t>https://backlog.com/git-tutorial/cn/</a:t>
+            </a:r>
+            <a:endParaRPr lang="zh-CN" altLang="en-US" sz="2200">
+              <a:solidFill>
+                <a:srgbClr val="FF0000"/>
+              </a:solidFill>
+              <a:latin typeface="+mn-ea"/>
+              <a:ea typeface="+mn-ea"/>
             </a:endParaRPr>
           </a:p>
         </p:txBody>
